--- a/product/vkr_pres.pptx
+++ b/product/vkr_pres.pptx
@@ -5,7 +5,7 @@
     <p:sldMasterId id="2147483648" r:id="rId1"/>
   </p:sldMasterIdLst>
   <p:notesMasterIdLst>
-    <p:notesMasterId r:id="rId27"/>
+    <p:notesMasterId r:id="rId30"/>
   </p:notesMasterIdLst>
   <p:sldIdLst>
     <p:sldId id="256" r:id="rId2"/>
@@ -18,21 +18,24 @@
     <p:sldId id="282" r:id="rId9"/>
     <p:sldId id="262" r:id="rId10"/>
     <p:sldId id="263" r:id="rId11"/>
-    <p:sldId id="264" r:id="rId12"/>
-    <p:sldId id="283" r:id="rId13"/>
-    <p:sldId id="284" r:id="rId14"/>
-    <p:sldId id="285" r:id="rId15"/>
-    <p:sldId id="291" r:id="rId16"/>
-    <p:sldId id="286" r:id="rId17"/>
-    <p:sldId id="292" r:id="rId18"/>
-    <p:sldId id="287" r:id="rId19"/>
-    <p:sldId id="293" r:id="rId20"/>
-    <p:sldId id="288" r:id="rId21"/>
-    <p:sldId id="272" r:id="rId22"/>
-    <p:sldId id="273" r:id="rId23"/>
-    <p:sldId id="274" r:id="rId24"/>
-    <p:sldId id="275" r:id="rId25"/>
-    <p:sldId id="276" r:id="rId26"/>
+    <p:sldId id="295" r:id="rId12"/>
+    <p:sldId id="264" r:id="rId13"/>
+    <p:sldId id="283" r:id="rId14"/>
+    <p:sldId id="294" r:id="rId15"/>
+    <p:sldId id="284" r:id="rId16"/>
+    <p:sldId id="285" r:id="rId17"/>
+    <p:sldId id="291" r:id="rId18"/>
+    <p:sldId id="286" r:id="rId19"/>
+    <p:sldId id="292" r:id="rId20"/>
+    <p:sldId id="287" r:id="rId21"/>
+    <p:sldId id="293" r:id="rId22"/>
+    <p:sldId id="288" r:id="rId23"/>
+    <p:sldId id="272" r:id="rId24"/>
+    <p:sldId id="296" r:id="rId25"/>
+    <p:sldId id="273" r:id="rId26"/>
+    <p:sldId id="274" r:id="rId27"/>
+    <p:sldId id="275" r:id="rId28"/>
+    <p:sldId id="276" r:id="rId29"/>
   </p:sldIdLst>
   <p:sldSz cx="12192000" cy="6858000"/>
   <p:notesSz cx="6858000" cy="9144000"/>
@@ -262,7 +265,7 @@
           <a:p>
             <a:fld id="{2B4BF175-70FA-4AEE-AB33-23E4CA15633A}" type="datetimeFigureOut">
               <a:rPr lang="ru-RU" smtClean="0"/>
-              <a:t>11.06.2024</a:t>
+              <a:t>12.06.2024</a:t>
             </a:fld>
             <a:endParaRPr lang="ru-RU"/>
           </a:p>
@@ -676,7 +679,7 @@
           <a:p>
             <a:fld id="{98A72AB2-A966-4E52-98F1-ECA2B1AE7594}" type="datetime1">
               <a:rPr lang="ru-RU" smtClean="0"/>
-              <a:t>11.06.2024</a:t>
+              <a:t>12.06.2024</a:t>
             </a:fld>
             <a:endParaRPr lang="ru-RU"/>
           </a:p>
@@ -874,7 +877,7 @@
           <a:p>
             <a:fld id="{A63EFB04-33DA-4104-B439-4944D8923386}" type="datetime1">
               <a:rPr lang="ru-RU" smtClean="0"/>
-              <a:t>11.06.2024</a:t>
+              <a:t>12.06.2024</a:t>
             </a:fld>
             <a:endParaRPr lang="ru-RU"/>
           </a:p>
@@ -1082,7 +1085,7 @@
           <a:p>
             <a:fld id="{91854D42-6309-4358-91BA-A1E5A62203E9}" type="datetime1">
               <a:rPr lang="ru-RU" smtClean="0"/>
-              <a:t>11.06.2024</a:t>
+              <a:t>12.06.2024</a:t>
             </a:fld>
             <a:endParaRPr lang="ru-RU"/>
           </a:p>
@@ -1280,7 +1283,7 @@
           <a:p>
             <a:fld id="{C73682AE-DD03-48DA-8EDD-251D3EBB38B0}" type="datetime1">
               <a:rPr lang="ru-RU" smtClean="0"/>
-              <a:t>11.06.2024</a:t>
+              <a:t>12.06.2024</a:t>
             </a:fld>
             <a:endParaRPr lang="ru-RU"/>
           </a:p>
@@ -1555,7 +1558,7 @@
           <a:p>
             <a:fld id="{E7C9925F-EF06-4510-9A4A-0F599697C0C7}" type="datetime1">
               <a:rPr lang="ru-RU" smtClean="0"/>
-              <a:t>11.06.2024</a:t>
+              <a:t>12.06.2024</a:t>
             </a:fld>
             <a:endParaRPr lang="ru-RU"/>
           </a:p>
@@ -1820,7 +1823,7 @@
           <a:p>
             <a:fld id="{6D9D33FF-554F-4B07-9D85-3429FF64560F}" type="datetime1">
               <a:rPr lang="ru-RU" smtClean="0"/>
-              <a:t>11.06.2024</a:t>
+              <a:t>12.06.2024</a:t>
             </a:fld>
             <a:endParaRPr lang="ru-RU"/>
           </a:p>
@@ -2232,7 +2235,7 @@
           <a:p>
             <a:fld id="{010A0FBA-D2D6-406E-B902-20707CDA8560}" type="datetime1">
               <a:rPr lang="ru-RU" smtClean="0"/>
-              <a:t>11.06.2024</a:t>
+              <a:t>12.06.2024</a:t>
             </a:fld>
             <a:endParaRPr lang="ru-RU"/>
           </a:p>
@@ -2373,7 +2376,7 @@
           <a:p>
             <a:fld id="{42809068-0602-4EB2-8C99-3D5AD5F368EE}" type="datetime1">
               <a:rPr lang="ru-RU" smtClean="0"/>
-              <a:t>11.06.2024</a:t>
+              <a:t>12.06.2024</a:t>
             </a:fld>
             <a:endParaRPr lang="ru-RU"/>
           </a:p>
@@ -2486,7 +2489,7 @@
           <a:p>
             <a:fld id="{144A6F42-6AC4-4BBE-8270-69B461CB4ECB}" type="datetime1">
               <a:rPr lang="ru-RU" smtClean="0"/>
-              <a:t>11.06.2024</a:t>
+              <a:t>12.06.2024</a:t>
             </a:fld>
             <a:endParaRPr lang="ru-RU"/>
           </a:p>
@@ -2797,7 +2800,7 @@
           <a:p>
             <a:fld id="{4D9DE369-B54F-4785-81AA-73E9A4718453}" type="datetime1">
               <a:rPr lang="ru-RU" smtClean="0"/>
-              <a:t>11.06.2024</a:t>
+              <a:t>12.06.2024</a:t>
             </a:fld>
             <a:endParaRPr lang="ru-RU"/>
           </a:p>
@@ -3085,7 +3088,7 @@
           <a:p>
             <a:fld id="{5AF97715-465D-424E-8A31-06230936E6BB}" type="datetime1">
               <a:rPr lang="ru-RU" smtClean="0"/>
-              <a:t>11.06.2024</a:t>
+              <a:t>12.06.2024</a:t>
             </a:fld>
             <a:endParaRPr lang="ru-RU"/>
           </a:p>
@@ -3326,7 +3329,7 @@
           <a:p>
             <a:fld id="{01D6F181-79AA-46A5-A336-F3B94E3AA79F}" type="datetime1">
               <a:rPr lang="ru-RU" smtClean="0"/>
-              <a:t>11.06.2024</a:t>
+              <a:t>12.06.2024</a:t>
             </a:fld>
             <a:endParaRPr lang="ru-RU"/>
           </a:p>
@@ -4141,35 +4144,6 @@
           </a:p>
         </p:txBody>
       </p:sp>
-      <p:pic>
-        <p:nvPicPr>
-          <p:cNvPr id="5" name="Объект 4"/>
-          <p:cNvPicPr>
-            <a:picLocks noGrp="1" noChangeAspect="1"/>
-          </p:cNvPicPr>
-          <p:nvPr>
-            <p:ph idx="1"/>
-          </p:nvPr>
-        </p:nvPicPr>
-        <p:blipFill>
-          <a:blip r:embed="rId2">
-            <a:extLst>
-              <a:ext uri="{28A0092B-C50C-407E-A947-70E740481C1C}">
-                <a14:useLocalDpi xmlns:a14="http://schemas.microsoft.com/office/drawing/2010/main" val="0"/>
-              </a:ext>
-            </a:extLst>
-          </a:blip>
-          <a:stretch>
-            <a:fillRect/>
-          </a:stretch>
-        </p:blipFill>
-        <p:spPr>
-          <a:xfrm>
-            <a:off x="1987176" y="1374983"/>
-            <a:ext cx="8217648" cy="4869503"/>
-          </a:xfrm>
-        </p:spPr>
-      </p:pic>
       <p:sp>
         <p:nvSpPr>
           <p:cNvPr id="4" name="Номер слайда 3">
@@ -4199,6 +4173,825 @@
           </a:p>
         </p:txBody>
       </p:sp>
+      <p:pic>
+        <p:nvPicPr>
+          <p:cNvPr id="3" name="Рисунок 2"/>
+          <p:cNvPicPr>
+            <a:picLocks noChangeAspect="1"/>
+          </p:cNvPicPr>
+          <p:nvPr/>
+        </p:nvPicPr>
+        <p:blipFill>
+          <a:blip r:embed="rId2">
+            <a:extLst>
+              <a:ext uri="{28A0092B-C50C-407E-A947-70E740481C1C}">
+                <a14:useLocalDpi xmlns:a14="http://schemas.microsoft.com/office/drawing/2010/main" val="0"/>
+              </a:ext>
+            </a:extLst>
+          </a:blip>
+          <a:stretch>
+            <a:fillRect/>
+          </a:stretch>
+        </p:blipFill>
+        <p:spPr>
+          <a:xfrm>
+            <a:off x="8078522" y="1469054"/>
+            <a:ext cx="1414931" cy="1628358"/>
+          </a:xfrm>
+          <a:prstGeom prst="rect">
+            <a:avLst/>
+          </a:prstGeom>
+        </p:spPr>
+      </p:pic>
+      <p:pic>
+        <p:nvPicPr>
+          <p:cNvPr id="6" name="Рисунок 5"/>
+          <p:cNvPicPr>
+            <a:picLocks noChangeAspect="1"/>
+          </p:cNvPicPr>
+          <p:nvPr/>
+        </p:nvPicPr>
+        <p:blipFill>
+          <a:blip r:embed="rId3">
+            <a:extLst>
+              <a:ext uri="{28A0092B-C50C-407E-A947-70E740481C1C}">
+                <a14:useLocalDpi xmlns:a14="http://schemas.microsoft.com/office/drawing/2010/main" val="0"/>
+              </a:ext>
+            </a:extLst>
+          </a:blip>
+          <a:stretch>
+            <a:fillRect/>
+          </a:stretch>
+        </p:blipFill>
+        <p:spPr>
+          <a:xfrm>
+            <a:off x="7778029" y="3466543"/>
+            <a:ext cx="1412738" cy="1412738"/>
+          </a:xfrm>
+          <a:prstGeom prst="rect">
+            <a:avLst/>
+          </a:prstGeom>
+        </p:spPr>
+      </p:pic>
+      <p:pic>
+        <p:nvPicPr>
+          <p:cNvPr id="7" name="Рисунок 6"/>
+          <p:cNvPicPr>
+            <a:picLocks noChangeAspect="1"/>
+          </p:cNvPicPr>
+          <p:nvPr/>
+        </p:nvPicPr>
+        <p:blipFill>
+          <a:blip r:embed="rId4">
+            <a:extLst>
+              <a:ext uri="{28A0092B-C50C-407E-A947-70E740481C1C}">
+                <a14:useLocalDpi xmlns:a14="http://schemas.microsoft.com/office/drawing/2010/main" val="0"/>
+              </a:ext>
+            </a:extLst>
+          </a:blip>
+          <a:stretch>
+            <a:fillRect/>
+          </a:stretch>
+        </p:blipFill>
+        <p:spPr>
+          <a:xfrm>
+            <a:off x="5755836" y="1469054"/>
+            <a:ext cx="1425806" cy="1628358"/>
+          </a:xfrm>
+          <a:prstGeom prst="rect">
+            <a:avLst/>
+          </a:prstGeom>
+        </p:spPr>
+      </p:pic>
+      <p:pic>
+        <p:nvPicPr>
+          <p:cNvPr id="8" name="Рисунок 7"/>
+          <p:cNvPicPr>
+            <a:picLocks noChangeAspect="1"/>
+          </p:cNvPicPr>
+          <p:nvPr/>
+        </p:nvPicPr>
+        <p:blipFill>
+          <a:blip r:embed="rId5">
+            <a:extLst>
+              <a:ext uri="{28A0092B-C50C-407E-A947-70E740481C1C}">
+                <a14:useLocalDpi xmlns:a14="http://schemas.microsoft.com/office/drawing/2010/main" val="0"/>
+              </a:ext>
+            </a:extLst>
+          </a:blip>
+          <a:stretch>
+            <a:fillRect/>
+          </a:stretch>
+        </p:blipFill>
+        <p:spPr>
+          <a:xfrm>
+            <a:off x="2093862" y="3466543"/>
+            <a:ext cx="1412738" cy="1412738"/>
+          </a:xfrm>
+          <a:prstGeom prst="rect">
+            <a:avLst/>
+          </a:prstGeom>
+        </p:spPr>
+      </p:pic>
+      <p:pic>
+        <p:nvPicPr>
+          <p:cNvPr id="9" name="Рисунок 8"/>
+          <p:cNvPicPr>
+            <a:picLocks noChangeAspect="1"/>
+          </p:cNvPicPr>
+          <p:nvPr/>
+        </p:nvPicPr>
+        <p:blipFill>
+          <a:blip r:embed="rId6" cstate="hqprint">
+            <a:extLst>
+              <a:ext uri="{28A0092B-C50C-407E-A947-70E740481C1C}">
+                <a14:useLocalDpi xmlns:a14="http://schemas.microsoft.com/office/drawing/2010/main" val="0"/>
+              </a:ext>
+            </a:extLst>
+          </a:blip>
+          <a:stretch>
+            <a:fillRect/>
+          </a:stretch>
+        </p:blipFill>
+        <p:spPr>
+          <a:xfrm>
+            <a:off x="4010809" y="1471693"/>
+            <a:ext cx="1389257" cy="1623461"/>
+          </a:xfrm>
+          <a:prstGeom prst="rect">
+            <a:avLst/>
+          </a:prstGeom>
+        </p:spPr>
+      </p:pic>
+      <p:pic>
+        <p:nvPicPr>
+          <p:cNvPr id="10" name="Рисунок 9"/>
+          <p:cNvPicPr>
+            <a:picLocks noChangeAspect="1"/>
+          </p:cNvPicPr>
+          <p:nvPr/>
+        </p:nvPicPr>
+        <p:blipFill>
+          <a:blip r:embed="rId7">
+            <a:extLst>
+              <a:ext uri="{28A0092B-C50C-407E-A947-70E740481C1C}">
+                <a14:useLocalDpi xmlns:a14="http://schemas.microsoft.com/office/drawing/2010/main" val="0"/>
+              </a:ext>
+            </a:extLst>
+          </a:blip>
+          <a:stretch>
+            <a:fillRect/>
+          </a:stretch>
+        </p:blipFill>
+        <p:spPr>
+          <a:xfrm>
+            <a:off x="5755836" y="5146586"/>
+            <a:ext cx="1412738" cy="1412738"/>
+          </a:xfrm>
+          <a:prstGeom prst="rect">
+            <a:avLst/>
+          </a:prstGeom>
+        </p:spPr>
+      </p:pic>
+      <p:grpSp>
+        <p:nvGrpSpPr>
+          <p:cNvPr id="54" name="Группа 53"/>
+          <p:cNvGrpSpPr/>
+          <p:nvPr/>
+        </p:nvGrpSpPr>
+        <p:grpSpPr>
+          <a:xfrm>
+            <a:off x="3358236" y="2283424"/>
+            <a:ext cx="839114" cy="1889488"/>
+            <a:chOff x="3358236" y="2283424"/>
+            <a:chExt cx="839114" cy="1889488"/>
+          </a:xfrm>
+        </p:grpSpPr>
+        <p:cxnSp>
+          <p:nvCxnSpPr>
+            <p:cNvPr id="13" name="Соединительная линия уступом 12"/>
+            <p:cNvCxnSpPr>
+              <a:stCxn id="9" idx="1"/>
+              <a:endCxn id="8" idx="3"/>
+            </p:cNvCxnSpPr>
+            <p:nvPr/>
+          </p:nvCxnSpPr>
+          <p:spPr>
+            <a:xfrm rot="10800000" flipV="1">
+              <a:off x="3506601" y="2283424"/>
+              <a:ext cx="504209" cy="1889488"/>
+            </a:xfrm>
+            <a:prstGeom prst="bentConnector3">
+              <a:avLst/>
+            </a:prstGeom>
+            <a:ln w="12700">
+              <a:headEnd type="triangle"/>
+              <a:tailEnd type="triangle" w="med" len="med"/>
+            </a:ln>
+          </p:spPr>
+          <p:style>
+            <a:lnRef idx="1">
+              <a:schemeClr val="dk1"/>
+            </a:lnRef>
+            <a:fillRef idx="0">
+              <a:schemeClr val="dk1"/>
+            </a:fillRef>
+            <a:effectRef idx="0">
+              <a:schemeClr val="dk1"/>
+            </a:effectRef>
+            <a:fontRef idx="minor">
+              <a:schemeClr val="tx1"/>
+            </a:fontRef>
+          </p:style>
+        </p:cxnSp>
+        <p:sp>
+          <p:nvSpPr>
+            <p:cNvPr id="38" name="TextBox 37"/>
+            <p:cNvSpPr txBox="1"/>
+            <p:nvPr/>
+          </p:nvSpPr>
+          <p:spPr>
+            <a:xfrm>
+              <a:off x="3358236" y="3151872"/>
+              <a:ext cx="839114" cy="276999"/>
+            </a:xfrm>
+            <a:prstGeom prst="rect">
+              <a:avLst/>
+            </a:prstGeom>
+            <a:solidFill>
+              <a:schemeClr val="bg1"/>
+            </a:solidFill>
+          </p:spPr>
+          <p:txBody>
+            <a:bodyPr wrap="square" rtlCol="0">
+              <a:spAutoFit/>
+            </a:bodyPr>
+            <a:lstStyle/>
+            <a:p>
+              <a:pPr algn="ctr"/>
+              <a:r>
+                <a:rPr lang="en-US" sz="1200" b="1" dirty="0" err="1"/>
+                <a:t>p</a:t>
+              </a:r>
+              <a:r>
+                <a:rPr lang="en-US" sz="1200" b="1" dirty="0" err="1" smtClean="0"/>
+                <a:t>erson_id</a:t>
+              </a:r>
+              <a:endParaRPr lang="ru-RU" sz="1200" b="1" dirty="0"/>
+            </a:p>
+          </p:txBody>
+        </p:sp>
+      </p:grpSp>
+      <p:grpSp>
+        <p:nvGrpSpPr>
+          <p:cNvPr id="77" name="Группа 76"/>
+          <p:cNvGrpSpPr/>
+          <p:nvPr/>
+        </p:nvGrpSpPr>
+        <p:grpSpPr>
+          <a:xfrm>
+            <a:off x="7063454" y="4287051"/>
+            <a:ext cx="935435" cy="1596600"/>
+            <a:chOff x="7063454" y="4287051"/>
+            <a:chExt cx="935435" cy="1596600"/>
+          </a:xfrm>
+        </p:grpSpPr>
+        <p:cxnSp>
+          <p:nvCxnSpPr>
+            <p:cNvPr id="21" name="Соединительная линия уступом 20"/>
+            <p:cNvCxnSpPr>
+              <a:stCxn id="69" idx="1"/>
+              <a:endCxn id="10" idx="3"/>
+            </p:cNvCxnSpPr>
+            <p:nvPr/>
+          </p:nvCxnSpPr>
+          <p:spPr>
+            <a:xfrm rot="10800000" flipV="1">
+              <a:off x="7168575" y="4287051"/>
+              <a:ext cx="628507" cy="1565903"/>
+            </a:xfrm>
+            <a:prstGeom prst="bentConnector3">
+              <a:avLst>
+                <a:gd name="adj1" fmla="val 50000"/>
+              </a:avLst>
+            </a:prstGeom>
+            <a:ln w="12700">
+              <a:headEnd type="triangle"/>
+              <a:tailEnd type="triangle"/>
+            </a:ln>
+          </p:spPr>
+          <p:style>
+            <a:lnRef idx="1">
+              <a:schemeClr val="dk1"/>
+            </a:lnRef>
+            <a:fillRef idx="0">
+              <a:schemeClr val="dk1"/>
+            </a:fillRef>
+            <a:effectRef idx="0">
+              <a:schemeClr val="dk1"/>
+            </a:effectRef>
+            <a:fontRef idx="minor">
+              <a:schemeClr val="tx1"/>
+            </a:fontRef>
+          </p:style>
+        </p:cxnSp>
+        <p:sp>
+          <p:nvSpPr>
+            <p:cNvPr id="51" name="TextBox 50"/>
+            <p:cNvSpPr txBox="1"/>
+            <p:nvPr/>
+          </p:nvSpPr>
+          <p:spPr>
+            <a:xfrm>
+              <a:off x="7063454" y="4874434"/>
+              <a:ext cx="935435" cy="276999"/>
+            </a:xfrm>
+            <a:prstGeom prst="rect">
+              <a:avLst/>
+            </a:prstGeom>
+            <a:solidFill>
+              <a:schemeClr val="bg1"/>
+            </a:solidFill>
+          </p:spPr>
+          <p:txBody>
+            <a:bodyPr wrap="square" rtlCol="0">
+              <a:spAutoFit/>
+            </a:bodyPr>
+            <a:lstStyle/>
+            <a:p>
+              <a:pPr algn="ctr"/>
+              <a:r>
+                <a:rPr lang="en-US" sz="1200" b="1" dirty="0" err="1" smtClean="0"/>
+                <a:t>contract_id</a:t>
+              </a:r>
+              <a:endParaRPr lang="ru-RU" sz="1200" b="1" dirty="0"/>
+            </a:p>
+          </p:txBody>
+        </p:sp>
+        <p:sp>
+          <p:nvSpPr>
+            <p:cNvPr id="55" name="Равнобедренный треугольник 54"/>
+            <p:cNvSpPr/>
+            <p:nvPr/>
+          </p:nvSpPr>
+          <p:spPr>
+            <a:xfrm rot="16200000">
+              <a:off x="7242998" y="5824276"/>
+              <a:ext cx="61392" cy="57358"/>
+            </a:xfrm>
+            <a:prstGeom prst="triangle">
+              <a:avLst/>
+            </a:prstGeom>
+          </p:spPr>
+          <p:style>
+            <a:lnRef idx="2">
+              <a:schemeClr val="dk1">
+                <a:shade val="50000"/>
+              </a:schemeClr>
+            </a:lnRef>
+            <a:fillRef idx="1">
+              <a:schemeClr val="dk1"/>
+            </a:fillRef>
+            <a:effectRef idx="0">
+              <a:schemeClr val="dk1"/>
+            </a:effectRef>
+            <a:fontRef idx="minor">
+              <a:schemeClr val="lt1"/>
+            </a:fontRef>
+          </p:style>
+          <p:txBody>
+            <a:bodyPr rtlCol="0" anchor="ctr"/>
+            <a:lstStyle/>
+            <a:p>
+              <a:pPr algn="ctr"/>
+              <a:endParaRPr lang="ru-RU"/>
+            </a:p>
+          </p:txBody>
+        </p:sp>
+      </p:grpSp>
+      <p:sp>
+        <p:nvSpPr>
+          <p:cNvPr id="69" name="Прямоугольник 68"/>
+          <p:cNvSpPr/>
+          <p:nvPr/>
+        </p:nvSpPr>
+        <p:spPr>
+          <a:xfrm>
+            <a:off x="7797081" y="3906854"/>
+            <a:ext cx="865909" cy="760396"/>
+          </a:xfrm>
+          <a:prstGeom prst="rect">
+            <a:avLst/>
+          </a:prstGeom>
+          <a:noFill/>
+          <a:ln>
+            <a:noFill/>
+          </a:ln>
+        </p:spPr>
+        <p:style>
+          <a:lnRef idx="2">
+            <a:schemeClr val="accent1">
+              <a:shade val="50000"/>
+            </a:schemeClr>
+          </a:lnRef>
+          <a:fillRef idx="1">
+            <a:schemeClr val="accent1"/>
+          </a:fillRef>
+          <a:effectRef idx="0">
+            <a:schemeClr val="accent1"/>
+          </a:effectRef>
+          <a:fontRef idx="minor">
+            <a:schemeClr val="lt1"/>
+          </a:fontRef>
+        </p:style>
+        <p:txBody>
+          <a:bodyPr rtlCol="0" anchor="ctr"/>
+          <a:lstStyle/>
+          <a:p>
+            <a:pPr algn="ctr"/>
+            <a:endParaRPr lang="ru-RU"/>
+          </a:p>
+        </p:txBody>
+      </p:sp>
+      <p:grpSp>
+        <p:nvGrpSpPr>
+          <p:cNvPr id="76" name="Группа 75"/>
+          <p:cNvGrpSpPr/>
+          <p:nvPr/>
+        </p:nvGrpSpPr>
+        <p:grpSpPr>
+          <a:xfrm>
+            <a:off x="9190767" y="2283233"/>
+            <a:ext cx="1017769" cy="1920375"/>
+            <a:chOff x="9190767" y="2283233"/>
+            <a:chExt cx="1017769" cy="1920375"/>
+          </a:xfrm>
+        </p:grpSpPr>
+        <p:cxnSp>
+          <p:nvCxnSpPr>
+            <p:cNvPr id="19" name="Соединительная линия уступом 18"/>
+            <p:cNvCxnSpPr>
+              <a:stCxn id="3" idx="3"/>
+              <a:endCxn id="6" idx="3"/>
+            </p:cNvCxnSpPr>
+            <p:nvPr/>
+          </p:nvCxnSpPr>
+          <p:spPr>
+            <a:xfrm flipH="1">
+              <a:off x="9190767" y="2283233"/>
+              <a:ext cx="302686" cy="1889679"/>
+            </a:xfrm>
+            <a:prstGeom prst="bentConnector3">
+              <a:avLst>
+                <a:gd name="adj1" fmla="val -75524"/>
+              </a:avLst>
+            </a:prstGeom>
+            <a:ln w="12700">
+              <a:headEnd type="triangle"/>
+              <a:tailEnd type="triangle"/>
+            </a:ln>
+          </p:spPr>
+          <p:style>
+            <a:lnRef idx="1">
+              <a:schemeClr val="dk1"/>
+            </a:lnRef>
+            <a:fillRef idx="0">
+              <a:schemeClr val="dk1"/>
+            </a:fillRef>
+            <a:effectRef idx="0">
+              <a:schemeClr val="dk1"/>
+            </a:effectRef>
+            <a:fontRef idx="minor">
+              <a:schemeClr val="tx1"/>
+            </a:fontRef>
+          </p:style>
+        </p:cxnSp>
+        <p:sp>
+          <p:nvSpPr>
+            <p:cNvPr id="49" name="TextBox 48"/>
+            <p:cNvSpPr txBox="1"/>
+            <p:nvPr/>
+          </p:nvSpPr>
+          <p:spPr>
+            <a:xfrm>
+              <a:off x="9273101" y="3098578"/>
+              <a:ext cx="935435" cy="276999"/>
+            </a:xfrm>
+            <a:prstGeom prst="rect">
+              <a:avLst/>
+            </a:prstGeom>
+            <a:solidFill>
+              <a:schemeClr val="bg1"/>
+            </a:solidFill>
+          </p:spPr>
+          <p:txBody>
+            <a:bodyPr wrap="square" rtlCol="0">
+              <a:spAutoFit/>
+            </a:bodyPr>
+            <a:lstStyle/>
+            <a:p>
+              <a:pPr algn="ctr"/>
+              <a:r>
+                <a:rPr lang="en-US" sz="1200" b="1" dirty="0" err="1" smtClean="0"/>
+                <a:t>contract_id</a:t>
+              </a:r>
+              <a:endParaRPr lang="ru-RU" sz="1200" b="1" dirty="0"/>
+            </a:p>
+          </p:txBody>
+        </p:sp>
+        <p:sp>
+          <p:nvSpPr>
+            <p:cNvPr id="71" name="Равнобедренный треугольник 70"/>
+            <p:cNvSpPr/>
+            <p:nvPr/>
+          </p:nvSpPr>
+          <p:spPr>
+            <a:xfrm rot="16200000">
+              <a:off x="9265659" y="4144233"/>
+              <a:ext cx="61392" cy="57358"/>
+            </a:xfrm>
+            <a:prstGeom prst="triangle">
+              <a:avLst/>
+            </a:prstGeom>
+          </p:spPr>
+          <p:style>
+            <a:lnRef idx="2">
+              <a:schemeClr val="dk1">
+                <a:shade val="50000"/>
+              </a:schemeClr>
+            </a:lnRef>
+            <a:fillRef idx="1">
+              <a:schemeClr val="dk1"/>
+            </a:fillRef>
+            <a:effectRef idx="0">
+              <a:schemeClr val="dk1"/>
+            </a:effectRef>
+            <a:fontRef idx="minor">
+              <a:schemeClr val="lt1"/>
+            </a:fontRef>
+          </p:style>
+          <p:txBody>
+            <a:bodyPr rtlCol="0" anchor="ctr"/>
+            <a:lstStyle/>
+            <a:p>
+              <a:pPr algn="ctr"/>
+              <a:endParaRPr lang="ru-RU"/>
+            </a:p>
+          </p:txBody>
+        </p:sp>
+      </p:grpSp>
+      <p:grpSp>
+        <p:nvGrpSpPr>
+          <p:cNvPr id="75" name="Группа 74"/>
+          <p:cNvGrpSpPr/>
+          <p:nvPr/>
+        </p:nvGrpSpPr>
+        <p:grpSpPr>
+          <a:xfrm>
+            <a:off x="7063454" y="2283233"/>
+            <a:ext cx="839114" cy="1920375"/>
+            <a:chOff x="7063454" y="2283233"/>
+            <a:chExt cx="839114" cy="1920375"/>
+          </a:xfrm>
+        </p:grpSpPr>
+        <p:cxnSp>
+          <p:nvCxnSpPr>
+            <p:cNvPr id="17" name="Соединительная линия уступом 16"/>
+            <p:cNvCxnSpPr>
+              <a:stCxn id="7" idx="3"/>
+              <a:endCxn id="6" idx="1"/>
+            </p:cNvCxnSpPr>
+            <p:nvPr/>
+          </p:nvCxnSpPr>
+          <p:spPr>
+            <a:xfrm>
+              <a:off x="7181642" y="2283233"/>
+              <a:ext cx="596387" cy="1889679"/>
+            </a:xfrm>
+            <a:prstGeom prst="bentConnector3">
+              <a:avLst>
+                <a:gd name="adj1" fmla="val 50000"/>
+              </a:avLst>
+            </a:prstGeom>
+            <a:ln w="12700">
+              <a:headEnd type="triangle"/>
+              <a:tailEnd type="triangle"/>
+            </a:ln>
+          </p:spPr>
+          <p:style>
+            <a:lnRef idx="1">
+              <a:schemeClr val="dk1"/>
+            </a:lnRef>
+            <a:fillRef idx="0">
+              <a:schemeClr val="dk1"/>
+            </a:fillRef>
+            <a:effectRef idx="0">
+              <a:schemeClr val="dk1"/>
+            </a:effectRef>
+            <a:fontRef idx="minor">
+              <a:schemeClr val="tx1"/>
+            </a:fontRef>
+          </p:style>
+        </p:cxnSp>
+        <p:sp>
+          <p:nvSpPr>
+            <p:cNvPr id="41" name="TextBox 40"/>
+            <p:cNvSpPr txBox="1"/>
+            <p:nvPr/>
+          </p:nvSpPr>
+          <p:spPr>
+            <a:xfrm>
+              <a:off x="7063454" y="3089668"/>
+              <a:ext cx="839114" cy="276999"/>
+            </a:xfrm>
+            <a:prstGeom prst="rect">
+              <a:avLst/>
+            </a:prstGeom>
+            <a:solidFill>
+              <a:schemeClr val="bg1"/>
+            </a:solidFill>
+          </p:spPr>
+          <p:txBody>
+            <a:bodyPr wrap="square" rtlCol="0">
+              <a:spAutoFit/>
+            </a:bodyPr>
+            <a:lstStyle/>
+            <a:p>
+              <a:pPr algn="ctr"/>
+              <a:r>
+                <a:rPr lang="en-US" sz="1200" b="1" dirty="0" err="1" smtClean="0"/>
+                <a:t>job_id</a:t>
+              </a:r>
+              <a:endParaRPr lang="ru-RU" sz="1200" b="1" dirty="0"/>
+            </a:p>
+          </p:txBody>
+        </p:sp>
+        <p:sp>
+          <p:nvSpPr>
+            <p:cNvPr id="72" name="Равнобедренный треугольник 71"/>
+            <p:cNvSpPr/>
+            <p:nvPr/>
+          </p:nvSpPr>
+          <p:spPr>
+            <a:xfrm rot="5400000">
+              <a:off x="7641528" y="4144233"/>
+              <a:ext cx="61392" cy="57358"/>
+            </a:xfrm>
+            <a:prstGeom prst="triangle">
+              <a:avLst/>
+            </a:prstGeom>
+          </p:spPr>
+          <p:style>
+            <a:lnRef idx="2">
+              <a:schemeClr val="dk1">
+                <a:shade val="50000"/>
+              </a:schemeClr>
+            </a:lnRef>
+            <a:fillRef idx="1">
+              <a:schemeClr val="dk1"/>
+            </a:fillRef>
+            <a:effectRef idx="0">
+              <a:schemeClr val="dk1"/>
+            </a:effectRef>
+            <a:fontRef idx="minor">
+              <a:schemeClr val="lt1"/>
+            </a:fontRef>
+          </p:style>
+          <p:txBody>
+            <a:bodyPr rtlCol="0" anchor="ctr"/>
+            <a:lstStyle/>
+            <a:p>
+              <a:pPr algn="ctr"/>
+              <a:endParaRPr lang="ru-RU"/>
+            </a:p>
+          </p:txBody>
+        </p:sp>
+      </p:grpSp>
+      <p:grpSp>
+        <p:nvGrpSpPr>
+          <p:cNvPr id="74" name="Группа 73"/>
+          <p:cNvGrpSpPr/>
+          <p:nvPr/>
+        </p:nvGrpSpPr>
+        <p:grpSpPr>
+          <a:xfrm>
+            <a:off x="5129405" y="2283424"/>
+            <a:ext cx="839114" cy="3600227"/>
+            <a:chOff x="5129405" y="2283424"/>
+            <a:chExt cx="839114" cy="3600227"/>
+          </a:xfrm>
+        </p:grpSpPr>
+        <p:cxnSp>
+          <p:nvCxnSpPr>
+            <p:cNvPr id="15" name="Соединительная линия уступом 14"/>
+            <p:cNvCxnSpPr>
+              <a:stCxn id="9" idx="3"/>
+              <a:endCxn id="10" idx="1"/>
+            </p:cNvCxnSpPr>
+            <p:nvPr/>
+          </p:nvCxnSpPr>
+          <p:spPr>
+            <a:xfrm>
+              <a:off x="5400066" y="2283424"/>
+              <a:ext cx="355770" cy="3569531"/>
+            </a:xfrm>
+            <a:prstGeom prst="bentConnector3">
+              <a:avLst/>
+            </a:prstGeom>
+            <a:ln w="12700">
+              <a:headEnd type="triangle"/>
+              <a:tailEnd type="triangle"/>
+            </a:ln>
+          </p:spPr>
+          <p:style>
+            <a:lnRef idx="1">
+              <a:schemeClr val="dk1"/>
+            </a:lnRef>
+            <a:fillRef idx="0">
+              <a:schemeClr val="dk1"/>
+            </a:fillRef>
+            <a:effectRef idx="0">
+              <a:schemeClr val="dk1"/>
+            </a:effectRef>
+            <a:fontRef idx="minor">
+              <a:schemeClr val="tx1"/>
+            </a:fontRef>
+          </p:style>
+        </p:cxnSp>
+        <p:sp>
+          <p:nvSpPr>
+            <p:cNvPr id="40" name="TextBox 39"/>
+            <p:cNvSpPr txBox="1"/>
+            <p:nvPr/>
+          </p:nvSpPr>
+          <p:spPr>
+            <a:xfrm>
+              <a:off x="5129405" y="3768355"/>
+              <a:ext cx="839114" cy="276999"/>
+            </a:xfrm>
+            <a:prstGeom prst="rect">
+              <a:avLst/>
+            </a:prstGeom>
+            <a:solidFill>
+              <a:schemeClr val="bg1"/>
+            </a:solidFill>
+          </p:spPr>
+          <p:txBody>
+            <a:bodyPr wrap="square" rtlCol="0">
+              <a:spAutoFit/>
+            </a:bodyPr>
+            <a:lstStyle/>
+            <a:p>
+              <a:pPr algn="ctr"/>
+              <a:r>
+                <a:rPr lang="en-US" sz="1200" b="1" dirty="0" err="1" smtClean="0"/>
+                <a:t>person_id</a:t>
+              </a:r>
+              <a:endParaRPr lang="ru-RU" sz="1200" b="1" dirty="0"/>
+            </a:p>
+          </p:txBody>
+        </p:sp>
+        <p:sp>
+          <p:nvSpPr>
+            <p:cNvPr id="73" name="Равнобедренный треугольник 72"/>
+            <p:cNvSpPr/>
+            <p:nvPr/>
+          </p:nvSpPr>
+          <p:spPr>
+            <a:xfrm rot="5400000">
+              <a:off x="5623212" y="5824276"/>
+              <a:ext cx="61392" cy="57358"/>
+            </a:xfrm>
+            <a:prstGeom prst="triangle">
+              <a:avLst/>
+            </a:prstGeom>
+          </p:spPr>
+          <p:style>
+            <a:lnRef idx="2">
+              <a:schemeClr val="dk1">
+                <a:shade val="50000"/>
+              </a:schemeClr>
+            </a:lnRef>
+            <a:fillRef idx="1">
+              <a:schemeClr val="dk1"/>
+            </a:fillRef>
+            <a:effectRef idx="0">
+              <a:schemeClr val="dk1"/>
+            </a:effectRef>
+            <a:fontRef idx="minor">
+              <a:schemeClr val="lt1"/>
+            </a:fontRef>
+          </p:style>
+          <p:txBody>
+            <a:bodyPr rtlCol="0" anchor="ctr"/>
+            <a:lstStyle/>
+            <a:p>
+              <a:pPr algn="ctr"/>
+              <a:endParaRPr lang="ru-RU"/>
+            </a:p>
+          </p:txBody>
+        </p:sp>
+      </p:grpSp>
     </p:spTree>
     <p:extLst>
       <p:ext uri="{BB962C8B-B14F-4D97-AF65-F5344CB8AC3E}">
@@ -4236,7 +5029,7 @@
                             </p:stCondLst>
                             <p:childTnLst>
                               <p:par>
-                                <p:cTn id="5" presetID="22" presetClass="entr" presetSubtype="4" fill="hold" nodeType="withEffect">
+                                <p:cTn id="5" presetID="22" presetClass="entr" presetSubtype="1" fill="hold" nodeType="afterEffect">
                                   <p:stCondLst>
                                     <p:cond delay="0"/>
                                   </p:stCondLst>
@@ -4249,7 +5042,7 @@
                                           </p:stCondLst>
                                         </p:cTn>
                                         <p:tgtEl>
-                                          <p:spTgt spid="5"/>
+                                          <p:spTgt spid="9"/>
                                         </p:tgtEl>
                                         <p:attrNameLst>
                                           <p:attrName>style.visibility</p:attrName>
@@ -4259,11 +5052,451 @@
                                         <p:strVal val="visible"/>
                                       </p:to>
                                     </p:set>
-                                    <p:animEffect transition="in" filter="wipe(down)">
-                                      <p:cBhvr>
-                                        <p:cTn id="7" dur="1000"/>
-                                        <p:tgtEl>
-                                          <p:spTgt spid="5"/>
+                                    <p:animEffect transition="in" filter="wipe(up)">
+                                      <p:cBhvr>
+                                        <p:cTn id="7" dur="750"/>
+                                        <p:tgtEl>
+                                          <p:spTgt spid="9"/>
+                                        </p:tgtEl>
+                                      </p:cBhvr>
+                                    </p:animEffect>
+                                  </p:childTnLst>
+                                </p:cTn>
+                              </p:par>
+                            </p:childTnLst>
+                          </p:cTn>
+                        </p:par>
+                        <p:par>
+                          <p:cTn id="8" fill="hold">
+                            <p:stCondLst>
+                              <p:cond delay="750"/>
+                            </p:stCondLst>
+                            <p:childTnLst>
+                              <p:par>
+                                <p:cTn id="9" presetID="22" presetClass="entr" presetSubtype="1" fill="hold" nodeType="afterEffect">
+                                  <p:stCondLst>
+                                    <p:cond delay="0"/>
+                                  </p:stCondLst>
+                                  <p:childTnLst>
+                                    <p:set>
+                                      <p:cBhvr>
+                                        <p:cTn id="10" dur="1" fill="hold">
+                                          <p:stCondLst>
+                                            <p:cond delay="0"/>
+                                          </p:stCondLst>
+                                        </p:cTn>
+                                        <p:tgtEl>
+                                          <p:spTgt spid="7"/>
+                                        </p:tgtEl>
+                                        <p:attrNameLst>
+                                          <p:attrName>style.visibility</p:attrName>
+                                        </p:attrNameLst>
+                                      </p:cBhvr>
+                                      <p:to>
+                                        <p:strVal val="visible"/>
+                                      </p:to>
+                                    </p:set>
+                                    <p:animEffect transition="in" filter="wipe(up)">
+                                      <p:cBhvr>
+                                        <p:cTn id="11" dur="750"/>
+                                        <p:tgtEl>
+                                          <p:spTgt spid="7"/>
+                                        </p:tgtEl>
+                                      </p:cBhvr>
+                                    </p:animEffect>
+                                  </p:childTnLst>
+                                </p:cTn>
+                              </p:par>
+                            </p:childTnLst>
+                          </p:cTn>
+                        </p:par>
+                        <p:par>
+                          <p:cTn id="12" fill="hold">
+                            <p:stCondLst>
+                              <p:cond delay="1500"/>
+                            </p:stCondLst>
+                            <p:childTnLst>
+                              <p:par>
+                                <p:cTn id="13" presetID="22" presetClass="entr" presetSubtype="1" fill="hold" nodeType="afterEffect">
+                                  <p:stCondLst>
+                                    <p:cond delay="0"/>
+                                  </p:stCondLst>
+                                  <p:childTnLst>
+                                    <p:set>
+                                      <p:cBhvr>
+                                        <p:cTn id="14" dur="1" fill="hold">
+                                          <p:stCondLst>
+                                            <p:cond delay="0"/>
+                                          </p:stCondLst>
+                                        </p:cTn>
+                                        <p:tgtEl>
+                                          <p:spTgt spid="3"/>
+                                        </p:tgtEl>
+                                        <p:attrNameLst>
+                                          <p:attrName>style.visibility</p:attrName>
+                                        </p:attrNameLst>
+                                      </p:cBhvr>
+                                      <p:to>
+                                        <p:strVal val="visible"/>
+                                      </p:to>
+                                    </p:set>
+                                    <p:animEffect transition="in" filter="wipe(up)">
+                                      <p:cBhvr>
+                                        <p:cTn id="15" dur="750"/>
+                                        <p:tgtEl>
+                                          <p:spTgt spid="3"/>
+                                        </p:tgtEl>
+                                      </p:cBhvr>
+                                    </p:animEffect>
+                                  </p:childTnLst>
+                                </p:cTn>
+                              </p:par>
+                            </p:childTnLst>
+                          </p:cTn>
+                        </p:par>
+                        <p:par>
+                          <p:cTn id="16" fill="hold">
+                            <p:stCondLst>
+                              <p:cond delay="2250"/>
+                            </p:stCondLst>
+                            <p:childTnLst>
+                              <p:par>
+                                <p:cTn id="17" presetID="22" presetClass="entr" presetSubtype="1" fill="hold" nodeType="afterEffect">
+                                  <p:stCondLst>
+                                    <p:cond delay="0"/>
+                                  </p:stCondLst>
+                                  <p:childTnLst>
+                                    <p:set>
+                                      <p:cBhvr>
+                                        <p:cTn id="18" dur="1" fill="hold">
+                                          <p:stCondLst>
+                                            <p:cond delay="0"/>
+                                          </p:stCondLst>
+                                        </p:cTn>
+                                        <p:tgtEl>
+                                          <p:spTgt spid="54"/>
+                                        </p:tgtEl>
+                                        <p:attrNameLst>
+                                          <p:attrName>style.visibility</p:attrName>
+                                        </p:attrNameLst>
+                                      </p:cBhvr>
+                                      <p:to>
+                                        <p:strVal val="visible"/>
+                                      </p:to>
+                                    </p:set>
+                                    <p:animEffect transition="in" filter="wipe(up)">
+                                      <p:cBhvr>
+                                        <p:cTn id="19" dur="750"/>
+                                        <p:tgtEl>
+                                          <p:spTgt spid="54"/>
+                                        </p:tgtEl>
+                                      </p:cBhvr>
+                                    </p:animEffect>
+                                  </p:childTnLst>
+                                </p:cTn>
+                              </p:par>
+                            </p:childTnLst>
+                          </p:cTn>
+                        </p:par>
+                        <p:par>
+                          <p:cTn id="20" fill="hold">
+                            <p:stCondLst>
+                              <p:cond delay="3000"/>
+                            </p:stCondLst>
+                            <p:childTnLst>
+                              <p:par>
+                                <p:cTn id="21" presetID="22" presetClass="entr" presetSubtype="2" fill="hold" nodeType="afterEffect">
+                                  <p:stCondLst>
+                                    <p:cond delay="0"/>
+                                  </p:stCondLst>
+                                  <p:childTnLst>
+                                    <p:set>
+                                      <p:cBhvr>
+                                        <p:cTn id="22" dur="1" fill="hold">
+                                          <p:stCondLst>
+                                            <p:cond delay="0"/>
+                                          </p:stCondLst>
+                                        </p:cTn>
+                                        <p:tgtEl>
+                                          <p:spTgt spid="8"/>
+                                        </p:tgtEl>
+                                        <p:attrNameLst>
+                                          <p:attrName>style.visibility</p:attrName>
+                                        </p:attrNameLst>
+                                      </p:cBhvr>
+                                      <p:to>
+                                        <p:strVal val="visible"/>
+                                      </p:to>
+                                    </p:set>
+                                    <p:animEffect transition="in" filter="wipe(right)">
+                                      <p:cBhvr>
+                                        <p:cTn id="23" dur="750"/>
+                                        <p:tgtEl>
+                                          <p:spTgt spid="8"/>
+                                        </p:tgtEl>
+                                      </p:cBhvr>
+                                    </p:animEffect>
+                                  </p:childTnLst>
+                                </p:cTn>
+                              </p:par>
+                            </p:childTnLst>
+                          </p:cTn>
+                        </p:par>
+                        <p:par>
+                          <p:cTn id="24" fill="hold">
+                            <p:stCondLst>
+                              <p:cond delay="3750"/>
+                            </p:stCondLst>
+                            <p:childTnLst>
+                              <p:par>
+                                <p:cTn id="25" presetID="22" presetClass="entr" presetSubtype="1" fill="hold" nodeType="afterEffect">
+                                  <p:stCondLst>
+                                    <p:cond delay="0"/>
+                                  </p:stCondLst>
+                                  <p:childTnLst>
+                                    <p:set>
+                                      <p:cBhvr>
+                                        <p:cTn id="26" dur="1" fill="hold">
+                                          <p:stCondLst>
+                                            <p:cond delay="0"/>
+                                          </p:stCondLst>
+                                        </p:cTn>
+                                        <p:tgtEl>
+                                          <p:spTgt spid="75"/>
+                                        </p:tgtEl>
+                                        <p:attrNameLst>
+                                          <p:attrName>style.visibility</p:attrName>
+                                        </p:attrNameLst>
+                                      </p:cBhvr>
+                                      <p:to>
+                                        <p:strVal val="visible"/>
+                                      </p:to>
+                                    </p:set>
+                                    <p:animEffect transition="in" filter="wipe(up)">
+                                      <p:cBhvr>
+                                        <p:cTn id="27" dur="750"/>
+                                        <p:tgtEl>
+                                          <p:spTgt spid="75"/>
+                                        </p:tgtEl>
+                                      </p:cBhvr>
+                                    </p:animEffect>
+                                  </p:childTnLst>
+                                </p:cTn>
+                              </p:par>
+                            </p:childTnLst>
+                          </p:cTn>
+                        </p:par>
+                        <p:par>
+                          <p:cTn id="28" fill="hold">
+                            <p:stCondLst>
+                              <p:cond delay="4500"/>
+                            </p:stCondLst>
+                            <p:childTnLst>
+                              <p:par>
+                                <p:cTn id="29" presetID="22" presetClass="entr" presetSubtype="1" fill="hold" nodeType="afterEffect">
+                                  <p:stCondLst>
+                                    <p:cond delay="0"/>
+                                  </p:stCondLst>
+                                  <p:childTnLst>
+                                    <p:set>
+                                      <p:cBhvr>
+                                        <p:cTn id="30" dur="1" fill="hold">
+                                          <p:stCondLst>
+                                            <p:cond delay="0"/>
+                                          </p:stCondLst>
+                                        </p:cTn>
+                                        <p:tgtEl>
+                                          <p:spTgt spid="76"/>
+                                        </p:tgtEl>
+                                        <p:attrNameLst>
+                                          <p:attrName>style.visibility</p:attrName>
+                                        </p:attrNameLst>
+                                      </p:cBhvr>
+                                      <p:to>
+                                        <p:strVal val="visible"/>
+                                      </p:to>
+                                    </p:set>
+                                    <p:animEffect transition="in" filter="wipe(up)">
+                                      <p:cBhvr>
+                                        <p:cTn id="31" dur="750"/>
+                                        <p:tgtEl>
+                                          <p:spTgt spid="76"/>
+                                        </p:tgtEl>
+                                      </p:cBhvr>
+                                    </p:animEffect>
+                                  </p:childTnLst>
+                                </p:cTn>
+                              </p:par>
+                            </p:childTnLst>
+                          </p:cTn>
+                        </p:par>
+                        <p:par>
+                          <p:cTn id="32" fill="hold">
+                            <p:stCondLst>
+                              <p:cond delay="5250"/>
+                            </p:stCondLst>
+                            <p:childTnLst>
+                              <p:par>
+                                <p:cTn id="33" presetID="16" presetClass="entr" presetSubtype="21" fill="hold" nodeType="afterEffect">
+                                  <p:stCondLst>
+                                    <p:cond delay="0"/>
+                                  </p:stCondLst>
+                                  <p:childTnLst>
+                                    <p:set>
+                                      <p:cBhvr>
+                                        <p:cTn id="34" dur="1" fill="hold">
+                                          <p:stCondLst>
+                                            <p:cond delay="0"/>
+                                          </p:stCondLst>
+                                        </p:cTn>
+                                        <p:tgtEl>
+                                          <p:spTgt spid="6"/>
+                                        </p:tgtEl>
+                                        <p:attrNameLst>
+                                          <p:attrName>style.visibility</p:attrName>
+                                        </p:attrNameLst>
+                                      </p:cBhvr>
+                                      <p:to>
+                                        <p:strVal val="visible"/>
+                                      </p:to>
+                                    </p:set>
+                                    <p:animEffect transition="in" filter="barn(inVertical)">
+                                      <p:cBhvr>
+                                        <p:cTn id="35" dur="750"/>
+                                        <p:tgtEl>
+                                          <p:spTgt spid="6"/>
+                                        </p:tgtEl>
+                                      </p:cBhvr>
+                                    </p:animEffect>
+                                  </p:childTnLst>
+                                </p:cTn>
+                              </p:par>
+                            </p:childTnLst>
+                          </p:cTn>
+                        </p:par>
+                        <p:par>
+                          <p:cTn id="36" fill="hold">
+                            <p:stCondLst>
+                              <p:cond delay="6000"/>
+                            </p:stCondLst>
+                            <p:childTnLst>
+                              <p:par>
+                                <p:cTn id="37" presetID="22" presetClass="entr" presetSubtype="1" fill="hold" nodeType="afterEffect">
+                                  <p:stCondLst>
+                                    <p:cond delay="0"/>
+                                  </p:stCondLst>
+                                  <p:childTnLst>
+                                    <p:set>
+                                      <p:cBhvr>
+                                        <p:cTn id="38" dur="1" fill="hold">
+                                          <p:stCondLst>
+                                            <p:cond delay="0"/>
+                                          </p:stCondLst>
+                                        </p:cTn>
+                                        <p:tgtEl>
+                                          <p:spTgt spid="77"/>
+                                        </p:tgtEl>
+                                        <p:attrNameLst>
+                                          <p:attrName>style.visibility</p:attrName>
+                                        </p:attrNameLst>
+                                      </p:cBhvr>
+                                      <p:to>
+                                        <p:strVal val="visible"/>
+                                      </p:to>
+                                    </p:set>
+                                    <p:animEffect transition="in" filter="wipe(up)">
+                                      <p:cBhvr>
+                                        <p:cTn id="39" dur="750"/>
+                                        <p:tgtEl>
+                                          <p:spTgt spid="77"/>
+                                        </p:tgtEl>
+                                      </p:cBhvr>
+                                    </p:animEffect>
+                                  </p:childTnLst>
+                                </p:cTn>
+                              </p:par>
+                            </p:childTnLst>
+                          </p:cTn>
+                        </p:par>
+                        <p:par>
+                          <p:cTn id="40" fill="hold">
+                            <p:stCondLst>
+                              <p:cond delay="6750"/>
+                            </p:stCondLst>
+                            <p:childTnLst>
+                              <p:par>
+                                <p:cTn id="41" presetID="22" presetClass="entr" presetSubtype="1" fill="hold" nodeType="afterEffect">
+                                  <p:stCondLst>
+                                    <p:cond delay="0"/>
+                                  </p:stCondLst>
+                                  <p:childTnLst>
+                                    <p:set>
+                                      <p:cBhvr>
+                                        <p:cTn id="42" dur="1" fill="hold">
+                                          <p:stCondLst>
+                                            <p:cond delay="0"/>
+                                          </p:stCondLst>
+                                        </p:cTn>
+                                        <p:tgtEl>
+                                          <p:spTgt spid="74"/>
+                                        </p:tgtEl>
+                                        <p:attrNameLst>
+                                          <p:attrName>style.visibility</p:attrName>
+                                        </p:attrNameLst>
+                                      </p:cBhvr>
+                                      <p:to>
+                                        <p:strVal val="visible"/>
+                                      </p:to>
+                                    </p:set>
+                                    <p:animEffect transition="in" filter="wipe(up)">
+                                      <p:cBhvr>
+                                        <p:cTn id="43" dur="750"/>
+                                        <p:tgtEl>
+                                          <p:spTgt spid="74"/>
+                                        </p:tgtEl>
+                                      </p:cBhvr>
+                                    </p:animEffect>
+                                  </p:childTnLst>
+                                </p:cTn>
+                              </p:par>
+                            </p:childTnLst>
+                          </p:cTn>
+                        </p:par>
+                        <p:par>
+                          <p:cTn id="44" fill="hold">
+                            <p:stCondLst>
+                              <p:cond delay="7500"/>
+                            </p:stCondLst>
+                            <p:childTnLst>
+                              <p:par>
+                                <p:cTn id="45" presetID="16" presetClass="entr" presetSubtype="21" fill="hold" nodeType="afterEffect">
+                                  <p:stCondLst>
+                                    <p:cond delay="0"/>
+                                  </p:stCondLst>
+                                  <p:childTnLst>
+                                    <p:set>
+                                      <p:cBhvr>
+                                        <p:cTn id="46" dur="1" fill="hold">
+                                          <p:stCondLst>
+                                            <p:cond delay="0"/>
+                                          </p:stCondLst>
+                                        </p:cTn>
+                                        <p:tgtEl>
+                                          <p:spTgt spid="10"/>
+                                        </p:tgtEl>
+                                        <p:attrNameLst>
+                                          <p:attrName>style.visibility</p:attrName>
+                                        </p:attrNameLst>
+                                      </p:cBhvr>
+                                      <p:to>
+                                        <p:strVal val="visible"/>
+                                      </p:to>
+                                    </p:set>
+                                    <p:animEffect transition="in" filter="barn(inVertical)">
+                                      <p:cBhvr>
+                                        <p:cTn id="47" dur="750"/>
+                                        <p:tgtEl>
+                                          <p:spTgt spid="10"/>
                                         </p:tgtEl>
                                       </p:cBhvr>
                                     </p:animEffect>
@@ -4302,6 +5535,1760 @@
 </file>
 
 <file path=ppt/slides/slide11.xml><?xml version="1.0" encoding="utf-8"?>
+<p:sld xmlns:a="http://schemas.openxmlformats.org/drawingml/2006/main" xmlns:r="http://schemas.openxmlformats.org/officeDocument/2006/relationships" xmlns:p="http://schemas.openxmlformats.org/presentationml/2006/main">
+  <p:cSld>
+    <p:spTree>
+      <p:nvGrpSpPr>
+        <p:cNvPr id="1" name=""/>
+        <p:cNvGrpSpPr/>
+        <p:nvPr/>
+      </p:nvGrpSpPr>
+      <p:grpSpPr>
+        <a:xfrm>
+          <a:off x="0" y="0"/>
+          <a:ext cx="0" cy="0"/>
+          <a:chOff x="0" y="0"/>
+          <a:chExt cx="0" cy="0"/>
+        </a:xfrm>
+      </p:grpSpPr>
+      <p:sp>
+        <p:nvSpPr>
+          <p:cNvPr id="2" name="Заголовок 1">
+            <a:extLst>
+              <a:ext uri="{FF2B5EF4-FFF2-40B4-BE49-F238E27FC236}">
+                <a16:creationId xmlns:a16="http://schemas.microsoft.com/office/drawing/2014/main" id="{2B0F988E-2290-4A06-BE99-31499E2736FB}"/>
+              </a:ext>
+            </a:extLst>
+          </p:cNvPr>
+          <p:cNvSpPr>
+            <a:spLocks noGrp="1"/>
+          </p:cNvSpPr>
+          <p:nvPr>
+            <p:ph type="title"/>
+          </p:nvPr>
+        </p:nvSpPr>
+        <p:spPr/>
+        <p:txBody>
+          <a:bodyPr>
+            <a:normAutofit/>
+          </a:bodyPr>
+          <a:lstStyle/>
+          <a:p>
+            <a:r>
+              <a:rPr lang="ru-RU" sz="4000" cap="none" dirty="0">
+                <a:latin typeface="+mn-lt"/>
+                <a:ea typeface="+mn-ea"/>
+                <a:cs typeface="+mn-cs"/>
+              </a:rPr>
+              <a:t>Информационно-логическая модель данных</a:t>
+            </a:r>
+          </a:p>
+        </p:txBody>
+      </p:sp>
+      <p:sp>
+        <p:nvSpPr>
+          <p:cNvPr id="4" name="Номер слайда 3">
+            <a:extLst>
+              <a:ext uri="{FF2B5EF4-FFF2-40B4-BE49-F238E27FC236}">
+                <a16:creationId xmlns:a16="http://schemas.microsoft.com/office/drawing/2014/main" id="{CC74474D-A2F8-4421-B613-B1D2D6DD3707}"/>
+              </a:ext>
+            </a:extLst>
+          </p:cNvPr>
+          <p:cNvSpPr>
+            <a:spLocks noGrp="1"/>
+          </p:cNvSpPr>
+          <p:nvPr>
+            <p:ph type="sldNum" sz="quarter" idx="12"/>
+          </p:nvPr>
+        </p:nvSpPr>
+        <p:spPr/>
+        <p:txBody>
+          <a:bodyPr/>
+          <a:lstStyle/>
+          <a:p>
+            <a:r>
+              <a:rPr lang="en-US" dirty="0" smtClean="0"/>
+              <a:t>10</a:t>
+            </a:r>
+            <a:endParaRPr lang="ru-RU" dirty="0"/>
+          </a:p>
+        </p:txBody>
+      </p:sp>
+      <p:pic>
+        <p:nvPicPr>
+          <p:cNvPr id="3" name="Рисунок 2"/>
+          <p:cNvPicPr>
+            <a:picLocks noChangeAspect="1"/>
+          </p:cNvPicPr>
+          <p:nvPr/>
+        </p:nvPicPr>
+        <p:blipFill>
+          <a:blip r:embed="rId2">
+            <a:extLst>
+              <a:ext uri="{28A0092B-C50C-407E-A947-70E740481C1C}">
+                <a14:useLocalDpi xmlns:a14="http://schemas.microsoft.com/office/drawing/2010/main" val="0"/>
+              </a:ext>
+            </a:extLst>
+          </a:blip>
+          <a:stretch>
+            <a:fillRect/>
+          </a:stretch>
+        </p:blipFill>
+        <p:spPr>
+          <a:xfrm>
+            <a:off x="8078522" y="1469054"/>
+            <a:ext cx="1414931" cy="1628358"/>
+          </a:xfrm>
+          <a:prstGeom prst="rect">
+            <a:avLst/>
+          </a:prstGeom>
+        </p:spPr>
+      </p:pic>
+      <p:pic>
+        <p:nvPicPr>
+          <p:cNvPr id="6" name="Рисунок 5"/>
+          <p:cNvPicPr>
+            <a:picLocks noChangeAspect="1"/>
+          </p:cNvPicPr>
+          <p:nvPr/>
+        </p:nvPicPr>
+        <p:blipFill>
+          <a:blip r:embed="rId3">
+            <a:extLst>
+              <a:ext uri="{28A0092B-C50C-407E-A947-70E740481C1C}">
+                <a14:useLocalDpi xmlns:a14="http://schemas.microsoft.com/office/drawing/2010/main" val="0"/>
+              </a:ext>
+            </a:extLst>
+          </a:blip>
+          <a:stretch>
+            <a:fillRect/>
+          </a:stretch>
+        </p:blipFill>
+        <p:spPr>
+          <a:xfrm>
+            <a:off x="7778029" y="3466543"/>
+            <a:ext cx="1412738" cy="1412738"/>
+          </a:xfrm>
+          <a:prstGeom prst="rect">
+            <a:avLst/>
+          </a:prstGeom>
+        </p:spPr>
+      </p:pic>
+      <p:pic>
+        <p:nvPicPr>
+          <p:cNvPr id="7" name="Рисунок 6"/>
+          <p:cNvPicPr>
+            <a:picLocks noChangeAspect="1"/>
+          </p:cNvPicPr>
+          <p:nvPr/>
+        </p:nvPicPr>
+        <p:blipFill>
+          <a:blip r:embed="rId4">
+            <a:extLst>
+              <a:ext uri="{28A0092B-C50C-407E-A947-70E740481C1C}">
+                <a14:useLocalDpi xmlns:a14="http://schemas.microsoft.com/office/drawing/2010/main" val="0"/>
+              </a:ext>
+            </a:extLst>
+          </a:blip>
+          <a:stretch>
+            <a:fillRect/>
+          </a:stretch>
+        </p:blipFill>
+        <p:spPr>
+          <a:xfrm>
+            <a:off x="5755836" y="1469054"/>
+            <a:ext cx="1425806" cy="1628358"/>
+          </a:xfrm>
+          <a:prstGeom prst="rect">
+            <a:avLst/>
+          </a:prstGeom>
+        </p:spPr>
+      </p:pic>
+      <p:pic>
+        <p:nvPicPr>
+          <p:cNvPr id="8" name="Рисунок 7"/>
+          <p:cNvPicPr>
+            <a:picLocks noChangeAspect="1"/>
+          </p:cNvPicPr>
+          <p:nvPr/>
+        </p:nvPicPr>
+        <p:blipFill>
+          <a:blip r:embed="rId5">
+            <a:extLst>
+              <a:ext uri="{28A0092B-C50C-407E-A947-70E740481C1C}">
+                <a14:useLocalDpi xmlns:a14="http://schemas.microsoft.com/office/drawing/2010/main" val="0"/>
+              </a:ext>
+            </a:extLst>
+          </a:blip>
+          <a:stretch>
+            <a:fillRect/>
+          </a:stretch>
+        </p:blipFill>
+        <p:spPr>
+          <a:xfrm>
+            <a:off x="2093862" y="3466543"/>
+            <a:ext cx="1412738" cy="1412738"/>
+          </a:xfrm>
+          <a:prstGeom prst="rect">
+            <a:avLst/>
+          </a:prstGeom>
+        </p:spPr>
+      </p:pic>
+      <p:pic>
+        <p:nvPicPr>
+          <p:cNvPr id="9" name="Рисунок 8"/>
+          <p:cNvPicPr>
+            <a:picLocks noChangeAspect="1"/>
+          </p:cNvPicPr>
+          <p:nvPr/>
+        </p:nvPicPr>
+        <p:blipFill>
+          <a:blip r:embed="rId6">
+            <a:extLst>
+              <a:ext uri="{28A0092B-C50C-407E-A947-70E740481C1C}">
+                <a14:useLocalDpi xmlns:a14="http://schemas.microsoft.com/office/drawing/2010/main" val="0"/>
+              </a:ext>
+            </a:extLst>
+          </a:blip>
+          <a:stretch>
+            <a:fillRect/>
+          </a:stretch>
+        </p:blipFill>
+        <p:spPr>
+          <a:xfrm>
+            <a:off x="4010809" y="1469436"/>
+            <a:ext cx="1389257" cy="1627975"/>
+          </a:xfrm>
+          <a:prstGeom prst="rect">
+            <a:avLst/>
+          </a:prstGeom>
+        </p:spPr>
+      </p:pic>
+      <p:pic>
+        <p:nvPicPr>
+          <p:cNvPr id="10" name="Рисунок 9"/>
+          <p:cNvPicPr>
+            <a:picLocks noChangeAspect="1"/>
+          </p:cNvPicPr>
+          <p:nvPr/>
+        </p:nvPicPr>
+        <p:blipFill>
+          <a:blip r:embed="rId7">
+            <a:extLst>
+              <a:ext uri="{28A0092B-C50C-407E-A947-70E740481C1C}">
+                <a14:useLocalDpi xmlns:a14="http://schemas.microsoft.com/office/drawing/2010/main" val="0"/>
+              </a:ext>
+            </a:extLst>
+          </a:blip>
+          <a:stretch>
+            <a:fillRect/>
+          </a:stretch>
+        </p:blipFill>
+        <p:spPr>
+          <a:xfrm>
+            <a:off x="5755836" y="5146586"/>
+            <a:ext cx="1412738" cy="1412738"/>
+          </a:xfrm>
+          <a:prstGeom prst="rect">
+            <a:avLst/>
+          </a:prstGeom>
+        </p:spPr>
+      </p:pic>
+      <p:grpSp>
+        <p:nvGrpSpPr>
+          <p:cNvPr id="54" name="Группа 53"/>
+          <p:cNvGrpSpPr/>
+          <p:nvPr/>
+        </p:nvGrpSpPr>
+        <p:grpSpPr>
+          <a:xfrm>
+            <a:off x="3358236" y="2283424"/>
+            <a:ext cx="839114" cy="1889488"/>
+            <a:chOff x="3358236" y="2283424"/>
+            <a:chExt cx="839114" cy="1889488"/>
+          </a:xfrm>
+        </p:grpSpPr>
+        <p:cxnSp>
+          <p:nvCxnSpPr>
+            <p:cNvPr id="13" name="Соединительная линия уступом 12"/>
+            <p:cNvCxnSpPr>
+              <a:stCxn id="9" idx="1"/>
+              <a:endCxn id="8" idx="3"/>
+            </p:cNvCxnSpPr>
+            <p:nvPr/>
+          </p:nvCxnSpPr>
+          <p:spPr>
+            <a:xfrm rot="10800000" flipV="1">
+              <a:off x="3506601" y="2283424"/>
+              <a:ext cx="504209" cy="1889488"/>
+            </a:xfrm>
+            <a:prstGeom prst="bentConnector3">
+              <a:avLst/>
+            </a:prstGeom>
+            <a:ln w="12700">
+              <a:headEnd type="triangle"/>
+              <a:tailEnd type="triangle" w="med" len="med"/>
+            </a:ln>
+          </p:spPr>
+          <p:style>
+            <a:lnRef idx="1">
+              <a:schemeClr val="dk1"/>
+            </a:lnRef>
+            <a:fillRef idx="0">
+              <a:schemeClr val="dk1"/>
+            </a:fillRef>
+            <a:effectRef idx="0">
+              <a:schemeClr val="dk1"/>
+            </a:effectRef>
+            <a:fontRef idx="minor">
+              <a:schemeClr val="tx1"/>
+            </a:fontRef>
+          </p:style>
+        </p:cxnSp>
+        <p:sp>
+          <p:nvSpPr>
+            <p:cNvPr id="38" name="TextBox 37"/>
+            <p:cNvSpPr txBox="1"/>
+            <p:nvPr/>
+          </p:nvSpPr>
+          <p:spPr>
+            <a:xfrm>
+              <a:off x="3358236" y="3151872"/>
+              <a:ext cx="839114" cy="276999"/>
+            </a:xfrm>
+            <a:prstGeom prst="rect">
+              <a:avLst/>
+            </a:prstGeom>
+            <a:solidFill>
+              <a:schemeClr val="bg1"/>
+            </a:solidFill>
+          </p:spPr>
+          <p:txBody>
+            <a:bodyPr wrap="square" rtlCol="0">
+              <a:spAutoFit/>
+            </a:bodyPr>
+            <a:lstStyle/>
+            <a:p>
+              <a:pPr algn="ctr"/>
+              <a:r>
+                <a:rPr lang="en-US" sz="1200" b="1" dirty="0" err="1"/>
+                <a:t>p</a:t>
+              </a:r>
+              <a:r>
+                <a:rPr lang="en-US" sz="1200" b="1" dirty="0" err="1" smtClean="0"/>
+                <a:t>erson_id</a:t>
+              </a:r>
+              <a:endParaRPr lang="ru-RU" sz="1200" b="1" dirty="0"/>
+            </a:p>
+          </p:txBody>
+        </p:sp>
+      </p:grpSp>
+      <p:grpSp>
+        <p:nvGrpSpPr>
+          <p:cNvPr id="77" name="Группа 76"/>
+          <p:cNvGrpSpPr/>
+          <p:nvPr/>
+        </p:nvGrpSpPr>
+        <p:grpSpPr>
+          <a:xfrm>
+            <a:off x="7063454" y="4287051"/>
+            <a:ext cx="935435" cy="1596600"/>
+            <a:chOff x="7063454" y="4287051"/>
+            <a:chExt cx="935435" cy="1596600"/>
+          </a:xfrm>
+        </p:grpSpPr>
+        <p:cxnSp>
+          <p:nvCxnSpPr>
+            <p:cNvPr id="21" name="Соединительная линия уступом 20"/>
+            <p:cNvCxnSpPr>
+              <a:stCxn id="69" idx="1"/>
+              <a:endCxn id="10" idx="3"/>
+            </p:cNvCxnSpPr>
+            <p:nvPr/>
+          </p:nvCxnSpPr>
+          <p:spPr>
+            <a:xfrm rot="10800000" flipV="1">
+              <a:off x="7168575" y="4287051"/>
+              <a:ext cx="628507" cy="1565903"/>
+            </a:xfrm>
+            <a:prstGeom prst="bentConnector3">
+              <a:avLst>
+                <a:gd name="adj1" fmla="val 50000"/>
+              </a:avLst>
+            </a:prstGeom>
+            <a:ln w="12700">
+              <a:headEnd type="triangle"/>
+              <a:tailEnd type="triangle"/>
+            </a:ln>
+          </p:spPr>
+          <p:style>
+            <a:lnRef idx="1">
+              <a:schemeClr val="dk1"/>
+            </a:lnRef>
+            <a:fillRef idx="0">
+              <a:schemeClr val="dk1"/>
+            </a:fillRef>
+            <a:effectRef idx="0">
+              <a:schemeClr val="dk1"/>
+            </a:effectRef>
+            <a:fontRef idx="minor">
+              <a:schemeClr val="tx1"/>
+            </a:fontRef>
+          </p:style>
+        </p:cxnSp>
+        <p:sp>
+          <p:nvSpPr>
+            <p:cNvPr id="51" name="TextBox 50"/>
+            <p:cNvSpPr txBox="1"/>
+            <p:nvPr/>
+          </p:nvSpPr>
+          <p:spPr>
+            <a:xfrm>
+              <a:off x="7063454" y="4874434"/>
+              <a:ext cx="935435" cy="276999"/>
+            </a:xfrm>
+            <a:prstGeom prst="rect">
+              <a:avLst/>
+            </a:prstGeom>
+            <a:solidFill>
+              <a:schemeClr val="bg1"/>
+            </a:solidFill>
+          </p:spPr>
+          <p:txBody>
+            <a:bodyPr wrap="square" rtlCol="0">
+              <a:spAutoFit/>
+            </a:bodyPr>
+            <a:lstStyle/>
+            <a:p>
+              <a:pPr algn="ctr"/>
+              <a:r>
+                <a:rPr lang="en-US" sz="1200" b="1" dirty="0" err="1" smtClean="0"/>
+                <a:t>contract_id</a:t>
+              </a:r>
+              <a:endParaRPr lang="ru-RU" sz="1200" b="1" dirty="0"/>
+            </a:p>
+          </p:txBody>
+        </p:sp>
+        <p:sp>
+          <p:nvSpPr>
+            <p:cNvPr id="55" name="Равнобедренный треугольник 54"/>
+            <p:cNvSpPr/>
+            <p:nvPr/>
+          </p:nvSpPr>
+          <p:spPr>
+            <a:xfrm rot="16200000">
+              <a:off x="7242998" y="5824276"/>
+              <a:ext cx="61392" cy="57358"/>
+            </a:xfrm>
+            <a:prstGeom prst="triangle">
+              <a:avLst/>
+            </a:prstGeom>
+          </p:spPr>
+          <p:style>
+            <a:lnRef idx="2">
+              <a:schemeClr val="dk1">
+                <a:shade val="50000"/>
+              </a:schemeClr>
+            </a:lnRef>
+            <a:fillRef idx="1">
+              <a:schemeClr val="dk1"/>
+            </a:fillRef>
+            <a:effectRef idx="0">
+              <a:schemeClr val="dk1"/>
+            </a:effectRef>
+            <a:fontRef idx="minor">
+              <a:schemeClr val="lt1"/>
+            </a:fontRef>
+          </p:style>
+          <p:txBody>
+            <a:bodyPr rtlCol="0" anchor="ctr"/>
+            <a:lstStyle/>
+            <a:p>
+              <a:pPr algn="ctr"/>
+              <a:endParaRPr lang="ru-RU"/>
+            </a:p>
+          </p:txBody>
+        </p:sp>
+      </p:grpSp>
+      <p:sp>
+        <p:nvSpPr>
+          <p:cNvPr id="69" name="Прямоугольник 68"/>
+          <p:cNvSpPr/>
+          <p:nvPr/>
+        </p:nvSpPr>
+        <p:spPr>
+          <a:xfrm>
+            <a:off x="7797081" y="3906854"/>
+            <a:ext cx="865909" cy="760396"/>
+          </a:xfrm>
+          <a:prstGeom prst="rect">
+            <a:avLst/>
+          </a:prstGeom>
+          <a:noFill/>
+          <a:ln>
+            <a:noFill/>
+          </a:ln>
+        </p:spPr>
+        <p:style>
+          <a:lnRef idx="2">
+            <a:schemeClr val="accent1">
+              <a:shade val="50000"/>
+            </a:schemeClr>
+          </a:lnRef>
+          <a:fillRef idx="1">
+            <a:schemeClr val="accent1"/>
+          </a:fillRef>
+          <a:effectRef idx="0">
+            <a:schemeClr val="accent1"/>
+          </a:effectRef>
+          <a:fontRef idx="minor">
+            <a:schemeClr val="lt1"/>
+          </a:fontRef>
+        </p:style>
+        <p:txBody>
+          <a:bodyPr rtlCol="0" anchor="ctr"/>
+          <a:lstStyle/>
+          <a:p>
+            <a:pPr algn="ctr"/>
+            <a:endParaRPr lang="ru-RU"/>
+          </a:p>
+        </p:txBody>
+      </p:sp>
+      <p:grpSp>
+        <p:nvGrpSpPr>
+          <p:cNvPr id="76" name="Группа 75"/>
+          <p:cNvGrpSpPr/>
+          <p:nvPr/>
+        </p:nvGrpSpPr>
+        <p:grpSpPr>
+          <a:xfrm>
+            <a:off x="9190767" y="2283233"/>
+            <a:ext cx="1017769" cy="1920375"/>
+            <a:chOff x="9190767" y="2283233"/>
+            <a:chExt cx="1017769" cy="1920375"/>
+          </a:xfrm>
+        </p:grpSpPr>
+        <p:cxnSp>
+          <p:nvCxnSpPr>
+            <p:cNvPr id="19" name="Соединительная линия уступом 18"/>
+            <p:cNvCxnSpPr>
+              <a:stCxn id="3" idx="3"/>
+              <a:endCxn id="6" idx="3"/>
+            </p:cNvCxnSpPr>
+            <p:nvPr/>
+          </p:nvCxnSpPr>
+          <p:spPr>
+            <a:xfrm flipH="1">
+              <a:off x="9190767" y="2283233"/>
+              <a:ext cx="302686" cy="1889679"/>
+            </a:xfrm>
+            <a:prstGeom prst="bentConnector3">
+              <a:avLst>
+                <a:gd name="adj1" fmla="val -75524"/>
+              </a:avLst>
+            </a:prstGeom>
+            <a:ln w="12700">
+              <a:headEnd type="triangle"/>
+              <a:tailEnd type="triangle"/>
+            </a:ln>
+          </p:spPr>
+          <p:style>
+            <a:lnRef idx="1">
+              <a:schemeClr val="dk1"/>
+            </a:lnRef>
+            <a:fillRef idx="0">
+              <a:schemeClr val="dk1"/>
+            </a:fillRef>
+            <a:effectRef idx="0">
+              <a:schemeClr val="dk1"/>
+            </a:effectRef>
+            <a:fontRef idx="minor">
+              <a:schemeClr val="tx1"/>
+            </a:fontRef>
+          </p:style>
+        </p:cxnSp>
+        <p:sp>
+          <p:nvSpPr>
+            <p:cNvPr id="49" name="TextBox 48"/>
+            <p:cNvSpPr txBox="1"/>
+            <p:nvPr/>
+          </p:nvSpPr>
+          <p:spPr>
+            <a:xfrm>
+              <a:off x="9273101" y="3098578"/>
+              <a:ext cx="935435" cy="276999"/>
+            </a:xfrm>
+            <a:prstGeom prst="rect">
+              <a:avLst/>
+            </a:prstGeom>
+            <a:solidFill>
+              <a:schemeClr val="bg1"/>
+            </a:solidFill>
+          </p:spPr>
+          <p:txBody>
+            <a:bodyPr wrap="square" rtlCol="0">
+              <a:spAutoFit/>
+            </a:bodyPr>
+            <a:lstStyle/>
+            <a:p>
+              <a:pPr algn="ctr"/>
+              <a:r>
+                <a:rPr lang="en-US" sz="1200" b="1" dirty="0" err="1" smtClean="0"/>
+                <a:t>contract_id</a:t>
+              </a:r>
+              <a:endParaRPr lang="ru-RU" sz="1200" b="1" dirty="0"/>
+            </a:p>
+          </p:txBody>
+        </p:sp>
+        <p:sp>
+          <p:nvSpPr>
+            <p:cNvPr id="71" name="Равнобедренный треугольник 70"/>
+            <p:cNvSpPr/>
+            <p:nvPr/>
+          </p:nvSpPr>
+          <p:spPr>
+            <a:xfrm rot="16200000">
+              <a:off x="9265659" y="4144233"/>
+              <a:ext cx="61392" cy="57358"/>
+            </a:xfrm>
+            <a:prstGeom prst="triangle">
+              <a:avLst/>
+            </a:prstGeom>
+          </p:spPr>
+          <p:style>
+            <a:lnRef idx="2">
+              <a:schemeClr val="dk1">
+                <a:shade val="50000"/>
+              </a:schemeClr>
+            </a:lnRef>
+            <a:fillRef idx="1">
+              <a:schemeClr val="dk1"/>
+            </a:fillRef>
+            <a:effectRef idx="0">
+              <a:schemeClr val="dk1"/>
+            </a:effectRef>
+            <a:fontRef idx="minor">
+              <a:schemeClr val="lt1"/>
+            </a:fontRef>
+          </p:style>
+          <p:txBody>
+            <a:bodyPr rtlCol="0" anchor="ctr"/>
+            <a:lstStyle/>
+            <a:p>
+              <a:pPr algn="ctr"/>
+              <a:endParaRPr lang="ru-RU"/>
+            </a:p>
+          </p:txBody>
+        </p:sp>
+      </p:grpSp>
+      <p:grpSp>
+        <p:nvGrpSpPr>
+          <p:cNvPr id="75" name="Группа 74"/>
+          <p:cNvGrpSpPr/>
+          <p:nvPr/>
+        </p:nvGrpSpPr>
+        <p:grpSpPr>
+          <a:xfrm>
+            <a:off x="7063454" y="2283233"/>
+            <a:ext cx="839114" cy="1920375"/>
+            <a:chOff x="7063454" y="2283233"/>
+            <a:chExt cx="839114" cy="1920375"/>
+          </a:xfrm>
+        </p:grpSpPr>
+        <p:cxnSp>
+          <p:nvCxnSpPr>
+            <p:cNvPr id="17" name="Соединительная линия уступом 16"/>
+            <p:cNvCxnSpPr>
+              <a:stCxn id="7" idx="3"/>
+              <a:endCxn id="6" idx="1"/>
+            </p:cNvCxnSpPr>
+            <p:nvPr/>
+          </p:nvCxnSpPr>
+          <p:spPr>
+            <a:xfrm>
+              <a:off x="7181642" y="2283233"/>
+              <a:ext cx="596387" cy="1889679"/>
+            </a:xfrm>
+            <a:prstGeom prst="bentConnector3">
+              <a:avLst>
+                <a:gd name="adj1" fmla="val 50000"/>
+              </a:avLst>
+            </a:prstGeom>
+            <a:ln w="12700">
+              <a:headEnd type="triangle"/>
+              <a:tailEnd type="triangle"/>
+            </a:ln>
+          </p:spPr>
+          <p:style>
+            <a:lnRef idx="1">
+              <a:schemeClr val="dk1"/>
+            </a:lnRef>
+            <a:fillRef idx="0">
+              <a:schemeClr val="dk1"/>
+            </a:fillRef>
+            <a:effectRef idx="0">
+              <a:schemeClr val="dk1"/>
+            </a:effectRef>
+            <a:fontRef idx="minor">
+              <a:schemeClr val="tx1"/>
+            </a:fontRef>
+          </p:style>
+        </p:cxnSp>
+        <p:sp>
+          <p:nvSpPr>
+            <p:cNvPr id="41" name="TextBox 40"/>
+            <p:cNvSpPr txBox="1"/>
+            <p:nvPr/>
+          </p:nvSpPr>
+          <p:spPr>
+            <a:xfrm>
+              <a:off x="7063454" y="3089668"/>
+              <a:ext cx="839114" cy="276999"/>
+            </a:xfrm>
+            <a:prstGeom prst="rect">
+              <a:avLst/>
+            </a:prstGeom>
+            <a:solidFill>
+              <a:schemeClr val="bg1"/>
+            </a:solidFill>
+          </p:spPr>
+          <p:txBody>
+            <a:bodyPr wrap="square" rtlCol="0">
+              <a:spAutoFit/>
+            </a:bodyPr>
+            <a:lstStyle/>
+            <a:p>
+              <a:pPr algn="ctr"/>
+              <a:r>
+                <a:rPr lang="en-US" sz="1200" b="1" dirty="0" err="1" smtClean="0"/>
+                <a:t>job_id</a:t>
+              </a:r>
+              <a:endParaRPr lang="ru-RU" sz="1200" b="1" dirty="0"/>
+            </a:p>
+          </p:txBody>
+        </p:sp>
+        <p:sp>
+          <p:nvSpPr>
+            <p:cNvPr id="72" name="Равнобедренный треугольник 71"/>
+            <p:cNvSpPr/>
+            <p:nvPr/>
+          </p:nvSpPr>
+          <p:spPr>
+            <a:xfrm rot="5400000">
+              <a:off x="7641528" y="4144233"/>
+              <a:ext cx="61392" cy="57358"/>
+            </a:xfrm>
+            <a:prstGeom prst="triangle">
+              <a:avLst/>
+            </a:prstGeom>
+          </p:spPr>
+          <p:style>
+            <a:lnRef idx="2">
+              <a:schemeClr val="dk1">
+                <a:shade val="50000"/>
+              </a:schemeClr>
+            </a:lnRef>
+            <a:fillRef idx="1">
+              <a:schemeClr val="dk1"/>
+            </a:fillRef>
+            <a:effectRef idx="0">
+              <a:schemeClr val="dk1"/>
+            </a:effectRef>
+            <a:fontRef idx="minor">
+              <a:schemeClr val="lt1"/>
+            </a:fontRef>
+          </p:style>
+          <p:txBody>
+            <a:bodyPr rtlCol="0" anchor="ctr"/>
+            <a:lstStyle/>
+            <a:p>
+              <a:pPr algn="ctr"/>
+              <a:endParaRPr lang="ru-RU"/>
+            </a:p>
+          </p:txBody>
+        </p:sp>
+      </p:grpSp>
+      <p:grpSp>
+        <p:nvGrpSpPr>
+          <p:cNvPr id="74" name="Группа 73"/>
+          <p:cNvGrpSpPr/>
+          <p:nvPr/>
+        </p:nvGrpSpPr>
+        <p:grpSpPr>
+          <a:xfrm>
+            <a:off x="5129405" y="2283424"/>
+            <a:ext cx="839114" cy="3600227"/>
+            <a:chOff x="5129405" y="2283424"/>
+            <a:chExt cx="839114" cy="3600227"/>
+          </a:xfrm>
+        </p:grpSpPr>
+        <p:cxnSp>
+          <p:nvCxnSpPr>
+            <p:cNvPr id="15" name="Соединительная линия уступом 14"/>
+            <p:cNvCxnSpPr>
+              <a:stCxn id="9" idx="3"/>
+              <a:endCxn id="10" idx="1"/>
+            </p:cNvCxnSpPr>
+            <p:nvPr/>
+          </p:nvCxnSpPr>
+          <p:spPr>
+            <a:xfrm>
+              <a:off x="5400066" y="2283424"/>
+              <a:ext cx="355770" cy="3569531"/>
+            </a:xfrm>
+            <a:prstGeom prst="bentConnector3">
+              <a:avLst/>
+            </a:prstGeom>
+            <a:ln w="12700">
+              <a:headEnd type="triangle"/>
+              <a:tailEnd type="triangle"/>
+            </a:ln>
+          </p:spPr>
+          <p:style>
+            <a:lnRef idx="1">
+              <a:schemeClr val="dk1"/>
+            </a:lnRef>
+            <a:fillRef idx="0">
+              <a:schemeClr val="dk1"/>
+            </a:fillRef>
+            <a:effectRef idx="0">
+              <a:schemeClr val="dk1"/>
+            </a:effectRef>
+            <a:fontRef idx="minor">
+              <a:schemeClr val="tx1"/>
+            </a:fontRef>
+          </p:style>
+        </p:cxnSp>
+        <p:sp>
+          <p:nvSpPr>
+            <p:cNvPr id="40" name="TextBox 39"/>
+            <p:cNvSpPr txBox="1"/>
+            <p:nvPr/>
+          </p:nvSpPr>
+          <p:spPr>
+            <a:xfrm>
+              <a:off x="5129405" y="3768355"/>
+              <a:ext cx="839114" cy="276999"/>
+            </a:xfrm>
+            <a:prstGeom prst="rect">
+              <a:avLst/>
+            </a:prstGeom>
+            <a:solidFill>
+              <a:schemeClr val="bg1"/>
+            </a:solidFill>
+          </p:spPr>
+          <p:txBody>
+            <a:bodyPr wrap="square" rtlCol="0">
+              <a:spAutoFit/>
+            </a:bodyPr>
+            <a:lstStyle/>
+            <a:p>
+              <a:pPr algn="ctr"/>
+              <a:r>
+                <a:rPr lang="en-US" sz="1200" b="1" dirty="0" err="1" smtClean="0"/>
+                <a:t>person_id</a:t>
+              </a:r>
+              <a:endParaRPr lang="ru-RU" sz="1200" b="1" dirty="0"/>
+            </a:p>
+          </p:txBody>
+        </p:sp>
+        <p:sp>
+          <p:nvSpPr>
+            <p:cNvPr id="73" name="Равнобедренный треугольник 72"/>
+            <p:cNvSpPr/>
+            <p:nvPr/>
+          </p:nvSpPr>
+          <p:spPr>
+            <a:xfrm rot="5400000">
+              <a:off x="5623212" y="5824276"/>
+              <a:ext cx="61392" cy="57358"/>
+            </a:xfrm>
+            <a:prstGeom prst="triangle">
+              <a:avLst/>
+            </a:prstGeom>
+          </p:spPr>
+          <p:style>
+            <a:lnRef idx="2">
+              <a:schemeClr val="dk1">
+                <a:shade val="50000"/>
+              </a:schemeClr>
+            </a:lnRef>
+            <a:fillRef idx="1">
+              <a:schemeClr val="dk1"/>
+            </a:fillRef>
+            <a:effectRef idx="0">
+              <a:schemeClr val="dk1"/>
+            </a:effectRef>
+            <a:fontRef idx="minor">
+              <a:schemeClr val="lt1"/>
+            </a:fontRef>
+          </p:style>
+          <p:txBody>
+            <a:bodyPr rtlCol="0" anchor="ctr"/>
+            <a:lstStyle/>
+            <a:p>
+              <a:pPr algn="ctr"/>
+              <a:endParaRPr lang="ru-RU"/>
+            </a:p>
+          </p:txBody>
+        </p:sp>
+      </p:grpSp>
+    </p:spTree>
+    <p:extLst>
+      <p:ext uri="{BB962C8B-B14F-4D97-AF65-F5344CB8AC3E}">
+        <p14:creationId xmlns:p14="http://schemas.microsoft.com/office/powerpoint/2010/main" val="2405786945"/>
+      </p:ext>
+    </p:extLst>
+  </p:cSld>
+  <p:clrMapOvr>
+    <a:masterClrMapping/>
+  </p:clrMapOvr>
+  <mc:AlternateContent xmlns:mc="http://schemas.openxmlformats.org/markup-compatibility/2006">
+    <mc:Choice xmlns:p14="http://schemas.microsoft.com/office/powerpoint/2010/main" Requires="p14">
+      <p:transition p14:dur="10" advClick="0" advTm="0"/>
+    </mc:Choice>
+    <mc:Fallback>
+      <p:transition advClick="0" advTm="0"/>
+    </mc:Fallback>
+  </mc:AlternateContent>
+  <p:timing>
+    <p:tnLst>
+      <p:par>
+        <p:cTn id="1" dur="indefinite" restart="never" nodeType="tmRoot">
+          <p:childTnLst>
+            <p:seq concurrent="1" nextAc="seek">
+              <p:cTn id="2" dur="indefinite" nodeType="mainSeq">
+                <p:childTnLst>
+                  <p:par>
+                    <p:cTn id="3" fill="hold">
+                      <p:stCondLst>
+                        <p:cond delay="indefinite"/>
+                        <p:cond evt="onBegin" delay="0">
+                          <p:tn val="2"/>
+                        </p:cond>
+                      </p:stCondLst>
+                      <p:childTnLst>
+                        <p:par>
+                          <p:cTn id="4" fill="hold">
+                            <p:stCondLst>
+                              <p:cond delay="0"/>
+                            </p:stCondLst>
+                            <p:childTnLst>
+                              <p:par>
+                                <p:cTn id="5" presetID="1" presetClass="exit" presetSubtype="0" fill="hold" nodeType="withEffect">
+                                  <p:stCondLst>
+                                    <p:cond delay="0"/>
+                                  </p:stCondLst>
+                                  <p:childTnLst>
+                                    <p:set>
+                                      <p:cBhvr>
+                                        <p:cTn id="6" dur="1" fill="hold">
+                                          <p:stCondLst>
+                                            <p:cond delay="0"/>
+                                          </p:stCondLst>
+                                        </p:cTn>
+                                        <p:tgtEl>
+                                          <p:spTgt spid="54"/>
+                                        </p:tgtEl>
+                                        <p:attrNameLst>
+                                          <p:attrName>style.visibility</p:attrName>
+                                        </p:attrNameLst>
+                                      </p:cBhvr>
+                                      <p:to>
+                                        <p:strVal val="hidden"/>
+                                      </p:to>
+                                    </p:set>
+                                  </p:childTnLst>
+                                </p:cTn>
+                              </p:par>
+                              <p:par>
+                                <p:cTn id="7" presetID="1" presetClass="exit" presetSubtype="0" fill="hold" nodeType="withEffect">
+                                  <p:stCondLst>
+                                    <p:cond delay="0"/>
+                                  </p:stCondLst>
+                                  <p:childTnLst>
+                                    <p:set>
+                                      <p:cBhvr>
+                                        <p:cTn id="8" dur="1" fill="hold">
+                                          <p:stCondLst>
+                                            <p:cond delay="0"/>
+                                          </p:stCondLst>
+                                        </p:cTn>
+                                        <p:tgtEl>
+                                          <p:spTgt spid="74"/>
+                                        </p:tgtEl>
+                                        <p:attrNameLst>
+                                          <p:attrName>style.visibility</p:attrName>
+                                        </p:attrNameLst>
+                                      </p:cBhvr>
+                                      <p:to>
+                                        <p:strVal val="hidden"/>
+                                      </p:to>
+                                    </p:set>
+                                  </p:childTnLst>
+                                </p:cTn>
+                              </p:par>
+                              <p:par>
+                                <p:cTn id="9" presetID="1" presetClass="exit" presetSubtype="0" fill="hold" nodeType="withEffect">
+                                  <p:stCondLst>
+                                    <p:cond delay="0"/>
+                                  </p:stCondLst>
+                                  <p:childTnLst>
+                                    <p:set>
+                                      <p:cBhvr>
+                                        <p:cTn id="10" dur="1" fill="hold">
+                                          <p:stCondLst>
+                                            <p:cond delay="0"/>
+                                          </p:stCondLst>
+                                        </p:cTn>
+                                        <p:tgtEl>
+                                          <p:spTgt spid="75"/>
+                                        </p:tgtEl>
+                                        <p:attrNameLst>
+                                          <p:attrName>style.visibility</p:attrName>
+                                        </p:attrNameLst>
+                                      </p:cBhvr>
+                                      <p:to>
+                                        <p:strVal val="hidden"/>
+                                      </p:to>
+                                    </p:set>
+                                  </p:childTnLst>
+                                </p:cTn>
+                              </p:par>
+                              <p:par>
+                                <p:cTn id="11" presetID="1" presetClass="exit" presetSubtype="0" fill="hold" nodeType="withEffect">
+                                  <p:stCondLst>
+                                    <p:cond delay="0"/>
+                                  </p:stCondLst>
+                                  <p:childTnLst>
+                                    <p:set>
+                                      <p:cBhvr>
+                                        <p:cTn id="12" dur="1" fill="hold">
+                                          <p:stCondLst>
+                                            <p:cond delay="0"/>
+                                          </p:stCondLst>
+                                        </p:cTn>
+                                        <p:tgtEl>
+                                          <p:spTgt spid="77"/>
+                                        </p:tgtEl>
+                                        <p:attrNameLst>
+                                          <p:attrName>style.visibility</p:attrName>
+                                        </p:attrNameLst>
+                                      </p:cBhvr>
+                                      <p:to>
+                                        <p:strVal val="hidden"/>
+                                      </p:to>
+                                    </p:set>
+                                  </p:childTnLst>
+                                </p:cTn>
+                              </p:par>
+                              <p:par>
+                                <p:cTn id="13" presetID="1" presetClass="exit" presetSubtype="0" fill="hold" nodeType="withEffect">
+                                  <p:stCondLst>
+                                    <p:cond delay="0"/>
+                                  </p:stCondLst>
+                                  <p:childTnLst>
+                                    <p:set>
+                                      <p:cBhvr>
+                                        <p:cTn id="14" dur="1" fill="hold">
+                                          <p:stCondLst>
+                                            <p:cond delay="0"/>
+                                          </p:stCondLst>
+                                        </p:cTn>
+                                        <p:tgtEl>
+                                          <p:spTgt spid="76"/>
+                                        </p:tgtEl>
+                                        <p:attrNameLst>
+                                          <p:attrName>style.visibility</p:attrName>
+                                        </p:attrNameLst>
+                                      </p:cBhvr>
+                                      <p:to>
+                                        <p:strVal val="hidden"/>
+                                      </p:to>
+                                    </p:set>
+                                  </p:childTnLst>
+                                </p:cTn>
+                              </p:par>
+                              <p:par>
+                                <p:cTn id="15" presetID="37" presetClass="exit" presetSubtype="0" fill="hold" nodeType="withEffect">
+                                  <p:stCondLst>
+                                    <p:cond delay="300"/>
+                                  </p:stCondLst>
+                                  <p:childTnLst>
+                                    <p:animEffect transition="out" filter="fade">
+                                      <p:cBhvr>
+                                        <p:cTn id="16" dur="750"/>
+                                        <p:tgtEl>
+                                          <p:spTgt spid="9"/>
+                                        </p:tgtEl>
+                                      </p:cBhvr>
+                                    </p:animEffect>
+                                    <p:anim calcmode="lin" valueType="num">
+                                      <p:cBhvr>
+                                        <p:cTn id="17" dur="750"/>
+                                        <p:tgtEl>
+                                          <p:spTgt spid="9"/>
+                                        </p:tgtEl>
+                                        <p:attrNameLst>
+                                          <p:attrName>ppt_x</p:attrName>
+                                        </p:attrNameLst>
+                                      </p:cBhvr>
+                                      <p:tavLst>
+                                        <p:tav tm="0">
+                                          <p:val>
+                                            <p:strVal val="ppt_x"/>
+                                          </p:val>
+                                        </p:tav>
+                                        <p:tav tm="100000">
+                                          <p:val>
+                                            <p:strVal val="ppt_x"/>
+                                          </p:val>
+                                        </p:tav>
+                                      </p:tavLst>
+                                    </p:anim>
+                                    <p:anim calcmode="lin" valueType="num">
+                                      <p:cBhvr>
+                                        <p:cTn id="18" dur="75" decel="100000"/>
+                                        <p:tgtEl>
+                                          <p:spTgt spid="9"/>
+                                        </p:tgtEl>
+                                        <p:attrNameLst>
+                                          <p:attrName>ppt_y</p:attrName>
+                                        </p:attrNameLst>
+                                      </p:cBhvr>
+                                      <p:tavLst>
+                                        <p:tav tm="0">
+                                          <p:val>
+                                            <p:strVal val="ppt_y"/>
+                                          </p:val>
+                                        </p:tav>
+                                        <p:tav tm="100000">
+                                          <p:val>
+                                            <p:strVal val="ppt_y-.03"/>
+                                          </p:val>
+                                        </p:tav>
+                                      </p:tavLst>
+                                    </p:anim>
+                                    <p:anim calcmode="lin" valueType="num">
+                                      <p:cBhvr>
+                                        <p:cTn id="19" dur="675" accel="100000">
+                                          <p:stCondLst>
+                                            <p:cond delay="75"/>
+                                          </p:stCondLst>
+                                        </p:cTn>
+                                        <p:tgtEl>
+                                          <p:spTgt spid="9"/>
+                                        </p:tgtEl>
+                                        <p:attrNameLst>
+                                          <p:attrName>ppt_y</p:attrName>
+                                        </p:attrNameLst>
+                                      </p:cBhvr>
+                                      <p:tavLst>
+                                        <p:tav tm="0">
+                                          <p:val>
+                                            <p:strVal val="ppt_y"/>
+                                          </p:val>
+                                        </p:tav>
+                                        <p:tav tm="100000">
+                                          <p:val>
+                                            <p:strVal val="ppt_y+1"/>
+                                          </p:val>
+                                        </p:tav>
+                                      </p:tavLst>
+                                    </p:anim>
+                                    <p:set>
+                                      <p:cBhvr>
+                                        <p:cTn id="20" dur="1" fill="hold">
+                                          <p:stCondLst>
+                                            <p:cond delay="749"/>
+                                          </p:stCondLst>
+                                        </p:cTn>
+                                        <p:tgtEl>
+                                          <p:spTgt spid="9"/>
+                                        </p:tgtEl>
+                                        <p:attrNameLst>
+                                          <p:attrName>style.visibility</p:attrName>
+                                        </p:attrNameLst>
+                                      </p:cBhvr>
+                                      <p:to>
+                                        <p:strVal val="hidden"/>
+                                      </p:to>
+                                    </p:set>
+                                  </p:childTnLst>
+                                </p:cTn>
+                              </p:par>
+                              <p:par>
+                                <p:cTn id="21" presetID="37" presetClass="exit" presetSubtype="0" fill="hold" nodeType="withEffect">
+                                  <p:stCondLst>
+                                    <p:cond delay="0"/>
+                                  </p:stCondLst>
+                                  <p:childTnLst>
+                                    <p:animEffect transition="out" filter="fade">
+                                      <p:cBhvr>
+                                        <p:cTn id="22" dur="750"/>
+                                        <p:tgtEl>
+                                          <p:spTgt spid="7"/>
+                                        </p:tgtEl>
+                                      </p:cBhvr>
+                                    </p:animEffect>
+                                    <p:anim calcmode="lin" valueType="num">
+                                      <p:cBhvr>
+                                        <p:cTn id="23" dur="750"/>
+                                        <p:tgtEl>
+                                          <p:spTgt spid="7"/>
+                                        </p:tgtEl>
+                                        <p:attrNameLst>
+                                          <p:attrName>ppt_x</p:attrName>
+                                        </p:attrNameLst>
+                                      </p:cBhvr>
+                                      <p:tavLst>
+                                        <p:tav tm="0">
+                                          <p:val>
+                                            <p:strVal val="ppt_x"/>
+                                          </p:val>
+                                        </p:tav>
+                                        <p:tav tm="100000">
+                                          <p:val>
+                                            <p:strVal val="ppt_x"/>
+                                          </p:val>
+                                        </p:tav>
+                                      </p:tavLst>
+                                    </p:anim>
+                                    <p:anim calcmode="lin" valueType="num">
+                                      <p:cBhvr>
+                                        <p:cTn id="24" dur="75" decel="100000"/>
+                                        <p:tgtEl>
+                                          <p:spTgt spid="7"/>
+                                        </p:tgtEl>
+                                        <p:attrNameLst>
+                                          <p:attrName>ppt_y</p:attrName>
+                                        </p:attrNameLst>
+                                      </p:cBhvr>
+                                      <p:tavLst>
+                                        <p:tav tm="0">
+                                          <p:val>
+                                            <p:strVal val="ppt_y"/>
+                                          </p:val>
+                                        </p:tav>
+                                        <p:tav tm="100000">
+                                          <p:val>
+                                            <p:strVal val="ppt_y-.03"/>
+                                          </p:val>
+                                        </p:tav>
+                                      </p:tavLst>
+                                    </p:anim>
+                                    <p:anim calcmode="lin" valueType="num">
+                                      <p:cBhvr>
+                                        <p:cTn id="25" dur="675" accel="100000">
+                                          <p:stCondLst>
+                                            <p:cond delay="75"/>
+                                          </p:stCondLst>
+                                        </p:cTn>
+                                        <p:tgtEl>
+                                          <p:spTgt spid="7"/>
+                                        </p:tgtEl>
+                                        <p:attrNameLst>
+                                          <p:attrName>ppt_y</p:attrName>
+                                        </p:attrNameLst>
+                                      </p:cBhvr>
+                                      <p:tavLst>
+                                        <p:tav tm="0">
+                                          <p:val>
+                                            <p:strVal val="ppt_y"/>
+                                          </p:val>
+                                        </p:tav>
+                                        <p:tav tm="100000">
+                                          <p:val>
+                                            <p:strVal val="ppt_y+1"/>
+                                          </p:val>
+                                        </p:tav>
+                                      </p:tavLst>
+                                    </p:anim>
+                                    <p:set>
+                                      <p:cBhvr>
+                                        <p:cTn id="26" dur="1" fill="hold">
+                                          <p:stCondLst>
+                                            <p:cond delay="749"/>
+                                          </p:stCondLst>
+                                        </p:cTn>
+                                        <p:tgtEl>
+                                          <p:spTgt spid="7"/>
+                                        </p:tgtEl>
+                                        <p:attrNameLst>
+                                          <p:attrName>style.visibility</p:attrName>
+                                        </p:attrNameLst>
+                                      </p:cBhvr>
+                                      <p:to>
+                                        <p:strVal val="hidden"/>
+                                      </p:to>
+                                    </p:set>
+                                  </p:childTnLst>
+                                </p:cTn>
+                              </p:par>
+                              <p:par>
+                                <p:cTn id="27" presetID="37" presetClass="exit" presetSubtype="0" fill="hold" nodeType="withEffect">
+                                  <p:stCondLst>
+                                    <p:cond delay="400"/>
+                                  </p:stCondLst>
+                                  <p:childTnLst>
+                                    <p:animEffect transition="out" filter="fade">
+                                      <p:cBhvr>
+                                        <p:cTn id="28" dur="750"/>
+                                        <p:tgtEl>
+                                          <p:spTgt spid="3"/>
+                                        </p:tgtEl>
+                                      </p:cBhvr>
+                                    </p:animEffect>
+                                    <p:anim calcmode="lin" valueType="num">
+                                      <p:cBhvr>
+                                        <p:cTn id="29" dur="750"/>
+                                        <p:tgtEl>
+                                          <p:spTgt spid="3"/>
+                                        </p:tgtEl>
+                                        <p:attrNameLst>
+                                          <p:attrName>ppt_x</p:attrName>
+                                        </p:attrNameLst>
+                                      </p:cBhvr>
+                                      <p:tavLst>
+                                        <p:tav tm="0">
+                                          <p:val>
+                                            <p:strVal val="ppt_x"/>
+                                          </p:val>
+                                        </p:tav>
+                                        <p:tav tm="100000">
+                                          <p:val>
+                                            <p:strVal val="ppt_x"/>
+                                          </p:val>
+                                        </p:tav>
+                                      </p:tavLst>
+                                    </p:anim>
+                                    <p:anim calcmode="lin" valueType="num">
+                                      <p:cBhvr>
+                                        <p:cTn id="30" dur="75" decel="100000"/>
+                                        <p:tgtEl>
+                                          <p:spTgt spid="3"/>
+                                        </p:tgtEl>
+                                        <p:attrNameLst>
+                                          <p:attrName>ppt_y</p:attrName>
+                                        </p:attrNameLst>
+                                      </p:cBhvr>
+                                      <p:tavLst>
+                                        <p:tav tm="0">
+                                          <p:val>
+                                            <p:strVal val="ppt_y"/>
+                                          </p:val>
+                                        </p:tav>
+                                        <p:tav tm="100000">
+                                          <p:val>
+                                            <p:strVal val="ppt_y-.03"/>
+                                          </p:val>
+                                        </p:tav>
+                                      </p:tavLst>
+                                    </p:anim>
+                                    <p:anim calcmode="lin" valueType="num">
+                                      <p:cBhvr>
+                                        <p:cTn id="31" dur="675" accel="100000">
+                                          <p:stCondLst>
+                                            <p:cond delay="75"/>
+                                          </p:stCondLst>
+                                        </p:cTn>
+                                        <p:tgtEl>
+                                          <p:spTgt spid="3"/>
+                                        </p:tgtEl>
+                                        <p:attrNameLst>
+                                          <p:attrName>ppt_y</p:attrName>
+                                        </p:attrNameLst>
+                                      </p:cBhvr>
+                                      <p:tavLst>
+                                        <p:tav tm="0">
+                                          <p:val>
+                                            <p:strVal val="ppt_y"/>
+                                          </p:val>
+                                        </p:tav>
+                                        <p:tav tm="100000">
+                                          <p:val>
+                                            <p:strVal val="ppt_y+1"/>
+                                          </p:val>
+                                        </p:tav>
+                                      </p:tavLst>
+                                    </p:anim>
+                                    <p:set>
+                                      <p:cBhvr>
+                                        <p:cTn id="32" dur="1" fill="hold">
+                                          <p:stCondLst>
+                                            <p:cond delay="749"/>
+                                          </p:stCondLst>
+                                        </p:cTn>
+                                        <p:tgtEl>
+                                          <p:spTgt spid="3"/>
+                                        </p:tgtEl>
+                                        <p:attrNameLst>
+                                          <p:attrName>style.visibility</p:attrName>
+                                        </p:attrNameLst>
+                                      </p:cBhvr>
+                                      <p:to>
+                                        <p:strVal val="hidden"/>
+                                      </p:to>
+                                    </p:set>
+                                  </p:childTnLst>
+                                </p:cTn>
+                              </p:par>
+                              <p:par>
+                                <p:cTn id="33" presetID="37" presetClass="exit" presetSubtype="0" fill="hold" nodeType="withEffect">
+                                  <p:stCondLst>
+                                    <p:cond delay="600"/>
+                                  </p:stCondLst>
+                                  <p:childTnLst>
+                                    <p:animEffect transition="out" filter="fade">
+                                      <p:cBhvr>
+                                        <p:cTn id="34" dur="500"/>
+                                        <p:tgtEl>
+                                          <p:spTgt spid="8"/>
+                                        </p:tgtEl>
+                                      </p:cBhvr>
+                                    </p:animEffect>
+                                    <p:anim calcmode="lin" valueType="num">
+                                      <p:cBhvr>
+                                        <p:cTn id="35" dur="500"/>
+                                        <p:tgtEl>
+                                          <p:spTgt spid="8"/>
+                                        </p:tgtEl>
+                                        <p:attrNameLst>
+                                          <p:attrName>ppt_x</p:attrName>
+                                        </p:attrNameLst>
+                                      </p:cBhvr>
+                                      <p:tavLst>
+                                        <p:tav tm="0">
+                                          <p:val>
+                                            <p:strVal val="ppt_x"/>
+                                          </p:val>
+                                        </p:tav>
+                                        <p:tav tm="100000">
+                                          <p:val>
+                                            <p:strVal val="ppt_x"/>
+                                          </p:val>
+                                        </p:tav>
+                                      </p:tavLst>
+                                    </p:anim>
+                                    <p:anim calcmode="lin" valueType="num">
+                                      <p:cBhvr>
+                                        <p:cTn id="36" dur="50" decel="100000"/>
+                                        <p:tgtEl>
+                                          <p:spTgt spid="8"/>
+                                        </p:tgtEl>
+                                        <p:attrNameLst>
+                                          <p:attrName>ppt_y</p:attrName>
+                                        </p:attrNameLst>
+                                      </p:cBhvr>
+                                      <p:tavLst>
+                                        <p:tav tm="0">
+                                          <p:val>
+                                            <p:strVal val="ppt_y"/>
+                                          </p:val>
+                                        </p:tav>
+                                        <p:tav tm="100000">
+                                          <p:val>
+                                            <p:strVal val="ppt_y-.03"/>
+                                          </p:val>
+                                        </p:tav>
+                                      </p:tavLst>
+                                    </p:anim>
+                                    <p:anim calcmode="lin" valueType="num">
+                                      <p:cBhvr>
+                                        <p:cTn id="37" dur="450" accel="100000">
+                                          <p:stCondLst>
+                                            <p:cond delay="50"/>
+                                          </p:stCondLst>
+                                        </p:cTn>
+                                        <p:tgtEl>
+                                          <p:spTgt spid="8"/>
+                                        </p:tgtEl>
+                                        <p:attrNameLst>
+                                          <p:attrName>ppt_y</p:attrName>
+                                        </p:attrNameLst>
+                                      </p:cBhvr>
+                                      <p:tavLst>
+                                        <p:tav tm="0">
+                                          <p:val>
+                                            <p:strVal val="ppt_y"/>
+                                          </p:val>
+                                        </p:tav>
+                                        <p:tav tm="100000">
+                                          <p:val>
+                                            <p:strVal val="ppt_y+1"/>
+                                          </p:val>
+                                        </p:tav>
+                                      </p:tavLst>
+                                    </p:anim>
+                                    <p:set>
+                                      <p:cBhvr>
+                                        <p:cTn id="38" dur="1" fill="hold">
+                                          <p:stCondLst>
+                                            <p:cond delay="499"/>
+                                          </p:stCondLst>
+                                        </p:cTn>
+                                        <p:tgtEl>
+                                          <p:spTgt spid="8"/>
+                                        </p:tgtEl>
+                                        <p:attrNameLst>
+                                          <p:attrName>style.visibility</p:attrName>
+                                        </p:attrNameLst>
+                                      </p:cBhvr>
+                                      <p:to>
+                                        <p:strVal val="hidden"/>
+                                      </p:to>
+                                    </p:set>
+                                  </p:childTnLst>
+                                </p:cTn>
+                              </p:par>
+                              <p:par>
+                                <p:cTn id="39" presetID="37" presetClass="exit" presetSubtype="0" fill="hold" nodeType="withEffect">
+                                  <p:stCondLst>
+                                    <p:cond delay="400"/>
+                                  </p:stCondLst>
+                                  <p:childTnLst>
+                                    <p:animEffect transition="out" filter="fade">
+                                      <p:cBhvr>
+                                        <p:cTn id="40" dur="750"/>
+                                        <p:tgtEl>
+                                          <p:spTgt spid="6"/>
+                                        </p:tgtEl>
+                                      </p:cBhvr>
+                                    </p:animEffect>
+                                    <p:anim calcmode="lin" valueType="num">
+                                      <p:cBhvr>
+                                        <p:cTn id="41" dur="750"/>
+                                        <p:tgtEl>
+                                          <p:spTgt spid="6"/>
+                                        </p:tgtEl>
+                                        <p:attrNameLst>
+                                          <p:attrName>ppt_x</p:attrName>
+                                        </p:attrNameLst>
+                                      </p:cBhvr>
+                                      <p:tavLst>
+                                        <p:tav tm="0">
+                                          <p:val>
+                                            <p:strVal val="ppt_x"/>
+                                          </p:val>
+                                        </p:tav>
+                                        <p:tav tm="100000">
+                                          <p:val>
+                                            <p:strVal val="ppt_x"/>
+                                          </p:val>
+                                        </p:tav>
+                                      </p:tavLst>
+                                    </p:anim>
+                                    <p:anim calcmode="lin" valueType="num">
+                                      <p:cBhvr>
+                                        <p:cTn id="42" dur="75" decel="100000"/>
+                                        <p:tgtEl>
+                                          <p:spTgt spid="6"/>
+                                        </p:tgtEl>
+                                        <p:attrNameLst>
+                                          <p:attrName>ppt_y</p:attrName>
+                                        </p:attrNameLst>
+                                      </p:cBhvr>
+                                      <p:tavLst>
+                                        <p:tav tm="0">
+                                          <p:val>
+                                            <p:strVal val="ppt_y"/>
+                                          </p:val>
+                                        </p:tav>
+                                        <p:tav tm="100000">
+                                          <p:val>
+                                            <p:strVal val="ppt_y-.03"/>
+                                          </p:val>
+                                        </p:tav>
+                                      </p:tavLst>
+                                    </p:anim>
+                                    <p:anim calcmode="lin" valueType="num">
+                                      <p:cBhvr>
+                                        <p:cTn id="43" dur="675" accel="100000">
+                                          <p:stCondLst>
+                                            <p:cond delay="75"/>
+                                          </p:stCondLst>
+                                        </p:cTn>
+                                        <p:tgtEl>
+                                          <p:spTgt spid="6"/>
+                                        </p:tgtEl>
+                                        <p:attrNameLst>
+                                          <p:attrName>ppt_y</p:attrName>
+                                        </p:attrNameLst>
+                                      </p:cBhvr>
+                                      <p:tavLst>
+                                        <p:tav tm="0">
+                                          <p:val>
+                                            <p:strVal val="ppt_y"/>
+                                          </p:val>
+                                        </p:tav>
+                                        <p:tav tm="100000">
+                                          <p:val>
+                                            <p:strVal val="ppt_y+1"/>
+                                          </p:val>
+                                        </p:tav>
+                                      </p:tavLst>
+                                    </p:anim>
+                                    <p:set>
+                                      <p:cBhvr>
+                                        <p:cTn id="44" dur="1" fill="hold">
+                                          <p:stCondLst>
+                                            <p:cond delay="749"/>
+                                          </p:stCondLst>
+                                        </p:cTn>
+                                        <p:tgtEl>
+                                          <p:spTgt spid="6"/>
+                                        </p:tgtEl>
+                                        <p:attrNameLst>
+                                          <p:attrName>style.visibility</p:attrName>
+                                        </p:attrNameLst>
+                                      </p:cBhvr>
+                                      <p:to>
+                                        <p:strVal val="hidden"/>
+                                      </p:to>
+                                    </p:set>
+                                  </p:childTnLst>
+                                </p:cTn>
+                              </p:par>
+                              <p:par>
+                                <p:cTn id="45" presetID="37" presetClass="exit" presetSubtype="0" fill="hold" nodeType="withEffect">
+                                  <p:stCondLst>
+                                    <p:cond delay="600"/>
+                                  </p:stCondLst>
+                                  <p:childTnLst>
+                                    <p:animEffect transition="out" filter="fade">
+                                      <p:cBhvr>
+                                        <p:cTn id="46" dur="750"/>
+                                        <p:tgtEl>
+                                          <p:spTgt spid="10"/>
+                                        </p:tgtEl>
+                                      </p:cBhvr>
+                                    </p:animEffect>
+                                    <p:anim calcmode="lin" valueType="num">
+                                      <p:cBhvr>
+                                        <p:cTn id="47" dur="750"/>
+                                        <p:tgtEl>
+                                          <p:spTgt spid="10"/>
+                                        </p:tgtEl>
+                                        <p:attrNameLst>
+                                          <p:attrName>ppt_x</p:attrName>
+                                        </p:attrNameLst>
+                                      </p:cBhvr>
+                                      <p:tavLst>
+                                        <p:tav tm="0">
+                                          <p:val>
+                                            <p:strVal val="ppt_x"/>
+                                          </p:val>
+                                        </p:tav>
+                                        <p:tav tm="100000">
+                                          <p:val>
+                                            <p:strVal val="ppt_x"/>
+                                          </p:val>
+                                        </p:tav>
+                                      </p:tavLst>
+                                    </p:anim>
+                                    <p:anim calcmode="lin" valueType="num">
+                                      <p:cBhvr>
+                                        <p:cTn id="48" dur="75" decel="100000"/>
+                                        <p:tgtEl>
+                                          <p:spTgt spid="10"/>
+                                        </p:tgtEl>
+                                        <p:attrNameLst>
+                                          <p:attrName>ppt_y</p:attrName>
+                                        </p:attrNameLst>
+                                      </p:cBhvr>
+                                      <p:tavLst>
+                                        <p:tav tm="0">
+                                          <p:val>
+                                            <p:strVal val="ppt_y"/>
+                                          </p:val>
+                                        </p:tav>
+                                        <p:tav tm="100000">
+                                          <p:val>
+                                            <p:strVal val="ppt_y-.03"/>
+                                          </p:val>
+                                        </p:tav>
+                                      </p:tavLst>
+                                    </p:anim>
+                                    <p:anim calcmode="lin" valueType="num">
+                                      <p:cBhvr>
+                                        <p:cTn id="49" dur="675" accel="100000">
+                                          <p:stCondLst>
+                                            <p:cond delay="75"/>
+                                          </p:stCondLst>
+                                        </p:cTn>
+                                        <p:tgtEl>
+                                          <p:spTgt spid="10"/>
+                                        </p:tgtEl>
+                                        <p:attrNameLst>
+                                          <p:attrName>ppt_y</p:attrName>
+                                        </p:attrNameLst>
+                                      </p:cBhvr>
+                                      <p:tavLst>
+                                        <p:tav tm="0">
+                                          <p:val>
+                                            <p:strVal val="ppt_y"/>
+                                          </p:val>
+                                        </p:tav>
+                                        <p:tav tm="100000">
+                                          <p:val>
+                                            <p:strVal val="ppt_y+1"/>
+                                          </p:val>
+                                        </p:tav>
+                                      </p:tavLst>
+                                    </p:anim>
+                                    <p:set>
+                                      <p:cBhvr>
+                                        <p:cTn id="50" dur="1" fill="hold">
+                                          <p:stCondLst>
+                                            <p:cond delay="749"/>
+                                          </p:stCondLst>
+                                        </p:cTn>
+                                        <p:tgtEl>
+                                          <p:spTgt spid="10"/>
+                                        </p:tgtEl>
+                                        <p:attrNameLst>
+                                          <p:attrName>style.visibility</p:attrName>
+                                        </p:attrNameLst>
+                                      </p:cBhvr>
+                                      <p:to>
+                                        <p:strVal val="hidden"/>
+                                      </p:to>
+                                    </p:set>
+                                  </p:childTnLst>
+                                </p:cTn>
+                              </p:par>
+                            </p:childTnLst>
+                          </p:cTn>
+                        </p:par>
+                      </p:childTnLst>
+                    </p:cTn>
+                  </p:par>
+                </p:childTnLst>
+              </p:cTn>
+              <p:prevCondLst>
+                <p:cond evt="onPrev" delay="0">
+                  <p:tgtEl>
+                    <p:sldTgt/>
+                  </p:tgtEl>
+                </p:cond>
+              </p:prevCondLst>
+              <p:nextCondLst>
+                <p:cond evt="onNext" delay="0">
+                  <p:tgtEl>
+                    <p:sldTgt/>
+                  </p:tgtEl>
+                </p:cond>
+              </p:nextCondLst>
+            </p:seq>
+          </p:childTnLst>
+        </p:cTn>
+      </p:par>
+    </p:tnLst>
+  </p:timing>
+</p:sld>
+</file>
+
+<file path=ppt/slides/slide12.xml><?xml version="1.0" encoding="utf-8"?>
 <p:sld xmlns:a="http://schemas.openxmlformats.org/drawingml/2006/main" xmlns:r="http://schemas.openxmlformats.org/officeDocument/2006/relationships" xmlns:p="http://schemas.openxmlformats.org/presentationml/2006/main">
   <p:cSld>
     <p:spTree>
@@ -4368,16 +7355,20 @@
             <p:ph type="sldNum" sz="quarter" idx="12"/>
           </p:nvPr>
         </p:nvSpPr>
-        <p:spPr/>
+        <p:spPr>
+          <a:xfrm>
+            <a:off x="8610600" y="6365875"/>
+            <a:ext cx="2743200" cy="365125"/>
+          </a:xfrm>
+        </p:spPr>
         <p:txBody>
           <a:bodyPr/>
           <a:lstStyle/>
           <a:p>
-            <a:fld id="{C569FDB9-978A-4295-A40F-75DB9D9B47B8}" type="slidenum">
-              <a:rPr lang="ru-RU" smtClean="0"/>
+            <a:r>
+              <a:rPr lang="en-US" dirty="0" smtClean="0"/>
               <a:t>11</a:t>
-            </a:fld>
-            <a:endParaRPr lang="ru-RU"/>
+            </a:r>
           </a:p>
         </p:txBody>
       </p:sp>
@@ -5722,7 +8713,7 @@
 </p:sld>
 </file>
 
-<file path=ppt/slides/slide12.xml><?xml version="1.0" encoding="utf-8"?>
+<file path=ppt/slides/slide13.xml><?xml version="1.0" encoding="utf-8"?>
 <p:sld xmlns:a="http://schemas.openxmlformats.org/drawingml/2006/main" xmlns:r="http://schemas.openxmlformats.org/officeDocument/2006/relationships" xmlns:p="http://schemas.openxmlformats.org/presentationml/2006/main">
   <p:cSld>
     <p:spTree>
@@ -5782,11 +8773,11 @@
           <a:bodyPr/>
           <a:lstStyle/>
           <a:p>
-            <a:fld id="{C569FDB9-978A-4295-A40F-75DB9D9B47B8}" type="slidenum">
-              <a:rPr lang="ru-RU" smtClean="0"/>
+            <a:r>
+              <a:rPr lang="en-US" dirty="0" smtClean="0"/>
               <a:t>12</a:t>
-            </a:fld>
-            <a:endParaRPr lang="ru-RU"/>
+            </a:r>
+            <a:endParaRPr lang="ru-RU" dirty="0"/>
           </a:p>
         </p:txBody>
       </p:sp>
@@ -5812,7 +8803,7 @@
         </p:blipFill>
         <p:spPr>
           <a:xfrm>
-            <a:off x="7811968" y="2221828"/>
+            <a:off x="8357395" y="2221828"/>
             <a:ext cx="1062526" cy="1414569"/>
           </a:xfrm>
           <a:prstGeom prst="rect">
@@ -5842,7 +8833,7 @@
         </p:blipFill>
         <p:spPr>
           <a:xfrm>
-            <a:off x="6629815" y="4286728"/>
+            <a:off x="7175242" y="4286728"/>
             <a:ext cx="1263412" cy="1498395"/>
           </a:xfrm>
           <a:prstGeom prst="rect">
@@ -5872,7 +8863,7 @@
         </p:blipFill>
         <p:spPr>
           <a:xfrm>
-            <a:off x="1023877" y="2163954"/>
+            <a:off x="1569304" y="2163954"/>
             <a:ext cx="1291449" cy="1538447"/>
           </a:xfrm>
           <a:prstGeom prst="rect">
@@ -5902,7 +8893,7 @@
         </p:blipFill>
         <p:spPr>
           <a:xfrm>
-            <a:off x="5848435" y="2179952"/>
+            <a:off x="6393862" y="2179952"/>
             <a:ext cx="869698" cy="1498321"/>
           </a:xfrm>
           <a:prstGeom prst="rect">
@@ -5932,7 +8923,7 @@
         </p:blipFill>
         <p:spPr>
           <a:xfrm>
-            <a:off x="3402101" y="2214473"/>
+            <a:off x="3947528" y="2214473"/>
             <a:ext cx="1359558" cy="1429279"/>
           </a:xfrm>
           <a:prstGeom prst="rect">
@@ -5962,7 +8953,7 @@
         </p:blipFill>
         <p:spPr>
           <a:xfrm>
-            <a:off x="8894026" y="4264461"/>
+            <a:off x="9439453" y="4264461"/>
             <a:ext cx="1088372" cy="1542928"/>
           </a:xfrm>
           <a:prstGeom prst="rect">
@@ -5981,7 +8972,7 @@
         </p:nvCxnSpPr>
         <p:spPr>
           <a:xfrm flipV="1">
-            <a:off x="2315326" y="2929113"/>
+            <a:off x="2860753" y="2929113"/>
             <a:ext cx="1086775" cy="4065"/>
           </a:xfrm>
           <a:prstGeom prst="straightConnector1">
@@ -6017,7 +9008,7 @@
         </p:nvCxnSpPr>
         <p:spPr>
           <a:xfrm>
-            <a:off x="4761659" y="2929113"/>
+            <a:off x="5307086" y="2929113"/>
             <a:ext cx="1086776" cy="0"/>
           </a:xfrm>
           <a:prstGeom prst="straightConnector1">
@@ -6053,7 +9044,7 @@
         </p:nvCxnSpPr>
         <p:spPr>
           <a:xfrm>
-            <a:off x="6718133" y="2929113"/>
+            <a:off x="7263560" y="2929113"/>
             <a:ext cx="1086776" cy="0"/>
           </a:xfrm>
           <a:prstGeom prst="straightConnector1">
@@ -6089,7 +9080,7 @@
         </p:nvCxnSpPr>
         <p:spPr>
           <a:xfrm rot="5400000">
-            <a:off x="7477211" y="3420707"/>
+            <a:off x="8022638" y="3420707"/>
             <a:ext cx="650331" cy="1081710"/>
           </a:xfrm>
           <a:prstGeom prst="curvedConnector3">
@@ -6126,7 +9117,7 @@
         </p:nvCxnSpPr>
         <p:spPr>
           <a:xfrm rot="16200000" flipH="1">
-            <a:off x="8576689" y="3402938"/>
+            <a:off x="9122116" y="3402938"/>
             <a:ext cx="628064" cy="1094981"/>
           </a:xfrm>
           <a:prstGeom prst="curvedConnector3">
@@ -6163,7 +9154,7 @@
         </p:nvCxnSpPr>
         <p:spPr>
           <a:xfrm rot="10800000" flipV="1">
-            <a:off x="7933441" y="5035924"/>
+            <a:off x="8478868" y="5035924"/>
             <a:ext cx="948112" cy="1"/>
           </a:xfrm>
           <a:prstGeom prst="curvedConnector3">
@@ -6199,7 +9190,7 @@
   <p:clrMapOvr>
     <a:masterClrMapping/>
   </p:clrMapOvr>
-  <p:transition spd="slow">
+  <p:transition spd="slow" advClick="0" advTm="0">
     <p:push dir="u"/>
   </p:transition>
   <p:timing>
@@ -6813,7 +9804,798 @@
 </p:sld>
 </file>
 
-<file path=ppt/slides/slide13.xml><?xml version="1.0" encoding="utf-8"?>
+<file path=ppt/slides/slide14.xml><?xml version="1.0" encoding="utf-8"?>
+<p:sld xmlns:a="http://schemas.openxmlformats.org/drawingml/2006/main" xmlns:r="http://schemas.openxmlformats.org/officeDocument/2006/relationships" xmlns:p="http://schemas.openxmlformats.org/presentationml/2006/main">
+  <p:cSld>
+    <p:spTree>
+      <p:nvGrpSpPr>
+        <p:cNvPr id="1" name=""/>
+        <p:cNvGrpSpPr/>
+        <p:nvPr/>
+      </p:nvGrpSpPr>
+      <p:grpSpPr>
+        <a:xfrm>
+          <a:off x="0" y="0"/>
+          <a:ext cx="0" cy="0"/>
+          <a:chOff x="0" y="0"/>
+          <a:chExt cx="0" cy="0"/>
+        </a:xfrm>
+      </p:grpSpPr>
+      <p:sp>
+        <p:nvSpPr>
+          <p:cNvPr id="2" name="Заголовок 1"/>
+          <p:cNvSpPr>
+            <a:spLocks noGrp="1"/>
+          </p:cNvSpPr>
+          <p:nvPr>
+            <p:ph type="title"/>
+          </p:nvPr>
+        </p:nvSpPr>
+        <p:spPr/>
+        <p:txBody>
+          <a:bodyPr>
+            <a:normAutofit/>
+          </a:bodyPr>
+          <a:lstStyle/>
+          <a:p>
+            <a:r>
+              <a:rPr lang="ru-RU" sz="4000" cap="none" dirty="0">
+                <a:latin typeface="+mn-lt"/>
+                <a:ea typeface="+mn-ea"/>
+                <a:cs typeface="+mn-cs"/>
+              </a:rPr>
+              <a:t>Информационное взаимодействие модулей</a:t>
+            </a:r>
+          </a:p>
+        </p:txBody>
+      </p:sp>
+      <p:sp>
+        <p:nvSpPr>
+          <p:cNvPr id="4" name="Номер слайда 3"/>
+          <p:cNvSpPr>
+            <a:spLocks noGrp="1"/>
+          </p:cNvSpPr>
+          <p:nvPr>
+            <p:ph type="sldNum" sz="quarter" idx="12"/>
+          </p:nvPr>
+        </p:nvSpPr>
+        <p:spPr/>
+        <p:txBody>
+          <a:bodyPr/>
+          <a:lstStyle/>
+          <a:p>
+            <a:r>
+              <a:rPr lang="en-US" dirty="0" smtClean="0"/>
+              <a:t>12</a:t>
+            </a:r>
+            <a:endParaRPr lang="ru-RU" dirty="0"/>
+          </a:p>
+        </p:txBody>
+      </p:sp>
+      <p:pic>
+        <p:nvPicPr>
+          <p:cNvPr id="9" name="Рисунок 8"/>
+          <p:cNvPicPr>
+            <a:picLocks noChangeAspect="1"/>
+          </p:cNvPicPr>
+          <p:nvPr/>
+        </p:nvPicPr>
+        <p:blipFill>
+          <a:blip r:embed="rId2" cstate="print">
+            <a:extLst>
+              <a:ext uri="{28A0092B-C50C-407E-A947-70E740481C1C}">
+                <a14:useLocalDpi xmlns:a14="http://schemas.microsoft.com/office/drawing/2010/main" val="0"/>
+              </a:ext>
+            </a:extLst>
+          </a:blip>
+          <a:stretch>
+            <a:fillRect/>
+          </a:stretch>
+        </p:blipFill>
+        <p:spPr>
+          <a:xfrm>
+            <a:off x="8357395" y="2221828"/>
+            <a:ext cx="1062526" cy="1414569"/>
+          </a:xfrm>
+          <a:prstGeom prst="rect">
+            <a:avLst/>
+          </a:prstGeom>
+        </p:spPr>
+      </p:pic>
+      <p:pic>
+        <p:nvPicPr>
+          <p:cNvPr id="10" name="Рисунок 9"/>
+          <p:cNvPicPr>
+            <a:picLocks noChangeAspect="1"/>
+          </p:cNvPicPr>
+          <p:nvPr/>
+        </p:nvPicPr>
+        <p:blipFill>
+          <a:blip r:embed="rId3" cstate="print">
+            <a:extLst>
+              <a:ext uri="{28A0092B-C50C-407E-A947-70E740481C1C}">
+                <a14:useLocalDpi xmlns:a14="http://schemas.microsoft.com/office/drawing/2010/main" val="0"/>
+              </a:ext>
+            </a:extLst>
+          </a:blip>
+          <a:stretch>
+            <a:fillRect/>
+          </a:stretch>
+        </p:blipFill>
+        <p:spPr>
+          <a:xfrm>
+            <a:off x="7175242" y="4286728"/>
+            <a:ext cx="1263412" cy="1498395"/>
+          </a:xfrm>
+          <a:prstGeom prst="rect">
+            <a:avLst/>
+          </a:prstGeom>
+        </p:spPr>
+      </p:pic>
+      <p:pic>
+        <p:nvPicPr>
+          <p:cNvPr id="11" name="Рисунок 10"/>
+          <p:cNvPicPr>
+            <a:picLocks noChangeAspect="1"/>
+          </p:cNvPicPr>
+          <p:nvPr/>
+        </p:nvPicPr>
+        <p:blipFill>
+          <a:blip r:embed="rId4" cstate="print">
+            <a:extLst>
+              <a:ext uri="{28A0092B-C50C-407E-A947-70E740481C1C}">
+                <a14:useLocalDpi xmlns:a14="http://schemas.microsoft.com/office/drawing/2010/main" val="0"/>
+              </a:ext>
+            </a:extLst>
+          </a:blip>
+          <a:stretch>
+            <a:fillRect/>
+          </a:stretch>
+        </p:blipFill>
+        <p:spPr>
+          <a:xfrm>
+            <a:off x="1569304" y="2163954"/>
+            <a:ext cx="1291449" cy="1538447"/>
+          </a:xfrm>
+          <a:prstGeom prst="rect">
+            <a:avLst/>
+          </a:prstGeom>
+        </p:spPr>
+      </p:pic>
+      <p:pic>
+        <p:nvPicPr>
+          <p:cNvPr id="12" name="Рисунок 11"/>
+          <p:cNvPicPr>
+            <a:picLocks noChangeAspect="1"/>
+          </p:cNvPicPr>
+          <p:nvPr/>
+        </p:nvPicPr>
+        <p:blipFill>
+          <a:blip r:embed="rId5" cstate="print">
+            <a:extLst>
+              <a:ext uri="{28A0092B-C50C-407E-A947-70E740481C1C}">
+                <a14:useLocalDpi xmlns:a14="http://schemas.microsoft.com/office/drawing/2010/main" val="0"/>
+              </a:ext>
+            </a:extLst>
+          </a:blip>
+          <a:stretch>
+            <a:fillRect/>
+          </a:stretch>
+        </p:blipFill>
+        <p:spPr>
+          <a:xfrm>
+            <a:off x="6393862" y="2179952"/>
+            <a:ext cx="869698" cy="1498321"/>
+          </a:xfrm>
+          <a:prstGeom prst="rect">
+            <a:avLst/>
+          </a:prstGeom>
+        </p:spPr>
+      </p:pic>
+      <p:pic>
+        <p:nvPicPr>
+          <p:cNvPr id="13" name="Рисунок 12"/>
+          <p:cNvPicPr>
+            <a:picLocks noChangeAspect="1"/>
+          </p:cNvPicPr>
+          <p:nvPr/>
+        </p:nvPicPr>
+        <p:blipFill>
+          <a:blip r:embed="rId6" cstate="print">
+            <a:extLst>
+              <a:ext uri="{28A0092B-C50C-407E-A947-70E740481C1C}">
+                <a14:useLocalDpi xmlns:a14="http://schemas.microsoft.com/office/drawing/2010/main" val="0"/>
+              </a:ext>
+            </a:extLst>
+          </a:blip>
+          <a:stretch>
+            <a:fillRect/>
+          </a:stretch>
+        </p:blipFill>
+        <p:spPr>
+          <a:xfrm>
+            <a:off x="3947528" y="2214473"/>
+            <a:ext cx="1359558" cy="1429279"/>
+          </a:xfrm>
+          <a:prstGeom prst="rect">
+            <a:avLst/>
+          </a:prstGeom>
+        </p:spPr>
+      </p:pic>
+      <p:pic>
+        <p:nvPicPr>
+          <p:cNvPr id="14" name="Рисунок 13"/>
+          <p:cNvPicPr>
+            <a:picLocks noChangeAspect="1"/>
+          </p:cNvPicPr>
+          <p:nvPr/>
+        </p:nvPicPr>
+        <p:blipFill>
+          <a:blip r:embed="rId7" cstate="print">
+            <a:extLst>
+              <a:ext uri="{28A0092B-C50C-407E-A947-70E740481C1C}">
+                <a14:useLocalDpi xmlns:a14="http://schemas.microsoft.com/office/drawing/2010/main" val="0"/>
+              </a:ext>
+            </a:extLst>
+          </a:blip>
+          <a:stretch>
+            <a:fillRect/>
+          </a:stretch>
+        </p:blipFill>
+        <p:spPr>
+          <a:xfrm>
+            <a:off x="9439453" y="4264461"/>
+            <a:ext cx="1088372" cy="1542928"/>
+          </a:xfrm>
+          <a:prstGeom prst="rect">
+            <a:avLst/>
+          </a:prstGeom>
+        </p:spPr>
+      </p:pic>
+      <p:cxnSp>
+        <p:nvCxnSpPr>
+          <p:cNvPr id="16" name="Прямая со стрелкой 15"/>
+          <p:cNvCxnSpPr>
+            <a:stCxn id="11" idx="3"/>
+            <a:endCxn id="13" idx="1"/>
+          </p:cNvCxnSpPr>
+          <p:nvPr/>
+        </p:nvCxnSpPr>
+        <p:spPr>
+          <a:xfrm flipV="1">
+            <a:off x="2860753" y="2929113"/>
+            <a:ext cx="1086775" cy="4065"/>
+          </a:xfrm>
+          <a:prstGeom prst="straightConnector1">
+            <a:avLst/>
+          </a:prstGeom>
+          <a:ln w="19050">
+            <a:tailEnd type="triangle"/>
+          </a:ln>
+        </p:spPr>
+        <p:style>
+          <a:lnRef idx="1">
+            <a:schemeClr val="dk1"/>
+          </a:lnRef>
+          <a:fillRef idx="0">
+            <a:schemeClr val="dk1"/>
+          </a:fillRef>
+          <a:effectRef idx="0">
+            <a:schemeClr val="dk1"/>
+          </a:effectRef>
+          <a:fontRef idx="minor">
+            <a:schemeClr val="tx1"/>
+          </a:fontRef>
+        </p:style>
+      </p:cxnSp>
+      <p:cxnSp>
+        <p:nvCxnSpPr>
+          <p:cNvPr id="18" name="Прямая со стрелкой 17"/>
+          <p:cNvCxnSpPr>
+            <a:stCxn id="13" idx="3"/>
+            <a:endCxn id="12" idx="1"/>
+          </p:cNvCxnSpPr>
+          <p:nvPr/>
+        </p:nvCxnSpPr>
+        <p:spPr>
+          <a:xfrm>
+            <a:off x="5307086" y="2929113"/>
+            <a:ext cx="1086776" cy="0"/>
+          </a:xfrm>
+          <a:prstGeom prst="straightConnector1">
+            <a:avLst/>
+          </a:prstGeom>
+          <a:ln w="19050">
+            <a:tailEnd type="triangle"/>
+          </a:ln>
+        </p:spPr>
+        <p:style>
+          <a:lnRef idx="1">
+            <a:schemeClr val="dk1"/>
+          </a:lnRef>
+          <a:fillRef idx="0">
+            <a:schemeClr val="dk1"/>
+          </a:fillRef>
+          <a:effectRef idx="0">
+            <a:schemeClr val="dk1"/>
+          </a:effectRef>
+          <a:fontRef idx="minor">
+            <a:schemeClr val="tx1"/>
+          </a:fontRef>
+        </p:style>
+      </p:cxnSp>
+      <p:cxnSp>
+        <p:nvCxnSpPr>
+          <p:cNvPr id="23" name="Прямая со стрелкой 22"/>
+          <p:cNvCxnSpPr>
+            <a:stCxn id="12" idx="3"/>
+            <a:endCxn id="9" idx="1"/>
+          </p:cNvCxnSpPr>
+          <p:nvPr/>
+        </p:nvCxnSpPr>
+        <p:spPr>
+          <a:xfrm>
+            <a:off x="7263560" y="2929113"/>
+            <a:ext cx="1086776" cy="0"/>
+          </a:xfrm>
+          <a:prstGeom prst="straightConnector1">
+            <a:avLst/>
+          </a:prstGeom>
+          <a:ln w="19050">
+            <a:tailEnd type="triangle"/>
+          </a:ln>
+        </p:spPr>
+        <p:style>
+          <a:lnRef idx="1">
+            <a:schemeClr val="dk1"/>
+          </a:lnRef>
+          <a:fillRef idx="0">
+            <a:schemeClr val="dk1"/>
+          </a:fillRef>
+          <a:effectRef idx="0">
+            <a:schemeClr val="dk1"/>
+          </a:effectRef>
+          <a:fontRef idx="minor">
+            <a:schemeClr val="tx1"/>
+          </a:fontRef>
+        </p:style>
+      </p:cxnSp>
+      <p:cxnSp>
+        <p:nvCxnSpPr>
+          <p:cNvPr id="26" name="Скругленная соединительная линия 25"/>
+          <p:cNvCxnSpPr>
+            <a:stCxn id="9" idx="2"/>
+            <a:endCxn id="10" idx="0"/>
+          </p:cNvCxnSpPr>
+          <p:nvPr/>
+        </p:nvCxnSpPr>
+        <p:spPr>
+          <a:xfrm rot="5400000">
+            <a:off x="8022638" y="3420707"/>
+            <a:ext cx="650331" cy="1081710"/>
+          </a:xfrm>
+          <a:prstGeom prst="curvedConnector3">
+            <a:avLst/>
+          </a:prstGeom>
+          <a:ln w="19050">
+            <a:headEnd type="triangle"/>
+            <a:tailEnd type="triangle"/>
+          </a:ln>
+        </p:spPr>
+        <p:style>
+          <a:lnRef idx="1">
+            <a:schemeClr val="dk1"/>
+          </a:lnRef>
+          <a:fillRef idx="0">
+            <a:schemeClr val="dk1"/>
+          </a:fillRef>
+          <a:effectRef idx="0">
+            <a:schemeClr val="dk1"/>
+          </a:effectRef>
+          <a:fontRef idx="minor">
+            <a:schemeClr val="tx1"/>
+          </a:fontRef>
+        </p:style>
+      </p:cxnSp>
+      <p:cxnSp>
+        <p:nvCxnSpPr>
+          <p:cNvPr id="28" name="Скругленная соединительная линия 27"/>
+          <p:cNvCxnSpPr>
+            <a:stCxn id="9" idx="2"/>
+            <a:endCxn id="14" idx="0"/>
+          </p:cNvCxnSpPr>
+          <p:nvPr/>
+        </p:nvCxnSpPr>
+        <p:spPr>
+          <a:xfrm rot="16200000" flipH="1">
+            <a:off x="9122116" y="3402938"/>
+            <a:ext cx="628064" cy="1094981"/>
+          </a:xfrm>
+          <a:prstGeom prst="curvedConnector3">
+            <a:avLst/>
+          </a:prstGeom>
+          <a:ln w="19050">
+            <a:headEnd type="triangle"/>
+            <a:tailEnd type="triangle"/>
+          </a:ln>
+        </p:spPr>
+        <p:style>
+          <a:lnRef idx="1">
+            <a:schemeClr val="dk1"/>
+          </a:lnRef>
+          <a:fillRef idx="0">
+            <a:schemeClr val="dk1"/>
+          </a:fillRef>
+          <a:effectRef idx="0">
+            <a:schemeClr val="dk1"/>
+          </a:effectRef>
+          <a:fontRef idx="minor">
+            <a:schemeClr val="tx1"/>
+          </a:fontRef>
+        </p:style>
+      </p:cxnSp>
+      <p:cxnSp>
+        <p:nvCxnSpPr>
+          <p:cNvPr id="34" name="Скругленная соединительная линия 33"/>
+          <p:cNvCxnSpPr>
+            <a:stCxn id="14" idx="1"/>
+            <a:endCxn id="10" idx="3"/>
+          </p:cNvCxnSpPr>
+          <p:nvPr/>
+        </p:nvCxnSpPr>
+        <p:spPr>
+          <a:xfrm rot="10800000" flipV="1">
+            <a:off x="8478868" y="5035924"/>
+            <a:ext cx="948112" cy="1"/>
+          </a:xfrm>
+          <a:prstGeom prst="curvedConnector3">
+            <a:avLst/>
+          </a:prstGeom>
+          <a:ln w="19050">
+            <a:headEnd type="triangle"/>
+            <a:tailEnd type="triangle"/>
+          </a:ln>
+        </p:spPr>
+        <p:style>
+          <a:lnRef idx="1">
+            <a:schemeClr val="dk1"/>
+          </a:lnRef>
+          <a:fillRef idx="0">
+            <a:schemeClr val="dk1"/>
+          </a:fillRef>
+          <a:effectRef idx="0">
+            <a:schemeClr val="dk1"/>
+          </a:effectRef>
+          <a:fontRef idx="minor">
+            <a:schemeClr val="tx1"/>
+          </a:fontRef>
+        </p:style>
+      </p:cxnSp>
+    </p:spTree>
+    <p:extLst>
+      <p:ext uri="{BB962C8B-B14F-4D97-AF65-F5344CB8AC3E}">
+        <p14:creationId xmlns:p14="http://schemas.microsoft.com/office/powerpoint/2010/main" val="743255439"/>
+      </p:ext>
+    </p:extLst>
+  </p:cSld>
+  <p:clrMapOvr>
+    <a:masterClrMapping/>
+  </p:clrMapOvr>
+  <mc:AlternateContent xmlns:mc="http://schemas.openxmlformats.org/markup-compatibility/2006">
+    <mc:Choice xmlns:p14="http://schemas.microsoft.com/office/powerpoint/2010/main" Requires="p14">
+      <p:transition p14:dur="0"/>
+    </mc:Choice>
+    <mc:Fallback>
+      <p:transition/>
+    </mc:Fallback>
+  </mc:AlternateContent>
+  <p:timing>
+    <p:tnLst>
+      <p:par>
+        <p:cTn id="1" dur="indefinite" restart="never" nodeType="tmRoot">
+          <p:childTnLst>
+            <p:seq concurrent="1" nextAc="seek">
+              <p:cTn id="2" dur="indefinite" nodeType="mainSeq">
+                <p:childTnLst>
+                  <p:par>
+                    <p:cTn id="3" fill="hold">
+                      <p:stCondLst>
+                        <p:cond delay="indefinite"/>
+                        <p:cond evt="onBegin" delay="0">
+                          <p:tn val="2"/>
+                        </p:cond>
+                      </p:stCondLst>
+                      <p:childTnLst>
+                        <p:par>
+                          <p:cTn id="4" fill="hold">
+                            <p:stCondLst>
+                              <p:cond delay="0"/>
+                            </p:stCondLst>
+                            <p:childTnLst>
+                              <p:par>
+                                <p:cTn id="5" presetID="32" presetClass="emph" presetSubtype="0" fill="hold" nodeType="withEffect">
+                                  <p:stCondLst>
+                                    <p:cond delay="0"/>
+                                  </p:stCondLst>
+                                  <p:childTnLst>
+                                    <p:animRot by="120000">
+                                      <p:cBhvr>
+                                        <p:cTn id="6" dur="100" fill="hold">
+                                          <p:stCondLst>
+                                            <p:cond delay="0"/>
+                                          </p:stCondLst>
+                                        </p:cTn>
+                                        <p:tgtEl>
+                                          <p:spTgt spid="9"/>
+                                        </p:tgtEl>
+                                        <p:attrNameLst>
+                                          <p:attrName>r</p:attrName>
+                                        </p:attrNameLst>
+                                      </p:cBhvr>
+                                    </p:animRot>
+                                    <p:animRot by="-240000">
+                                      <p:cBhvr>
+                                        <p:cTn id="7" dur="200" fill="hold">
+                                          <p:stCondLst>
+                                            <p:cond delay="200"/>
+                                          </p:stCondLst>
+                                        </p:cTn>
+                                        <p:tgtEl>
+                                          <p:spTgt spid="9"/>
+                                        </p:tgtEl>
+                                        <p:attrNameLst>
+                                          <p:attrName>r</p:attrName>
+                                        </p:attrNameLst>
+                                      </p:cBhvr>
+                                    </p:animRot>
+                                    <p:animRot by="240000">
+                                      <p:cBhvr>
+                                        <p:cTn id="8" dur="200" fill="hold">
+                                          <p:stCondLst>
+                                            <p:cond delay="400"/>
+                                          </p:stCondLst>
+                                        </p:cTn>
+                                        <p:tgtEl>
+                                          <p:spTgt spid="9"/>
+                                        </p:tgtEl>
+                                        <p:attrNameLst>
+                                          <p:attrName>r</p:attrName>
+                                        </p:attrNameLst>
+                                      </p:cBhvr>
+                                    </p:animRot>
+                                    <p:animRot by="-240000">
+                                      <p:cBhvr>
+                                        <p:cTn id="9" dur="200" fill="hold">
+                                          <p:stCondLst>
+                                            <p:cond delay="600"/>
+                                          </p:stCondLst>
+                                        </p:cTn>
+                                        <p:tgtEl>
+                                          <p:spTgt spid="9"/>
+                                        </p:tgtEl>
+                                        <p:attrNameLst>
+                                          <p:attrName>r</p:attrName>
+                                        </p:attrNameLst>
+                                      </p:cBhvr>
+                                    </p:animRot>
+                                    <p:animRot by="120000">
+                                      <p:cBhvr>
+                                        <p:cTn id="10" dur="200" fill="hold">
+                                          <p:stCondLst>
+                                            <p:cond delay="800"/>
+                                          </p:stCondLst>
+                                        </p:cTn>
+                                        <p:tgtEl>
+                                          <p:spTgt spid="9"/>
+                                        </p:tgtEl>
+                                        <p:attrNameLst>
+                                          <p:attrName>r</p:attrName>
+                                        </p:attrNameLst>
+                                      </p:cBhvr>
+                                    </p:animRot>
+                                  </p:childTnLst>
+                                </p:cTn>
+                              </p:par>
+                              <p:par>
+                                <p:cTn id="11" presetID="32" presetClass="emph" presetSubtype="0" fill="hold" nodeType="withEffect">
+                                  <p:stCondLst>
+                                    <p:cond delay="0"/>
+                                  </p:stCondLst>
+                                  <p:childTnLst>
+                                    <p:animRot by="120000">
+                                      <p:cBhvr>
+                                        <p:cTn id="12" dur="100" fill="hold">
+                                          <p:stCondLst>
+                                            <p:cond delay="0"/>
+                                          </p:stCondLst>
+                                        </p:cTn>
+                                        <p:tgtEl>
+                                          <p:spTgt spid="14"/>
+                                        </p:tgtEl>
+                                        <p:attrNameLst>
+                                          <p:attrName>r</p:attrName>
+                                        </p:attrNameLst>
+                                      </p:cBhvr>
+                                    </p:animRot>
+                                    <p:animRot by="-240000">
+                                      <p:cBhvr>
+                                        <p:cTn id="13" dur="200" fill="hold">
+                                          <p:stCondLst>
+                                            <p:cond delay="200"/>
+                                          </p:stCondLst>
+                                        </p:cTn>
+                                        <p:tgtEl>
+                                          <p:spTgt spid="14"/>
+                                        </p:tgtEl>
+                                        <p:attrNameLst>
+                                          <p:attrName>r</p:attrName>
+                                        </p:attrNameLst>
+                                      </p:cBhvr>
+                                    </p:animRot>
+                                    <p:animRot by="240000">
+                                      <p:cBhvr>
+                                        <p:cTn id="14" dur="200" fill="hold">
+                                          <p:stCondLst>
+                                            <p:cond delay="400"/>
+                                          </p:stCondLst>
+                                        </p:cTn>
+                                        <p:tgtEl>
+                                          <p:spTgt spid="14"/>
+                                        </p:tgtEl>
+                                        <p:attrNameLst>
+                                          <p:attrName>r</p:attrName>
+                                        </p:attrNameLst>
+                                      </p:cBhvr>
+                                    </p:animRot>
+                                    <p:animRot by="-240000">
+                                      <p:cBhvr>
+                                        <p:cTn id="15" dur="200" fill="hold">
+                                          <p:stCondLst>
+                                            <p:cond delay="600"/>
+                                          </p:stCondLst>
+                                        </p:cTn>
+                                        <p:tgtEl>
+                                          <p:spTgt spid="14"/>
+                                        </p:tgtEl>
+                                        <p:attrNameLst>
+                                          <p:attrName>r</p:attrName>
+                                        </p:attrNameLst>
+                                      </p:cBhvr>
+                                    </p:animRot>
+                                    <p:animRot by="120000">
+                                      <p:cBhvr>
+                                        <p:cTn id="16" dur="200" fill="hold">
+                                          <p:stCondLst>
+                                            <p:cond delay="800"/>
+                                          </p:stCondLst>
+                                        </p:cTn>
+                                        <p:tgtEl>
+                                          <p:spTgt spid="14"/>
+                                        </p:tgtEl>
+                                        <p:attrNameLst>
+                                          <p:attrName>r</p:attrName>
+                                        </p:attrNameLst>
+                                      </p:cBhvr>
+                                    </p:animRot>
+                                  </p:childTnLst>
+                                </p:cTn>
+                              </p:par>
+                              <p:par>
+                                <p:cTn id="17" presetID="32" presetClass="emph" presetSubtype="0" fill="hold" nodeType="withEffect">
+                                  <p:stCondLst>
+                                    <p:cond delay="0"/>
+                                  </p:stCondLst>
+                                  <p:childTnLst>
+                                    <p:animRot by="120000">
+                                      <p:cBhvr>
+                                        <p:cTn id="18" dur="100" fill="hold">
+                                          <p:stCondLst>
+                                            <p:cond delay="0"/>
+                                          </p:stCondLst>
+                                        </p:cTn>
+                                        <p:tgtEl>
+                                          <p:spTgt spid="10"/>
+                                        </p:tgtEl>
+                                        <p:attrNameLst>
+                                          <p:attrName>r</p:attrName>
+                                        </p:attrNameLst>
+                                      </p:cBhvr>
+                                    </p:animRot>
+                                    <p:animRot by="-240000">
+                                      <p:cBhvr>
+                                        <p:cTn id="19" dur="200" fill="hold">
+                                          <p:stCondLst>
+                                            <p:cond delay="200"/>
+                                          </p:stCondLst>
+                                        </p:cTn>
+                                        <p:tgtEl>
+                                          <p:spTgt spid="10"/>
+                                        </p:tgtEl>
+                                        <p:attrNameLst>
+                                          <p:attrName>r</p:attrName>
+                                        </p:attrNameLst>
+                                      </p:cBhvr>
+                                    </p:animRot>
+                                    <p:animRot by="240000">
+                                      <p:cBhvr>
+                                        <p:cTn id="20" dur="200" fill="hold">
+                                          <p:stCondLst>
+                                            <p:cond delay="400"/>
+                                          </p:stCondLst>
+                                        </p:cTn>
+                                        <p:tgtEl>
+                                          <p:spTgt spid="10"/>
+                                        </p:tgtEl>
+                                        <p:attrNameLst>
+                                          <p:attrName>r</p:attrName>
+                                        </p:attrNameLst>
+                                      </p:cBhvr>
+                                    </p:animRot>
+                                    <p:animRot by="-240000">
+                                      <p:cBhvr>
+                                        <p:cTn id="21" dur="200" fill="hold">
+                                          <p:stCondLst>
+                                            <p:cond delay="600"/>
+                                          </p:stCondLst>
+                                        </p:cTn>
+                                        <p:tgtEl>
+                                          <p:spTgt spid="10"/>
+                                        </p:tgtEl>
+                                        <p:attrNameLst>
+                                          <p:attrName>r</p:attrName>
+                                        </p:attrNameLst>
+                                      </p:cBhvr>
+                                    </p:animRot>
+                                    <p:animRot by="120000">
+                                      <p:cBhvr>
+                                        <p:cTn id="22" dur="200" fill="hold">
+                                          <p:stCondLst>
+                                            <p:cond delay="800"/>
+                                          </p:stCondLst>
+                                        </p:cTn>
+                                        <p:tgtEl>
+                                          <p:spTgt spid="10"/>
+                                        </p:tgtEl>
+                                        <p:attrNameLst>
+                                          <p:attrName>r</p:attrName>
+                                        </p:attrNameLst>
+                                      </p:cBhvr>
+                                    </p:animRot>
+                                  </p:childTnLst>
+                                </p:cTn>
+                              </p:par>
+                            </p:childTnLst>
+                          </p:cTn>
+                        </p:par>
+                      </p:childTnLst>
+                    </p:cTn>
+                  </p:par>
+                </p:childTnLst>
+              </p:cTn>
+              <p:prevCondLst>
+                <p:cond evt="onPrev" delay="0">
+                  <p:tgtEl>
+                    <p:sldTgt/>
+                  </p:tgtEl>
+                </p:cond>
+              </p:prevCondLst>
+              <p:nextCondLst>
+                <p:cond evt="onNext" delay="0">
+                  <p:tgtEl>
+                    <p:sldTgt/>
+                  </p:tgtEl>
+                </p:cond>
+              </p:nextCondLst>
+            </p:seq>
+          </p:childTnLst>
+        </p:cTn>
+      </p:par>
+    </p:tnLst>
+  </p:timing>
+</p:sld>
+</file>
+
+<file path=ppt/slides/slide15.xml><?xml version="1.0" encoding="utf-8"?>
 <p:sld xmlns:a="http://schemas.openxmlformats.org/drawingml/2006/main" xmlns:r="http://schemas.openxmlformats.org/officeDocument/2006/relationships" xmlns:p="http://schemas.openxmlformats.org/presentationml/2006/main">
   <p:cSld>
     <p:bg>
@@ -6881,11 +10663,11 @@
           <a:bodyPr/>
           <a:lstStyle/>
           <a:p>
-            <a:fld id="{C569FDB9-978A-4295-A40F-75DB9D9B47B8}" type="slidenum">
-              <a:rPr lang="ru-RU" smtClean="0"/>
+            <a:r>
+              <a:rPr lang="en-US" dirty="0" smtClean="0"/>
               <a:t>13</a:t>
-            </a:fld>
-            <a:endParaRPr lang="ru-RU"/>
+            </a:r>
+            <a:endParaRPr lang="ru-RU" dirty="0"/>
           </a:p>
         </p:txBody>
       </p:sp>
@@ -7327,7 +11109,7 @@
 </p:sld>
 </file>
 
-<file path=ppt/slides/slide14.xml><?xml version="1.0" encoding="utf-8"?>
+<file path=ppt/slides/slide16.xml><?xml version="1.0" encoding="utf-8"?>
 <p:sld xmlns:a="http://schemas.openxmlformats.org/drawingml/2006/main" xmlns:r="http://schemas.openxmlformats.org/officeDocument/2006/relationships" xmlns:p="http://schemas.openxmlformats.org/presentationml/2006/main">
   <p:cSld>
     <p:spTree>
@@ -7569,11 +11351,11 @@
           <a:bodyPr/>
           <a:lstStyle/>
           <a:p>
-            <a:fld id="{C569FDB9-978A-4295-A40F-75DB9D9B47B8}" type="slidenum">
-              <a:rPr lang="ru-RU" smtClean="0"/>
+            <a:r>
+              <a:rPr lang="en-US" dirty="0" smtClean="0"/>
               <a:t>14</a:t>
-            </a:fld>
-            <a:endParaRPr lang="ru-RU"/>
+            </a:r>
+            <a:endParaRPr lang="ru-RU" dirty="0"/>
           </a:p>
         </p:txBody>
       </p:sp>
@@ -8521,7 +12303,7 @@
 </p:sld>
 </file>
 
-<file path=ppt/slides/slide15.xml><?xml version="1.0" encoding="utf-8"?>
+<file path=ppt/slides/slide17.xml><?xml version="1.0" encoding="utf-8"?>
 <p:sld xmlns:a="http://schemas.openxmlformats.org/drawingml/2006/main" xmlns:r="http://schemas.openxmlformats.org/officeDocument/2006/relationships" xmlns:p="http://schemas.openxmlformats.org/presentationml/2006/main">
   <p:cSld>
     <p:spTree>
@@ -8763,11 +12545,11 @@
           <a:bodyPr/>
           <a:lstStyle/>
           <a:p>
-            <a:fld id="{C569FDB9-978A-4295-A40F-75DB9D9B47B8}" type="slidenum">
-              <a:rPr lang="ru-RU" smtClean="0"/>
-              <a:t>15</a:t>
-            </a:fld>
-            <a:endParaRPr lang="ru-RU"/>
+            <a:r>
+              <a:rPr lang="en-US" dirty="0" smtClean="0"/>
+              <a:t>14</a:t>
+            </a:r>
+            <a:endParaRPr lang="ru-RU" dirty="0"/>
           </a:p>
         </p:txBody>
       </p:sp>
@@ -9120,10 +12902,10 @@
   </p:clrMapOvr>
   <mc:AlternateContent xmlns:mc="http://schemas.openxmlformats.org/markup-compatibility/2006">
     <mc:Choice xmlns:p14="http://schemas.microsoft.com/office/powerpoint/2010/main" Requires="p14">
-      <p:transition p14:dur="10" advClick="0" advTm="1000"/>
+      <p:transition p14:dur="10" advClick="0" advTm="0"/>
     </mc:Choice>
     <mc:Fallback>
-      <p:transition advClick="0" advTm="1000"/>
+      <p:transition advClick="0" advTm="0"/>
     </mc:Fallback>
   </mc:AlternateContent>
   <p:timing>
@@ -9307,7 +13089,7 @@
 </p:sld>
 </file>
 
-<file path=ppt/slides/slide16.xml><?xml version="1.0" encoding="utf-8"?>
+<file path=ppt/slides/slide18.xml><?xml version="1.0" encoding="utf-8"?>
 <p:sld xmlns:a="http://schemas.openxmlformats.org/drawingml/2006/main" xmlns:r="http://schemas.openxmlformats.org/officeDocument/2006/relationships" xmlns:p="http://schemas.openxmlformats.org/presentationml/2006/main">
   <p:cSld>
     <p:bg>
@@ -9391,11 +13173,11 @@
           <a:bodyPr/>
           <a:lstStyle/>
           <a:p>
-            <a:fld id="{C569FDB9-978A-4295-A40F-75DB9D9B47B8}" type="slidenum">
-              <a:rPr lang="ru-RU" smtClean="0"/>
-              <a:t>16</a:t>
-            </a:fld>
-            <a:endParaRPr lang="ru-RU"/>
+            <a:r>
+              <a:rPr lang="en-US" dirty="0" smtClean="0"/>
+              <a:t>15</a:t>
+            </a:r>
+            <a:endParaRPr lang="ru-RU" dirty="0"/>
           </a:p>
         </p:txBody>
       </p:sp>
@@ -9797,11 +13579,11 @@
   <p:clrMapOvr>
     <a:masterClrMapping/>
   </p:clrMapOvr>
-  <mc:AlternateContent xmlns:mc="http://schemas.openxmlformats.org/markup-compatibility/2006">
-    <mc:Choice xmlns:p14="http://schemas.microsoft.com/office/powerpoint/2010/main" Requires="p14">
-      <p:transition p14:dur="10"/>
+  <mc:AlternateContent xmlns:mc="http://schemas.openxmlformats.org/markup-compatibility/2006" xmlns:p14="http://schemas.microsoft.com/office/powerpoint/2010/main">
+    <mc:Choice Requires="p14">
+      <p:transition p14:dur="0"/>
     </mc:Choice>
-    <mc:Fallback>
+    <mc:Fallback xmlns="">
       <p:transition/>
     </mc:Fallback>
   </mc:AlternateContent>
@@ -10540,7 +14322,7 @@
 </p:sld>
 </file>
 
-<file path=ppt/slides/slide17.xml><?xml version="1.0" encoding="utf-8"?>
+<file path=ppt/slides/slide19.xml><?xml version="1.0" encoding="utf-8"?>
 <p:sld xmlns:a="http://schemas.openxmlformats.org/drawingml/2006/main" xmlns:r="http://schemas.openxmlformats.org/officeDocument/2006/relationships" xmlns:p="http://schemas.openxmlformats.org/presentationml/2006/main">
   <p:cSld>
     <p:bg>
@@ -10606,29 +14388,6 @@
               <a:ea typeface="+mn-ea"/>
               <a:cs typeface="+mn-cs"/>
             </a:endParaRPr>
-          </a:p>
-        </p:txBody>
-      </p:sp>
-      <p:sp>
-        <p:nvSpPr>
-          <p:cNvPr id="4" name="Номер слайда 3"/>
-          <p:cNvSpPr>
-            <a:spLocks noGrp="1"/>
-          </p:cNvSpPr>
-          <p:nvPr>
-            <p:ph type="sldNum" sz="quarter" idx="12"/>
-          </p:nvPr>
-        </p:nvSpPr>
-        <p:spPr/>
-        <p:txBody>
-          <a:bodyPr/>
-          <a:lstStyle/>
-          <a:p>
-            <a:fld id="{C569FDB9-978A-4295-A40F-75DB9D9B47B8}" type="slidenum">
-              <a:rPr lang="ru-RU" smtClean="0"/>
-              <a:t>17</a:t>
-            </a:fld>
-            <a:endParaRPr lang="ru-RU"/>
           </a:p>
         </p:txBody>
       </p:sp>
@@ -11022,60 +14781,14 @@
       </p:cxnSp>
       <p:sp>
         <p:nvSpPr>
-          <p:cNvPr id="18" name="Овал 17"/>
-          <p:cNvSpPr/>
-          <p:nvPr/>
-        </p:nvSpPr>
-        <p:spPr>
-          <a:xfrm>
-            <a:off x="8802019" y="3129744"/>
-            <a:ext cx="990270" cy="990270"/>
-          </a:xfrm>
-          <a:prstGeom prst="ellipse">
-            <a:avLst/>
-          </a:prstGeom>
-          <a:solidFill>
-            <a:schemeClr val="accent6">
-              <a:lumMod val="60000"/>
-              <a:lumOff val="40000"/>
-            </a:schemeClr>
-          </a:solidFill>
-        </p:spPr>
-        <p:style>
-          <a:lnRef idx="2">
-            <a:schemeClr val="accent1">
-              <a:shade val="50000"/>
-            </a:schemeClr>
-          </a:lnRef>
-          <a:fillRef idx="1">
-            <a:schemeClr val="accent1"/>
-          </a:fillRef>
-          <a:effectRef idx="0">
-            <a:schemeClr val="accent1"/>
-          </a:effectRef>
-          <a:fontRef idx="minor">
-            <a:schemeClr val="lt1"/>
-          </a:fontRef>
-        </p:style>
-        <p:txBody>
-          <a:bodyPr rtlCol="0" anchor="ctr"/>
-          <a:lstStyle/>
-          <a:p>
-            <a:pPr algn="ctr"/>
-            <a:endParaRPr lang="ru-RU" dirty="0"/>
-          </a:p>
-        </p:txBody>
-      </p:sp>
-      <p:sp>
-        <p:nvSpPr>
           <p:cNvPr id="22" name="Овал 21"/>
           <p:cNvSpPr/>
           <p:nvPr/>
         </p:nvSpPr>
         <p:spPr>
           <a:xfrm>
-            <a:off x="7101151" y="2055018"/>
-            <a:ext cx="3264429" cy="3264429"/>
+            <a:off x="7821612" y="2103685"/>
+            <a:ext cx="2595248" cy="2595248"/>
           </a:xfrm>
           <a:prstGeom prst="ellipse">
             <a:avLst/>
@@ -11127,10 +14840,10 @@
   </p:clrMapOvr>
   <mc:AlternateContent xmlns:mc="http://schemas.openxmlformats.org/markup-compatibility/2006">
     <mc:Choice xmlns:p14="http://schemas.microsoft.com/office/powerpoint/2010/main" Requires="p14">
-      <p:transition p14:dur="10" advClick="0" advTm="1000"/>
+      <p:transition p14:dur="0" advClick="0" advTm="0"/>
     </mc:Choice>
     <mc:Fallback>
-      <p:transition advClick="0" advTm="1000"/>
+      <p:transition advClick="0" advTm="0"/>
     </mc:Fallback>
   </mc:AlternateContent>
   <p:timing>
@@ -11208,7 +14921,470 @@
 </p:sld>
 </file>
 
-<file path=ppt/slides/slide18.xml><?xml version="1.0" encoding="utf-8"?>
+<file path=ppt/slides/slide2.xml><?xml version="1.0" encoding="utf-8"?>
+<p:sld xmlns:a="http://schemas.openxmlformats.org/drawingml/2006/main" xmlns:r="http://schemas.openxmlformats.org/officeDocument/2006/relationships" xmlns:p="http://schemas.openxmlformats.org/presentationml/2006/main">
+  <p:cSld>
+    <p:bg>
+      <p:bgPr>
+        <a:solidFill>
+          <a:srgbClr val="E0E0E0"/>
+        </a:solidFill>
+        <a:effectLst/>
+      </p:bgPr>
+    </p:bg>
+    <p:spTree>
+      <p:nvGrpSpPr>
+        <p:cNvPr id="1" name=""/>
+        <p:cNvGrpSpPr/>
+        <p:nvPr/>
+      </p:nvGrpSpPr>
+      <p:grpSpPr>
+        <a:xfrm>
+          <a:off x="0" y="0"/>
+          <a:ext cx="0" cy="0"/>
+          <a:chOff x="0" y="0"/>
+          <a:chExt cx="0" cy="0"/>
+        </a:xfrm>
+      </p:grpSpPr>
+      <p:sp>
+        <p:nvSpPr>
+          <p:cNvPr id="4" name="Номер слайда 3">
+            <a:extLst>
+              <a:ext uri="{FF2B5EF4-FFF2-40B4-BE49-F238E27FC236}">
+                <a16:creationId xmlns:a16="http://schemas.microsoft.com/office/drawing/2014/main" id="{ECC26040-52C3-47FD-8BBB-369163CB430E}"/>
+              </a:ext>
+            </a:extLst>
+          </p:cNvPr>
+          <p:cNvSpPr>
+            <a:spLocks noGrp="1"/>
+          </p:cNvSpPr>
+          <p:nvPr>
+            <p:ph type="sldNum" sz="quarter" idx="12"/>
+          </p:nvPr>
+        </p:nvSpPr>
+        <p:spPr/>
+        <p:txBody>
+          <a:bodyPr/>
+          <a:lstStyle/>
+          <a:p>
+            <a:fld id="{C569FDB9-978A-4295-A40F-75DB9D9B47B8}" type="slidenum">
+              <a:rPr lang="ru-RU" smtClean="0"/>
+              <a:t>2</a:t>
+            </a:fld>
+            <a:endParaRPr lang="ru-RU"/>
+          </a:p>
+        </p:txBody>
+      </p:sp>
+      <p:sp>
+        <p:nvSpPr>
+          <p:cNvPr id="8" name="TextBox 7"/>
+          <p:cNvSpPr txBox="1"/>
+          <p:nvPr/>
+        </p:nvSpPr>
+        <p:spPr>
+          <a:xfrm>
+            <a:off x="939798" y="1353404"/>
+            <a:ext cx="3776135" cy="1569660"/>
+          </a:xfrm>
+          <a:prstGeom prst="rect">
+            <a:avLst/>
+          </a:prstGeom>
+          <a:noFill/>
+        </p:spPr>
+        <p:txBody>
+          <a:bodyPr wrap="square" rtlCol="0">
+            <a:spAutoFit/>
+          </a:bodyPr>
+          <a:lstStyle/>
+          <a:p>
+            <a:r>
+              <a:rPr lang="ru-RU" sz="2400" b="1" dirty="0" smtClean="0"/>
+              <a:t>Объект исследования</a:t>
+            </a:r>
+            <a:r>
+              <a:rPr lang="ru-RU" sz="2400" dirty="0" smtClean="0"/>
+              <a:t>: отдел кадров компании ООО «Автоматизация розничных технологий» </a:t>
+            </a:r>
+            <a:endParaRPr lang="ru-RU" sz="2400" dirty="0"/>
+          </a:p>
+        </p:txBody>
+      </p:sp>
+      <p:sp>
+        <p:nvSpPr>
+          <p:cNvPr id="9" name="TextBox 8"/>
+          <p:cNvSpPr txBox="1"/>
+          <p:nvPr/>
+        </p:nvSpPr>
+        <p:spPr>
+          <a:xfrm>
+            <a:off x="939798" y="3767667"/>
+            <a:ext cx="4182535" cy="1200329"/>
+          </a:xfrm>
+          <a:prstGeom prst="rect">
+            <a:avLst/>
+          </a:prstGeom>
+          <a:noFill/>
+        </p:spPr>
+        <p:txBody>
+          <a:bodyPr wrap="square" rtlCol="0">
+            <a:spAutoFit/>
+          </a:bodyPr>
+          <a:lstStyle/>
+          <a:p>
+            <a:r>
+              <a:rPr lang="ru-RU" sz="2400" b="1" dirty="0" smtClean="0"/>
+              <a:t>Предмет исследования</a:t>
+            </a:r>
+            <a:r>
+              <a:rPr lang="ru-RU" sz="2400" dirty="0" smtClean="0"/>
+              <a:t>: процесс трудоустройства кандидата в компанию</a:t>
+            </a:r>
+            <a:endParaRPr lang="ru-RU" sz="2400" dirty="0"/>
+          </a:p>
+        </p:txBody>
+      </p:sp>
+      <p:pic>
+        <p:nvPicPr>
+          <p:cNvPr id="10" name="Рисунок 9"/>
+          <p:cNvPicPr>
+            <a:picLocks noChangeAspect="1"/>
+          </p:cNvPicPr>
+          <p:nvPr/>
+        </p:nvPicPr>
+        <p:blipFill>
+          <a:blip r:embed="rId2">
+            <a:extLst>
+              <a:ext uri="{BEBA8EAE-BF5A-486C-A8C5-ECC9F3942E4B}">
+                <a14:imgProps xmlns:a14="http://schemas.microsoft.com/office/drawing/2010/main">
+                  <a14:imgLayer r:embed="rId3">
+                    <a14:imgEffect>
+                      <a14:backgroundRemoval t="0" b="100000" l="0" r="100000">
+                        <a14:foregroundMark x1="50479" y1="49521" x2="50479" y2="49521"/>
+                        <a14:foregroundMark x1="27955" y1="47444" x2="27955" y2="47444"/>
+                      </a14:backgroundRemoval>
+                    </a14:imgEffect>
+                  </a14:imgLayer>
+                </a14:imgProps>
+              </a:ext>
+              <a:ext uri="{28A0092B-C50C-407E-A947-70E740481C1C}">
+                <a14:useLocalDpi xmlns:a14="http://schemas.microsoft.com/office/drawing/2010/main" val="0"/>
+              </a:ext>
+            </a:extLst>
+          </a:blip>
+          <a:stretch>
+            <a:fillRect/>
+          </a:stretch>
+        </p:blipFill>
+        <p:spPr>
+          <a:xfrm>
+            <a:off x="6355292" y="438097"/>
+            <a:ext cx="4969933" cy="4969933"/>
+          </a:xfrm>
+          <a:prstGeom prst="rect">
+            <a:avLst/>
+          </a:prstGeom>
+        </p:spPr>
+      </p:pic>
+    </p:spTree>
+    <p:extLst>
+      <p:ext uri="{BB962C8B-B14F-4D97-AF65-F5344CB8AC3E}">
+        <p14:creationId xmlns:p14="http://schemas.microsoft.com/office/powerpoint/2010/main" val="2218710074"/>
+      </p:ext>
+    </p:extLst>
+  </p:cSld>
+  <p:clrMapOvr>
+    <a:masterClrMapping/>
+  </p:clrMapOvr>
+  <p:transition spd="slow">
+    <p:push dir="u"/>
+  </p:transition>
+  <p:timing>
+    <p:tnLst>
+      <p:par>
+        <p:cTn id="1" dur="indefinite" restart="never" nodeType="tmRoot">
+          <p:childTnLst>
+            <p:seq concurrent="1" nextAc="seek">
+              <p:cTn id="2" dur="indefinite" nodeType="mainSeq">
+                <p:childTnLst>
+                  <p:par>
+                    <p:cTn id="3" fill="hold">
+                      <p:stCondLst>
+                        <p:cond delay="indefinite"/>
+                        <p:cond evt="onBegin" delay="0">
+                          <p:tn val="2"/>
+                        </p:cond>
+                      </p:stCondLst>
+                      <p:childTnLst>
+                        <p:par>
+                          <p:cTn id="4" fill="hold">
+                            <p:stCondLst>
+                              <p:cond delay="0"/>
+                            </p:stCondLst>
+                            <p:childTnLst>
+                              <p:par>
+                                <p:cTn id="5" presetID="2" presetClass="entr" presetSubtype="8" fill="hold" grpId="0" nodeType="withEffect">
+                                  <p:stCondLst>
+                                    <p:cond delay="0"/>
+                                  </p:stCondLst>
+                                  <p:childTnLst>
+                                    <p:set>
+                                      <p:cBhvr>
+                                        <p:cTn id="6" dur="1" fill="hold">
+                                          <p:stCondLst>
+                                            <p:cond delay="0"/>
+                                          </p:stCondLst>
+                                        </p:cTn>
+                                        <p:tgtEl>
+                                          <p:spTgt spid="8"/>
+                                        </p:tgtEl>
+                                        <p:attrNameLst>
+                                          <p:attrName>style.visibility</p:attrName>
+                                        </p:attrNameLst>
+                                      </p:cBhvr>
+                                      <p:to>
+                                        <p:strVal val="visible"/>
+                                      </p:to>
+                                    </p:set>
+                                    <p:anim calcmode="lin" valueType="num">
+                                      <p:cBhvr additive="base">
+                                        <p:cTn id="7" dur="500" fill="hold"/>
+                                        <p:tgtEl>
+                                          <p:spTgt spid="8"/>
+                                        </p:tgtEl>
+                                        <p:attrNameLst>
+                                          <p:attrName>ppt_x</p:attrName>
+                                        </p:attrNameLst>
+                                      </p:cBhvr>
+                                      <p:tavLst>
+                                        <p:tav tm="0">
+                                          <p:val>
+                                            <p:strVal val="0-#ppt_w/2"/>
+                                          </p:val>
+                                        </p:tav>
+                                        <p:tav tm="100000">
+                                          <p:val>
+                                            <p:strVal val="#ppt_x"/>
+                                          </p:val>
+                                        </p:tav>
+                                      </p:tavLst>
+                                    </p:anim>
+                                    <p:anim calcmode="lin" valueType="num">
+                                      <p:cBhvr additive="base">
+                                        <p:cTn id="8" dur="500" fill="hold"/>
+                                        <p:tgtEl>
+                                          <p:spTgt spid="8"/>
+                                        </p:tgtEl>
+                                        <p:attrNameLst>
+                                          <p:attrName>ppt_y</p:attrName>
+                                        </p:attrNameLst>
+                                      </p:cBhvr>
+                                      <p:tavLst>
+                                        <p:tav tm="0">
+                                          <p:val>
+                                            <p:strVal val="#ppt_y"/>
+                                          </p:val>
+                                        </p:tav>
+                                        <p:tav tm="100000">
+                                          <p:val>
+                                            <p:strVal val="#ppt_y"/>
+                                          </p:val>
+                                        </p:tav>
+                                      </p:tavLst>
+                                    </p:anim>
+                                  </p:childTnLst>
+                                </p:cTn>
+                              </p:par>
+                            </p:childTnLst>
+                          </p:cTn>
+                        </p:par>
+                        <p:par>
+                          <p:cTn id="9" fill="hold">
+                            <p:stCondLst>
+                              <p:cond delay="500"/>
+                            </p:stCondLst>
+                            <p:childTnLst>
+                              <p:par>
+                                <p:cTn id="10" presetID="2" presetClass="entr" presetSubtype="8" fill="hold" grpId="0" nodeType="afterEffect">
+                                  <p:stCondLst>
+                                    <p:cond delay="0"/>
+                                  </p:stCondLst>
+                                  <p:childTnLst>
+                                    <p:set>
+                                      <p:cBhvr>
+                                        <p:cTn id="11" dur="1" fill="hold">
+                                          <p:stCondLst>
+                                            <p:cond delay="0"/>
+                                          </p:stCondLst>
+                                        </p:cTn>
+                                        <p:tgtEl>
+                                          <p:spTgt spid="9"/>
+                                        </p:tgtEl>
+                                        <p:attrNameLst>
+                                          <p:attrName>style.visibility</p:attrName>
+                                        </p:attrNameLst>
+                                      </p:cBhvr>
+                                      <p:to>
+                                        <p:strVal val="visible"/>
+                                      </p:to>
+                                    </p:set>
+                                    <p:anim calcmode="lin" valueType="num">
+                                      <p:cBhvr additive="base">
+                                        <p:cTn id="12" dur="500" fill="hold"/>
+                                        <p:tgtEl>
+                                          <p:spTgt spid="9"/>
+                                        </p:tgtEl>
+                                        <p:attrNameLst>
+                                          <p:attrName>ppt_x</p:attrName>
+                                        </p:attrNameLst>
+                                      </p:cBhvr>
+                                      <p:tavLst>
+                                        <p:tav tm="0">
+                                          <p:val>
+                                            <p:strVal val="0-#ppt_w/2"/>
+                                          </p:val>
+                                        </p:tav>
+                                        <p:tav tm="100000">
+                                          <p:val>
+                                            <p:strVal val="#ppt_x"/>
+                                          </p:val>
+                                        </p:tav>
+                                      </p:tavLst>
+                                    </p:anim>
+                                    <p:anim calcmode="lin" valueType="num">
+                                      <p:cBhvr additive="base">
+                                        <p:cTn id="13" dur="500" fill="hold"/>
+                                        <p:tgtEl>
+                                          <p:spTgt spid="9"/>
+                                        </p:tgtEl>
+                                        <p:attrNameLst>
+                                          <p:attrName>ppt_y</p:attrName>
+                                        </p:attrNameLst>
+                                      </p:cBhvr>
+                                      <p:tavLst>
+                                        <p:tav tm="0">
+                                          <p:val>
+                                            <p:strVal val="#ppt_y"/>
+                                          </p:val>
+                                        </p:tav>
+                                        <p:tav tm="100000">
+                                          <p:val>
+                                            <p:strVal val="#ppt_y"/>
+                                          </p:val>
+                                        </p:tav>
+                                      </p:tavLst>
+                                    </p:anim>
+                                  </p:childTnLst>
+                                </p:cTn>
+                              </p:par>
+                              <p:par>
+                                <p:cTn id="14" presetID="2" presetClass="entr" presetSubtype="2" fill="hold" nodeType="withEffect">
+                                  <p:stCondLst>
+                                    <p:cond delay="0"/>
+                                  </p:stCondLst>
+                                  <p:childTnLst>
+                                    <p:set>
+                                      <p:cBhvr>
+                                        <p:cTn id="15" dur="1" fill="hold">
+                                          <p:stCondLst>
+                                            <p:cond delay="0"/>
+                                          </p:stCondLst>
+                                        </p:cTn>
+                                        <p:tgtEl>
+                                          <p:spTgt spid="10"/>
+                                        </p:tgtEl>
+                                        <p:attrNameLst>
+                                          <p:attrName>style.visibility</p:attrName>
+                                        </p:attrNameLst>
+                                      </p:cBhvr>
+                                      <p:to>
+                                        <p:strVal val="visible"/>
+                                      </p:to>
+                                    </p:set>
+                                    <p:anim calcmode="lin" valueType="num">
+                                      <p:cBhvr additive="base">
+                                        <p:cTn id="16" dur="500" fill="hold"/>
+                                        <p:tgtEl>
+                                          <p:spTgt spid="10"/>
+                                        </p:tgtEl>
+                                        <p:attrNameLst>
+                                          <p:attrName>ppt_x</p:attrName>
+                                        </p:attrNameLst>
+                                      </p:cBhvr>
+                                      <p:tavLst>
+                                        <p:tav tm="0">
+                                          <p:val>
+                                            <p:strVal val="1+#ppt_w/2"/>
+                                          </p:val>
+                                        </p:tav>
+                                        <p:tav tm="100000">
+                                          <p:val>
+                                            <p:strVal val="#ppt_x"/>
+                                          </p:val>
+                                        </p:tav>
+                                      </p:tavLst>
+                                    </p:anim>
+                                    <p:anim calcmode="lin" valueType="num">
+                                      <p:cBhvr additive="base">
+                                        <p:cTn id="17" dur="500" fill="hold"/>
+                                        <p:tgtEl>
+                                          <p:spTgt spid="10"/>
+                                        </p:tgtEl>
+                                        <p:attrNameLst>
+                                          <p:attrName>ppt_y</p:attrName>
+                                        </p:attrNameLst>
+                                      </p:cBhvr>
+                                      <p:tavLst>
+                                        <p:tav tm="0">
+                                          <p:val>
+                                            <p:strVal val="#ppt_y"/>
+                                          </p:val>
+                                        </p:tav>
+                                        <p:tav tm="100000">
+                                          <p:val>
+                                            <p:strVal val="#ppt_y"/>
+                                          </p:val>
+                                        </p:tav>
+                                      </p:tavLst>
+                                    </p:anim>
+                                  </p:childTnLst>
+                                </p:cTn>
+                              </p:par>
+                            </p:childTnLst>
+                          </p:cTn>
+                        </p:par>
+                      </p:childTnLst>
+                    </p:cTn>
+                  </p:par>
+                </p:childTnLst>
+              </p:cTn>
+              <p:prevCondLst>
+                <p:cond evt="onPrev" delay="0">
+                  <p:tgtEl>
+                    <p:sldTgt/>
+                  </p:tgtEl>
+                </p:cond>
+              </p:prevCondLst>
+              <p:nextCondLst>
+                <p:cond evt="onNext" delay="0">
+                  <p:tgtEl>
+                    <p:sldTgt/>
+                  </p:tgtEl>
+                </p:cond>
+              </p:nextCondLst>
+            </p:seq>
+          </p:childTnLst>
+        </p:cTn>
+      </p:par>
+    </p:tnLst>
+    <p:bldLst>
+      <p:bldP spid="8" grpId="0"/>
+      <p:bldP spid="9" grpId="0"/>
+    </p:bldLst>
+  </p:timing>
+</p:sld>
+</file>
+
+<file path=ppt/slides/slide20.xml><?xml version="1.0" encoding="utf-8"?>
 <p:sld xmlns:a="http://schemas.openxmlformats.org/drawingml/2006/main" xmlns:r="http://schemas.openxmlformats.org/officeDocument/2006/relationships" xmlns:p="http://schemas.openxmlformats.org/presentationml/2006/main">
   <p:cSld>
     <p:bg>
@@ -11295,11 +15471,11 @@
           <a:bodyPr/>
           <a:lstStyle/>
           <a:p>
-            <a:fld id="{C569FDB9-978A-4295-A40F-75DB9D9B47B8}" type="slidenum">
-              <a:rPr lang="ru-RU" smtClean="0"/>
-              <a:t>18</a:t>
-            </a:fld>
-            <a:endParaRPr lang="ru-RU"/>
+            <a:r>
+              <a:rPr lang="en-US" dirty="0" smtClean="0"/>
+              <a:t>16</a:t>
+            </a:r>
+            <a:endParaRPr lang="ru-RU" dirty="0"/>
           </a:p>
         </p:txBody>
       </p:sp>
@@ -12691,11 +16867,11 @@
   <p:clrMapOvr>
     <a:masterClrMapping/>
   </p:clrMapOvr>
-  <mc:AlternateContent xmlns:mc="http://schemas.openxmlformats.org/markup-compatibility/2006">
-    <mc:Choice xmlns:p14="http://schemas.microsoft.com/office/powerpoint/2010/main" Requires="p14">
-      <p:transition p14:dur="10"/>
+  <mc:AlternateContent xmlns:mc="http://schemas.openxmlformats.org/markup-compatibility/2006" xmlns:p14="http://schemas.microsoft.com/office/powerpoint/2010/main">
+    <mc:Choice Requires="p14">
+      <p:transition p14:dur="0"/>
     </mc:Choice>
-    <mc:Fallback>
+    <mc:Fallback xmlns="">
       <p:transition/>
     </mc:Fallback>
   </mc:AlternateContent>
@@ -13368,7 +17544,7 @@
 </p:sld>
 </file>
 
-<file path=ppt/slides/slide19.xml><?xml version="1.0" encoding="utf-8"?>
+<file path=ppt/slides/slide21.xml><?xml version="1.0" encoding="utf-8"?>
 <p:sld xmlns:a="http://schemas.openxmlformats.org/drawingml/2006/main" xmlns:r="http://schemas.openxmlformats.org/officeDocument/2006/relationships" xmlns:p="http://schemas.openxmlformats.org/presentationml/2006/main">
   <p:cSld>
     <p:bg>
@@ -13437,29 +17613,6 @@
               </a:rPr>
               <a:t>слой</a:t>
             </a:r>
-          </a:p>
-        </p:txBody>
-      </p:sp>
-      <p:sp>
-        <p:nvSpPr>
-          <p:cNvPr id="4" name="Номер слайда 3"/>
-          <p:cNvSpPr>
-            <a:spLocks noGrp="1"/>
-          </p:cNvSpPr>
-          <p:nvPr>
-            <p:ph type="sldNum" sz="quarter" idx="12"/>
-          </p:nvPr>
-        </p:nvSpPr>
-        <p:spPr/>
-        <p:txBody>
-          <a:bodyPr/>
-          <a:lstStyle/>
-          <a:p>
-            <a:fld id="{C569FDB9-978A-4295-A40F-75DB9D9B47B8}" type="slidenum">
-              <a:rPr lang="ru-RU" smtClean="0"/>
-              <a:t>19</a:t>
-            </a:fld>
-            <a:endParaRPr lang="ru-RU"/>
           </a:p>
         </p:txBody>
       </p:sp>
@@ -14849,8 +19002,8 @@
         </p:nvSpPr>
         <p:spPr>
           <a:xfrm>
-            <a:off x="6447367" y="1408642"/>
-            <a:ext cx="4572000" cy="4572000"/>
+            <a:off x="7310770" y="1853580"/>
+            <a:ext cx="3277840" cy="3277840"/>
           </a:xfrm>
           <a:prstGeom prst="ellipse">
             <a:avLst/>
@@ -14902,10 +19055,10 @@
   </p:clrMapOvr>
   <mc:AlternateContent xmlns:mc="http://schemas.openxmlformats.org/markup-compatibility/2006">
     <mc:Choice xmlns:p14="http://schemas.microsoft.com/office/powerpoint/2010/main" Requires="p14">
-      <p:transition p14:dur="10" advClick="0" advTm="1000"/>
+      <p:transition p14:dur="0" advClick="0" advTm="0"/>
     </mc:Choice>
     <mc:Fallback>
-      <p:transition advClick="0" advTm="1000"/>
+      <p:transition advClick="0" advTm="0"/>
     </mc:Fallback>
   </mc:AlternateContent>
   <p:timing>
@@ -14932,7 +19085,7 @@
                             </p:stCondLst>
                             <p:childTnLst>
                               <p:par>
-                                <p:cTn id="5" presetID="6" presetClass="emph" presetSubtype="0" fill="hold" grpId="0" nodeType="withEffect">
+                                <p:cTn id="5" presetID="6" presetClass="emph" presetSubtype="0" fill="hold" grpId="0" nodeType="afterEffect">
                                   <p:stCondLst>
                                     <p:cond delay="0"/>
                                   </p:stCondLst>
@@ -14983,470 +19136,7 @@
 </p:sld>
 </file>
 
-<file path=ppt/slides/slide2.xml><?xml version="1.0" encoding="utf-8"?>
-<p:sld xmlns:a="http://schemas.openxmlformats.org/drawingml/2006/main" xmlns:r="http://schemas.openxmlformats.org/officeDocument/2006/relationships" xmlns:p="http://schemas.openxmlformats.org/presentationml/2006/main">
-  <p:cSld>
-    <p:bg>
-      <p:bgPr>
-        <a:solidFill>
-          <a:srgbClr val="E0E0E0"/>
-        </a:solidFill>
-        <a:effectLst/>
-      </p:bgPr>
-    </p:bg>
-    <p:spTree>
-      <p:nvGrpSpPr>
-        <p:cNvPr id="1" name=""/>
-        <p:cNvGrpSpPr/>
-        <p:nvPr/>
-      </p:nvGrpSpPr>
-      <p:grpSpPr>
-        <a:xfrm>
-          <a:off x="0" y="0"/>
-          <a:ext cx="0" cy="0"/>
-          <a:chOff x="0" y="0"/>
-          <a:chExt cx="0" cy="0"/>
-        </a:xfrm>
-      </p:grpSpPr>
-      <p:sp>
-        <p:nvSpPr>
-          <p:cNvPr id="4" name="Номер слайда 3">
-            <a:extLst>
-              <a:ext uri="{FF2B5EF4-FFF2-40B4-BE49-F238E27FC236}">
-                <a16:creationId xmlns:a16="http://schemas.microsoft.com/office/drawing/2014/main" id="{ECC26040-52C3-47FD-8BBB-369163CB430E}"/>
-              </a:ext>
-            </a:extLst>
-          </p:cNvPr>
-          <p:cNvSpPr>
-            <a:spLocks noGrp="1"/>
-          </p:cNvSpPr>
-          <p:nvPr>
-            <p:ph type="sldNum" sz="quarter" idx="12"/>
-          </p:nvPr>
-        </p:nvSpPr>
-        <p:spPr/>
-        <p:txBody>
-          <a:bodyPr/>
-          <a:lstStyle/>
-          <a:p>
-            <a:fld id="{C569FDB9-978A-4295-A40F-75DB9D9B47B8}" type="slidenum">
-              <a:rPr lang="ru-RU" smtClean="0"/>
-              <a:t>2</a:t>
-            </a:fld>
-            <a:endParaRPr lang="ru-RU"/>
-          </a:p>
-        </p:txBody>
-      </p:sp>
-      <p:sp>
-        <p:nvSpPr>
-          <p:cNvPr id="8" name="TextBox 7"/>
-          <p:cNvSpPr txBox="1"/>
-          <p:nvPr/>
-        </p:nvSpPr>
-        <p:spPr>
-          <a:xfrm>
-            <a:off x="939798" y="1353404"/>
-            <a:ext cx="3776135" cy="1569660"/>
-          </a:xfrm>
-          <a:prstGeom prst="rect">
-            <a:avLst/>
-          </a:prstGeom>
-          <a:noFill/>
-        </p:spPr>
-        <p:txBody>
-          <a:bodyPr wrap="square" rtlCol="0">
-            <a:spAutoFit/>
-          </a:bodyPr>
-          <a:lstStyle/>
-          <a:p>
-            <a:r>
-              <a:rPr lang="ru-RU" sz="2400" b="1" dirty="0" smtClean="0"/>
-              <a:t>Объект исследования</a:t>
-            </a:r>
-            <a:r>
-              <a:rPr lang="ru-RU" sz="2400" dirty="0" smtClean="0"/>
-              <a:t>: отдел кадров компании ООО «Автоматизация розничных технологий» </a:t>
-            </a:r>
-            <a:endParaRPr lang="ru-RU" sz="2400" dirty="0"/>
-          </a:p>
-        </p:txBody>
-      </p:sp>
-      <p:sp>
-        <p:nvSpPr>
-          <p:cNvPr id="9" name="TextBox 8"/>
-          <p:cNvSpPr txBox="1"/>
-          <p:nvPr/>
-        </p:nvSpPr>
-        <p:spPr>
-          <a:xfrm>
-            <a:off x="939798" y="3767667"/>
-            <a:ext cx="4182535" cy="1200329"/>
-          </a:xfrm>
-          <a:prstGeom prst="rect">
-            <a:avLst/>
-          </a:prstGeom>
-          <a:noFill/>
-        </p:spPr>
-        <p:txBody>
-          <a:bodyPr wrap="square" rtlCol="0">
-            <a:spAutoFit/>
-          </a:bodyPr>
-          <a:lstStyle/>
-          <a:p>
-            <a:r>
-              <a:rPr lang="ru-RU" sz="2400" b="1" dirty="0" smtClean="0"/>
-              <a:t>Предмет исследования</a:t>
-            </a:r>
-            <a:r>
-              <a:rPr lang="ru-RU" sz="2400" dirty="0" smtClean="0"/>
-              <a:t>: процесс трудоустройства кандидата в компанию</a:t>
-            </a:r>
-            <a:endParaRPr lang="ru-RU" sz="2400" dirty="0"/>
-          </a:p>
-        </p:txBody>
-      </p:sp>
-      <p:pic>
-        <p:nvPicPr>
-          <p:cNvPr id="10" name="Рисунок 9"/>
-          <p:cNvPicPr>
-            <a:picLocks noChangeAspect="1"/>
-          </p:cNvPicPr>
-          <p:nvPr/>
-        </p:nvPicPr>
-        <p:blipFill>
-          <a:blip r:embed="rId2">
-            <a:extLst>
-              <a:ext uri="{BEBA8EAE-BF5A-486C-A8C5-ECC9F3942E4B}">
-                <a14:imgProps xmlns:a14="http://schemas.microsoft.com/office/drawing/2010/main">
-                  <a14:imgLayer r:embed="rId3">
-                    <a14:imgEffect>
-                      <a14:backgroundRemoval t="0" b="100000" l="0" r="100000">
-                        <a14:foregroundMark x1="50479" y1="49521" x2="50479" y2="49521"/>
-                        <a14:foregroundMark x1="27955" y1="47444" x2="27955" y2="47444"/>
-                      </a14:backgroundRemoval>
-                    </a14:imgEffect>
-                  </a14:imgLayer>
-                </a14:imgProps>
-              </a:ext>
-              <a:ext uri="{28A0092B-C50C-407E-A947-70E740481C1C}">
-                <a14:useLocalDpi xmlns:a14="http://schemas.microsoft.com/office/drawing/2010/main" val="0"/>
-              </a:ext>
-            </a:extLst>
-          </a:blip>
-          <a:stretch>
-            <a:fillRect/>
-          </a:stretch>
-        </p:blipFill>
-        <p:spPr>
-          <a:xfrm>
-            <a:off x="6355292" y="438097"/>
-            <a:ext cx="4969933" cy="4969933"/>
-          </a:xfrm>
-          <a:prstGeom prst="rect">
-            <a:avLst/>
-          </a:prstGeom>
-        </p:spPr>
-      </p:pic>
-    </p:spTree>
-    <p:extLst>
-      <p:ext uri="{BB962C8B-B14F-4D97-AF65-F5344CB8AC3E}">
-        <p14:creationId xmlns:p14="http://schemas.microsoft.com/office/powerpoint/2010/main" val="2218710074"/>
-      </p:ext>
-    </p:extLst>
-  </p:cSld>
-  <p:clrMapOvr>
-    <a:masterClrMapping/>
-  </p:clrMapOvr>
-  <p:transition spd="slow">
-    <p:push dir="u"/>
-  </p:transition>
-  <p:timing>
-    <p:tnLst>
-      <p:par>
-        <p:cTn id="1" dur="indefinite" restart="never" nodeType="tmRoot">
-          <p:childTnLst>
-            <p:seq concurrent="1" nextAc="seek">
-              <p:cTn id="2" dur="indefinite" nodeType="mainSeq">
-                <p:childTnLst>
-                  <p:par>
-                    <p:cTn id="3" fill="hold">
-                      <p:stCondLst>
-                        <p:cond delay="indefinite"/>
-                        <p:cond evt="onBegin" delay="0">
-                          <p:tn val="2"/>
-                        </p:cond>
-                      </p:stCondLst>
-                      <p:childTnLst>
-                        <p:par>
-                          <p:cTn id="4" fill="hold">
-                            <p:stCondLst>
-                              <p:cond delay="0"/>
-                            </p:stCondLst>
-                            <p:childTnLst>
-                              <p:par>
-                                <p:cTn id="5" presetID="2" presetClass="entr" presetSubtype="8" fill="hold" grpId="0" nodeType="withEffect">
-                                  <p:stCondLst>
-                                    <p:cond delay="0"/>
-                                  </p:stCondLst>
-                                  <p:childTnLst>
-                                    <p:set>
-                                      <p:cBhvr>
-                                        <p:cTn id="6" dur="1" fill="hold">
-                                          <p:stCondLst>
-                                            <p:cond delay="0"/>
-                                          </p:stCondLst>
-                                        </p:cTn>
-                                        <p:tgtEl>
-                                          <p:spTgt spid="8"/>
-                                        </p:tgtEl>
-                                        <p:attrNameLst>
-                                          <p:attrName>style.visibility</p:attrName>
-                                        </p:attrNameLst>
-                                      </p:cBhvr>
-                                      <p:to>
-                                        <p:strVal val="visible"/>
-                                      </p:to>
-                                    </p:set>
-                                    <p:anim calcmode="lin" valueType="num">
-                                      <p:cBhvr additive="base">
-                                        <p:cTn id="7" dur="500" fill="hold"/>
-                                        <p:tgtEl>
-                                          <p:spTgt spid="8"/>
-                                        </p:tgtEl>
-                                        <p:attrNameLst>
-                                          <p:attrName>ppt_x</p:attrName>
-                                        </p:attrNameLst>
-                                      </p:cBhvr>
-                                      <p:tavLst>
-                                        <p:tav tm="0">
-                                          <p:val>
-                                            <p:strVal val="0-#ppt_w/2"/>
-                                          </p:val>
-                                        </p:tav>
-                                        <p:tav tm="100000">
-                                          <p:val>
-                                            <p:strVal val="#ppt_x"/>
-                                          </p:val>
-                                        </p:tav>
-                                      </p:tavLst>
-                                    </p:anim>
-                                    <p:anim calcmode="lin" valueType="num">
-                                      <p:cBhvr additive="base">
-                                        <p:cTn id="8" dur="500" fill="hold"/>
-                                        <p:tgtEl>
-                                          <p:spTgt spid="8"/>
-                                        </p:tgtEl>
-                                        <p:attrNameLst>
-                                          <p:attrName>ppt_y</p:attrName>
-                                        </p:attrNameLst>
-                                      </p:cBhvr>
-                                      <p:tavLst>
-                                        <p:tav tm="0">
-                                          <p:val>
-                                            <p:strVal val="#ppt_y"/>
-                                          </p:val>
-                                        </p:tav>
-                                        <p:tav tm="100000">
-                                          <p:val>
-                                            <p:strVal val="#ppt_y"/>
-                                          </p:val>
-                                        </p:tav>
-                                      </p:tavLst>
-                                    </p:anim>
-                                  </p:childTnLst>
-                                </p:cTn>
-                              </p:par>
-                            </p:childTnLst>
-                          </p:cTn>
-                        </p:par>
-                        <p:par>
-                          <p:cTn id="9" fill="hold">
-                            <p:stCondLst>
-                              <p:cond delay="500"/>
-                            </p:stCondLst>
-                            <p:childTnLst>
-                              <p:par>
-                                <p:cTn id="10" presetID="2" presetClass="entr" presetSubtype="8" fill="hold" grpId="0" nodeType="afterEffect">
-                                  <p:stCondLst>
-                                    <p:cond delay="0"/>
-                                  </p:stCondLst>
-                                  <p:childTnLst>
-                                    <p:set>
-                                      <p:cBhvr>
-                                        <p:cTn id="11" dur="1" fill="hold">
-                                          <p:stCondLst>
-                                            <p:cond delay="0"/>
-                                          </p:stCondLst>
-                                        </p:cTn>
-                                        <p:tgtEl>
-                                          <p:spTgt spid="9"/>
-                                        </p:tgtEl>
-                                        <p:attrNameLst>
-                                          <p:attrName>style.visibility</p:attrName>
-                                        </p:attrNameLst>
-                                      </p:cBhvr>
-                                      <p:to>
-                                        <p:strVal val="visible"/>
-                                      </p:to>
-                                    </p:set>
-                                    <p:anim calcmode="lin" valueType="num">
-                                      <p:cBhvr additive="base">
-                                        <p:cTn id="12" dur="500" fill="hold"/>
-                                        <p:tgtEl>
-                                          <p:spTgt spid="9"/>
-                                        </p:tgtEl>
-                                        <p:attrNameLst>
-                                          <p:attrName>ppt_x</p:attrName>
-                                        </p:attrNameLst>
-                                      </p:cBhvr>
-                                      <p:tavLst>
-                                        <p:tav tm="0">
-                                          <p:val>
-                                            <p:strVal val="0-#ppt_w/2"/>
-                                          </p:val>
-                                        </p:tav>
-                                        <p:tav tm="100000">
-                                          <p:val>
-                                            <p:strVal val="#ppt_x"/>
-                                          </p:val>
-                                        </p:tav>
-                                      </p:tavLst>
-                                    </p:anim>
-                                    <p:anim calcmode="lin" valueType="num">
-                                      <p:cBhvr additive="base">
-                                        <p:cTn id="13" dur="500" fill="hold"/>
-                                        <p:tgtEl>
-                                          <p:spTgt spid="9"/>
-                                        </p:tgtEl>
-                                        <p:attrNameLst>
-                                          <p:attrName>ppt_y</p:attrName>
-                                        </p:attrNameLst>
-                                      </p:cBhvr>
-                                      <p:tavLst>
-                                        <p:tav tm="0">
-                                          <p:val>
-                                            <p:strVal val="#ppt_y"/>
-                                          </p:val>
-                                        </p:tav>
-                                        <p:tav tm="100000">
-                                          <p:val>
-                                            <p:strVal val="#ppt_y"/>
-                                          </p:val>
-                                        </p:tav>
-                                      </p:tavLst>
-                                    </p:anim>
-                                  </p:childTnLst>
-                                </p:cTn>
-                              </p:par>
-                              <p:par>
-                                <p:cTn id="14" presetID="2" presetClass="entr" presetSubtype="2" fill="hold" nodeType="withEffect">
-                                  <p:stCondLst>
-                                    <p:cond delay="0"/>
-                                  </p:stCondLst>
-                                  <p:childTnLst>
-                                    <p:set>
-                                      <p:cBhvr>
-                                        <p:cTn id="15" dur="1" fill="hold">
-                                          <p:stCondLst>
-                                            <p:cond delay="0"/>
-                                          </p:stCondLst>
-                                        </p:cTn>
-                                        <p:tgtEl>
-                                          <p:spTgt spid="10"/>
-                                        </p:tgtEl>
-                                        <p:attrNameLst>
-                                          <p:attrName>style.visibility</p:attrName>
-                                        </p:attrNameLst>
-                                      </p:cBhvr>
-                                      <p:to>
-                                        <p:strVal val="visible"/>
-                                      </p:to>
-                                    </p:set>
-                                    <p:anim calcmode="lin" valueType="num">
-                                      <p:cBhvr additive="base">
-                                        <p:cTn id="16" dur="500" fill="hold"/>
-                                        <p:tgtEl>
-                                          <p:spTgt spid="10"/>
-                                        </p:tgtEl>
-                                        <p:attrNameLst>
-                                          <p:attrName>ppt_x</p:attrName>
-                                        </p:attrNameLst>
-                                      </p:cBhvr>
-                                      <p:tavLst>
-                                        <p:tav tm="0">
-                                          <p:val>
-                                            <p:strVal val="1+#ppt_w/2"/>
-                                          </p:val>
-                                        </p:tav>
-                                        <p:tav tm="100000">
-                                          <p:val>
-                                            <p:strVal val="#ppt_x"/>
-                                          </p:val>
-                                        </p:tav>
-                                      </p:tavLst>
-                                    </p:anim>
-                                    <p:anim calcmode="lin" valueType="num">
-                                      <p:cBhvr additive="base">
-                                        <p:cTn id="17" dur="500" fill="hold"/>
-                                        <p:tgtEl>
-                                          <p:spTgt spid="10"/>
-                                        </p:tgtEl>
-                                        <p:attrNameLst>
-                                          <p:attrName>ppt_y</p:attrName>
-                                        </p:attrNameLst>
-                                      </p:cBhvr>
-                                      <p:tavLst>
-                                        <p:tav tm="0">
-                                          <p:val>
-                                            <p:strVal val="#ppt_y"/>
-                                          </p:val>
-                                        </p:tav>
-                                        <p:tav tm="100000">
-                                          <p:val>
-                                            <p:strVal val="#ppt_y"/>
-                                          </p:val>
-                                        </p:tav>
-                                      </p:tavLst>
-                                    </p:anim>
-                                  </p:childTnLst>
-                                </p:cTn>
-                              </p:par>
-                            </p:childTnLst>
-                          </p:cTn>
-                        </p:par>
-                      </p:childTnLst>
-                    </p:cTn>
-                  </p:par>
-                </p:childTnLst>
-              </p:cTn>
-              <p:prevCondLst>
-                <p:cond evt="onPrev" delay="0">
-                  <p:tgtEl>
-                    <p:sldTgt/>
-                  </p:tgtEl>
-                </p:cond>
-              </p:prevCondLst>
-              <p:nextCondLst>
-                <p:cond evt="onNext" delay="0">
-                  <p:tgtEl>
-                    <p:sldTgt/>
-                  </p:tgtEl>
-                </p:cond>
-              </p:nextCondLst>
-            </p:seq>
-          </p:childTnLst>
-        </p:cTn>
-      </p:par>
-    </p:tnLst>
-    <p:bldLst>
-      <p:bldP spid="8" grpId="0"/>
-      <p:bldP spid="9" grpId="0"/>
-    </p:bldLst>
-  </p:timing>
-</p:sld>
-</file>
-
-<file path=ppt/slides/slide20.xml><?xml version="1.0" encoding="utf-8"?>
+<file path=ppt/slides/slide22.xml><?xml version="1.0" encoding="utf-8"?>
 <p:sld xmlns:a="http://schemas.openxmlformats.org/drawingml/2006/main" xmlns:r="http://schemas.openxmlformats.org/officeDocument/2006/relationships" xmlns:p="http://schemas.openxmlformats.org/presentationml/2006/main">
   <p:cSld>
     <p:bg>
@@ -15530,11 +19220,11 @@
           <a:bodyPr/>
           <a:lstStyle/>
           <a:p>
-            <a:fld id="{C569FDB9-978A-4295-A40F-75DB9D9B47B8}" type="slidenum">
-              <a:rPr lang="ru-RU" smtClean="0"/>
-              <a:t>20</a:t>
-            </a:fld>
-            <a:endParaRPr lang="ru-RU"/>
+            <a:r>
+              <a:rPr lang="en-US" dirty="0" smtClean="0"/>
+              <a:t>17</a:t>
+            </a:r>
+            <a:endParaRPr lang="ru-RU" dirty="0"/>
           </a:p>
         </p:txBody>
       </p:sp>
@@ -15938,11 +19628,11 @@
   <p:clrMapOvr>
     <a:masterClrMapping/>
   </p:clrMapOvr>
-  <mc:AlternateContent xmlns:mc="http://schemas.openxmlformats.org/markup-compatibility/2006">
-    <mc:Choice xmlns:p14="http://schemas.microsoft.com/office/powerpoint/2010/main" Requires="p14">
+  <mc:AlternateContent xmlns:mc="http://schemas.openxmlformats.org/markup-compatibility/2006" xmlns:p14="http://schemas.microsoft.com/office/powerpoint/2010/main">
+    <mc:Choice Requires="p14">
       <p:transition p14:dur="0"/>
     </mc:Choice>
-    <mc:Fallback>
+    <mc:Fallback xmlns="">
       <p:transition/>
     </mc:Fallback>
   </mc:AlternateContent>
@@ -16092,30 +19782,21 @@
                                   </p:childTnLst>
                                 </p:cTn>
                               </p:par>
-                            </p:childTnLst>
-                          </p:cTn>
-                        </p:par>
-                        <p:par>
-                          <p:cTn id="16" fill="hold">
-                            <p:stCondLst>
-                              <p:cond delay="1500"/>
-                            </p:stCondLst>
-                            <p:childTnLst>
                               <p:par>
-                                <p:cTn id="17" presetID="22" presetClass="entr" presetSubtype="2" fill="hold" grpId="0" nodeType="afterEffect">
+                                <p:cTn id="16" presetID="22" presetClass="entr" presetSubtype="8" fill="hold" nodeType="withEffect">
                                   <p:stCondLst>
                                     <p:cond delay="0"/>
                                   </p:stCondLst>
                                   <p:childTnLst>
                                     <p:set>
                                       <p:cBhvr>
-                                        <p:cTn id="18" dur="1" fill="hold">
+                                        <p:cTn id="17" dur="1" fill="hold">
                                           <p:stCondLst>
                                             <p:cond delay="0"/>
                                           </p:stCondLst>
                                         </p:cTn>
                                         <p:tgtEl>
-                                          <p:spTgt spid="5"/>
+                                          <p:spTgt spid="16"/>
                                         </p:tgtEl>
                                         <p:attrNameLst>
                                           <p:attrName>style.visibility</p:attrName>
@@ -16125,11 +19806,11 @@
                                         <p:strVal val="visible"/>
                                       </p:to>
                                     </p:set>
-                                    <p:animEffect transition="in" filter="wipe(right)">
-                                      <p:cBhvr>
-                                        <p:cTn id="19" dur="500"/>
-                                        <p:tgtEl>
-                                          <p:spTgt spid="5"/>
+                                    <p:animEffect transition="in" filter="wipe(left)">
+                                      <p:cBhvr>
+                                        <p:cTn id="18" dur="500"/>
+                                        <p:tgtEl>
+                                          <p:spTgt spid="16"/>
                                         </p:tgtEl>
                                       </p:cBhvr>
                                     </p:animEffect>
@@ -16140,20 +19821,55 @@
                           </p:cTn>
                         </p:par>
                         <p:par>
-                          <p:cTn id="20" fill="hold">
+                          <p:cTn id="19" fill="hold">
                             <p:stCondLst>
-                              <p:cond delay="2000"/>
+                              <p:cond delay="1500"/>
                             </p:stCondLst>
                             <p:childTnLst>
                               <p:par>
-                                <p:cTn id="21" presetID="22" presetClass="entr" presetSubtype="1" fill="hold" grpId="0" nodeType="afterEffect">
+                                <p:cTn id="20" presetID="22" presetClass="entr" presetSubtype="2" fill="hold" grpId="0" nodeType="afterEffect">
                                   <p:stCondLst>
                                     <p:cond delay="0"/>
                                   </p:stCondLst>
                                   <p:childTnLst>
                                     <p:set>
                                       <p:cBhvr>
-                                        <p:cTn id="22" dur="1" fill="hold">
+                                        <p:cTn id="21" dur="1" fill="hold">
+                                          <p:stCondLst>
+                                            <p:cond delay="0"/>
+                                          </p:stCondLst>
+                                        </p:cTn>
+                                        <p:tgtEl>
+                                          <p:spTgt spid="5"/>
+                                        </p:tgtEl>
+                                        <p:attrNameLst>
+                                          <p:attrName>style.visibility</p:attrName>
+                                        </p:attrNameLst>
+                                      </p:cBhvr>
+                                      <p:to>
+                                        <p:strVal val="visible"/>
+                                      </p:to>
+                                    </p:set>
+                                    <p:animEffect transition="in" filter="wipe(right)">
+                                      <p:cBhvr>
+                                        <p:cTn id="22" dur="500"/>
+                                        <p:tgtEl>
+                                          <p:spTgt spid="5"/>
+                                        </p:tgtEl>
+                                      </p:cBhvr>
+                                    </p:animEffect>
+                                  </p:childTnLst>
+                                </p:cTn>
+                              </p:par>
+                              <p:par>
+                                <p:cTn id="23" presetID="22" presetClass="entr" presetSubtype="1" fill="hold" grpId="0" nodeType="withEffect">
+                                  <p:stCondLst>
+                                    <p:cond delay="0"/>
+                                  </p:stCondLst>
+                                  <p:childTnLst>
+                                    <p:set>
+                                      <p:cBhvr>
+                                        <p:cTn id="24" dur="1" fill="hold">
                                           <p:stCondLst>
                                             <p:cond delay="0"/>
                                           </p:stCondLst>
@@ -16171,7 +19887,7 @@
                                     </p:set>
                                     <p:animEffect transition="in" filter="wipe(up)">
                                       <p:cBhvr>
-                                        <p:cTn id="23" dur="500"/>
+                                        <p:cTn id="25" dur="500"/>
                                         <p:tgtEl>
                                           <p:spTgt spid="38"/>
                                         </p:tgtEl>
@@ -16180,30 +19896,21 @@
                                   </p:childTnLst>
                                 </p:cTn>
                               </p:par>
-                            </p:childTnLst>
-                          </p:cTn>
-                        </p:par>
-                        <p:par>
-                          <p:cTn id="24" fill="hold">
-                            <p:stCondLst>
-                              <p:cond delay="2500"/>
-                            </p:stCondLst>
-                            <p:childTnLst>
                               <p:par>
-                                <p:cTn id="25" presetID="22" presetClass="entr" presetSubtype="8" fill="hold" nodeType="afterEffect">
+                                <p:cTn id="26" presetID="22" presetClass="entr" presetSubtype="8" fill="hold" grpId="0" nodeType="withEffect">
                                   <p:stCondLst>
                                     <p:cond delay="0"/>
                                   </p:stCondLst>
                                   <p:childTnLst>
                                     <p:set>
                                       <p:cBhvr>
-                                        <p:cTn id="26" dur="1" fill="hold">
+                                        <p:cTn id="27" dur="1" fill="hold">
                                           <p:stCondLst>
                                             <p:cond delay="0"/>
                                           </p:stCondLst>
                                         </p:cTn>
                                         <p:tgtEl>
-                                          <p:spTgt spid="14"/>
+                                          <p:spTgt spid="9"/>
                                         </p:tgtEl>
                                         <p:attrNameLst>
                                           <p:attrName>style.visibility</p:attrName>
@@ -16215,26 +19922,17 @@
                                     </p:set>
                                     <p:animEffect transition="in" filter="wipe(left)">
                                       <p:cBhvr>
-                                        <p:cTn id="27" dur="500"/>
-                                        <p:tgtEl>
-                                          <p:spTgt spid="14"/>
+                                        <p:cTn id="28" dur="500"/>
+                                        <p:tgtEl>
+                                          <p:spTgt spid="9"/>
                                         </p:tgtEl>
                                       </p:cBhvr>
                                     </p:animEffect>
                                   </p:childTnLst>
                                 </p:cTn>
                               </p:par>
-                            </p:childTnLst>
-                          </p:cTn>
-                        </p:par>
-                        <p:par>
-                          <p:cTn id="28" fill="hold">
-                            <p:stCondLst>
-                              <p:cond delay="3000"/>
-                            </p:stCondLst>
-                            <p:childTnLst>
                               <p:par>
-                                <p:cTn id="29" presetID="22" presetClass="entr" presetSubtype="8" fill="hold" nodeType="afterEffect">
+                                <p:cTn id="29" presetID="22" presetClass="entr" presetSubtype="1" fill="hold" grpId="0" nodeType="withEffect">
                                   <p:stCondLst>
                                     <p:cond delay="0"/>
                                   </p:stCondLst>
@@ -16247,7 +19945,7 @@
                                           </p:stCondLst>
                                         </p:cTn>
                                         <p:tgtEl>
-                                          <p:spTgt spid="16"/>
+                                          <p:spTgt spid="40"/>
                                         </p:tgtEl>
                                         <p:attrNameLst>
                                           <p:attrName>style.visibility</p:attrName>
@@ -16257,11 +19955,11 @@
                                         <p:strVal val="visible"/>
                                       </p:to>
                                     </p:set>
-                                    <p:animEffect transition="in" filter="wipe(left)">
+                                    <p:animEffect transition="in" filter="wipe(up)">
                                       <p:cBhvr>
                                         <p:cTn id="31" dur="500"/>
                                         <p:tgtEl>
-                                          <p:spTgt spid="16"/>
+                                          <p:spTgt spid="40"/>
                                         </p:tgtEl>
                                       </p:cBhvr>
                                     </p:animEffect>
@@ -16274,11 +19972,11 @@
                         <p:par>
                           <p:cTn id="32" fill="hold">
                             <p:stCondLst>
-                              <p:cond delay="3500"/>
+                              <p:cond delay="2000"/>
                             </p:stCondLst>
                             <p:childTnLst>
                               <p:par>
-                                <p:cTn id="33" presetID="22" presetClass="entr" presetSubtype="8" fill="hold" grpId="0" nodeType="afterEffect">
+                                <p:cTn id="33" presetID="22" presetClass="entr" presetSubtype="8" fill="hold" nodeType="afterEffect">
                                   <p:stCondLst>
                                     <p:cond delay="0"/>
                                   </p:stCondLst>
@@ -16291,7 +19989,7 @@
                                           </p:stCondLst>
                                         </p:cTn>
                                         <p:tgtEl>
-                                          <p:spTgt spid="9"/>
+                                          <p:spTgt spid="14"/>
                                         </p:tgtEl>
                                         <p:attrNameLst>
                                           <p:attrName>style.visibility</p:attrName>
@@ -16305,75 +20003,22 @@
                                       <p:cBhvr>
                                         <p:cTn id="35" dur="500"/>
                                         <p:tgtEl>
-                                          <p:spTgt spid="9"/>
+                                          <p:spTgt spid="14"/>
                                         </p:tgtEl>
                                       </p:cBhvr>
                                     </p:animEffect>
                                   </p:childTnLst>
                                 </p:cTn>
                               </p:par>
-                            </p:childTnLst>
-                          </p:cTn>
-                        </p:par>
-                        <p:par>
-                          <p:cTn id="36" fill="hold">
-                            <p:stCondLst>
-                              <p:cond delay="4000"/>
-                            </p:stCondLst>
-                            <p:childTnLst>
                               <p:par>
-                                <p:cTn id="37" presetID="22" presetClass="entr" presetSubtype="1" fill="hold" grpId="0" nodeType="afterEffect">
+                                <p:cTn id="36" presetID="22" presetClass="entr" presetSubtype="2" fill="hold" nodeType="withEffect">
                                   <p:stCondLst>
                                     <p:cond delay="0"/>
                                   </p:stCondLst>
                                   <p:childTnLst>
                                     <p:set>
                                       <p:cBhvr>
-                                        <p:cTn id="38" dur="1" fill="hold">
-                                          <p:stCondLst>
-                                            <p:cond delay="0"/>
-                                          </p:stCondLst>
-                                        </p:cTn>
-                                        <p:tgtEl>
-                                          <p:spTgt spid="40"/>
-                                        </p:tgtEl>
-                                        <p:attrNameLst>
-                                          <p:attrName>style.visibility</p:attrName>
-                                        </p:attrNameLst>
-                                      </p:cBhvr>
-                                      <p:to>
-                                        <p:strVal val="visible"/>
-                                      </p:to>
-                                    </p:set>
-                                    <p:animEffect transition="in" filter="wipe(up)">
-                                      <p:cBhvr>
-                                        <p:cTn id="39" dur="500"/>
-                                        <p:tgtEl>
-                                          <p:spTgt spid="40"/>
-                                        </p:tgtEl>
-                                      </p:cBhvr>
-                                    </p:animEffect>
-                                  </p:childTnLst>
-                                </p:cTn>
-                              </p:par>
-                            </p:childTnLst>
-                          </p:cTn>
-                        </p:par>
-                        <p:par>
-                          <p:cTn id="40" fill="hold">
-                            <p:stCondLst>
-                              <p:cond delay="4500"/>
-                            </p:stCondLst>
-                            <p:childTnLst>
-                              <p:par>
-                                <p:cTn id="41" presetID="22" presetClass="entr" presetSubtype="2" fill="hold" nodeType="afterEffect">
-                                  <p:stCondLst>
-                                    <p:cond delay="0"/>
-                                  </p:stCondLst>
-                                  <p:childTnLst>
-                                    <p:set>
-                                      <p:cBhvr>
-                                        <p:cTn id="42" dur="1" fill="hold">
+                                        <p:cTn id="37" dur="1" fill="hold">
                                           <p:stCondLst>
                                             <p:cond delay="0"/>
                                           </p:stCondLst>
@@ -16391,7 +20036,7 @@
                                     </p:set>
                                     <p:animEffect transition="in" filter="wipe(right)">
                                       <p:cBhvr>
-                                        <p:cTn id="43" dur="500"/>
+                                        <p:cTn id="38" dur="500"/>
                                         <p:tgtEl>
                                           <p:spTgt spid="18"/>
                                         </p:tgtEl>
@@ -16439,7 +20084,7 @@
 </p:sld>
 </file>
 
-<file path=ppt/slides/slide21.xml><?xml version="1.0" encoding="utf-8"?>
+<file path=ppt/slides/slide23.xml><?xml version="1.0" encoding="utf-8"?>
 <p:sld xmlns:a="http://schemas.openxmlformats.org/drawingml/2006/main" xmlns:r="http://schemas.openxmlformats.org/officeDocument/2006/relationships" xmlns:p="http://schemas.openxmlformats.org/presentationml/2006/main">
   <p:cSld>
     <p:bg>
@@ -16472,6 +20117,264 @@
           <a:chExt cx="0" cy="0"/>
         </a:xfrm>
       </p:grpSpPr>
+      <p:pic>
+        <p:nvPicPr>
+          <p:cNvPr id="21" name="Рисунок 20"/>
+          <p:cNvPicPr>
+            <a:picLocks noChangeAspect="1"/>
+          </p:cNvPicPr>
+          <p:nvPr/>
+        </p:nvPicPr>
+        <p:blipFill>
+          <a:blip r:embed="rId2">
+            <a:extLst>
+              <a:ext uri="{28A0092B-C50C-407E-A947-70E740481C1C}">
+                <a14:useLocalDpi xmlns:a14="http://schemas.microsoft.com/office/drawing/2010/main" val="0"/>
+              </a:ext>
+            </a:extLst>
+          </a:blip>
+          <a:stretch>
+            <a:fillRect/>
+          </a:stretch>
+        </p:blipFill>
+        <p:spPr>
+          <a:xfrm rot="10800000">
+            <a:off x="7029387" y="1995922"/>
+            <a:ext cx="562053" cy="933580"/>
+          </a:xfrm>
+          <a:prstGeom prst="rect">
+            <a:avLst/>
+          </a:prstGeom>
+          <a:scene3d>
+            <a:camera prst="orthographicFront">
+              <a:rot lat="0" lon="10800000" rev="0"/>
+            </a:camera>
+            <a:lightRig rig="threePt" dir="t"/>
+          </a:scene3d>
+        </p:spPr>
+      </p:pic>
+      <p:pic>
+        <p:nvPicPr>
+          <p:cNvPr id="20" name="Рисунок 19"/>
+          <p:cNvPicPr>
+            <a:picLocks noChangeAspect="1"/>
+          </p:cNvPicPr>
+          <p:nvPr/>
+        </p:nvPicPr>
+        <p:blipFill>
+          <a:blip r:embed="rId2">
+            <a:extLst>
+              <a:ext uri="{28A0092B-C50C-407E-A947-70E740481C1C}">
+                <a14:useLocalDpi xmlns:a14="http://schemas.microsoft.com/office/drawing/2010/main" val="0"/>
+              </a:ext>
+            </a:extLst>
+          </a:blip>
+          <a:stretch>
+            <a:fillRect/>
+          </a:stretch>
+        </p:blipFill>
+        <p:spPr>
+          <a:xfrm>
+            <a:off x="9593864" y="3856216"/>
+            <a:ext cx="562053" cy="933580"/>
+          </a:xfrm>
+          <a:prstGeom prst="rect">
+            <a:avLst/>
+          </a:prstGeom>
+          <a:scene3d>
+            <a:camera prst="orthographicFront">
+              <a:rot lat="0" lon="10800000" rev="0"/>
+            </a:camera>
+            <a:lightRig rig="threePt" dir="t"/>
+          </a:scene3d>
+        </p:spPr>
+      </p:pic>
+      <p:pic>
+        <p:nvPicPr>
+          <p:cNvPr id="16" name="Рисунок 15"/>
+          <p:cNvPicPr>
+            <a:picLocks noChangeAspect="1"/>
+          </p:cNvPicPr>
+          <p:nvPr/>
+        </p:nvPicPr>
+        <p:blipFill>
+          <a:blip r:embed="rId3">
+            <a:extLst>
+              <a:ext uri="{28A0092B-C50C-407E-A947-70E740481C1C}">
+                <a14:useLocalDpi xmlns:a14="http://schemas.microsoft.com/office/drawing/2010/main" val="0"/>
+              </a:ext>
+            </a:extLst>
+          </a:blip>
+          <a:stretch>
+            <a:fillRect/>
+          </a:stretch>
+        </p:blipFill>
+        <p:spPr>
+          <a:xfrm>
+            <a:off x="9791082" y="3035072"/>
+            <a:ext cx="952633" cy="276264"/>
+          </a:xfrm>
+          <a:prstGeom prst="rect">
+            <a:avLst/>
+          </a:prstGeom>
+          <a:effectLst>
+            <a:softEdge rad="0"/>
+          </a:effectLst>
+          <a:scene3d>
+            <a:camera prst="orthographicFront">
+              <a:rot lat="0" lon="10800000" rev="0"/>
+            </a:camera>
+            <a:lightRig rig="threePt" dir="t"/>
+          </a:scene3d>
+        </p:spPr>
+      </p:pic>
+      <p:pic>
+        <p:nvPicPr>
+          <p:cNvPr id="17" name="Рисунок 16"/>
+          <p:cNvPicPr>
+            <a:picLocks noChangeAspect="1"/>
+          </p:cNvPicPr>
+          <p:nvPr/>
+        </p:nvPicPr>
+        <p:blipFill>
+          <a:blip r:embed="rId4">
+            <a:extLst>
+              <a:ext uri="{28A0092B-C50C-407E-A947-70E740481C1C}">
+                <a14:useLocalDpi xmlns:a14="http://schemas.microsoft.com/office/drawing/2010/main" val="0"/>
+              </a:ext>
+            </a:extLst>
+          </a:blip>
+          <a:stretch>
+            <a:fillRect/>
+          </a:stretch>
+        </p:blipFill>
+        <p:spPr>
+          <a:xfrm>
+            <a:off x="9705737" y="3530966"/>
+            <a:ext cx="438211" cy="95263"/>
+          </a:xfrm>
+          <a:prstGeom prst="rect">
+            <a:avLst/>
+          </a:prstGeom>
+          <a:effectLst>
+            <a:softEdge rad="0"/>
+          </a:effectLst>
+          <a:scene3d>
+            <a:camera prst="orthographicFront">
+              <a:rot lat="0" lon="10800000" rev="0"/>
+            </a:camera>
+            <a:lightRig rig="threePt" dir="t"/>
+          </a:scene3d>
+        </p:spPr>
+      </p:pic>
+      <p:pic>
+        <p:nvPicPr>
+          <p:cNvPr id="18" name="Рисунок 17"/>
+          <p:cNvPicPr>
+            <a:picLocks noChangeAspect="1"/>
+          </p:cNvPicPr>
+          <p:nvPr/>
+        </p:nvPicPr>
+        <p:blipFill>
+          <a:blip r:embed="rId3">
+            <a:extLst>
+              <a:ext uri="{28A0092B-C50C-407E-A947-70E740481C1C}">
+                <a14:useLocalDpi xmlns:a14="http://schemas.microsoft.com/office/drawing/2010/main" val="0"/>
+              </a:ext>
+            </a:extLst>
+          </a:blip>
+          <a:stretch>
+            <a:fillRect/>
+          </a:stretch>
+        </p:blipFill>
+        <p:spPr>
+          <a:xfrm>
+            <a:off x="9623484" y="3629434"/>
+            <a:ext cx="952633" cy="276264"/>
+          </a:xfrm>
+          <a:prstGeom prst="rect">
+            <a:avLst/>
+          </a:prstGeom>
+          <a:effectLst>
+            <a:softEdge rad="0"/>
+          </a:effectLst>
+          <a:scene3d>
+            <a:camera prst="orthographicFront">
+              <a:rot lat="0" lon="10800000" rev="0"/>
+            </a:camera>
+            <a:lightRig rig="threePt" dir="t"/>
+          </a:scene3d>
+        </p:spPr>
+      </p:pic>
+      <p:pic>
+        <p:nvPicPr>
+          <p:cNvPr id="19" name="Рисунок 18"/>
+          <p:cNvPicPr>
+            <a:picLocks noChangeAspect="1"/>
+          </p:cNvPicPr>
+          <p:nvPr/>
+        </p:nvPicPr>
+        <p:blipFill>
+          <a:blip r:embed="rId4">
+            <a:extLst>
+              <a:ext uri="{28A0092B-C50C-407E-A947-70E740481C1C}">
+                <a14:useLocalDpi xmlns:a14="http://schemas.microsoft.com/office/drawing/2010/main" val="0"/>
+              </a:ext>
+            </a:extLst>
+          </a:blip>
+          <a:stretch>
+            <a:fillRect/>
+          </a:stretch>
+        </p:blipFill>
+        <p:spPr>
+          <a:xfrm>
+            <a:off x="9778747" y="3364049"/>
+            <a:ext cx="438211" cy="95263"/>
+          </a:xfrm>
+          <a:prstGeom prst="rect">
+            <a:avLst/>
+          </a:prstGeom>
+          <a:effectLst>
+            <a:softEdge rad="0"/>
+          </a:effectLst>
+          <a:scene3d>
+            <a:camera prst="orthographicFront">
+              <a:rot lat="0" lon="10800000" rev="0"/>
+            </a:camera>
+            <a:lightRig rig="threePt" dir="t"/>
+          </a:scene3d>
+        </p:spPr>
+      </p:pic>
+      <p:pic>
+        <p:nvPicPr>
+          <p:cNvPr id="15" name="Рисунок 14"/>
+          <p:cNvPicPr>
+            <a:picLocks noChangeAspect="1"/>
+          </p:cNvPicPr>
+          <p:nvPr/>
+        </p:nvPicPr>
+        <p:blipFill>
+          <a:blip r:embed="rId2">
+            <a:extLst>
+              <a:ext uri="{28A0092B-C50C-407E-A947-70E740481C1C}">
+                <a14:useLocalDpi xmlns:a14="http://schemas.microsoft.com/office/drawing/2010/main" val="0"/>
+              </a:ext>
+            </a:extLst>
+          </a:blip>
+          <a:stretch>
+            <a:fillRect/>
+          </a:stretch>
+        </p:blipFill>
+        <p:spPr>
+          <a:xfrm rot="10800000">
+            <a:off x="9716823" y="2001691"/>
+            <a:ext cx="562053" cy="933580"/>
+          </a:xfrm>
+          <a:prstGeom prst="rect">
+            <a:avLst/>
+          </a:prstGeom>
+        </p:spPr>
+      </p:pic>
       <p:sp>
         <p:nvSpPr>
           <p:cNvPr id="2" name="Заголовок 1">
@@ -16591,23 +20494,23 @@
           <a:bodyPr/>
           <a:lstStyle/>
           <a:p>
-            <a:fld id="{C569FDB9-978A-4295-A40F-75DB9D9B47B8}" type="slidenum">
-              <a:rPr lang="ru-RU" smtClean="0"/>
-              <a:t>21</a:t>
-            </a:fld>
-            <a:endParaRPr lang="ru-RU"/>
+            <a:r>
+              <a:rPr lang="en-US" dirty="0" smtClean="0"/>
+              <a:t>18</a:t>
+            </a:r>
+            <a:endParaRPr lang="ru-RU" dirty="0"/>
           </a:p>
         </p:txBody>
       </p:sp>
       <p:pic>
         <p:nvPicPr>
-          <p:cNvPr id="5" name="Рисунок 4"/>
+          <p:cNvPr id="7" name="Рисунок 6"/>
           <p:cNvPicPr>
             <a:picLocks noChangeAspect="1"/>
           </p:cNvPicPr>
           <p:nvPr/>
         </p:nvPicPr>
-        <p:blipFill rotWithShape="1">
+        <p:blipFill>
           <a:blip r:embed="rId2">
             <a:extLst>
               <a:ext uri="{28A0092B-C50C-407E-A947-70E740481C1C}">
@@ -16615,13 +20518,224 @@
               </a:ext>
             </a:extLst>
           </a:blip>
-          <a:srcRect l="7044" t="17199" r="5858" b="16599"/>
-          <a:stretch/>
+          <a:stretch>
+            <a:fillRect/>
+          </a:stretch>
         </p:blipFill>
         <p:spPr>
           <a:xfrm>
-            <a:off x="6743700" y="1847850"/>
-            <a:ext cx="4248150" cy="3228975"/>
+            <a:off x="7226387" y="3856216"/>
+            <a:ext cx="562053" cy="933580"/>
+          </a:xfrm>
+          <a:prstGeom prst="rect">
+            <a:avLst/>
+          </a:prstGeom>
+        </p:spPr>
+      </p:pic>
+      <p:pic>
+        <p:nvPicPr>
+          <p:cNvPr id="8" name="Рисунок 7"/>
+          <p:cNvPicPr>
+            <a:picLocks noChangeAspect="1"/>
+          </p:cNvPicPr>
+          <p:nvPr/>
+        </p:nvPicPr>
+        <p:blipFill>
+          <a:blip r:embed="rId3">
+            <a:extLst>
+              <a:ext uri="{28A0092B-C50C-407E-A947-70E740481C1C}">
+                <a14:useLocalDpi xmlns:a14="http://schemas.microsoft.com/office/drawing/2010/main" val="0"/>
+              </a:ext>
+            </a:extLst>
+          </a:blip>
+          <a:stretch>
+            <a:fillRect/>
+          </a:stretch>
+        </p:blipFill>
+        <p:spPr>
+          <a:xfrm>
+            <a:off x="6560921" y="3045262"/>
+            <a:ext cx="952633" cy="276264"/>
+          </a:xfrm>
+          <a:prstGeom prst="rect">
+            <a:avLst/>
+          </a:prstGeom>
+        </p:spPr>
+      </p:pic>
+      <p:pic>
+        <p:nvPicPr>
+          <p:cNvPr id="9" name="Рисунок 8"/>
+          <p:cNvPicPr>
+            <a:picLocks noChangeAspect="1"/>
+          </p:cNvPicPr>
+          <p:nvPr/>
+        </p:nvPicPr>
+        <p:blipFill>
+          <a:blip r:embed="rId4">
+            <a:extLst>
+              <a:ext uri="{28A0092B-C50C-407E-A947-70E740481C1C}">
+                <a14:useLocalDpi xmlns:a14="http://schemas.microsoft.com/office/drawing/2010/main" val="0"/>
+              </a:ext>
+            </a:extLst>
+          </a:blip>
+          <a:stretch>
+            <a:fillRect/>
+          </a:stretch>
+        </p:blipFill>
+        <p:spPr>
+          <a:xfrm>
+            <a:off x="7171643" y="3544361"/>
+            <a:ext cx="438211" cy="95263"/>
+          </a:xfrm>
+          <a:prstGeom prst="rect">
+            <a:avLst/>
+          </a:prstGeom>
+        </p:spPr>
+      </p:pic>
+      <p:pic>
+        <p:nvPicPr>
+          <p:cNvPr id="12" name="Рисунок 11"/>
+          <p:cNvPicPr>
+            <a:picLocks noChangeAspect="1"/>
+          </p:cNvPicPr>
+          <p:nvPr/>
+        </p:nvPicPr>
+        <p:blipFill>
+          <a:blip r:embed="rId5">
+            <a:extLst>
+              <a:ext uri="{28A0092B-C50C-407E-A947-70E740481C1C}">
+                <a14:useLocalDpi xmlns:a14="http://schemas.microsoft.com/office/drawing/2010/main" val="0"/>
+              </a:ext>
+            </a:extLst>
+          </a:blip>
+          <a:stretch>
+            <a:fillRect/>
+          </a:stretch>
+        </p:blipFill>
+        <p:spPr>
+          <a:xfrm>
+            <a:off x="7455357" y="2110996"/>
+            <a:ext cx="2419688" cy="2715004"/>
+          </a:xfrm>
+          <a:prstGeom prst="rect">
+            <a:avLst/>
+          </a:prstGeom>
+        </p:spPr>
+      </p:pic>
+      <p:pic>
+        <p:nvPicPr>
+          <p:cNvPr id="11" name="Рисунок 10"/>
+          <p:cNvPicPr>
+            <a:picLocks noChangeAspect="1"/>
+          </p:cNvPicPr>
+          <p:nvPr/>
+        </p:nvPicPr>
+        <p:blipFill>
+          <a:blip r:embed="rId6">
+            <a:extLst>
+              <a:ext uri="{28A0092B-C50C-407E-A947-70E740481C1C}">
+                <a14:useLocalDpi xmlns:a14="http://schemas.microsoft.com/office/drawing/2010/main" val="0"/>
+              </a:ext>
+            </a:extLst>
+          </a:blip>
+          <a:stretch>
+            <a:fillRect/>
+          </a:stretch>
+        </p:blipFill>
+        <p:spPr>
+          <a:xfrm>
+            <a:off x="7655411" y="2373007"/>
+            <a:ext cx="2000529" cy="2257740"/>
+          </a:xfrm>
+          <a:prstGeom prst="rect">
+            <a:avLst/>
+          </a:prstGeom>
+        </p:spPr>
+      </p:pic>
+      <p:pic>
+        <p:nvPicPr>
+          <p:cNvPr id="10" name="Рисунок 9"/>
+          <p:cNvPicPr>
+            <a:picLocks noChangeAspect="1"/>
+          </p:cNvPicPr>
+          <p:nvPr/>
+        </p:nvPicPr>
+        <p:blipFill>
+          <a:blip r:embed="rId7">
+            <a:extLst>
+              <a:ext uri="{28A0092B-C50C-407E-A947-70E740481C1C}">
+                <a14:useLocalDpi xmlns:a14="http://schemas.microsoft.com/office/drawing/2010/main" val="0"/>
+              </a:ext>
+            </a:extLst>
+          </a:blip>
+          <a:stretch>
+            <a:fillRect/>
+          </a:stretch>
+        </p:blipFill>
+        <p:spPr>
+          <a:xfrm>
+            <a:off x="8231753" y="2906444"/>
+            <a:ext cx="847843" cy="1124107"/>
+          </a:xfrm>
+          <a:prstGeom prst="rect">
+            <a:avLst/>
+          </a:prstGeom>
+        </p:spPr>
+      </p:pic>
+      <p:pic>
+        <p:nvPicPr>
+          <p:cNvPr id="13" name="Рисунок 12"/>
+          <p:cNvPicPr>
+            <a:picLocks noChangeAspect="1"/>
+          </p:cNvPicPr>
+          <p:nvPr/>
+        </p:nvPicPr>
+        <p:blipFill>
+          <a:blip r:embed="rId3">
+            <a:extLst>
+              <a:ext uri="{28A0092B-C50C-407E-A947-70E740481C1C}">
+                <a14:useLocalDpi xmlns:a14="http://schemas.microsoft.com/office/drawing/2010/main" val="0"/>
+              </a:ext>
+            </a:extLst>
+          </a:blip>
+          <a:stretch>
+            <a:fillRect/>
+          </a:stretch>
+        </p:blipFill>
+        <p:spPr>
+          <a:xfrm>
+            <a:off x="6702776" y="3602725"/>
+            <a:ext cx="952633" cy="276264"/>
+          </a:xfrm>
+          <a:prstGeom prst="rect">
+            <a:avLst/>
+          </a:prstGeom>
+        </p:spPr>
+      </p:pic>
+      <p:pic>
+        <p:nvPicPr>
+          <p:cNvPr id="14" name="Рисунок 13"/>
+          <p:cNvPicPr>
+            <a:picLocks noChangeAspect="1"/>
+          </p:cNvPicPr>
+          <p:nvPr/>
+        </p:nvPicPr>
+        <p:blipFill>
+          <a:blip r:embed="rId4">
+            <a:extLst>
+              <a:ext uri="{28A0092B-C50C-407E-A947-70E740481C1C}">
+                <a14:useLocalDpi xmlns:a14="http://schemas.microsoft.com/office/drawing/2010/main" val="0"/>
+              </a:ext>
+            </a:extLst>
+          </a:blip>
+          <a:stretch>
+            <a:fillRect/>
+          </a:stretch>
+        </p:blipFill>
+        <p:spPr>
+          <a:xfrm>
+            <a:off x="7094395" y="3364050"/>
+            <a:ext cx="438211" cy="95263"/>
           </a:xfrm>
           <a:prstGeom prst="rect">
             <a:avLst/>
@@ -16638,7 +20752,7 @@
   <p:clrMapOvr>
     <a:masterClrMapping/>
   </p:clrMapOvr>
-  <p:transition spd="slow">
+  <p:transition spd="slow" advClick="0" advTm="0">
     <p:push dir="u"/>
   </p:transition>
   <p:timing>
@@ -16749,21 +20863,34 @@
                                   </p:childTnLst>
                                 </p:cTn>
                               </p:par>
+                            </p:childTnLst>
+                          </p:cTn>
+                        </p:par>
+                        <p:par>
+                          <p:cTn id="9" fill="hold">
+                            <p:stCondLst>
+                              <p:cond delay="500"/>
+                            </p:stCondLst>
+                            <p:childTnLst>
                               <p:par>
-                                <p:cTn id="9" presetID="2" presetClass="entr" presetSubtype="2" fill="hold" nodeType="withEffect">
+                                <p:cTn id="10" presetID="2" presetClass="entr" presetSubtype="8" fill="hold" grpId="0" nodeType="afterEffect">
                                   <p:stCondLst>
                                     <p:cond delay="0"/>
                                   </p:stCondLst>
                                   <p:childTnLst>
                                     <p:set>
                                       <p:cBhvr>
-                                        <p:cTn id="10" dur="1" fill="hold">
+                                        <p:cTn id="11" dur="1" fill="hold">
                                           <p:stCondLst>
                                             <p:cond delay="0"/>
                                           </p:stCondLst>
                                         </p:cTn>
                                         <p:tgtEl>
-                                          <p:spTgt spid="5"/>
+                                          <p:spTgt spid="3">
+                                            <p:txEl>
+                                              <p:pRg st="1" end="1"/>
+                                            </p:txEl>
+                                          </p:spTgt>
                                         </p:tgtEl>
                                         <p:attrNameLst>
                                           <p:attrName>style.visibility</p:attrName>
@@ -16775,9 +20902,13 @@
                                     </p:set>
                                     <p:anim calcmode="lin" valueType="num">
                                       <p:cBhvr additive="base">
-                                        <p:cTn id="11" dur="500" fill="hold"/>
-                                        <p:tgtEl>
-                                          <p:spTgt spid="5"/>
+                                        <p:cTn id="12" dur="500" fill="hold"/>
+                                        <p:tgtEl>
+                                          <p:spTgt spid="3">
+                                            <p:txEl>
+                                              <p:pRg st="1" end="1"/>
+                                            </p:txEl>
+                                          </p:spTgt>
                                         </p:tgtEl>
                                         <p:attrNameLst>
                                           <p:attrName>ppt_x</p:attrName>
@@ -16786,7 +20917,7 @@
                                       <p:tavLst>
                                         <p:tav tm="0">
                                           <p:val>
-                                            <p:strVal val="1+#ppt_w/2"/>
+                                            <p:strVal val="0-#ppt_w/2"/>
                                           </p:val>
                                         </p:tav>
                                         <p:tav tm="100000">
@@ -16798,9 +20929,13 @@
                                     </p:anim>
                                     <p:anim calcmode="lin" valueType="num">
                                       <p:cBhvr additive="base">
-                                        <p:cTn id="12" dur="500" fill="hold"/>
-                                        <p:tgtEl>
-                                          <p:spTgt spid="5"/>
+                                        <p:cTn id="13" dur="500" fill="hold"/>
+                                        <p:tgtEl>
+                                          <p:spTgt spid="3">
+                                            <p:txEl>
+                                              <p:pRg st="1" end="1"/>
+                                            </p:txEl>
+                                          </p:spTgt>
                                         </p:tgtEl>
                                         <p:attrNameLst>
                                           <p:attrName>ppt_y</p:attrName>
@@ -16826,20 +20961,20 @@
                           </p:cTn>
                         </p:par>
                         <p:par>
-                          <p:cTn id="13" fill="hold">
+                          <p:cTn id="14" fill="hold">
                             <p:stCondLst>
-                              <p:cond delay="500"/>
+                              <p:cond delay="1000"/>
                             </p:stCondLst>
                             <p:childTnLst>
                               <p:par>
-                                <p:cTn id="14" presetID="2" presetClass="entr" presetSubtype="8" fill="hold" grpId="0" nodeType="afterEffect">
+                                <p:cTn id="15" presetID="2" presetClass="entr" presetSubtype="8" fill="hold" grpId="0" nodeType="afterEffect">
                                   <p:stCondLst>
                                     <p:cond delay="0"/>
                                   </p:stCondLst>
                                   <p:childTnLst>
                                     <p:set>
                                       <p:cBhvr>
-                                        <p:cTn id="15" dur="1" fill="hold">
+                                        <p:cTn id="16" dur="1" fill="hold">
                                           <p:stCondLst>
                                             <p:cond delay="0"/>
                                           </p:stCondLst>
@@ -16847,7 +20982,7 @@
                                         <p:tgtEl>
                                           <p:spTgt spid="3">
                                             <p:txEl>
-                                              <p:pRg st="1" end="1"/>
+                                              <p:pRg st="2" end="2"/>
                                             </p:txEl>
                                           </p:spTgt>
                                         </p:tgtEl>
@@ -16861,11 +20996,11 @@
                                     </p:set>
                                     <p:anim calcmode="lin" valueType="num">
                                       <p:cBhvr additive="base">
-                                        <p:cTn id="16" dur="500" fill="hold"/>
+                                        <p:cTn id="17" dur="500" fill="hold"/>
                                         <p:tgtEl>
                                           <p:spTgt spid="3">
                                             <p:txEl>
-                                              <p:pRg st="1" end="1"/>
+                                              <p:pRg st="2" end="2"/>
                                             </p:txEl>
                                           </p:spTgt>
                                         </p:tgtEl>
@@ -16888,11 +21023,11 @@
                                     </p:anim>
                                     <p:anim calcmode="lin" valueType="num">
                                       <p:cBhvr additive="base">
-                                        <p:cTn id="17" dur="500" fill="hold"/>
+                                        <p:cTn id="18" dur="500" fill="hold"/>
                                         <p:tgtEl>
                                           <p:spTgt spid="3">
                                             <p:txEl>
-                                              <p:pRg st="1" end="1"/>
+                                              <p:pRg st="2" end="2"/>
                                             </p:txEl>
                                           </p:spTgt>
                                         </p:tgtEl>
@@ -16916,34 +21051,450 @@
                                   </p:childTnLst>
                                 </p:cTn>
                               </p:par>
+                              <p:par>
+                                <p:cTn id="19" presetID="22" presetClass="entr" presetSubtype="4" fill="hold" nodeType="withEffect">
+                                  <p:stCondLst>
+                                    <p:cond delay="100"/>
+                                  </p:stCondLst>
+                                  <p:childTnLst>
+                                    <p:set>
+                                      <p:cBhvr>
+                                        <p:cTn id="20" dur="1" fill="hold">
+                                          <p:stCondLst>
+                                            <p:cond delay="0"/>
+                                          </p:stCondLst>
+                                        </p:cTn>
+                                        <p:tgtEl>
+                                          <p:spTgt spid="7"/>
+                                        </p:tgtEl>
+                                        <p:attrNameLst>
+                                          <p:attrName>style.visibility</p:attrName>
+                                        </p:attrNameLst>
+                                      </p:cBhvr>
+                                      <p:to>
+                                        <p:strVal val="visible"/>
+                                      </p:to>
+                                    </p:set>
+                                    <p:animEffect transition="in" filter="wipe(down)">
+                                      <p:cBhvr>
+                                        <p:cTn id="21" dur="500"/>
+                                        <p:tgtEl>
+                                          <p:spTgt spid="7"/>
+                                        </p:tgtEl>
+                                      </p:cBhvr>
+                                    </p:animEffect>
+                                  </p:childTnLst>
+                                </p:cTn>
+                              </p:par>
+                              <p:par>
+                                <p:cTn id="22" presetID="22" presetClass="entr" presetSubtype="8" fill="hold" nodeType="withEffect">
+                                  <p:stCondLst>
+                                    <p:cond delay="200"/>
+                                  </p:stCondLst>
+                                  <p:childTnLst>
+                                    <p:set>
+                                      <p:cBhvr>
+                                        <p:cTn id="23" dur="1" fill="hold">
+                                          <p:stCondLst>
+                                            <p:cond delay="0"/>
+                                          </p:stCondLst>
+                                        </p:cTn>
+                                        <p:tgtEl>
+                                          <p:spTgt spid="8"/>
+                                        </p:tgtEl>
+                                        <p:attrNameLst>
+                                          <p:attrName>style.visibility</p:attrName>
+                                        </p:attrNameLst>
+                                      </p:cBhvr>
+                                      <p:to>
+                                        <p:strVal val="visible"/>
+                                      </p:to>
+                                    </p:set>
+                                    <p:animEffect transition="in" filter="wipe(left)">
+                                      <p:cBhvr>
+                                        <p:cTn id="24" dur="500"/>
+                                        <p:tgtEl>
+                                          <p:spTgt spid="8"/>
+                                        </p:tgtEl>
+                                      </p:cBhvr>
+                                    </p:animEffect>
+                                  </p:childTnLst>
+                                </p:cTn>
+                              </p:par>
+                              <p:par>
+                                <p:cTn id="25" presetID="22" presetClass="entr" presetSubtype="8" fill="hold" nodeType="withEffect">
+                                  <p:stCondLst>
+                                    <p:cond delay="100"/>
+                                  </p:stCondLst>
+                                  <p:childTnLst>
+                                    <p:set>
+                                      <p:cBhvr>
+                                        <p:cTn id="26" dur="1" fill="hold">
+                                          <p:stCondLst>
+                                            <p:cond delay="0"/>
+                                          </p:stCondLst>
+                                        </p:cTn>
+                                        <p:tgtEl>
+                                          <p:spTgt spid="14"/>
+                                        </p:tgtEl>
+                                        <p:attrNameLst>
+                                          <p:attrName>style.visibility</p:attrName>
+                                        </p:attrNameLst>
+                                      </p:cBhvr>
+                                      <p:to>
+                                        <p:strVal val="visible"/>
+                                      </p:to>
+                                    </p:set>
+                                    <p:animEffect transition="in" filter="wipe(left)">
+                                      <p:cBhvr>
+                                        <p:cTn id="27" dur="500"/>
+                                        <p:tgtEl>
+                                          <p:spTgt spid="14"/>
+                                        </p:tgtEl>
+                                      </p:cBhvr>
+                                    </p:animEffect>
+                                  </p:childTnLst>
+                                </p:cTn>
+                              </p:par>
+                              <p:par>
+                                <p:cTn id="28" presetID="22" presetClass="entr" presetSubtype="8" fill="hold" nodeType="withEffect">
+                                  <p:stCondLst>
+                                    <p:cond delay="300"/>
+                                  </p:stCondLst>
+                                  <p:childTnLst>
+                                    <p:set>
+                                      <p:cBhvr>
+                                        <p:cTn id="29" dur="1" fill="hold">
+                                          <p:stCondLst>
+                                            <p:cond delay="0"/>
+                                          </p:stCondLst>
+                                        </p:cTn>
+                                        <p:tgtEl>
+                                          <p:spTgt spid="9"/>
+                                        </p:tgtEl>
+                                        <p:attrNameLst>
+                                          <p:attrName>style.visibility</p:attrName>
+                                        </p:attrNameLst>
+                                      </p:cBhvr>
+                                      <p:to>
+                                        <p:strVal val="visible"/>
+                                      </p:to>
+                                    </p:set>
+                                    <p:animEffect transition="in" filter="wipe(left)">
+                                      <p:cBhvr>
+                                        <p:cTn id="30" dur="500"/>
+                                        <p:tgtEl>
+                                          <p:spTgt spid="9"/>
+                                        </p:tgtEl>
+                                      </p:cBhvr>
+                                    </p:animEffect>
+                                  </p:childTnLst>
+                                </p:cTn>
+                              </p:par>
+                              <p:par>
+                                <p:cTn id="31" presetID="22" presetClass="entr" presetSubtype="8" fill="hold" nodeType="withEffect">
+                                  <p:stCondLst>
+                                    <p:cond delay="300"/>
+                                  </p:stCondLst>
+                                  <p:childTnLst>
+                                    <p:set>
+                                      <p:cBhvr>
+                                        <p:cTn id="32" dur="1" fill="hold">
+                                          <p:stCondLst>
+                                            <p:cond delay="0"/>
+                                          </p:stCondLst>
+                                        </p:cTn>
+                                        <p:tgtEl>
+                                          <p:spTgt spid="13"/>
+                                        </p:tgtEl>
+                                        <p:attrNameLst>
+                                          <p:attrName>style.visibility</p:attrName>
+                                        </p:attrNameLst>
+                                      </p:cBhvr>
+                                      <p:to>
+                                        <p:strVal val="visible"/>
+                                      </p:to>
+                                    </p:set>
+                                    <p:animEffect transition="in" filter="wipe(left)">
+                                      <p:cBhvr>
+                                        <p:cTn id="33" dur="500"/>
+                                        <p:tgtEl>
+                                          <p:spTgt spid="13"/>
+                                        </p:tgtEl>
+                                      </p:cBhvr>
+                                    </p:animEffect>
+                                  </p:childTnLst>
+                                </p:cTn>
+                              </p:par>
+                              <p:par>
+                                <p:cTn id="34" presetID="22" presetClass="entr" presetSubtype="1" fill="hold" nodeType="withEffect">
+                                  <p:stCondLst>
+                                    <p:cond delay="300"/>
+                                  </p:stCondLst>
+                                  <p:childTnLst>
+                                    <p:set>
+                                      <p:cBhvr>
+                                        <p:cTn id="35" dur="1" fill="hold">
+                                          <p:stCondLst>
+                                            <p:cond delay="0"/>
+                                          </p:stCondLst>
+                                        </p:cTn>
+                                        <p:tgtEl>
+                                          <p:spTgt spid="21"/>
+                                        </p:tgtEl>
+                                        <p:attrNameLst>
+                                          <p:attrName>style.visibility</p:attrName>
+                                        </p:attrNameLst>
+                                      </p:cBhvr>
+                                      <p:to>
+                                        <p:strVal val="visible"/>
+                                      </p:to>
+                                    </p:set>
+                                    <p:animEffect transition="in" filter="wipe(up)">
+                                      <p:cBhvr>
+                                        <p:cTn id="36" dur="500"/>
+                                        <p:tgtEl>
+                                          <p:spTgt spid="21"/>
+                                        </p:tgtEl>
+                                      </p:cBhvr>
+                                    </p:animEffect>
+                                  </p:childTnLst>
+                                </p:cTn>
+                              </p:par>
+                              <p:par>
+                                <p:cTn id="37" presetID="22" presetClass="entr" presetSubtype="1" fill="hold" nodeType="withEffect">
+                                  <p:stCondLst>
+                                    <p:cond delay="400"/>
+                                  </p:stCondLst>
+                                  <p:childTnLst>
+                                    <p:set>
+                                      <p:cBhvr>
+                                        <p:cTn id="38" dur="1" fill="hold">
+                                          <p:stCondLst>
+                                            <p:cond delay="0"/>
+                                          </p:stCondLst>
+                                        </p:cTn>
+                                        <p:tgtEl>
+                                          <p:spTgt spid="15"/>
+                                        </p:tgtEl>
+                                        <p:attrNameLst>
+                                          <p:attrName>style.visibility</p:attrName>
+                                        </p:attrNameLst>
+                                      </p:cBhvr>
+                                      <p:to>
+                                        <p:strVal val="visible"/>
+                                      </p:to>
+                                    </p:set>
+                                    <p:animEffect transition="in" filter="wipe(up)">
+                                      <p:cBhvr>
+                                        <p:cTn id="39" dur="500"/>
+                                        <p:tgtEl>
+                                          <p:spTgt spid="15"/>
+                                        </p:tgtEl>
+                                      </p:cBhvr>
+                                    </p:animEffect>
+                                  </p:childTnLst>
+                                </p:cTn>
+                              </p:par>
+                              <p:par>
+                                <p:cTn id="40" presetID="22" presetClass="entr" presetSubtype="2" fill="hold" nodeType="withEffect">
+                                  <p:stCondLst>
+                                    <p:cond delay="300"/>
+                                  </p:stCondLst>
+                                  <p:childTnLst>
+                                    <p:set>
+                                      <p:cBhvr>
+                                        <p:cTn id="41" dur="1" fill="hold">
+                                          <p:stCondLst>
+                                            <p:cond delay="0"/>
+                                          </p:stCondLst>
+                                        </p:cTn>
+                                        <p:tgtEl>
+                                          <p:spTgt spid="16"/>
+                                        </p:tgtEl>
+                                        <p:attrNameLst>
+                                          <p:attrName>style.visibility</p:attrName>
+                                        </p:attrNameLst>
+                                      </p:cBhvr>
+                                      <p:to>
+                                        <p:strVal val="visible"/>
+                                      </p:to>
+                                    </p:set>
+                                    <p:animEffect transition="in" filter="wipe(right)">
+                                      <p:cBhvr>
+                                        <p:cTn id="42" dur="500"/>
+                                        <p:tgtEl>
+                                          <p:spTgt spid="16"/>
+                                        </p:tgtEl>
+                                      </p:cBhvr>
+                                    </p:animEffect>
+                                  </p:childTnLst>
+                                </p:cTn>
+                              </p:par>
+                              <p:par>
+                                <p:cTn id="43" presetID="22" presetClass="entr" presetSubtype="2" fill="hold" nodeType="withEffect">
+                                  <p:stCondLst>
+                                    <p:cond delay="500"/>
+                                  </p:stCondLst>
+                                  <p:childTnLst>
+                                    <p:set>
+                                      <p:cBhvr>
+                                        <p:cTn id="44" dur="1" fill="hold">
+                                          <p:stCondLst>
+                                            <p:cond delay="0"/>
+                                          </p:stCondLst>
+                                        </p:cTn>
+                                        <p:tgtEl>
+                                          <p:spTgt spid="19"/>
+                                        </p:tgtEl>
+                                        <p:attrNameLst>
+                                          <p:attrName>style.visibility</p:attrName>
+                                        </p:attrNameLst>
+                                      </p:cBhvr>
+                                      <p:to>
+                                        <p:strVal val="visible"/>
+                                      </p:to>
+                                    </p:set>
+                                    <p:animEffect transition="in" filter="wipe(right)">
+                                      <p:cBhvr>
+                                        <p:cTn id="45" dur="500"/>
+                                        <p:tgtEl>
+                                          <p:spTgt spid="19"/>
+                                        </p:tgtEl>
+                                      </p:cBhvr>
+                                    </p:animEffect>
+                                  </p:childTnLst>
+                                </p:cTn>
+                              </p:par>
+                              <p:par>
+                                <p:cTn id="46" presetID="22" presetClass="entr" presetSubtype="2" fill="hold" nodeType="withEffect">
+                                  <p:stCondLst>
+                                    <p:cond delay="300"/>
+                                  </p:stCondLst>
+                                  <p:childTnLst>
+                                    <p:set>
+                                      <p:cBhvr>
+                                        <p:cTn id="47" dur="1" fill="hold">
+                                          <p:stCondLst>
+                                            <p:cond delay="0"/>
+                                          </p:stCondLst>
+                                        </p:cTn>
+                                        <p:tgtEl>
+                                          <p:spTgt spid="17"/>
+                                        </p:tgtEl>
+                                        <p:attrNameLst>
+                                          <p:attrName>style.visibility</p:attrName>
+                                        </p:attrNameLst>
+                                      </p:cBhvr>
+                                      <p:to>
+                                        <p:strVal val="visible"/>
+                                      </p:to>
+                                    </p:set>
+                                    <p:animEffect transition="in" filter="wipe(right)">
+                                      <p:cBhvr>
+                                        <p:cTn id="48" dur="500"/>
+                                        <p:tgtEl>
+                                          <p:spTgt spid="17"/>
+                                        </p:tgtEl>
+                                      </p:cBhvr>
+                                    </p:animEffect>
+                                  </p:childTnLst>
+                                </p:cTn>
+                              </p:par>
+                              <p:par>
+                                <p:cTn id="49" presetID="22" presetClass="entr" presetSubtype="2" fill="hold" nodeType="withEffect">
+                                  <p:stCondLst>
+                                    <p:cond delay="400"/>
+                                  </p:stCondLst>
+                                  <p:childTnLst>
+                                    <p:set>
+                                      <p:cBhvr>
+                                        <p:cTn id="50" dur="1" fill="hold">
+                                          <p:stCondLst>
+                                            <p:cond delay="0"/>
+                                          </p:stCondLst>
+                                        </p:cTn>
+                                        <p:tgtEl>
+                                          <p:spTgt spid="18"/>
+                                        </p:tgtEl>
+                                        <p:attrNameLst>
+                                          <p:attrName>style.visibility</p:attrName>
+                                        </p:attrNameLst>
+                                      </p:cBhvr>
+                                      <p:to>
+                                        <p:strVal val="visible"/>
+                                      </p:to>
+                                    </p:set>
+                                    <p:animEffect transition="in" filter="wipe(right)">
+                                      <p:cBhvr>
+                                        <p:cTn id="51" dur="500"/>
+                                        <p:tgtEl>
+                                          <p:spTgt spid="18"/>
+                                        </p:tgtEl>
+                                      </p:cBhvr>
+                                    </p:animEffect>
+                                  </p:childTnLst>
+                                </p:cTn>
+                              </p:par>
+                              <p:par>
+                                <p:cTn id="52" presetID="22" presetClass="entr" presetSubtype="4" fill="hold" nodeType="withEffect">
+                                  <p:stCondLst>
+                                    <p:cond delay="600"/>
+                                  </p:stCondLst>
+                                  <p:childTnLst>
+                                    <p:set>
+                                      <p:cBhvr>
+                                        <p:cTn id="53" dur="1" fill="hold">
+                                          <p:stCondLst>
+                                            <p:cond delay="0"/>
+                                          </p:stCondLst>
+                                        </p:cTn>
+                                        <p:tgtEl>
+                                          <p:spTgt spid="20"/>
+                                        </p:tgtEl>
+                                        <p:attrNameLst>
+                                          <p:attrName>style.visibility</p:attrName>
+                                        </p:attrNameLst>
+                                      </p:cBhvr>
+                                      <p:to>
+                                        <p:strVal val="visible"/>
+                                      </p:to>
+                                    </p:set>
+                                    <p:animEffect transition="in" filter="wipe(down)">
+                                      <p:cBhvr>
+                                        <p:cTn id="54" dur="500"/>
+                                        <p:tgtEl>
+                                          <p:spTgt spid="20"/>
+                                        </p:tgtEl>
+                                      </p:cBhvr>
+                                    </p:animEffect>
+                                  </p:childTnLst>
+                                </p:cTn>
+                              </p:par>
                             </p:childTnLst>
                           </p:cTn>
                         </p:par>
                         <p:par>
-                          <p:cTn id="18" fill="hold">
+                          <p:cTn id="55" fill="hold">
                             <p:stCondLst>
-                              <p:cond delay="1000"/>
+                              <p:cond delay="2100"/>
                             </p:stCondLst>
                             <p:childTnLst>
                               <p:par>
-                                <p:cTn id="19" presetID="2" presetClass="entr" presetSubtype="8" fill="hold" grpId="0" nodeType="afterEffect">
+                                <p:cTn id="56" presetID="53" presetClass="entr" presetSubtype="16" fill="hold" nodeType="afterEffect">
                                   <p:stCondLst>
                                     <p:cond delay="0"/>
                                   </p:stCondLst>
                                   <p:childTnLst>
                                     <p:set>
                                       <p:cBhvr>
-                                        <p:cTn id="20" dur="1" fill="hold">
+                                        <p:cTn id="57" dur="1" fill="hold">
                                           <p:stCondLst>
                                             <p:cond delay="0"/>
                                           </p:stCondLst>
                                         </p:cTn>
                                         <p:tgtEl>
-                                          <p:spTgt spid="3">
-                                            <p:txEl>
-                                              <p:pRg st="2" end="2"/>
-                                            </p:txEl>
-                                          </p:spTgt>
+                                          <p:spTgt spid="12"/>
                                         </p:tgtEl>
                                         <p:attrNameLst>
                                           <p:attrName>style.visibility</p:attrName>
@@ -16954,59 +21505,239 @@
                                       </p:to>
                                     </p:set>
                                     <p:anim calcmode="lin" valueType="num">
-                                      <p:cBhvr additive="base">
-                                        <p:cTn id="21" dur="500" fill="hold"/>
-                                        <p:tgtEl>
-                                          <p:spTgt spid="3">
-                                            <p:txEl>
-                                              <p:pRg st="2" end="2"/>
-                                            </p:txEl>
-                                          </p:spTgt>
+                                      <p:cBhvr>
+                                        <p:cTn id="58" dur="500" fill="hold"/>
+                                        <p:tgtEl>
+                                          <p:spTgt spid="12"/>
                                         </p:tgtEl>
                                         <p:attrNameLst>
-                                          <p:attrName>ppt_x</p:attrName>
+                                          <p:attrName>ppt_w</p:attrName>
                                         </p:attrNameLst>
                                       </p:cBhvr>
                                       <p:tavLst>
                                         <p:tav tm="0">
                                           <p:val>
-                                            <p:strVal val="0-#ppt_w/2"/>
+                                            <p:fltVal val="0"/>
                                           </p:val>
                                         </p:tav>
                                         <p:tav tm="100000">
                                           <p:val>
-                                            <p:strVal val="#ppt_x"/>
+                                            <p:strVal val="#ppt_w"/>
                                           </p:val>
                                         </p:tav>
                                       </p:tavLst>
                                     </p:anim>
                                     <p:anim calcmode="lin" valueType="num">
-                                      <p:cBhvr additive="base">
-                                        <p:cTn id="22" dur="500" fill="hold"/>
-                                        <p:tgtEl>
-                                          <p:spTgt spid="3">
-                                            <p:txEl>
-                                              <p:pRg st="2" end="2"/>
-                                            </p:txEl>
-                                          </p:spTgt>
+                                      <p:cBhvr>
+                                        <p:cTn id="59" dur="500" fill="hold"/>
+                                        <p:tgtEl>
+                                          <p:spTgt spid="12"/>
                                         </p:tgtEl>
                                         <p:attrNameLst>
-                                          <p:attrName>ppt_y</p:attrName>
+                                          <p:attrName>ppt_h</p:attrName>
                                         </p:attrNameLst>
                                       </p:cBhvr>
                                       <p:tavLst>
                                         <p:tav tm="0">
                                           <p:val>
-                                            <p:strVal val="#ppt_y"/>
+                                            <p:fltVal val="0"/>
                                           </p:val>
                                         </p:tav>
                                         <p:tav tm="100000">
                                           <p:val>
-                                            <p:strVal val="#ppt_y"/>
+                                            <p:strVal val="#ppt_h"/>
                                           </p:val>
                                         </p:tav>
                                       </p:tavLst>
                                     </p:anim>
+                                    <p:animEffect transition="in" filter="fade">
+                                      <p:cBhvr>
+                                        <p:cTn id="60" dur="500"/>
+                                        <p:tgtEl>
+                                          <p:spTgt spid="12"/>
+                                        </p:tgtEl>
+                                      </p:cBhvr>
+                                    </p:animEffect>
+                                  </p:childTnLst>
+                                </p:cTn>
+                              </p:par>
+                            </p:childTnLst>
+                          </p:cTn>
+                        </p:par>
+                        <p:par>
+                          <p:cTn id="61" fill="hold">
+                            <p:stCondLst>
+                              <p:cond delay="2600"/>
+                            </p:stCondLst>
+                            <p:childTnLst>
+                              <p:par>
+                                <p:cTn id="62" presetID="53" presetClass="entr" presetSubtype="16" fill="hold" nodeType="afterEffect">
+                                  <p:stCondLst>
+                                    <p:cond delay="0"/>
+                                  </p:stCondLst>
+                                  <p:childTnLst>
+                                    <p:set>
+                                      <p:cBhvr>
+                                        <p:cTn id="63" dur="1" fill="hold">
+                                          <p:stCondLst>
+                                            <p:cond delay="0"/>
+                                          </p:stCondLst>
+                                        </p:cTn>
+                                        <p:tgtEl>
+                                          <p:spTgt spid="11"/>
+                                        </p:tgtEl>
+                                        <p:attrNameLst>
+                                          <p:attrName>style.visibility</p:attrName>
+                                        </p:attrNameLst>
+                                      </p:cBhvr>
+                                      <p:to>
+                                        <p:strVal val="visible"/>
+                                      </p:to>
+                                    </p:set>
+                                    <p:anim calcmode="lin" valueType="num">
+                                      <p:cBhvr>
+                                        <p:cTn id="64" dur="500" fill="hold"/>
+                                        <p:tgtEl>
+                                          <p:spTgt spid="11"/>
+                                        </p:tgtEl>
+                                        <p:attrNameLst>
+                                          <p:attrName>ppt_w</p:attrName>
+                                        </p:attrNameLst>
+                                      </p:cBhvr>
+                                      <p:tavLst>
+                                        <p:tav tm="0">
+                                          <p:val>
+                                            <p:fltVal val="0"/>
+                                          </p:val>
+                                        </p:tav>
+                                        <p:tav tm="100000">
+                                          <p:val>
+                                            <p:strVal val="#ppt_w"/>
+                                          </p:val>
+                                        </p:tav>
+                                      </p:tavLst>
+                                    </p:anim>
+                                    <p:anim calcmode="lin" valueType="num">
+                                      <p:cBhvr>
+                                        <p:cTn id="65" dur="500" fill="hold"/>
+                                        <p:tgtEl>
+                                          <p:spTgt spid="11"/>
+                                        </p:tgtEl>
+                                        <p:attrNameLst>
+                                          <p:attrName>ppt_h</p:attrName>
+                                        </p:attrNameLst>
+                                      </p:cBhvr>
+                                      <p:tavLst>
+                                        <p:tav tm="0">
+                                          <p:val>
+                                            <p:fltVal val="0"/>
+                                          </p:val>
+                                        </p:tav>
+                                        <p:tav tm="100000">
+                                          <p:val>
+                                            <p:strVal val="#ppt_h"/>
+                                          </p:val>
+                                        </p:tav>
+                                      </p:tavLst>
+                                    </p:anim>
+                                    <p:animEffect transition="in" filter="fade">
+                                      <p:cBhvr>
+                                        <p:cTn id="66" dur="500"/>
+                                        <p:tgtEl>
+                                          <p:spTgt spid="11"/>
+                                        </p:tgtEl>
+                                      </p:cBhvr>
+                                    </p:animEffect>
+                                  </p:childTnLst>
+                                </p:cTn>
+                              </p:par>
+                            </p:childTnLst>
+                          </p:cTn>
+                        </p:par>
+                        <p:par>
+                          <p:cTn id="67" fill="hold">
+                            <p:stCondLst>
+                              <p:cond delay="3100"/>
+                            </p:stCondLst>
+                            <p:childTnLst>
+                              <p:par>
+                                <p:cTn id="68" presetID="53" presetClass="entr" presetSubtype="16" fill="hold" nodeType="afterEffect">
+                                  <p:stCondLst>
+                                    <p:cond delay="0"/>
+                                  </p:stCondLst>
+                                  <p:childTnLst>
+                                    <p:set>
+                                      <p:cBhvr>
+                                        <p:cTn id="69" dur="1" fill="hold">
+                                          <p:stCondLst>
+                                            <p:cond delay="0"/>
+                                          </p:stCondLst>
+                                        </p:cTn>
+                                        <p:tgtEl>
+                                          <p:spTgt spid="10"/>
+                                        </p:tgtEl>
+                                        <p:attrNameLst>
+                                          <p:attrName>style.visibility</p:attrName>
+                                        </p:attrNameLst>
+                                      </p:cBhvr>
+                                      <p:to>
+                                        <p:strVal val="visible"/>
+                                      </p:to>
+                                    </p:set>
+                                    <p:anim calcmode="lin" valueType="num">
+                                      <p:cBhvr>
+                                        <p:cTn id="70" dur="500" fill="hold"/>
+                                        <p:tgtEl>
+                                          <p:spTgt spid="10"/>
+                                        </p:tgtEl>
+                                        <p:attrNameLst>
+                                          <p:attrName>ppt_w</p:attrName>
+                                        </p:attrNameLst>
+                                      </p:cBhvr>
+                                      <p:tavLst>
+                                        <p:tav tm="0">
+                                          <p:val>
+                                            <p:fltVal val="0"/>
+                                          </p:val>
+                                        </p:tav>
+                                        <p:tav tm="100000">
+                                          <p:val>
+                                            <p:strVal val="#ppt_w"/>
+                                          </p:val>
+                                        </p:tav>
+                                      </p:tavLst>
+                                    </p:anim>
+                                    <p:anim calcmode="lin" valueType="num">
+                                      <p:cBhvr>
+                                        <p:cTn id="71" dur="500" fill="hold"/>
+                                        <p:tgtEl>
+                                          <p:spTgt spid="10"/>
+                                        </p:tgtEl>
+                                        <p:attrNameLst>
+                                          <p:attrName>ppt_h</p:attrName>
+                                        </p:attrNameLst>
+                                      </p:cBhvr>
+                                      <p:tavLst>
+                                        <p:tav tm="0">
+                                          <p:val>
+                                            <p:fltVal val="0"/>
+                                          </p:val>
+                                        </p:tav>
+                                        <p:tav tm="100000">
+                                          <p:val>
+                                            <p:strVal val="#ppt_h"/>
+                                          </p:val>
+                                        </p:tav>
+                                      </p:tavLst>
+                                    </p:anim>
+                                    <p:animEffect transition="in" filter="fade">
+                                      <p:cBhvr>
+                                        <p:cTn id="72" dur="500"/>
+                                        <p:tgtEl>
+                                          <p:spTgt spid="10"/>
+                                        </p:tgtEl>
+                                      </p:cBhvr>
+                                    </p:animEffect>
                                   </p:childTnLst>
                                 </p:cTn>
                               </p:par>
@@ -17044,7 +21775,815 @@
 </p:sld>
 </file>
 
-<file path=ppt/slides/slide22.xml><?xml version="1.0" encoding="utf-8"?>
+<file path=ppt/slides/slide24.xml><?xml version="1.0" encoding="utf-8"?>
+<p:sld xmlns:a="http://schemas.openxmlformats.org/drawingml/2006/main" xmlns:r="http://schemas.openxmlformats.org/officeDocument/2006/relationships" xmlns:p="http://schemas.openxmlformats.org/presentationml/2006/main">
+  <p:cSld>
+    <p:bg>
+      <p:bgPr>
+        <a:gradFill>
+          <a:gsLst>
+            <a:gs pos="61000">
+              <a:srgbClr val="FFABAB"/>
+            </a:gs>
+            <a:gs pos="0">
+              <a:schemeClr val="bg1"/>
+            </a:gs>
+          </a:gsLst>
+          <a:lin ang="0" scaled="0"/>
+        </a:gradFill>
+        <a:effectLst/>
+      </p:bgPr>
+    </p:bg>
+    <p:spTree>
+      <p:nvGrpSpPr>
+        <p:cNvPr id="1" name=""/>
+        <p:cNvGrpSpPr/>
+        <p:nvPr/>
+      </p:nvGrpSpPr>
+      <p:grpSpPr>
+        <a:xfrm>
+          <a:off x="0" y="0"/>
+          <a:ext cx="0" cy="0"/>
+          <a:chOff x="0" y="0"/>
+          <a:chExt cx="0" cy="0"/>
+        </a:xfrm>
+      </p:grpSpPr>
+      <p:pic>
+        <p:nvPicPr>
+          <p:cNvPr id="21" name="Рисунок 20"/>
+          <p:cNvPicPr>
+            <a:picLocks noChangeAspect="1"/>
+          </p:cNvPicPr>
+          <p:nvPr/>
+        </p:nvPicPr>
+        <p:blipFill>
+          <a:blip r:embed="rId2">
+            <a:extLst>
+              <a:ext uri="{28A0092B-C50C-407E-A947-70E740481C1C}">
+                <a14:useLocalDpi xmlns:a14="http://schemas.microsoft.com/office/drawing/2010/main" val="0"/>
+              </a:ext>
+            </a:extLst>
+          </a:blip>
+          <a:stretch>
+            <a:fillRect/>
+          </a:stretch>
+        </p:blipFill>
+        <p:spPr>
+          <a:xfrm rot="10800000">
+            <a:off x="7029387" y="1995922"/>
+            <a:ext cx="562053" cy="933580"/>
+          </a:xfrm>
+          <a:prstGeom prst="rect">
+            <a:avLst/>
+          </a:prstGeom>
+          <a:scene3d>
+            <a:camera prst="orthographicFront">
+              <a:rot lat="0" lon="10800000" rev="0"/>
+            </a:camera>
+            <a:lightRig rig="threePt" dir="t"/>
+          </a:scene3d>
+        </p:spPr>
+      </p:pic>
+      <p:pic>
+        <p:nvPicPr>
+          <p:cNvPr id="20" name="Рисунок 19"/>
+          <p:cNvPicPr>
+            <a:picLocks noChangeAspect="1"/>
+          </p:cNvPicPr>
+          <p:nvPr/>
+        </p:nvPicPr>
+        <p:blipFill>
+          <a:blip r:embed="rId2">
+            <a:extLst>
+              <a:ext uri="{28A0092B-C50C-407E-A947-70E740481C1C}">
+                <a14:useLocalDpi xmlns:a14="http://schemas.microsoft.com/office/drawing/2010/main" val="0"/>
+              </a:ext>
+            </a:extLst>
+          </a:blip>
+          <a:stretch>
+            <a:fillRect/>
+          </a:stretch>
+        </p:blipFill>
+        <p:spPr>
+          <a:xfrm>
+            <a:off x="9593864" y="3856216"/>
+            <a:ext cx="562053" cy="933580"/>
+          </a:xfrm>
+          <a:prstGeom prst="rect">
+            <a:avLst/>
+          </a:prstGeom>
+          <a:scene3d>
+            <a:camera prst="orthographicFront">
+              <a:rot lat="0" lon="10800000" rev="0"/>
+            </a:camera>
+            <a:lightRig rig="threePt" dir="t"/>
+          </a:scene3d>
+        </p:spPr>
+      </p:pic>
+      <p:pic>
+        <p:nvPicPr>
+          <p:cNvPr id="16" name="Рисунок 15"/>
+          <p:cNvPicPr>
+            <a:picLocks noChangeAspect="1"/>
+          </p:cNvPicPr>
+          <p:nvPr/>
+        </p:nvPicPr>
+        <p:blipFill>
+          <a:blip r:embed="rId3">
+            <a:extLst>
+              <a:ext uri="{28A0092B-C50C-407E-A947-70E740481C1C}">
+                <a14:useLocalDpi xmlns:a14="http://schemas.microsoft.com/office/drawing/2010/main" val="0"/>
+              </a:ext>
+            </a:extLst>
+          </a:blip>
+          <a:stretch>
+            <a:fillRect/>
+          </a:stretch>
+        </p:blipFill>
+        <p:spPr>
+          <a:xfrm>
+            <a:off x="9791082" y="3035072"/>
+            <a:ext cx="952633" cy="276264"/>
+          </a:xfrm>
+          <a:prstGeom prst="rect">
+            <a:avLst/>
+          </a:prstGeom>
+          <a:effectLst>
+            <a:softEdge rad="0"/>
+          </a:effectLst>
+          <a:scene3d>
+            <a:camera prst="orthographicFront">
+              <a:rot lat="0" lon="10800000" rev="0"/>
+            </a:camera>
+            <a:lightRig rig="threePt" dir="t"/>
+          </a:scene3d>
+        </p:spPr>
+      </p:pic>
+      <p:pic>
+        <p:nvPicPr>
+          <p:cNvPr id="17" name="Рисунок 16"/>
+          <p:cNvPicPr>
+            <a:picLocks noChangeAspect="1"/>
+          </p:cNvPicPr>
+          <p:nvPr/>
+        </p:nvPicPr>
+        <p:blipFill>
+          <a:blip r:embed="rId4">
+            <a:extLst>
+              <a:ext uri="{28A0092B-C50C-407E-A947-70E740481C1C}">
+                <a14:useLocalDpi xmlns:a14="http://schemas.microsoft.com/office/drawing/2010/main" val="0"/>
+              </a:ext>
+            </a:extLst>
+          </a:blip>
+          <a:stretch>
+            <a:fillRect/>
+          </a:stretch>
+        </p:blipFill>
+        <p:spPr>
+          <a:xfrm>
+            <a:off x="9705737" y="3530966"/>
+            <a:ext cx="438211" cy="95263"/>
+          </a:xfrm>
+          <a:prstGeom prst="rect">
+            <a:avLst/>
+          </a:prstGeom>
+          <a:effectLst>
+            <a:softEdge rad="0"/>
+          </a:effectLst>
+          <a:scene3d>
+            <a:camera prst="orthographicFront">
+              <a:rot lat="0" lon="10800000" rev="0"/>
+            </a:camera>
+            <a:lightRig rig="threePt" dir="t"/>
+          </a:scene3d>
+        </p:spPr>
+      </p:pic>
+      <p:pic>
+        <p:nvPicPr>
+          <p:cNvPr id="18" name="Рисунок 17"/>
+          <p:cNvPicPr>
+            <a:picLocks noChangeAspect="1"/>
+          </p:cNvPicPr>
+          <p:nvPr/>
+        </p:nvPicPr>
+        <p:blipFill>
+          <a:blip r:embed="rId3">
+            <a:extLst>
+              <a:ext uri="{28A0092B-C50C-407E-A947-70E740481C1C}">
+                <a14:useLocalDpi xmlns:a14="http://schemas.microsoft.com/office/drawing/2010/main" val="0"/>
+              </a:ext>
+            </a:extLst>
+          </a:blip>
+          <a:stretch>
+            <a:fillRect/>
+          </a:stretch>
+        </p:blipFill>
+        <p:spPr>
+          <a:xfrm>
+            <a:off x="9623484" y="3629434"/>
+            <a:ext cx="952633" cy="276264"/>
+          </a:xfrm>
+          <a:prstGeom prst="rect">
+            <a:avLst/>
+          </a:prstGeom>
+          <a:effectLst>
+            <a:softEdge rad="0"/>
+          </a:effectLst>
+          <a:scene3d>
+            <a:camera prst="orthographicFront">
+              <a:rot lat="0" lon="10800000" rev="0"/>
+            </a:camera>
+            <a:lightRig rig="threePt" dir="t"/>
+          </a:scene3d>
+        </p:spPr>
+      </p:pic>
+      <p:pic>
+        <p:nvPicPr>
+          <p:cNvPr id="19" name="Рисунок 18"/>
+          <p:cNvPicPr>
+            <a:picLocks noChangeAspect="1"/>
+          </p:cNvPicPr>
+          <p:nvPr/>
+        </p:nvPicPr>
+        <p:blipFill>
+          <a:blip r:embed="rId4">
+            <a:extLst>
+              <a:ext uri="{28A0092B-C50C-407E-A947-70E740481C1C}">
+                <a14:useLocalDpi xmlns:a14="http://schemas.microsoft.com/office/drawing/2010/main" val="0"/>
+              </a:ext>
+            </a:extLst>
+          </a:blip>
+          <a:stretch>
+            <a:fillRect/>
+          </a:stretch>
+        </p:blipFill>
+        <p:spPr>
+          <a:xfrm>
+            <a:off x="9778747" y="3364049"/>
+            <a:ext cx="438211" cy="95263"/>
+          </a:xfrm>
+          <a:prstGeom prst="rect">
+            <a:avLst/>
+          </a:prstGeom>
+          <a:effectLst>
+            <a:softEdge rad="0"/>
+          </a:effectLst>
+          <a:scene3d>
+            <a:camera prst="orthographicFront">
+              <a:rot lat="0" lon="10800000" rev="0"/>
+            </a:camera>
+            <a:lightRig rig="threePt" dir="t"/>
+          </a:scene3d>
+        </p:spPr>
+      </p:pic>
+      <p:pic>
+        <p:nvPicPr>
+          <p:cNvPr id="15" name="Рисунок 14"/>
+          <p:cNvPicPr>
+            <a:picLocks noChangeAspect="1"/>
+          </p:cNvPicPr>
+          <p:nvPr/>
+        </p:nvPicPr>
+        <p:blipFill>
+          <a:blip r:embed="rId2">
+            <a:extLst>
+              <a:ext uri="{28A0092B-C50C-407E-A947-70E740481C1C}">
+                <a14:useLocalDpi xmlns:a14="http://schemas.microsoft.com/office/drawing/2010/main" val="0"/>
+              </a:ext>
+            </a:extLst>
+          </a:blip>
+          <a:stretch>
+            <a:fillRect/>
+          </a:stretch>
+        </p:blipFill>
+        <p:spPr>
+          <a:xfrm rot="10800000">
+            <a:off x="9716823" y="2001691"/>
+            <a:ext cx="562053" cy="933580"/>
+          </a:xfrm>
+          <a:prstGeom prst="rect">
+            <a:avLst/>
+          </a:prstGeom>
+        </p:spPr>
+      </p:pic>
+      <p:sp>
+        <p:nvSpPr>
+          <p:cNvPr id="2" name="Заголовок 1">
+            <a:extLst>
+              <a:ext uri="{FF2B5EF4-FFF2-40B4-BE49-F238E27FC236}">
+                <a16:creationId xmlns:a16="http://schemas.microsoft.com/office/drawing/2014/main" id="{31478CF9-01A0-49CC-87A4-D23272A7E104}"/>
+              </a:ext>
+            </a:extLst>
+          </p:cNvPr>
+          <p:cNvSpPr>
+            <a:spLocks noGrp="1"/>
+          </p:cNvSpPr>
+          <p:nvPr>
+            <p:ph type="title"/>
+          </p:nvPr>
+        </p:nvSpPr>
+        <p:spPr/>
+        <p:txBody>
+          <a:bodyPr>
+            <a:normAutofit/>
+          </a:bodyPr>
+          <a:lstStyle/>
+          <a:p>
+            <a:r>
+              <a:rPr lang="ru-RU" sz="4000" cap="none" dirty="0">
+                <a:latin typeface="+mn-lt"/>
+                <a:ea typeface="+mn-ea"/>
+                <a:cs typeface="+mn-cs"/>
+              </a:rPr>
+              <a:t>Информационная безопасность: риск ресурсов по угрозам и уязвимостям</a:t>
+            </a:r>
+          </a:p>
+        </p:txBody>
+      </p:sp>
+      <p:sp>
+        <p:nvSpPr>
+          <p:cNvPr id="3" name="Объект 2">
+            <a:extLst>
+              <a:ext uri="{FF2B5EF4-FFF2-40B4-BE49-F238E27FC236}">
+                <a16:creationId xmlns:a16="http://schemas.microsoft.com/office/drawing/2014/main" id="{68F0EB85-309C-4C46-A697-E93865CA1644}"/>
+              </a:ext>
+            </a:extLst>
+          </p:cNvPr>
+          <p:cNvSpPr>
+            <a:spLocks noGrp="1"/>
+          </p:cNvSpPr>
+          <p:nvPr>
+            <p:ph idx="1"/>
+          </p:nvPr>
+        </p:nvSpPr>
+        <p:spPr>
+          <a:xfrm>
+            <a:off x="838200" y="2508249"/>
+            <a:ext cx="4514850" cy="1908175"/>
+          </a:xfrm>
+        </p:spPr>
+        <p:txBody>
+          <a:bodyPr>
+            <a:normAutofit/>
+          </a:bodyPr>
+          <a:lstStyle/>
+          <a:p>
+            <a:pPr marL="514350" indent="-514350">
+              <a:buFont typeface="+mj-lt"/>
+              <a:buAutoNum type="arabicPeriod"/>
+            </a:pPr>
+            <a:r>
+              <a:rPr lang="ru-RU" sz="2400" cap="none" dirty="0"/>
+              <a:t>Риск утечки данных</a:t>
+            </a:r>
+          </a:p>
+          <a:p>
+            <a:pPr marL="514350" indent="-514350">
+              <a:buFont typeface="+mj-lt"/>
+              <a:buAutoNum type="arabicPeriod"/>
+            </a:pPr>
+            <a:r>
+              <a:rPr lang="ru-RU" sz="2400" cap="none" dirty="0"/>
+              <a:t>Риск заражения системы вредоносным ПО</a:t>
+            </a:r>
+          </a:p>
+          <a:p>
+            <a:pPr marL="514350" indent="-514350">
+              <a:buFont typeface="+mj-lt"/>
+              <a:buAutoNum type="arabicPeriod"/>
+            </a:pPr>
+            <a:r>
+              <a:rPr lang="ru-RU" sz="2400" cap="none" dirty="0"/>
+              <a:t>Риск социальной </a:t>
+            </a:r>
+            <a:r>
+              <a:rPr lang="ru-RU" sz="2400" cap="none" dirty="0" smtClean="0"/>
+              <a:t>инженерии</a:t>
+            </a:r>
+            <a:endParaRPr lang="ru-RU" sz="2400" cap="none" dirty="0"/>
+          </a:p>
+        </p:txBody>
+      </p:sp>
+      <p:sp>
+        <p:nvSpPr>
+          <p:cNvPr id="4" name="Номер слайда 3">
+            <a:extLst>
+              <a:ext uri="{FF2B5EF4-FFF2-40B4-BE49-F238E27FC236}">
+                <a16:creationId xmlns:a16="http://schemas.microsoft.com/office/drawing/2014/main" id="{ED85049F-474C-46FF-AB3C-7EBD3C845B70}"/>
+              </a:ext>
+            </a:extLst>
+          </p:cNvPr>
+          <p:cNvSpPr>
+            <a:spLocks noGrp="1"/>
+          </p:cNvSpPr>
+          <p:nvPr>
+            <p:ph type="sldNum" sz="quarter" idx="12"/>
+          </p:nvPr>
+        </p:nvSpPr>
+        <p:spPr/>
+        <p:txBody>
+          <a:bodyPr/>
+          <a:lstStyle/>
+          <a:p>
+            <a:r>
+              <a:rPr lang="en-US" dirty="0" smtClean="0"/>
+              <a:t>18</a:t>
+            </a:r>
+            <a:endParaRPr lang="ru-RU" dirty="0"/>
+          </a:p>
+        </p:txBody>
+      </p:sp>
+      <p:pic>
+        <p:nvPicPr>
+          <p:cNvPr id="7" name="Рисунок 6"/>
+          <p:cNvPicPr>
+            <a:picLocks noChangeAspect="1"/>
+          </p:cNvPicPr>
+          <p:nvPr/>
+        </p:nvPicPr>
+        <p:blipFill>
+          <a:blip r:embed="rId2">
+            <a:extLst>
+              <a:ext uri="{28A0092B-C50C-407E-A947-70E740481C1C}">
+                <a14:useLocalDpi xmlns:a14="http://schemas.microsoft.com/office/drawing/2010/main" val="0"/>
+              </a:ext>
+            </a:extLst>
+          </a:blip>
+          <a:stretch>
+            <a:fillRect/>
+          </a:stretch>
+        </p:blipFill>
+        <p:spPr>
+          <a:xfrm>
+            <a:off x="7226387" y="3856216"/>
+            <a:ext cx="562053" cy="933580"/>
+          </a:xfrm>
+          <a:prstGeom prst="rect">
+            <a:avLst/>
+          </a:prstGeom>
+        </p:spPr>
+      </p:pic>
+      <p:pic>
+        <p:nvPicPr>
+          <p:cNvPr id="8" name="Рисунок 7"/>
+          <p:cNvPicPr>
+            <a:picLocks noChangeAspect="1"/>
+          </p:cNvPicPr>
+          <p:nvPr/>
+        </p:nvPicPr>
+        <p:blipFill>
+          <a:blip r:embed="rId3">
+            <a:extLst>
+              <a:ext uri="{28A0092B-C50C-407E-A947-70E740481C1C}">
+                <a14:useLocalDpi xmlns:a14="http://schemas.microsoft.com/office/drawing/2010/main" val="0"/>
+              </a:ext>
+            </a:extLst>
+          </a:blip>
+          <a:stretch>
+            <a:fillRect/>
+          </a:stretch>
+        </p:blipFill>
+        <p:spPr>
+          <a:xfrm>
+            <a:off x="6560921" y="3045262"/>
+            <a:ext cx="952633" cy="276264"/>
+          </a:xfrm>
+          <a:prstGeom prst="rect">
+            <a:avLst/>
+          </a:prstGeom>
+        </p:spPr>
+      </p:pic>
+      <p:pic>
+        <p:nvPicPr>
+          <p:cNvPr id="9" name="Рисунок 8"/>
+          <p:cNvPicPr>
+            <a:picLocks noChangeAspect="1"/>
+          </p:cNvPicPr>
+          <p:nvPr/>
+        </p:nvPicPr>
+        <p:blipFill>
+          <a:blip r:embed="rId4">
+            <a:extLst>
+              <a:ext uri="{28A0092B-C50C-407E-A947-70E740481C1C}">
+                <a14:useLocalDpi xmlns:a14="http://schemas.microsoft.com/office/drawing/2010/main" val="0"/>
+              </a:ext>
+            </a:extLst>
+          </a:blip>
+          <a:stretch>
+            <a:fillRect/>
+          </a:stretch>
+        </p:blipFill>
+        <p:spPr>
+          <a:xfrm>
+            <a:off x="7171643" y="3544361"/>
+            <a:ext cx="438211" cy="95263"/>
+          </a:xfrm>
+          <a:prstGeom prst="rect">
+            <a:avLst/>
+          </a:prstGeom>
+        </p:spPr>
+      </p:pic>
+      <p:pic>
+        <p:nvPicPr>
+          <p:cNvPr id="12" name="Рисунок 11"/>
+          <p:cNvPicPr>
+            <a:picLocks noChangeAspect="1"/>
+          </p:cNvPicPr>
+          <p:nvPr/>
+        </p:nvPicPr>
+        <p:blipFill>
+          <a:blip r:embed="rId5">
+            <a:extLst>
+              <a:ext uri="{28A0092B-C50C-407E-A947-70E740481C1C}">
+                <a14:useLocalDpi xmlns:a14="http://schemas.microsoft.com/office/drawing/2010/main" val="0"/>
+              </a:ext>
+            </a:extLst>
+          </a:blip>
+          <a:stretch>
+            <a:fillRect/>
+          </a:stretch>
+        </p:blipFill>
+        <p:spPr>
+          <a:xfrm>
+            <a:off x="7455357" y="2110996"/>
+            <a:ext cx="2419688" cy="2715004"/>
+          </a:xfrm>
+          <a:prstGeom prst="rect">
+            <a:avLst/>
+          </a:prstGeom>
+        </p:spPr>
+      </p:pic>
+      <p:pic>
+        <p:nvPicPr>
+          <p:cNvPr id="11" name="Рисунок 10"/>
+          <p:cNvPicPr>
+            <a:picLocks noChangeAspect="1"/>
+          </p:cNvPicPr>
+          <p:nvPr/>
+        </p:nvPicPr>
+        <p:blipFill>
+          <a:blip r:embed="rId6">
+            <a:extLst>
+              <a:ext uri="{28A0092B-C50C-407E-A947-70E740481C1C}">
+                <a14:useLocalDpi xmlns:a14="http://schemas.microsoft.com/office/drawing/2010/main" val="0"/>
+              </a:ext>
+            </a:extLst>
+          </a:blip>
+          <a:stretch>
+            <a:fillRect/>
+          </a:stretch>
+        </p:blipFill>
+        <p:spPr>
+          <a:xfrm>
+            <a:off x="7655411" y="2373007"/>
+            <a:ext cx="2000529" cy="2257740"/>
+          </a:xfrm>
+          <a:prstGeom prst="rect">
+            <a:avLst/>
+          </a:prstGeom>
+        </p:spPr>
+      </p:pic>
+      <p:pic>
+        <p:nvPicPr>
+          <p:cNvPr id="10" name="Рисунок 9"/>
+          <p:cNvPicPr>
+            <a:picLocks noChangeAspect="1"/>
+          </p:cNvPicPr>
+          <p:nvPr/>
+        </p:nvPicPr>
+        <p:blipFill>
+          <a:blip r:embed="rId7">
+            <a:extLst>
+              <a:ext uri="{28A0092B-C50C-407E-A947-70E740481C1C}">
+                <a14:useLocalDpi xmlns:a14="http://schemas.microsoft.com/office/drawing/2010/main" val="0"/>
+              </a:ext>
+            </a:extLst>
+          </a:blip>
+          <a:stretch>
+            <a:fillRect/>
+          </a:stretch>
+        </p:blipFill>
+        <p:spPr>
+          <a:xfrm>
+            <a:off x="8231753" y="2906444"/>
+            <a:ext cx="847843" cy="1124107"/>
+          </a:xfrm>
+          <a:prstGeom prst="rect">
+            <a:avLst/>
+          </a:prstGeom>
+        </p:spPr>
+      </p:pic>
+      <p:pic>
+        <p:nvPicPr>
+          <p:cNvPr id="13" name="Рисунок 12"/>
+          <p:cNvPicPr>
+            <a:picLocks noChangeAspect="1"/>
+          </p:cNvPicPr>
+          <p:nvPr/>
+        </p:nvPicPr>
+        <p:blipFill>
+          <a:blip r:embed="rId3">
+            <a:extLst>
+              <a:ext uri="{28A0092B-C50C-407E-A947-70E740481C1C}">
+                <a14:useLocalDpi xmlns:a14="http://schemas.microsoft.com/office/drawing/2010/main" val="0"/>
+              </a:ext>
+            </a:extLst>
+          </a:blip>
+          <a:stretch>
+            <a:fillRect/>
+          </a:stretch>
+        </p:blipFill>
+        <p:spPr>
+          <a:xfrm>
+            <a:off x="6702776" y="3602725"/>
+            <a:ext cx="952633" cy="276264"/>
+          </a:xfrm>
+          <a:prstGeom prst="rect">
+            <a:avLst/>
+          </a:prstGeom>
+        </p:spPr>
+      </p:pic>
+      <p:pic>
+        <p:nvPicPr>
+          <p:cNvPr id="14" name="Рисунок 13"/>
+          <p:cNvPicPr>
+            <a:picLocks noChangeAspect="1"/>
+          </p:cNvPicPr>
+          <p:nvPr/>
+        </p:nvPicPr>
+        <p:blipFill>
+          <a:blip r:embed="rId4">
+            <a:extLst>
+              <a:ext uri="{28A0092B-C50C-407E-A947-70E740481C1C}">
+                <a14:useLocalDpi xmlns:a14="http://schemas.microsoft.com/office/drawing/2010/main" val="0"/>
+              </a:ext>
+            </a:extLst>
+          </a:blip>
+          <a:stretch>
+            <a:fillRect/>
+          </a:stretch>
+        </p:blipFill>
+        <p:spPr>
+          <a:xfrm>
+            <a:off x="7094395" y="3364050"/>
+            <a:ext cx="438211" cy="95263"/>
+          </a:xfrm>
+          <a:prstGeom prst="rect">
+            <a:avLst/>
+          </a:prstGeom>
+        </p:spPr>
+      </p:pic>
+    </p:spTree>
+    <p:extLst>
+      <p:ext uri="{BB962C8B-B14F-4D97-AF65-F5344CB8AC3E}">
+        <p14:creationId xmlns:p14="http://schemas.microsoft.com/office/powerpoint/2010/main" val="394602402"/>
+      </p:ext>
+    </p:extLst>
+  </p:cSld>
+  <p:clrMapOvr>
+    <a:masterClrMapping/>
+  </p:clrMapOvr>
+  <mc:AlternateContent xmlns:mc="http://schemas.openxmlformats.org/markup-compatibility/2006">
+    <mc:Choice xmlns:p14="http://schemas.microsoft.com/office/powerpoint/2010/main" Requires="p14">
+      <p:transition p14:dur="0"/>
+    </mc:Choice>
+    <mc:Fallback>
+      <p:transition/>
+    </mc:Fallback>
+  </mc:AlternateContent>
+  <p:timing>
+    <p:tnLst>
+      <p:par>
+        <p:cTn id="1" dur="indefinite" restart="never" nodeType="tmRoot">
+          <p:childTnLst>
+            <p:seq concurrent="1" nextAc="seek">
+              <p:cTn id="2" dur="indefinite" nodeType="mainSeq">
+                <p:childTnLst>
+                  <p:par>
+                    <p:cTn id="3" fill="hold">
+                      <p:stCondLst>
+                        <p:cond delay="indefinite"/>
+                        <p:cond evt="onBegin" delay="0">
+                          <p:tn val="2"/>
+                        </p:cond>
+                      </p:stCondLst>
+                      <p:childTnLst>
+                        <p:par>
+                          <p:cTn id="4" fill="hold">
+                            <p:stCondLst>
+                              <p:cond delay="0"/>
+                            </p:stCondLst>
+                            <p:childTnLst>
+                              <p:par>
+                                <p:cTn id="5" presetID="26" presetClass="emph" presetSubtype="0" fill="hold" nodeType="withEffect">
+                                  <p:stCondLst>
+                                    <p:cond delay="0"/>
+                                  </p:stCondLst>
+                                  <p:childTnLst>
+                                    <p:animEffect transition="out" filter="fade">
+                                      <p:cBhvr>
+                                        <p:cTn id="6" dur="1300" tmFilter="0, 0; .2, .5; .8, .5; 1, 0"/>
+                                        <p:tgtEl>
+                                          <p:spTgt spid="12"/>
+                                        </p:tgtEl>
+                                      </p:cBhvr>
+                                    </p:animEffect>
+                                    <p:animScale>
+                                      <p:cBhvr>
+                                        <p:cTn id="7" dur="650" autoRev="1" fill="hold"/>
+                                        <p:tgtEl>
+                                          <p:spTgt spid="12"/>
+                                        </p:tgtEl>
+                                      </p:cBhvr>
+                                      <p:by x="105000" y="105000"/>
+                                    </p:animScale>
+                                  </p:childTnLst>
+                                </p:cTn>
+                              </p:par>
+                              <p:par>
+                                <p:cTn id="8" presetID="26" presetClass="emph" presetSubtype="0" fill="hold" nodeType="withEffect">
+                                  <p:stCondLst>
+                                    <p:cond delay="0"/>
+                                  </p:stCondLst>
+                                  <p:childTnLst>
+                                    <p:animEffect transition="out" filter="fade">
+                                      <p:cBhvr>
+                                        <p:cTn id="9" dur="1000" tmFilter="0, 0; .2, .5; .8, .5; 1, 0"/>
+                                        <p:tgtEl>
+                                          <p:spTgt spid="11"/>
+                                        </p:tgtEl>
+                                      </p:cBhvr>
+                                    </p:animEffect>
+                                    <p:animScale>
+                                      <p:cBhvr>
+                                        <p:cTn id="10" dur="500" autoRev="1" fill="hold"/>
+                                        <p:tgtEl>
+                                          <p:spTgt spid="11"/>
+                                        </p:tgtEl>
+                                      </p:cBhvr>
+                                      <p:by x="105000" y="105000"/>
+                                    </p:animScale>
+                                  </p:childTnLst>
+                                </p:cTn>
+                              </p:par>
+                              <p:par>
+                                <p:cTn id="11" presetID="26" presetClass="emph" presetSubtype="0" fill="hold" nodeType="withEffect">
+                                  <p:stCondLst>
+                                    <p:cond delay="0"/>
+                                  </p:stCondLst>
+                                  <p:childTnLst>
+                                    <p:animEffect transition="out" filter="fade">
+                                      <p:cBhvr>
+                                        <p:cTn id="12" dur="900" tmFilter="0, 0; .2, .5; .8, .5; 1, 0"/>
+                                        <p:tgtEl>
+                                          <p:spTgt spid="10"/>
+                                        </p:tgtEl>
+                                      </p:cBhvr>
+                                    </p:animEffect>
+                                    <p:animScale>
+                                      <p:cBhvr>
+                                        <p:cTn id="13" dur="450" autoRev="1" fill="hold"/>
+                                        <p:tgtEl>
+                                          <p:spTgt spid="10"/>
+                                        </p:tgtEl>
+                                      </p:cBhvr>
+                                      <p:by x="105000" y="105000"/>
+                                    </p:animScale>
+                                  </p:childTnLst>
+                                </p:cTn>
+                              </p:par>
+                            </p:childTnLst>
+                          </p:cTn>
+                        </p:par>
+                      </p:childTnLst>
+                    </p:cTn>
+                  </p:par>
+                </p:childTnLst>
+              </p:cTn>
+              <p:prevCondLst>
+                <p:cond evt="onPrev" delay="0">
+                  <p:tgtEl>
+                    <p:sldTgt/>
+                  </p:tgtEl>
+                </p:cond>
+              </p:prevCondLst>
+              <p:nextCondLst>
+                <p:cond evt="onNext" delay="0">
+                  <p:tgtEl>
+                    <p:sldTgt/>
+                  </p:tgtEl>
+                </p:cond>
+              </p:nextCondLst>
+            </p:seq>
+          </p:childTnLst>
+        </p:cTn>
+      </p:par>
+    </p:tnLst>
+  </p:timing>
+</p:sld>
+</file>
+
+<file path=ppt/slides/slide25.xml><?xml version="1.0" encoding="utf-8"?>
 <p:sld xmlns:a="http://schemas.openxmlformats.org/drawingml/2006/main" xmlns:r="http://schemas.openxmlformats.org/officeDocument/2006/relationships" xmlns:p="http://schemas.openxmlformats.org/presentationml/2006/main">
   <p:cSld>
     <p:bg>
@@ -17217,11 +22756,11 @@
           <a:bodyPr/>
           <a:lstStyle/>
           <a:p>
-            <a:fld id="{C569FDB9-978A-4295-A40F-75DB9D9B47B8}" type="slidenum">
-              <a:rPr lang="ru-RU" smtClean="0"/>
-              <a:t>22</a:t>
-            </a:fld>
-            <a:endParaRPr lang="ru-RU"/>
+            <a:r>
+              <a:rPr lang="en-US" dirty="0" smtClean="0"/>
+              <a:t>19</a:t>
+            </a:r>
+            <a:endParaRPr lang="ru-RU" dirty="0"/>
           </a:p>
         </p:txBody>
       </p:sp>
@@ -17294,7 +22833,7 @@
           <p:nvPr/>
         </p:nvPicPr>
         <p:blipFill>
-          <a:blip r:embed="rId4" cstate="print">
+          <a:blip r:embed="rId4" cstate="hqprint">
             <a:extLst>
               <a:ext uri="{28A0092B-C50C-407E-A947-70E740481C1C}">
                 <a14:useLocalDpi xmlns:a14="http://schemas.microsoft.com/office/drawing/2010/main" val="0"/>
@@ -18204,7 +23743,7 @@
 </p:sld>
 </file>
 
-<file path=ppt/slides/slide23.xml><?xml version="1.0" encoding="utf-8"?>
+<file path=ppt/slides/slide26.xml><?xml version="1.0" encoding="utf-8"?>
 <p:sld xmlns:a="http://schemas.openxmlformats.org/drawingml/2006/main" xmlns:r="http://schemas.openxmlformats.org/officeDocument/2006/relationships" xmlns:p="http://schemas.openxmlformats.org/presentationml/2006/main">
   <p:cSld>
     <p:spTree>
@@ -18271,11 +23810,11 @@
           <a:bodyPr/>
           <a:lstStyle/>
           <a:p>
-            <a:fld id="{C569FDB9-978A-4295-A40F-75DB9D9B47B8}" type="slidenum">
-              <a:rPr lang="ru-RU" smtClean="0"/>
-              <a:t>23</a:t>
-            </a:fld>
-            <a:endParaRPr lang="ru-RU"/>
+            <a:r>
+              <a:rPr lang="en-US" dirty="0" smtClean="0"/>
+              <a:t>20</a:t>
+            </a:r>
+            <a:endParaRPr lang="ru-RU" dirty="0"/>
           </a:p>
         </p:txBody>
       </p:sp>
@@ -18381,7 +23920,7 @@
 </p:sld>
 </file>
 
-<file path=ppt/slides/slide24.xml><?xml version="1.0" encoding="utf-8"?>
+<file path=ppt/slides/slide27.xml><?xml version="1.0" encoding="utf-8"?>
 <p:sld xmlns:a="http://schemas.openxmlformats.org/drawingml/2006/main" xmlns:r="http://schemas.openxmlformats.org/officeDocument/2006/relationships" xmlns:p="http://schemas.openxmlformats.org/presentationml/2006/main">
   <p:cSld>
     <p:bg>
@@ -18578,11 +24117,11 @@
           <a:bodyPr/>
           <a:lstStyle/>
           <a:p>
-            <a:fld id="{C569FDB9-978A-4295-A40F-75DB9D9B47B8}" type="slidenum">
-              <a:rPr lang="ru-RU" smtClean="0"/>
-              <a:t>24</a:t>
-            </a:fld>
-            <a:endParaRPr lang="ru-RU"/>
+            <a:r>
+              <a:rPr lang="en-US" dirty="0" smtClean="0"/>
+              <a:t>21</a:t>
+            </a:r>
+            <a:endParaRPr lang="ru-RU" dirty="0"/>
           </a:p>
         </p:txBody>
       </p:sp>
@@ -18959,7 +24498,7 @@
 </p:sld>
 </file>
 
-<file path=ppt/slides/slide25.xml><?xml version="1.0" encoding="utf-8"?>
+<file path=ppt/slides/slide28.xml><?xml version="1.0" encoding="utf-8"?>
 <p:sld xmlns:a="http://schemas.openxmlformats.org/drawingml/2006/main" xmlns:r="http://schemas.openxmlformats.org/officeDocument/2006/relationships" xmlns:p="http://schemas.openxmlformats.org/presentationml/2006/main">
   <p:cSld>
     <p:bg>
@@ -19063,11 +24602,11 @@
           <a:bodyPr/>
           <a:lstStyle/>
           <a:p>
-            <a:fld id="{C569FDB9-978A-4295-A40F-75DB9D9B47B8}" type="slidenum">
-              <a:rPr lang="ru-RU" smtClean="0"/>
-              <a:t>25</a:t>
-            </a:fld>
-            <a:endParaRPr lang="ru-RU"/>
+            <a:r>
+              <a:rPr lang="en-US" dirty="0" smtClean="0"/>
+              <a:t>22</a:t>
+            </a:r>
+            <a:endParaRPr lang="ru-RU" dirty="0"/>
           </a:p>
         </p:txBody>
       </p:sp>
@@ -20514,7 +26053,7 @@
           <p:nvPr/>
         </p:nvPicPr>
         <p:blipFill>
-          <a:blip r:embed="rId4" cstate="print">
+          <a:blip r:embed="rId4" cstate="hqprint">
             <a:extLst>
               <a:ext uri="{28A0092B-C50C-407E-A947-70E740481C1C}">
                 <a14:useLocalDpi xmlns:a14="http://schemas.microsoft.com/office/drawing/2010/main" val="0"/>
@@ -21656,7 +27195,7 @@
           <p:nvPr/>
         </p:nvPicPr>
         <p:blipFill>
-          <a:blip r:embed="rId2" cstate="print">
+          <a:blip r:embed="rId2" cstate="hqprint">
             <a:extLst>
               <a:ext uri="{28A0092B-C50C-407E-A947-70E740481C1C}">
                 <a14:useLocalDpi xmlns:a14="http://schemas.microsoft.com/office/drawing/2010/main" val="0"/>
@@ -22932,7 +28471,7 @@
           <p:nvPr/>
         </p:nvPicPr>
         <p:blipFill>
-          <a:blip r:embed="rId2" cstate="print">
+          <a:blip r:embed="rId2" cstate="hqprint">
             <a:extLst>
               <a:ext uri="{28A0092B-C50C-407E-A947-70E740481C1C}">
                 <a14:useLocalDpi xmlns:a14="http://schemas.microsoft.com/office/drawing/2010/main" val="0"/>
@@ -23903,8 +29442,8 @@
         </p:blipFill>
         <p:spPr>
           <a:xfrm>
-            <a:off x="854729" y="2043112"/>
-            <a:ext cx="10431744" cy="3633787"/>
+            <a:off x="854729" y="2103003"/>
+            <a:ext cx="10431744" cy="3514005"/>
           </a:xfrm>
         </p:spPr>
       </p:pic>

--- a/product/vkr_pres.pptx
+++ b/product/vkr_pres.pptx
@@ -5,37 +5,40 @@
     <p:sldMasterId id="2147483648" r:id="rId1"/>
   </p:sldMasterIdLst>
   <p:notesMasterIdLst>
-    <p:notesMasterId r:id="rId30"/>
+    <p:notesMasterId r:id="rId33"/>
   </p:notesMasterIdLst>
   <p:sldIdLst>
     <p:sldId id="256" r:id="rId2"/>
     <p:sldId id="258" r:id="rId3"/>
     <p:sldId id="259" r:id="rId4"/>
     <p:sldId id="260" r:id="rId5"/>
-    <p:sldId id="289" r:id="rId6"/>
-    <p:sldId id="290" r:id="rId7"/>
-    <p:sldId id="261" r:id="rId8"/>
-    <p:sldId id="282" r:id="rId9"/>
-    <p:sldId id="262" r:id="rId10"/>
-    <p:sldId id="263" r:id="rId11"/>
-    <p:sldId id="295" r:id="rId12"/>
-    <p:sldId id="264" r:id="rId13"/>
-    <p:sldId id="283" r:id="rId14"/>
-    <p:sldId id="294" r:id="rId15"/>
-    <p:sldId id="284" r:id="rId16"/>
-    <p:sldId id="285" r:id="rId17"/>
-    <p:sldId id="291" r:id="rId18"/>
-    <p:sldId id="286" r:id="rId19"/>
-    <p:sldId id="292" r:id="rId20"/>
-    <p:sldId id="287" r:id="rId21"/>
-    <p:sldId id="293" r:id="rId22"/>
-    <p:sldId id="288" r:id="rId23"/>
-    <p:sldId id="272" r:id="rId24"/>
-    <p:sldId id="296" r:id="rId25"/>
-    <p:sldId id="273" r:id="rId26"/>
-    <p:sldId id="274" r:id="rId27"/>
-    <p:sldId id="275" r:id="rId28"/>
-    <p:sldId id="276" r:id="rId29"/>
+    <p:sldId id="298" r:id="rId6"/>
+    <p:sldId id="289" r:id="rId7"/>
+    <p:sldId id="299" r:id="rId8"/>
+    <p:sldId id="290" r:id="rId9"/>
+    <p:sldId id="261" r:id="rId10"/>
+    <p:sldId id="282" r:id="rId11"/>
+    <p:sldId id="262" r:id="rId12"/>
+    <p:sldId id="263" r:id="rId13"/>
+    <p:sldId id="295" r:id="rId14"/>
+    <p:sldId id="264" r:id="rId15"/>
+    <p:sldId id="283" r:id="rId16"/>
+    <p:sldId id="294" r:id="rId17"/>
+    <p:sldId id="284" r:id="rId18"/>
+    <p:sldId id="285" r:id="rId19"/>
+    <p:sldId id="291" r:id="rId20"/>
+    <p:sldId id="286" r:id="rId21"/>
+    <p:sldId id="292" r:id="rId22"/>
+    <p:sldId id="287" r:id="rId23"/>
+    <p:sldId id="293" r:id="rId24"/>
+    <p:sldId id="288" r:id="rId25"/>
+    <p:sldId id="272" r:id="rId26"/>
+    <p:sldId id="296" r:id="rId27"/>
+    <p:sldId id="273" r:id="rId28"/>
+    <p:sldId id="274" r:id="rId29"/>
+    <p:sldId id="297" r:id="rId30"/>
+    <p:sldId id="275" r:id="rId31"/>
+    <p:sldId id="276" r:id="rId32"/>
   </p:sldIdLst>
   <p:sldSz cx="12192000" cy="6858000"/>
   <p:notesSz cx="6858000" cy="9144000"/>
@@ -3897,11 +3900,31 @@
             </a:r>
             <a:r>
               <a:rPr lang="ru-RU" sz="2800" dirty="0"/>
-              <a:t> для специалиста отдела кадров компании ООО «Автоматизация розничных технологий</a:t>
+              <a:t> для специалиста отдела кадров компании ООО </a:t>
+            </a:r>
+            <a:r>
+              <a:rPr lang="en-US" sz="2800" dirty="0" smtClean="0"/>
+              <a:t>“</a:t>
             </a:r>
             <a:r>
               <a:rPr lang="ru-RU" sz="2800" dirty="0" smtClean="0"/>
-              <a:t>»»</a:t>
+              <a:t>Автоматизация </a:t>
+            </a:r>
+            <a:r>
+              <a:rPr lang="ru-RU" sz="2800" dirty="0"/>
+              <a:t>розничных </a:t>
+            </a:r>
+            <a:r>
+              <a:rPr lang="ru-RU" sz="2800" dirty="0" smtClean="0"/>
+              <a:t>технологий</a:t>
+            </a:r>
+            <a:r>
+              <a:rPr lang="en-US" sz="2800" dirty="0" smtClean="0"/>
+              <a:t>”</a:t>
+            </a:r>
+            <a:r>
+              <a:rPr lang="ru-RU" sz="2800" dirty="0" smtClean="0"/>
+              <a:t>»</a:t>
             </a:r>
             <a:endParaRPr lang="en-US" sz="2800" cap="small" dirty="0">
               <a:cs typeface="Arial" panose="020B0604020202020204" pitchFamily="34" charset="0"/>
@@ -4096,6 +4119,442 @@
 <file path=ppt/slides/slide10.xml><?xml version="1.0" encoding="utf-8"?>
 <p:sld xmlns:a="http://schemas.openxmlformats.org/drawingml/2006/main" xmlns:r="http://schemas.openxmlformats.org/officeDocument/2006/relationships" xmlns:p="http://schemas.openxmlformats.org/presentationml/2006/main">
   <p:cSld>
+    <p:bg>
+      <p:bgPr>
+        <a:solidFill>
+          <a:srgbClr val="FFFBF0"/>
+        </a:solidFill>
+        <a:effectLst/>
+      </p:bgPr>
+    </p:bg>
+    <p:spTree>
+      <p:nvGrpSpPr>
+        <p:cNvPr id="1" name=""/>
+        <p:cNvGrpSpPr/>
+        <p:nvPr/>
+      </p:nvGrpSpPr>
+      <p:grpSpPr>
+        <a:xfrm>
+          <a:off x="0" y="0"/>
+          <a:ext cx="0" cy="0"/>
+          <a:chOff x="0" y="0"/>
+          <a:chExt cx="0" cy="0"/>
+        </a:xfrm>
+      </p:grpSpPr>
+      <p:pic>
+        <p:nvPicPr>
+          <p:cNvPr id="5" name="Объект 4"/>
+          <p:cNvPicPr>
+            <a:picLocks noGrp="1" noChangeAspect="1"/>
+          </p:cNvPicPr>
+          <p:nvPr>
+            <p:ph idx="1"/>
+          </p:nvPr>
+        </p:nvPicPr>
+        <p:blipFill rotWithShape="1">
+          <a:blip r:embed="rId2">
+            <a:extLst>
+              <a:ext uri="{28A0092B-C50C-407E-A947-70E740481C1C}">
+                <a14:useLocalDpi xmlns:a14="http://schemas.microsoft.com/office/drawing/2010/main" val="0"/>
+              </a:ext>
+            </a:extLst>
+          </a:blip>
+          <a:srcRect l="835" t="13333" r="628" b="11138"/>
+          <a:stretch/>
+        </p:blipFill>
+        <p:spPr>
+          <a:xfrm>
+            <a:off x="839168" y="342900"/>
+            <a:ext cx="10874515" cy="5781675"/>
+          </a:xfrm>
+          <a:ln w="3175">
+            <a:noFill/>
+          </a:ln>
+        </p:spPr>
+      </p:pic>
+      <p:sp>
+        <p:nvSpPr>
+          <p:cNvPr id="4" name="Номер слайда 3">
+            <a:extLst>
+              <a:ext uri="{FF2B5EF4-FFF2-40B4-BE49-F238E27FC236}">
+                <a16:creationId xmlns:a16="http://schemas.microsoft.com/office/drawing/2014/main" id="{A06562D4-7F1A-4B6E-8880-20D748DAE808}"/>
+              </a:ext>
+            </a:extLst>
+          </p:cNvPr>
+          <p:cNvSpPr>
+            <a:spLocks noGrp="1"/>
+          </p:cNvSpPr>
+          <p:nvPr>
+            <p:ph type="sldNum" sz="quarter" idx="12"/>
+          </p:nvPr>
+        </p:nvSpPr>
+        <p:spPr/>
+        <p:txBody>
+          <a:bodyPr/>
+          <a:lstStyle/>
+          <a:p>
+            <a:r>
+              <a:rPr lang="ru-RU" dirty="0" smtClean="0"/>
+              <a:t>8</a:t>
+            </a:r>
+            <a:endParaRPr lang="ru-RU" dirty="0"/>
+          </a:p>
+        </p:txBody>
+      </p:sp>
+    </p:spTree>
+    <p:extLst>
+      <p:ext uri="{BB962C8B-B14F-4D97-AF65-F5344CB8AC3E}">
+        <p14:creationId xmlns:p14="http://schemas.microsoft.com/office/powerpoint/2010/main" val="2148461868"/>
+      </p:ext>
+    </p:extLst>
+  </p:cSld>
+  <p:clrMapOvr>
+    <a:masterClrMapping/>
+  </p:clrMapOvr>
+  <p:transition spd="slow">
+    <p:push dir="u"/>
+  </p:transition>
+  <p:timing>
+    <p:tnLst>
+      <p:par>
+        <p:cTn id="1" dur="indefinite" restart="never" nodeType="tmRoot">
+          <p:childTnLst>
+            <p:seq concurrent="1" nextAc="seek">
+              <p:cTn id="2" dur="indefinite" nodeType="mainSeq">
+                <p:childTnLst>
+                  <p:par>
+                    <p:cTn id="3" fill="hold">
+                      <p:stCondLst>
+                        <p:cond delay="indefinite"/>
+                        <p:cond evt="onBegin" delay="0">
+                          <p:tn val="2"/>
+                        </p:cond>
+                      </p:stCondLst>
+                      <p:childTnLst>
+                        <p:par>
+                          <p:cTn id="4" fill="hold">
+                            <p:stCondLst>
+                              <p:cond delay="0"/>
+                            </p:stCondLst>
+                            <p:childTnLst>
+                              <p:par>
+                                <p:cTn id="5" presetID="22" presetClass="entr" presetSubtype="4" fill="hold" nodeType="withEffect">
+                                  <p:stCondLst>
+                                    <p:cond delay="0"/>
+                                  </p:stCondLst>
+                                  <p:childTnLst>
+                                    <p:set>
+                                      <p:cBhvr>
+                                        <p:cTn id="6" dur="1" fill="hold">
+                                          <p:stCondLst>
+                                            <p:cond delay="0"/>
+                                          </p:stCondLst>
+                                        </p:cTn>
+                                        <p:tgtEl>
+                                          <p:spTgt spid="5"/>
+                                        </p:tgtEl>
+                                        <p:attrNameLst>
+                                          <p:attrName>style.visibility</p:attrName>
+                                        </p:attrNameLst>
+                                      </p:cBhvr>
+                                      <p:to>
+                                        <p:strVal val="visible"/>
+                                      </p:to>
+                                    </p:set>
+                                    <p:animEffect transition="in" filter="wipe(down)">
+                                      <p:cBhvr>
+                                        <p:cTn id="7" dur="1000"/>
+                                        <p:tgtEl>
+                                          <p:spTgt spid="5"/>
+                                        </p:tgtEl>
+                                      </p:cBhvr>
+                                    </p:animEffect>
+                                  </p:childTnLst>
+                                </p:cTn>
+                              </p:par>
+                            </p:childTnLst>
+                          </p:cTn>
+                        </p:par>
+                      </p:childTnLst>
+                    </p:cTn>
+                  </p:par>
+                </p:childTnLst>
+              </p:cTn>
+              <p:prevCondLst>
+                <p:cond evt="onPrev" delay="0">
+                  <p:tgtEl>
+                    <p:sldTgt/>
+                  </p:tgtEl>
+                </p:cond>
+              </p:prevCondLst>
+              <p:nextCondLst>
+                <p:cond evt="onNext" delay="0">
+                  <p:tgtEl>
+                    <p:sldTgt/>
+                  </p:tgtEl>
+                </p:cond>
+              </p:nextCondLst>
+            </p:seq>
+          </p:childTnLst>
+        </p:cTn>
+      </p:par>
+    </p:tnLst>
+  </p:timing>
+</p:sld>
+</file>
+
+<file path=ppt/slides/slide11.xml><?xml version="1.0" encoding="utf-8"?>
+<p:sld xmlns:a="http://schemas.openxmlformats.org/drawingml/2006/main" xmlns:r="http://schemas.openxmlformats.org/officeDocument/2006/relationships" xmlns:p="http://schemas.openxmlformats.org/presentationml/2006/main">
+  <p:cSld>
+    <p:bg>
+      <p:bgPr>
+        <a:solidFill>
+          <a:schemeClr val="bg1"/>
+        </a:solidFill>
+        <a:effectLst/>
+      </p:bgPr>
+    </p:bg>
+    <p:spTree>
+      <p:nvGrpSpPr>
+        <p:cNvPr id="1" name=""/>
+        <p:cNvGrpSpPr/>
+        <p:nvPr/>
+      </p:nvGrpSpPr>
+      <p:grpSpPr>
+        <a:xfrm>
+          <a:off x="0" y="0"/>
+          <a:ext cx="0" cy="0"/>
+          <a:chOff x="0" y="0"/>
+          <a:chExt cx="0" cy="0"/>
+        </a:xfrm>
+      </p:grpSpPr>
+      <p:sp>
+        <p:nvSpPr>
+          <p:cNvPr id="2" name="Заголовок 1">
+            <a:extLst>
+              <a:ext uri="{FF2B5EF4-FFF2-40B4-BE49-F238E27FC236}">
+                <a16:creationId xmlns:a16="http://schemas.microsoft.com/office/drawing/2014/main" id="{C9B20D62-CB8C-4D78-A1D3-43439C437D0C}"/>
+              </a:ext>
+            </a:extLst>
+          </p:cNvPr>
+          <p:cNvSpPr>
+            <a:spLocks noGrp="1"/>
+          </p:cNvSpPr>
+          <p:nvPr>
+            <p:ph type="title"/>
+          </p:nvPr>
+        </p:nvSpPr>
+        <p:spPr>
+          <a:xfrm>
+            <a:off x="787401" y="365125"/>
+            <a:ext cx="10566400" cy="1325563"/>
+          </a:xfrm>
+        </p:spPr>
+        <p:txBody>
+          <a:bodyPr>
+            <a:normAutofit/>
+          </a:bodyPr>
+          <a:lstStyle/>
+          <a:p>
+            <a:r>
+              <a:rPr lang="ru-RU" sz="4000" cap="none" dirty="0">
+                <a:ln w="3175">
+                  <a:noFill/>
+                </a:ln>
+                <a:latin typeface="+mn-lt"/>
+                <a:ea typeface="+mn-ea"/>
+                <a:cs typeface="+mn-cs"/>
+              </a:rPr>
+              <a:t>Концептуальная модель </a:t>
+            </a:r>
+            <a:r>
+              <a:rPr lang="ru-RU" sz="4000" cap="none" dirty="0" smtClean="0">
+                <a:ln w="3175">
+                  <a:noFill/>
+                </a:ln>
+                <a:latin typeface="+mn-lt"/>
+                <a:ea typeface="+mn-ea"/>
+                <a:cs typeface="+mn-cs"/>
+              </a:rPr>
+              <a:t>задачи «Трудоустройство </a:t>
+            </a:r>
+            <a:r>
+              <a:rPr lang="ru-RU" sz="4000" cap="none" dirty="0">
+                <a:ln w="3175">
+                  <a:noFill/>
+                </a:ln>
+                <a:latin typeface="+mn-lt"/>
+                <a:ea typeface="+mn-ea"/>
+                <a:cs typeface="+mn-cs"/>
+              </a:rPr>
+              <a:t>гражданина»</a:t>
+            </a:r>
+          </a:p>
+        </p:txBody>
+      </p:sp>
+      <p:pic>
+        <p:nvPicPr>
+          <p:cNvPr id="5" name="Объект 4"/>
+          <p:cNvPicPr>
+            <a:picLocks noGrp="1" noChangeAspect="1"/>
+          </p:cNvPicPr>
+          <p:nvPr>
+            <p:ph idx="1"/>
+          </p:nvPr>
+        </p:nvPicPr>
+        <p:blipFill>
+          <a:blip r:embed="rId2">
+            <a:extLst>
+              <a:ext uri="{28A0092B-C50C-407E-A947-70E740481C1C}">
+                <a14:useLocalDpi xmlns:a14="http://schemas.microsoft.com/office/drawing/2010/main" val="0"/>
+              </a:ext>
+            </a:extLst>
+          </a:blip>
+          <a:stretch>
+            <a:fillRect/>
+          </a:stretch>
+        </p:blipFill>
+        <p:spPr>
+          <a:xfrm>
+            <a:off x="854729" y="2103003"/>
+            <a:ext cx="10431744" cy="3514005"/>
+          </a:xfrm>
+        </p:spPr>
+      </p:pic>
+      <p:sp>
+        <p:nvSpPr>
+          <p:cNvPr id="4" name="Номер слайда 3">
+            <a:extLst>
+              <a:ext uri="{FF2B5EF4-FFF2-40B4-BE49-F238E27FC236}">
+                <a16:creationId xmlns:a16="http://schemas.microsoft.com/office/drawing/2014/main" id="{EB3D97AA-43EB-4435-B9A0-974A69772156}"/>
+              </a:ext>
+            </a:extLst>
+          </p:cNvPr>
+          <p:cNvSpPr>
+            <a:spLocks noGrp="1"/>
+          </p:cNvSpPr>
+          <p:nvPr>
+            <p:ph type="sldNum" sz="quarter" idx="12"/>
+          </p:nvPr>
+        </p:nvSpPr>
+        <p:spPr/>
+        <p:txBody>
+          <a:bodyPr/>
+          <a:lstStyle/>
+          <a:p>
+            <a:r>
+              <a:rPr lang="ru-RU" dirty="0" smtClean="0"/>
+              <a:t>9</a:t>
+            </a:r>
+            <a:endParaRPr lang="ru-RU" dirty="0"/>
+          </a:p>
+        </p:txBody>
+      </p:sp>
+    </p:spTree>
+    <p:extLst>
+      <p:ext uri="{BB962C8B-B14F-4D97-AF65-F5344CB8AC3E}">
+        <p14:creationId xmlns:p14="http://schemas.microsoft.com/office/powerpoint/2010/main" val="2268965377"/>
+      </p:ext>
+    </p:extLst>
+  </p:cSld>
+  <p:clrMapOvr>
+    <a:masterClrMapping/>
+  </p:clrMapOvr>
+  <p:transition spd="slow">
+    <p:push dir="u"/>
+  </p:transition>
+  <p:timing>
+    <p:tnLst>
+      <p:par>
+        <p:cTn id="1" dur="indefinite" restart="never" nodeType="tmRoot">
+          <p:childTnLst>
+            <p:seq concurrent="1" nextAc="seek">
+              <p:cTn id="2" dur="indefinite" nodeType="mainSeq">
+                <p:childTnLst>
+                  <p:par>
+                    <p:cTn id="3" fill="hold">
+                      <p:stCondLst>
+                        <p:cond delay="indefinite"/>
+                        <p:cond evt="onBegin" delay="0">
+                          <p:tn val="2"/>
+                        </p:cond>
+                      </p:stCondLst>
+                      <p:childTnLst>
+                        <p:par>
+                          <p:cTn id="4" fill="hold">
+                            <p:stCondLst>
+                              <p:cond delay="0"/>
+                            </p:stCondLst>
+                            <p:childTnLst>
+                              <p:par>
+                                <p:cTn id="5" presetID="22" presetClass="entr" presetSubtype="4" fill="hold" nodeType="withEffect">
+                                  <p:stCondLst>
+                                    <p:cond delay="0"/>
+                                  </p:stCondLst>
+                                  <p:childTnLst>
+                                    <p:set>
+                                      <p:cBhvr>
+                                        <p:cTn id="6" dur="1" fill="hold">
+                                          <p:stCondLst>
+                                            <p:cond delay="0"/>
+                                          </p:stCondLst>
+                                        </p:cTn>
+                                        <p:tgtEl>
+                                          <p:spTgt spid="5"/>
+                                        </p:tgtEl>
+                                        <p:attrNameLst>
+                                          <p:attrName>style.visibility</p:attrName>
+                                        </p:attrNameLst>
+                                      </p:cBhvr>
+                                      <p:to>
+                                        <p:strVal val="visible"/>
+                                      </p:to>
+                                    </p:set>
+                                    <p:animEffect transition="in" filter="wipe(down)">
+                                      <p:cBhvr>
+                                        <p:cTn id="7" dur="1000"/>
+                                        <p:tgtEl>
+                                          <p:spTgt spid="5"/>
+                                        </p:tgtEl>
+                                      </p:cBhvr>
+                                    </p:animEffect>
+                                  </p:childTnLst>
+                                </p:cTn>
+                              </p:par>
+                            </p:childTnLst>
+                          </p:cTn>
+                        </p:par>
+                      </p:childTnLst>
+                    </p:cTn>
+                  </p:par>
+                </p:childTnLst>
+              </p:cTn>
+              <p:prevCondLst>
+                <p:cond evt="onPrev" delay="0">
+                  <p:tgtEl>
+                    <p:sldTgt/>
+                  </p:tgtEl>
+                </p:cond>
+              </p:prevCondLst>
+              <p:nextCondLst>
+                <p:cond evt="onNext" delay="0">
+                  <p:tgtEl>
+                    <p:sldTgt/>
+                  </p:tgtEl>
+                </p:cond>
+              </p:nextCondLst>
+            </p:seq>
+          </p:childTnLst>
+        </p:cTn>
+      </p:par>
+    </p:tnLst>
+  </p:timing>
+</p:sld>
+</file>
+
+<file path=ppt/slides/slide12.xml><?xml version="1.0" encoding="utf-8"?>
+<p:sld xmlns:a="http://schemas.openxmlformats.org/drawingml/2006/main" xmlns:r="http://schemas.openxmlformats.org/officeDocument/2006/relationships" xmlns:p="http://schemas.openxmlformats.org/presentationml/2006/main">
+  <p:cSld>
     <p:spTree>
       <p:nvGrpSpPr>
         <p:cNvPr id="1" name=""/>
@@ -4165,11 +4624,11 @@
           <a:bodyPr/>
           <a:lstStyle/>
           <a:p>
-            <a:fld id="{C569FDB9-978A-4295-A40F-75DB9D9B47B8}" type="slidenum">
-              <a:rPr lang="ru-RU" smtClean="0"/>
+            <a:r>
+              <a:rPr lang="ru-RU" dirty="0" smtClean="0"/>
               <a:t>10</a:t>
-            </a:fld>
-            <a:endParaRPr lang="ru-RU"/>
+            </a:r>
+            <a:endParaRPr lang="ru-RU" dirty="0"/>
           </a:p>
         </p:txBody>
       </p:sp>
@@ -5054,7 +5513,7 @@
                                     </p:set>
                                     <p:animEffect transition="in" filter="wipe(up)">
                                       <p:cBhvr>
-                                        <p:cTn id="7" dur="750"/>
+                                        <p:cTn id="7" dur="650"/>
                                         <p:tgtEl>
                                           <p:spTgt spid="9"/>
                                         </p:tgtEl>
@@ -5069,7 +5528,7 @@
                         <p:par>
                           <p:cTn id="8" fill="hold">
                             <p:stCondLst>
-                              <p:cond delay="750"/>
+                              <p:cond delay="650"/>
                             </p:stCondLst>
                             <p:childTnLst>
                               <p:par>
@@ -5098,7 +5557,7 @@
                                     </p:set>
                                     <p:animEffect transition="in" filter="wipe(up)">
                                       <p:cBhvr>
-                                        <p:cTn id="11" dur="750"/>
+                                        <p:cTn id="11" dur="650"/>
                                         <p:tgtEl>
                                           <p:spTgt spid="7"/>
                                         </p:tgtEl>
@@ -5113,7 +5572,7 @@
                         <p:par>
                           <p:cTn id="12" fill="hold">
                             <p:stCondLst>
-                              <p:cond delay="1500"/>
+                              <p:cond delay="1300"/>
                             </p:stCondLst>
                             <p:childTnLst>
                               <p:par>
@@ -5142,7 +5601,7 @@
                                     </p:set>
                                     <p:animEffect transition="in" filter="wipe(up)">
                                       <p:cBhvr>
-                                        <p:cTn id="15" dur="750"/>
+                                        <p:cTn id="15" dur="650"/>
                                         <p:tgtEl>
                                           <p:spTgt spid="3"/>
                                         </p:tgtEl>
@@ -5157,7 +5616,7 @@
                         <p:par>
                           <p:cTn id="16" fill="hold">
                             <p:stCondLst>
-                              <p:cond delay="2250"/>
+                              <p:cond delay="1950"/>
                             </p:stCondLst>
                             <p:childTnLst>
                               <p:par>
@@ -5186,7 +5645,7 @@
                                     </p:set>
                                     <p:animEffect transition="in" filter="wipe(up)">
                                       <p:cBhvr>
-                                        <p:cTn id="19" dur="750"/>
+                                        <p:cTn id="19" dur="650"/>
                                         <p:tgtEl>
                                           <p:spTgt spid="54"/>
                                         </p:tgtEl>
@@ -5201,7 +5660,7 @@
                         <p:par>
                           <p:cTn id="20" fill="hold">
                             <p:stCondLst>
-                              <p:cond delay="3000"/>
+                              <p:cond delay="2600"/>
                             </p:stCondLst>
                             <p:childTnLst>
                               <p:par>
@@ -5230,7 +5689,7 @@
                                     </p:set>
                                     <p:animEffect transition="in" filter="wipe(right)">
                                       <p:cBhvr>
-                                        <p:cTn id="23" dur="750"/>
+                                        <p:cTn id="23" dur="650"/>
                                         <p:tgtEl>
                                           <p:spTgt spid="8"/>
                                         </p:tgtEl>
@@ -5245,7 +5704,7 @@
                         <p:par>
                           <p:cTn id="24" fill="hold">
                             <p:stCondLst>
-                              <p:cond delay="3750"/>
+                              <p:cond delay="3250"/>
                             </p:stCondLst>
                             <p:childTnLst>
                               <p:par>
@@ -5274,7 +5733,7 @@
                                     </p:set>
                                     <p:animEffect transition="in" filter="wipe(up)">
                                       <p:cBhvr>
-                                        <p:cTn id="27" dur="750"/>
+                                        <p:cTn id="27" dur="650"/>
                                         <p:tgtEl>
                                           <p:spTgt spid="75"/>
                                         </p:tgtEl>
@@ -5289,7 +5748,7 @@
                         <p:par>
                           <p:cTn id="28" fill="hold">
                             <p:stCondLst>
-                              <p:cond delay="4500"/>
+                              <p:cond delay="3900"/>
                             </p:stCondLst>
                             <p:childTnLst>
                               <p:par>
@@ -5318,7 +5777,7 @@
                                     </p:set>
                                     <p:animEffect transition="in" filter="wipe(up)">
                                       <p:cBhvr>
-                                        <p:cTn id="31" dur="750"/>
+                                        <p:cTn id="31" dur="650"/>
                                         <p:tgtEl>
                                           <p:spTgt spid="76"/>
                                         </p:tgtEl>
@@ -5333,7 +5792,7 @@
                         <p:par>
                           <p:cTn id="32" fill="hold">
                             <p:stCondLst>
-                              <p:cond delay="5250"/>
+                              <p:cond delay="4550"/>
                             </p:stCondLst>
                             <p:childTnLst>
                               <p:par>
@@ -5362,7 +5821,7 @@
                                     </p:set>
                                     <p:animEffect transition="in" filter="barn(inVertical)">
                                       <p:cBhvr>
-                                        <p:cTn id="35" dur="750"/>
+                                        <p:cTn id="35" dur="650"/>
                                         <p:tgtEl>
                                           <p:spTgt spid="6"/>
                                         </p:tgtEl>
@@ -5377,7 +5836,7 @@
                         <p:par>
                           <p:cTn id="36" fill="hold">
                             <p:stCondLst>
-                              <p:cond delay="6000"/>
+                              <p:cond delay="5200"/>
                             </p:stCondLst>
                             <p:childTnLst>
                               <p:par>
@@ -5406,7 +5865,7 @@
                                     </p:set>
                                     <p:animEffect transition="in" filter="wipe(up)">
                                       <p:cBhvr>
-                                        <p:cTn id="39" dur="750"/>
+                                        <p:cTn id="39" dur="650"/>
                                         <p:tgtEl>
                                           <p:spTgt spid="77"/>
                                         </p:tgtEl>
@@ -5421,7 +5880,7 @@
                         <p:par>
                           <p:cTn id="40" fill="hold">
                             <p:stCondLst>
-                              <p:cond delay="6750"/>
+                              <p:cond delay="5850"/>
                             </p:stCondLst>
                             <p:childTnLst>
                               <p:par>
@@ -5450,7 +5909,7 @@
                                     </p:set>
                                     <p:animEffect transition="in" filter="wipe(up)">
                                       <p:cBhvr>
-                                        <p:cTn id="43" dur="750"/>
+                                        <p:cTn id="43" dur="650"/>
                                         <p:tgtEl>
                                           <p:spTgt spid="74"/>
                                         </p:tgtEl>
@@ -5465,7 +5924,7 @@
                         <p:par>
                           <p:cTn id="44" fill="hold">
                             <p:stCondLst>
-                              <p:cond delay="7500"/>
+                              <p:cond delay="6500"/>
                             </p:stCondLst>
                             <p:childTnLst>
                               <p:par>
@@ -5494,7 +5953,7 @@
                                     </p:set>
                                     <p:animEffect transition="in" filter="barn(inVertical)">
                                       <p:cBhvr>
-                                        <p:cTn id="47" dur="750"/>
+                                        <p:cTn id="47" dur="650"/>
                                         <p:tgtEl>
                                           <p:spTgt spid="10"/>
                                         </p:tgtEl>
@@ -5534,7 +5993,7 @@
 </p:sld>
 </file>
 
-<file path=ppt/slides/slide11.xml><?xml version="1.0" encoding="utf-8"?>
+<file path=ppt/slides/slide13.xml><?xml version="1.0" encoding="utf-8"?>
 <p:sld xmlns:a="http://schemas.openxmlformats.org/drawingml/2006/main" xmlns:r="http://schemas.openxmlformats.org/officeDocument/2006/relationships" xmlns:p="http://schemas.openxmlformats.org/presentationml/2006/main">
   <p:cSld>
     <p:spTree>
@@ -6443,11 +6902,11 @@
   <p:clrMapOvr>
     <a:masterClrMapping/>
   </p:clrMapOvr>
-  <mc:AlternateContent xmlns:mc="http://schemas.openxmlformats.org/markup-compatibility/2006">
-    <mc:Choice xmlns:p14="http://schemas.microsoft.com/office/powerpoint/2010/main" Requires="p14">
+  <mc:AlternateContent xmlns:mc="http://schemas.openxmlformats.org/markup-compatibility/2006" xmlns:p14="http://schemas.microsoft.com/office/powerpoint/2010/main">
+    <mc:Choice Requires="p14">
       <p:transition p14:dur="10" advClick="0" advTm="0"/>
     </mc:Choice>
-    <mc:Fallback>
+    <mc:Fallback xmlns="">
       <p:transition advClick="0" advTm="0"/>
     </mc:Fallback>
   </mc:AlternateContent>
@@ -6610,14 +7069,49 @@
                                 </p:cTn>
                               </p:par>
                               <p:par>
-                                <p:cTn id="15" presetID="37" presetClass="exit" presetSubtype="0" fill="hold" nodeType="withEffect">
+                                <p:cTn id="15" presetID="22" presetClass="exit" presetSubtype="2" fill="hold" grpId="0" nodeType="withEffect">
+                                  <p:stCondLst>
+                                    <p:cond delay="100"/>
+                                  </p:stCondLst>
+                                  <p:childTnLst>
+                                    <p:animEffect transition="out" filter="wipe(right)">
+                                      <p:cBhvr>
+                                        <p:cTn id="16" dur="500"/>
+                                        <p:tgtEl>
+                                          <p:spTgt spid="2"/>
+                                        </p:tgtEl>
+                                      </p:cBhvr>
+                                    </p:animEffect>
+                                    <p:set>
+                                      <p:cBhvr>
+                                        <p:cTn id="17" dur="1" fill="hold">
+                                          <p:stCondLst>
+                                            <p:cond delay="499"/>
+                                          </p:stCondLst>
+                                        </p:cTn>
+                                        <p:tgtEl>
+                                          <p:spTgt spid="2"/>
+                                        </p:tgtEl>
+                                        <p:attrNameLst>
+                                          <p:attrName>style.visibility</p:attrName>
+                                        </p:attrNameLst>
+                                      </p:cBhvr>
+                                      <p:to>
+                                        <p:strVal val="hidden"/>
+                                      </p:to>
+                                    </p:set>
+                                  </p:childTnLst>
+                                </p:cTn>
+                              </p:par>
+                              <p:par>
+                                <p:cTn id="18" presetID="37" presetClass="exit" presetSubtype="0" fill="hold" nodeType="withEffect">
                                   <p:stCondLst>
                                     <p:cond delay="300"/>
                                   </p:stCondLst>
                                   <p:childTnLst>
                                     <p:animEffect transition="out" filter="fade">
                                       <p:cBhvr>
-                                        <p:cTn id="16" dur="750"/>
+                                        <p:cTn id="19" dur="750"/>
                                         <p:tgtEl>
                                           <p:spTgt spid="9"/>
                                         </p:tgtEl>
@@ -6625,7 +7119,7 @@
                                     </p:animEffect>
                                     <p:anim calcmode="lin" valueType="num">
                                       <p:cBhvr>
-                                        <p:cTn id="17" dur="750"/>
+                                        <p:cTn id="20" dur="750"/>
                                         <p:tgtEl>
                                           <p:spTgt spid="9"/>
                                         </p:tgtEl>
@@ -6648,7 +7142,7 @@
                                     </p:anim>
                                     <p:anim calcmode="lin" valueType="num">
                                       <p:cBhvr>
-                                        <p:cTn id="18" dur="75" decel="100000"/>
+                                        <p:cTn id="21" dur="75" decel="100000"/>
                                         <p:tgtEl>
                                           <p:spTgt spid="9"/>
                                         </p:tgtEl>
@@ -6671,7 +7165,7 @@
                                     </p:anim>
                                     <p:anim calcmode="lin" valueType="num">
                                       <p:cBhvr>
-                                        <p:cTn id="19" dur="675" accel="100000">
+                                        <p:cTn id="22" dur="675" accel="100000">
                                           <p:stCondLst>
                                             <p:cond delay="75"/>
                                           </p:stCondLst>
@@ -6698,7 +7192,7 @@
                                     </p:anim>
                                     <p:set>
                                       <p:cBhvr>
-                                        <p:cTn id="20" dur="1" fill="hold">
+                                        <p:cTn id="23" dur="1" fill="hold">
                                           <p:stCondLst>
                                             <p:cond delay="749"/>
                                           </p:stCondLst>
@@ -6718,14 +7212,14 @@
                                 </p:cTn>
                               </p:par>
                               <p:par>
-                                <p:cTn id="21" presetID="37" presetClass="exit" presetSubtype="0" fill="hold" nodeType="withEffect">
+                                <p:cTn id="24" presetID="37" presetClass="exit" presetSubtype="0" fill="hold" nodeType="withEffect">
                                   <p:stCondLst>
                                     <p:cond delay="0"/>
                                   </p:stCondLst>
                                   <p:childTnLst>
                                     <p:animEffect transition="out" filter="fade">
                                       <p:cBhvr>
-                                        <p:cTn id="22" dur="750"/>
+                                        <p:cTn id="25" dur="750"/>
                                         <p:tgtEl>
                                           <p:spTgt spid="7"/>
                                         </p:tgtEl>
@@ -6733,7 +7227,7 @@
                                     </p:animEffect>
                                     <p:anim calcmode="lin" valueType="num">
                                       <p:cBhvr>
-                                        <p:cTn id="23" dur="750"/>
+                                        <p:cTn id="26" dur="750"/>
                                         <p:tgtEl>
                                           <p:spTgt spid="7"/>
                                         </p:tgtEl>
@@ -6756,7 +7250,7 @@
                                     </p:anim>
                                     <p:anim calcmode="lin" valueType="num">
                                       <p:cBhvr>
-                                        <p:cTn id="24" dur="75" decel="100000"/>
+                                        <p:cTn id="27" dur="75" decel="100000"/>
                                         <p:tgtEl>
                                           <p:spTgt spid="7"/>
                                         </p:tgtEl>
@@ -6779,7 +7273,7 @@
                                     </p:anim>
                                     <p:anim calcmode="lin" valueType="num">
                                       <p:cBhvr>
-                                        <p:cTn id="25" dur="675" accel="100000">
+                                        <p:cTn id="28" dur="675" accel="100000">
                                           <p:stCondLst>
                                             <p:cond delay="75"/>
                                           </p:stCondLst>
@@ -6806,7 +7300,7 @@
                                     </p:anim>
                                     <p:set>
                                       <p:cBhvr>
-                                        <p:cTn id="26" dur="1" fill="hold">
+                                        <p:cTn id="29" dur="1" fill="hold">
                                           <p:stCondLst>
                                             <p:cond delay="749"/>
                                           </p:stCondLst>
@@ -6826,14 +7320,14 @@
                                 </p:cTn>
                               </p:par>
                               <p:par>
-                                <p:cTn id="27" presetID="37" presetClass="exit" presetSubtype="0" fill="hold" nodeType="withEffect">
+                                <p:cTn id="30" presetID="37" presetClass="exit" presetSubtype="0" fill="hold" nodeType="withEffect">
                                   <p:stCondLst>
                                     <p:cond delay="400"/>
                                   </p:stCondLst>
                                   <p:childTnLst>
                                     <p:animEffect transition="out" filter="fade">
                                       <p:cBhvr>
-                                        <p:cTn id="28" dur="750"/>
+                                        <p:cTn id="31" dur="750"/>
                                         <p:tgtEl>
                                           <p:spTgt spid="3"/>
                                         </p:tgtEl>
@@ -6841,7 +7335,7 @@
                                     </p:animEffect>
                                     <p:anim calcmode="lin" valueType="num">
                                       <p:cBhvr>
-                                        <p:cTn id="29" dur="750"/>
+                                        <p:cTn id="32" dur="750"/>
                                         <p:tgtEl>
                                           <p:spTgt spid="3"/>
                                         </p:tgtEl>
@@ -6864,7 +7358,7 @@
                                     </p:anim>
                                     <p:anim calcmode="lin" valueType="num">
                                       <p:cBhvr>
-                                        <p:cTn id="30" dur="75" decel="100000"/>
+                                        <p:cTn id="33" dur="75" decel="100000"/>
                                         <p:tgtEl>
                                           <p:spTgt spid="3"/>
                                         </p:tgtEl>
@@ -6887,7 +7381,7 @@
                                     </p:anim>
                                     <p:anim calcmode="lin" valueType="num">
                                       <p:cBhvr>
-                                        <p:cTn id="31" dur="675" accel="100000">
+                                        <p:cTn id="34" dur="675" accel="100000">
                                           <p:stCondLst>
                                             <p:cond delay="75"/>
                                           </p:stCondLst>
@@ -6914,7 +7408,7 @@
                                     </p:anim>
                                     <p:set>
                                       <p:cBhvr>
-                                        <p:cTn id="32" dur="1" fill="hold">
+                                        <p:cTn id="35" dur="1" fill="hold">
                                           <p:stCondLst>
                                             <p:cond delay="749"/>
                                           </p:stCondLst>
@@ -6934,14 +7428,14 @@
                                 </p:cTn>
                               </p:par>
                               <p:par>
-                                <p:cTn id="33" presetID="37" presetClass="exit" presetSubtype="0" fill="hold" nodeType="withEffect">
+                                <p:cTn id="36" presetID="37" presetClass="exit" presetSubtype="0" fill="hold" nodeType="withEffect">
                                   <p:stCondLst>
                                     <p:cond delay="600"/>
                                   </p:stCondLst>
                                   <p:childTnLst>
                                     <p:animEffect transition="out" filter="fade">
                                       <p:cBhvr>
-                                        <p:cTn id="34" dur="500"/>
+                                        <p:cTn id="37" dur="500"/>
                                         <p:tgtEl>
                                           <p:spTgt spid="8"/>
                                         </p:tgtEl>
@@ -6949,7 +7443,7 @@
                                     </p:animEffect>
                                     <p:anim calcmode="lin" valueType="num">
                                       <p:cBhvr>
-                                        <p:cTn id="35" dur="500"/>
+                                        <p:cTn id="38" dur="500"/>
                                         <p:tgtEl>
                                           <p:spTgt spid="8"/>
                                         </p:tgtEl>
@@ -6972,7 +7466,7 @@
                                     </p:anim>
                                     <p:anim calcmode="lin" valueType="num">
                                       <p:cBhvr>
-                                        <p:cTn id="36" dur="50" decel="100000"/>
+                                        <p:cTn id="39" dur="50" decel="100000"/>
                                         <p:tgtEl>
                                           <p:spTgt spid="8"/>
                                         </p:tgtEl>
@@ -6995,7 +7489,7 @@
                                     </p:anim>
                                     <p:anim calcmode="lin" valueType="num">
                                       <p:cBhvr>
-                                        <p:cTn id="37" dur="450" accel="100000">
+                                        <p:cTn id="40" dur="450" accel="100000">
                                           <p:stCondLst>
                                             <p:cond delay="50"/>
                                           </p:stCondLst>
@@ -7022,7 +7516,7 @@
                                     </p:anim>
                                     <p:set>
                                       <p:cBhvr>
-                                        <p:cTn id="38" dur="1" fill="hold">
+                                        <p:cTn id="41" dur="1" fill="hold">
                                           <p:stCondLst>
                                             <p:cond delay="499"/>
                                           </p:stCondLst>
@@ -7042,14 +7536,14 @@
                                 </p:cTn>
                               </p:par>
                               <p:par>
-                                <p:cTn id="39" presetID="37" presetClass="exit" presetSubtype="0" fill="hold" nodeType="withEffect">
+                                <p:cTn id="42" presetID="37" presetClass="exit" presetSubtype="0" fill="hold" nodeType="withEffect">
                                   <p:stCondLst>
                                     <p:cond delay="400"/>
                                   </p:stCondLst>
                                   <p:childTnLst>
                                     <p:animEffect transition="out" filter="fade">
                                       <p:cBhvr>
-                                        <p:cTn id="40" dur="750"/>
+                                        <p:cTn id="43" dur="750"/>
                                         <p:tgtEl>
                                           <p:spTgt spid="6"/>
                                         </p:tgtEl>
@@ -7057,7 +7551,7 @@
                                     </p:animEffect>
                                     <p:anim calcmode="lin" valueType="num">
                                       <p:cBhvr>
-                                        <p:cTn id="41" dur="750"/>
+                                        <p:cTn id="44" dur="750"/>
                                         <p:tgtEl>
                                           <p:spTgt spid="6"/>
                                         </p:tgtEl>
@@ -7080,7 +7574,7 @@
                                     </p:anim>
                                     <p:anim calcmode="lin" valueType="num">
                                       <p:cBhvr>
-                                        <p:cTn id="42" dur="75" decel="100000"/>
+                                        <p:cTn id="45" dur="75" decel="100000"/>
                                         <p:tgtEl>
                                           <p:spTgt spid="6"/>
                                         </p:tgtEl>
@@ -7103,7 +7597,7 @@
                                     </p:anim>
                                     <p:anim calcmode="lin" valueType="num">
                                       <p:cBhvr>
-                                        <p:cTn id="43" dur="675" accel="100000">
+                                        <p:cTn id="46" dur="675" accel="100000">
                                           <p:stCondLst>
                                             <p:cond delay="75"/>
                                           </p:stCondLst>
@@ -7130,7 +7624,7 @@
                                     </p:anim>
                                     <p:set>
                                       <p:cBhvr>
-                                        <p:cTn id="44" dur="1" fill="hold">
+                                        <p:cTn id="47" dur="1" fill="hold">
                                           <p:stCondLst>
                                             <p:cond delay="749"/>
                                           </p:stCondLst>
@@ -7150,14 +7644,14 @@
                                 </p:cTn>
                               </p:par>
                               <p:par>
-                                <p:cTn id="45" presetID="37" presetClass="exit" presetSubtype="0" fill="hold" nodeType="withEffect">
+                                <p:cTn id="48" presetID="37" presetClass="exit" presetSubtype="0" fill="hold" nodeType="withEffect">
                                   <p:stCondLst>
                                     <p:cond delay="600"/>
                                   </p:stCondLst>
                                   <p:childTnLst>
                                     <p:animEffect transition="out" filter="fade">
                                       <p:cBhvr>
-                                        <p:cTn id="46" dur="750"/>
+                                        <p:cTn id="49" dur="750"/>
                                         <p:tgtEl>
                                           <p:spTgt spid="10"/>
                                         </p:tgtEl>
@@ -7165,7 +7659,7 @@
                                     </p:animEffect>
                                     <p:anim calcmode="lin" valueType="num">
                                       <p:cBhvr>
-                                        <p:cTn id="47" dur="750"/>
+                                        <p:cTn id="50" dur="750"/>
                                         <p:tgtEl>
                                           <p:spTgt spid="10"/>
                                         </p:tgtEl>
@@ -7188,7 +7682,7 @@
                                     </p:anim>
                                     <p:anim calcmode="lin" valueType="num">
                                       <p:cBhvr>
-                                        <p:cTn id="48" dur="75" decel="100000"/>
+                                        <p:cTn id="51" dur="75" decel="100000"/>
                                         <p:tgtEl>
                                           <p:spTgt spid="10"/>
                                         </p:tgtEl>
@@ -7211,7 +7705,7 @@
                                     </p:anim>
                                     <p:anim calcmode="lin" valueType="num">
                                       <p:cBhvr>
-                                        <p:cTn id="49" dur="675" accel="100000">
+                                        <p:cTn id="52" dur="675" accel="100000">
                                           <p:stCondLst>
                                             <p:cond delay="75"/>
                                           </p:stCondLst>
@@ -7238,7 +7732,7 @@
                                     </p:anim>
                                     <p:set>
                                       <p:cBhvr>
-                                        <p:cTn id="50" dur="1" fill="hold">
+                                        <p:cTn id="53" dur="1" fill="hold">
                                           <p:stCondLst>
                                             <p:cond delay="749"/>
                                           </p:stCondLst>
@@ -7284,11 +7778,14 @@
         </p:cTn>
       </p:par>
     </p:tnLst>
+    <p:bldLst>
+      <p:bldP spid="2" grpId="0"/>
+    </p:bldLst>
   </p:timing>
 </p:sld>
 </file>
 
-<file path=ppt/slides/slide12.xml><?xml version="1.0" encoding="utf-8"?>
+<file path=ppt/slides/slide14.xml><?xml version="1.0" encoding="utf-8"?>
 <p:sld xmlns:a="http://schemas.openxmlformats.org/drawingml/2006/main" xmlns:r="http://schemas.openxmlformats.org/officeDocument/2006/relationships" xmlns:p="http://schemas.openxmlformats.org/presentationml/2006/main">
   <p:cSld>
     <p:spTree>
@@ -7887,9 +8384,14 @@
   <p:clrMapOvr>
     <a:masterClrMapping/>
   </p:clrMapOvr>
-  <p:transition spd="slow">
-    <p:push dir="u"/>
-  </p:transition>
+  <mc:AlternateContent xmlns:mc="http://schemas.openxmlformats.org/markup-compatibility/2006" xmlns:p14="http://schemas.microsoft.com/office/powerpoint/2010/main">
+    <mc:Choice Requires="p14">
+      <p:transition p14:dur="0"/>
+    </mc:Choice>
+    <mc:Fallback xmlns="">
+      <p:transition/>
+    </mc:Fallback>
+  </mc:AlternateContent>
   <p:timing>
     <p:tnLst>
       <p:par>
@@ -7914,7 +8416,7 @@
                             </p:stCondLst>
                             <p:childTnLst>
                               <p:par>
-                                <p:cTn id="5" presetID="2" presetClass="entr" presetSubtype="8" fill="hold" nodeType="withEffect">
+                                <p:cTn id="5" presetID="22" presetClass="entr" presetSubtype="8" fill="hold" grpId="0" nodeType="withEffect">
                                   <p:stCondLst>
                                     <p:cond delay="0"/>
                                   </p:stCondLst>
@@ -7922,6 +8424,50 @@
                                     <p:set>
                                       <p:cBhvr>
                                         <p:cTn id="6" dur="1" fill="hold">
+                                          <p:stCondLst>
+                                            <p:cond delay="0"/>
+                                          </p:stCondLst>
+                                        </p:cTn>
+                                        <p:tgtEl>
+                                          <p:spTgt spid="2"/>
+                                        </p:tgtEl>
+                                        <p:attrNameLst>
+                                          <p:attrName>style.visibility</p:attrName>
+                                        </p:attrNameLst>
+                                      </p:cBhvr>
+                                      <p:to>
+                                        <p:strVal val="visible"/>
+                                      </p:to>
+                                    </p:set>
+                                    <p:animEffect transition="in" filter="wipe(left)">
+                                      <p:cBhvr>
+                                        <p:cTn id="7" dur="500"/>
+                                        <p:tgtEl>
+                                          <p:spTgt spid="2"/>
+                                        </p:tgtEl>
+                                      </p:cBhvr>
+                                    </p:animEffect>
+                                  </p:childTnLst>
+                                </p:cTn>
+                              </p:par>
+                            </p:childTnLst>
+                          </p:cTn>
+                        </p:par>
+                        <p:par>
+                          <p:cTn id="8" fill="hold">
+                            <p:stCondLst>
+                              <p:cond delay="500"/>
+                            </p:stCondLst>
+                            <p:childTnLst>
+                              <p:par>
+                                <p:cTn id="9" presetID="2" presetClass="entr" presetSubtype="8" fill="hold" nodeType="afterEffect">
+                                  <p:stCondLst>
+                                    <p:cond delay="0"/>
+                                  </p:stCondLst>
+                                  <p:childTnLst>
+                                    <p:set>
+                                      <p:cBhvr>
+                                        <p:cTn id="10" dur="1" fill="hold">
                                           <p:stCondLst>
                                             <p:cond delay="0"/>
                                           </p:stCondLst>
@@ -7943,7 +8489,7 @@
                                     </p:set>
                                     <p:anim calcmode="lin" valueType="num">
                                       <p:cBhvr additive="base">
-                                        <p:cTn id="7" dur="500" fill="hold"/>
+                                        <p:cTn id="11" dur="500" fill="hold"/>
                                         <p:tgtEl>
                                           <p:spTgt spid="5">
                                             <p:txEl>
@@ -7970,7 +8516,7 @@
                                     </p:anim>
                                     <p:anim calcmode="lin" valueType="num">
                                       <p:cBhvr additive="base">
-                                        <p:cTn id="8" dur="500" fill="hold"/>
+                                        <p:cTn id="12" dur="500" fill="hold"/>
                                         <p:tgtEl>
                                           <p:spTgt spid="5">
                                             <p:txEl>
@@ -8002,20 +8548,20 @@
                           </p:cTn>
                         </p:par>
                         <p:par>
-                          <p:cTn id="9" fill="hold">
+                          <p:cTn id="13" fill="hold">
                             <p:stCondLst>
-                              <p:cond delay="500"/>
+                              <p:cond delay="1000"/>
                             </p:stCondLst>
                             <p:childTnLst>
                               <p:par>
-                                <p:cTn id="10" presetID="22" presetClass="entr" presetSubtype="8" fill="hold" nodeType="afterEffect">
+                                <p:cTn id="14" presetID="22" presetClass="entr" presetSubtype="8" fill="hold" nodeType="afterEffect">
                                   <p:stCondLst>
                                     <p:cond delay="0"/>
                                   </p:stCondLst>
                                   <p:childTnLst>
                                     <p:set>
                                       <p:cBhvr>
-                                        <p:cTn id="11" dur="1" fill="hold">
+                                        <p:cTn id="15" dur="1" fill="hold">
                                           <p:stCondLst>
                                             <p:cond delay="0"/>
                                           </p:stCondLst>
@@ -8033,7 +8579,7 @@
                                     </p:set>
                                     <p:animEffect transition="in" filter="wipe(left)">
                                       <p:cBhvr>
-                                        <p:cTn id="12" dur="500"/>
+                                        <p:cTn id="16" dur="500"/>
                                         <p:tgtEl>
                                           <p:spTgt spid="7"/>
                                         </p:tgtEl>
@@ -8046,20 +8592,20 @@
                           </p:cTn>
                         </p:par>
                         <p:par>
-                          <p:cTn id="13" fill="hold">
+                          <p:cTn id="17" fill="hold">
                             <p:stCondLst>
-                              <p:cond delay="1000"/>
+                              <p:cond delay="1500"/>
                             </p:stCondLst>
                             <p:childTnLst>
                               <p:par>
-                                <p:cTn id="14" presetID="2" presetClass="entr" presetSubtype="8" fill="hold" nodeType="afterEffect">
+                                <p:cTn id="18" presetID="2" presetClass="entr" presetSubtype="8" fill="hold" nodeType="afterEffect">
                                   <p:stCondLst>
                                     <p:cond delay="0"/>
                                   </p:stCondLst>
                                   <p:childTnLst>
                                     <p:set>
                                       <p:cBhvr>
-                                        <p:cTn id="15" dur="1" fill="hold">
+                                        <p:cTn id="19" dur="1" fill="hold">
                                           <p:stCondLst>
                                             <p:cond delay="0"/>
                                           </p:stCondLst>
@@ -8081,7 +8627,7 @@
                                     </p:set>
                                     <p:anim calcmode="lin" valueType="num">
                                       <p:cBhvr additive="base">
-                                        <p:cTn id="16" dur="500" fill="hold"/>
+                                        <p:cTn id="20" dur="500" fill="hold"/>
                                         <p:tgtEl>
                                           <p:spTgt spid="5">
                                             <p:txEl>
@@ -8108,7 +8654,7 @@
                                     </p:anim>
                                     <p:anim calcmode="lin" valueType="num">
                                       <p:cBhvr additive="base">
-                                        <p:cTn id="17" dur="500" fill="hold"/>
+                                        <p:cTn id="21" dur="500" fill="hold"/>
                                         <p:tgtEl>
                                           <p:spTgt spid="5">
                                             <p:txEl>
@@ -8140,50 +8686,6 @@
                           </p:cTn>
                         </p:par>
                         <p:par>
-                          <p:cTn id="18" fill="hold">
-                            <p:stCondLst>
-                              <p:cond delay="1500"/>
-                            </p:stCondLst>
-                            <p:childTnLst>
-                              <p:par>
-                                <p:cTn id="19" presetID="22" presetClass="entr" presetSubtype="8" fill="hold" nodeType="afterEffect">
-                                  <p:stCondLst>
-                                    <p:cond delay="0"/>
-                                  </p:stCondLst>
-                                  <p:childTnLst>
-                                    <p:set>
-                                      <p:cBhvr>
-                                        <p:cTn id="20" dur="1" fill="hold">
-                                          <p:stCondLst>
-                                            <p:cond delay="0"/>
-                                          </p:stCondLst>
-                                        </p:cTn>
-                                        <p:tgtEl>
-                                          <p:spTgt spid="12"/>
-                                        </p:tgtEl>
-                                        <p:attrNameLst>
-                                          <p:attrName>style.visibility</p:attrName>
-                                        </p:attrNameLst>
-                                      </p:cBhvr>
-                                      <p:to>
-                                        <p:strVal val="visible"/>
-                                      </p:to>
-                                    </p:set>
-                                    <p:animEffect transition="in" filter="wipe(left)">
-                                      <p:cBhvr>
-                                        <p:cTn id="21" dur="500"/>
-                                        <p:tgtEl>
-                                          <p:spTgt spid="12"/>
-                                        </p:tgtEl>
-                                      </p:cBhvr>
-                                    </p:animEffect>
-                                  </p:childTnLst>
-                                </p:cTn>
-                              </p:par>
-                            </p:childTnLst>
-                          </p:cTn>
-                        </p:par>
-                        <p:par>
                           <p:cTn id="22" fill="hold">
                             <p:stCondLst>
                               <p:cond delay="2000"/>
@@ -8203,7 +8705,7 @@
                                           </p:stCondLst>
                                         </p:cTn>
                                         <p:tgtEl>
-                                          <p:spTgt spid="8"/>
+                                          <p:spTgt spid="12"/>
                                         </p:tgtEl>
                                         <p:attrNameLst>
                                           <p:attrName>style.visibility</p:attrName>
@@ -8217,7 +8719,7 @@
                                       <p:cBhvr>
                                         <p:cTn id="25" dur="500"/>
                                         <p:tgtEl>
-                                          <p:spTgt spid="8"/>
+                                          <p:spTgt spid="12"/>
                                         </p:tgtEl>
                                       </p:cBhvr>
                                     </p:animEffect>
@@ -8234,7 +8736,7 @@
                             </p:stCondLst>
                             <p:childTnLst>
                               <p:par>
-                                <p:cTn id="27" presetID="2" presetClass="entr" presetSubtype="8" fill="hold" nodeType="afterEffect">
+                                <p:cTn id="27" presetID="22" presetClass="entr" presetSubtype="8" fill="hold" nodeType="afterEffect">
                                   <p:stCondLst>
                                     <p:cond delay="0"/>
                                   </p:stCondLst>
@@ -8242,6 +8744,50 @@
                                     <p:set>
                                       <p:cBhvr>
                                         <p:cTn id="28" dur="1" fill="hold">
+                                          <p:stCondLst>
+                                            <p:cond delay="0"/>
+                                          </p:stCondLst>
+                                        </p:cTn>
+                                        <p:tgtEl>
+                                          <p:spTgt spid="8"/>
+                                        </p:tgtEl>
+                                        <p:attrNameLst>
+                                          <p:attrName>style.visibility</p:attrName>
+                                        </p:attrNameLst>
+                                      </p:cBhvr>
+                                      <p:to>
+                                        <p:strVal val="visible"/>
+                                      </p:to>
+                                    </p:set>
+                                    <p:animEffect transition="in" filter="wipe(left)">
+                                      <p:cBhvr>
+                                        <p:cTn id="29" dur="500"/>
+                                        <p:tgtEl>
+                                          <p:spTgt spid="8"/>
+                                        </p:tgtEl>
+                                      </p:cBhvr>
+                                    </p:animEffect>
+                                  </p:childTnLst>
+                                </p:cTn>
+                              </p:par>
+                            </p:childTnLst>
+                          </p:cTn>
+                        </p:par>
+                        <p:par>
+                          <p:cTn id="30" fill="hold">
+                            <p:stCondLst>
+                              <p:cond delay="3000"/>
+                            </p:stCondLst>
+                            <p:childTnLst>
+                              <p:par>
+                                <p:cTn id="31" presetID="2" presetClass="entr" presetSubtype="8" fill="hold" nodeType="afterEffect">
+                                  <p:stCondLst>
+                                    <p:cond delay="0"/>
+                                  </p:stCondLst>
+                                  <p:childTnLst>
+                                    <p:set>
+                                      <p:cBhvr>
+                                        <p:cTn id="32" dur="1" fill="hold">
                                           <p:stCondLst>
                                             <p:cond delay="0"/>
                                           </p:stCondLst>
@@ -8263,7 +8809,7 @@
                                     </p:set>
                                     <p:anim calcmode="lin" valueType="num">
                                       <p:cBhvr additive="base">
-                                        <p:cTn id="29" dur="500" fill="hold"/>
+                                        <p:cTn id="33" dur="500" fill="hold"/>
                                         <p:tgtEl>
                                           <p:spTgt spid="5">
                                             <p:txEl>
@@ -8290,7 +8836,7 @@
                                     </p:anim>
                                     <p:anim calcmode="lin" valueType="num">
                                       <p:cBhvr additive="base">
-                                        <p:cTn id="30" dur="500" fill="hold"/>
+                                        <p:cTn id="34" dur="500" fill="hold"/>
                                         <p:tgtEl>
                                           <p:spTgt spid="5">
                                             <p:txEl>
@@ -8322,57 +8868,13 @@
                           </p:cTn>
                         </p:par>
                         <p:par>
-                          <p:cTn id="31" fill="hold">
-                            <p:stCondLst>
-                              <p:cond delay="3000"/>
-                            </p:stCondLst>
-                            <p:childTnLst>
-                              <p:par>
-                                <p:cTn id="32" presetID="22" presetClass="entr" presetSubtype="1" fill="hold" nodeType="afterEffect">
-                                  <p:stCondLst>
-                                    <p:cond delay="0"/>
-                                  </p:stCondLst>
-                                  <p:childTnLst>
-                                    <p:set>
-                                      <p:cBhvr>
-                                        <p:cTn id="33" dur="1" fill="hold">
-                                          <p:stCondLst>
-                                            <p:cond delay="0"/>
-                                          </p:stCondLst>
-                                        </p:cTn>
-                                        <p:tgtEl>
-                                          <p:spTgt spid="15"/>
-                                        </p:tgtEl>
-                                        <p:attrNameLst>
-                                          <p:attrName>style.visibility</p:attrName>
-                                        </p:attrNameLst>
-                                      </p:cBhvr>
-                                      <p:to>
-                                        <p:strVal val="visible"/>
-                                      </p:to>
-                                    </p:set>
-                                    <p:animEffect transition="in" filter="wipe(up)">
-                                      <p:cBhvr>
-                                        <p:cTn id="34" dur="500"/>
-                                        <p:tgtEl>
-                                          <p:spTgt spid="15"/>
-                                        </p:tgtEl>
-                                      </p:cBhvr>
-                                    </p:animEffect>
-                                  </p:childTnLst>
-                                </p:cTn>
-                              </p:par>
-                            </p:childTnLst>
-                          </p:cTn>
-                        </p:par>
-                        <p:par>
                           <p:cTn id="35" fill="hold">
                             <p:stCondLst>
                               <p:cond delay="3500"/>
                             </p:stCondLst>
                             <p:childTnLst>
                               <p:par>
-                                <p:cTn id="36" presetID="22" presetClass="entr" presetSubtype="8" fill="hold" nodeType="afterEffect">
+                                <p:cTn id="36" presetID="22" presetClass="entr" presetSubtype="1" fill="hold" nodeType="afterEffect">
                                   <p:stCondLst>
                                     <p:cond delay="0"/>
                                   </p:stCondLst>
@@ -8385,7 +8887,7 @@
                                           </p:stCondLst>
                                         </p:cTn>
                                         <p:tgtEl>
-                                          <p:spTgt spid="9"/>
+                                          <p:spTgt spid="15"/>
                                         </p:tgtEl>
                                         <p:attrNameLst>
                                           <p:attrName>style.visibility</p:attrName>
@@ -8395,11 +8897,11 @@
                                         <p:strVal val="visible"/>
                                       </p:to>
                                     </p:set>
-                                    <p:animEffect transition="in" filter="wipe(left)">
+                                    <p:animEffect transition="in" filter="wipe(up)">
                                       <p:cBhvr>
                                         <p:cTn id="38" dur="500"/>
                                         <p:tgtEl>
-                                          <p:spTgt spid="9"/>
+                                          <p:spTgt spid="15"/>
                                         </p:tgtEl>
                                       </p:cBhvr>
                                     </p:animEffect>
@@ -8416,7 +8918,7 @@
                             </p:stCondLst>
                             <p:childTnLst>
                               <p:par>
-                                <p:cTn id="40" presetID="2" presetClass="entr" presetSubtype="8" fill="hold" nodeType="afterEffect">
+                                <p:cTn id="40" presetID="22" presetClass="entr" presetSubtype="8" fill="hold" nodeType="afterEffect">
                                   <p:stCondLst>
                                     <p:cond delay="0"/>
                                   </p:stCondLst>
@@ -8424,6 +8926,50 @@
                                     <p:set>
                                       <p:cBhvr>
                                         <p:cTn id="41" dur="1" fill="hold">
+                                          <p:stCondLst>
+                                            <p:cond delay="0"/>
+                                          </p:stCondLst>
+                                        </p:cTn>
+                                        <p:tgtEl>
+                                          <p:spTgt spid="9"/>
+                                        </p:tgtEl>
+                                        <p:attrNameLst>
+                                          <p:attrName>style.visibility</p:attrName>
+                                        </p:attrNameLst>
+                                      </p:cBhvr>
+                                      <p:to>
+                                        <p:strVal val="visible"/>
+                                      </p:to>
+                                    </p:set>
+                                    <p:animEffect transition="in" filter="wipe(left)">
+                                      <p:cBhvr>
+                                        <p:cTn id="42" dur="500"/>
+                                        <p:tgtEl>
+                                          <p:spTgt spid="9"/>
+                                        </p:tgtEl>
+                                      </p:cBhvr>
+                                    </p:animEffect>
+                                  </p:childTnLst>
+                                </p:cTn>
+                              </p:par>
+                            </p:childTnLst>
+                          </p:cTn>
+                        </p:par>
+                        <p:par>
+                          <p:cTn id="43" fill="hold">
+                            <p:stCondLst>
+                              <p:cond delay="4500"/>
+                            </p:stCondLst>
+                            <p:childTnLst>
+                              <p:par>
+                                <p:cTn id="44" presetID="2" presetClass="entr" presetSubtype="8" fill="hold" nodeType="afterEffect">
+                                  <p:stCondLst>
+                                    <p:cond delay="0"/>
+                                  </p:stCondLst>
+                                  <p:childTnLst>
+                                    <p:set>
+                                      <p:cBhvr>
+                                        <p:cTn id="45" dur="1" fill="hold">
                                           <p:stCondLst>
                                             <p:cond delay="0"/>
                                           </p:stCondLst>
@@ -8445,7 +8991,7 @@
                                     </p:set>
                                     <p:anim calcmode="lin" valueType="num">
                                       <p:cBhvr additive="base">
-                                        <p:cTn id="42" dur="500" fill="hold"/>
+                                        <p:cTn id="46" dur="500" fill="hold"/>
                                         <p:tgtEl>
                                           <p:spTgt spid="5">
                                             <p:txEl>
@@ -8472,7 +9018,7 @@
                                     </p:anim>
                                     <p:anim calcmode="lin" valueType="num">
                                       <p:cBhvr additive="base">
-                                        <p:cTn id="43" dur="500" fill="hold"/>
+                                        <p:cTn id="47" dur="500" fill="hold"/>
                                         <p:tgtEl>
                                           <p:spTgt spid="5">
                                             <p:txEl>
@@ -8504,50 +9050,6 @@
                           </p:cTn>
                         </p:par>
                         <p:par>
-                          <p:cTn id="44" fill="hold">
-                            <p:stCondLst>
-                              <p:cond delay="4500"/>
-                            </p:stCondLst>
-                            <p:childTnLst>
-                              <p:par>
-                                <p:cTn id="45" presetID="22" presetClass="entr" presetSubtype="8" fill="hold" nodeType="afterEffect">
-                                  <p:stCondLst>
-                                    <p:cond delay="0"/>
-                                  </p:stCondLst>
-                                  <p:childTnLst>
-                                    <p:set>
-                                      <p:cBhvr>
-                                        <p:cTn id="46" dur="1" fill="hold">
-                                          <p:stCondLst>
-                                            <p:cond delay="0"/>
-                                          </p:stCondLst>
-                                        </p:cTn>
-                                        <p:tgtEl>
-                                          <p:spTgt spid="17"/>
-                                        </p:tgtEl>
-                                        <p:attrNameLst>
-                                          <p:attrName>style.visibility</p:attrName>
-                                        </p:attrNameLst>
-                                      </p:cBhvr>
-                                      <p:to>
-                                        <p:strVal val="visible"/>
-                                      </p:to>
-                                    </p:set>
-                                    <p:animEffect transition="in" filter="wipe(left)">
-                                      <p:cBhvr>
-                                        <p:cTn id="47" dur="500"/>
-                                        <p:tgtEl>
-                                          <p:spTgt spid="17"/>
-                                        </p:tgtEl>
-                                      </p:cBhvr>
-                                    </p:animEffect>
-                                  </p:childTnLst>
-                                </p:cTn>
-                              </p:par>
-                            </p:childTnLst>
-                          </p:cTn>
-                        </p:par>
-                        <p:par>
                           <p:cTn id="48" fill="hold">
                             <p:stCondLst>
                               <p:cond delay="5000"/>
@@ -8567,7 +9069,7 @@
                                           </p:stCondLst>
                                         </p:cTn>
                                         <p:tgtEl>
-                                          <p:spTgt spid="10"/>
+                                          <p:spTgt spid="17"/>
                                         </p:tgtEl>
                                         <p:attrNameLst>
                                           <p:attrName>style.visibility</p:attrName>
@@ -8581,7 +9083,7 @@
                                       <p:cBhvr>
                                         <p:cTn id="51" dur="500"/>
                                         <p:tgtEl>
-                                          <p:spTgt spid="10"/>
+                                          <p:spTgt spid="17"/>
                                         </p:tgtEl>
                                       </p:cBhvr>
                                     </p:animEffect>
@@ -8598,7 +9100,7 @@
                             </p:stCondLst>
                             <p:childTnLst>
                               <p:par>
-                                <p:cTn id="53" presetID="2" presetClass="entr" presetSubtype="8" fill="hold" nodeType="afterEffect">
+                                <p:cTn id="53" presetID="22" presetClass="entr" presetSubtype="8" fill="hold" nodeType="afterEffect">
                                   <p:stCondLst>
                                     <p:cond delay="0"/>
                                   </p:stCondLst>
@@ -8606,6 +9108,50 @@
                                     <p:set>
                                       <p:cBhvr>
                                         <p:cTn id="54" dur="1" fill="hold">
+                                          <p:stCondLst>
+                                            <p:cond delay="0"/>
+                                          </p:stCondLst>
+                                        </p:cTn>
+                                        <p:tgtEl>
+                                          <p:spTgt spid="10"/>
+                                        </p:tgtEl>
+                                        <p:attrNameLst>
+                                          <p:attrName>style.visibility</p:attrName>
+                                        </p:attrNameLst>
+                                      </p:cBhvr>
+                                      <p:to>
+                                        <p:strVal val="visible"/>
+                                      </p:to>
+                                    </p:set>
+                                    <p:animEffect transition="in" filter="wipe(left)">
+                                      <p:cBhvr>
+                                        <p:cTn id="55" dur="500"/>
+                                        <p:tgtEl>
+                                          <p:spTgt spid="10"/>
+                                        </p:tgtEl>
+                                      </p:cBhvr>
+                                    </p:animEffect>
+                                  </p:childTnLst>
+                                </p:cTn>
+                              </p:par>
+                            </p:childTnLst>
+                          </p:cTn>
+                        </p:par>
+                        <p:par>
+                          <p:cTn id="56" fill="hold">
+                            <p:stCondLst>
+                              <p:cond delay="6000"/>
+                            </p:stCondLst>
+                            <p:childTnLst>
+                              <p:par>
+                                <p:cTn id="57" presetID="2" presetClass="entr" presetSubtype="8" fill="hold" nodeType="afterEffect">
+                                  <p:stCondLst>
+                                    <p:cond delay="0"/>
+                                  </p:stCondLst>
+                                  <p:childTnLst>
+                                    <p:set>
+                                      <p:cBhvr>
+                                        <p:cTn id="58" dur="1" fill="hold">
                                           <p:stCondLst>
                                             <p:cond delay="0"/>
                                           </p:stCondLst>
@@ -8627,7 +9173,7 @@
                                     </p:set>
                                     <p:anim calcmode="lin" valueType="num">
                                       <p:cBhvr additive="base">
-                                        <p:cTn id="55" dur="500" fill="hold"/>
+                                        <p:cTn id="59" dur="500" fill="hold"/>
                                         <p:tgtEl>
                                           <p:spTgt spid="5">
                                             <p:txEl>
@@ -8654,7 +9200,7 @@
                                     </p:anim>
                                     <p:anim calcmode="lin" valueType="num">
                                       <p:cBhvr additive="base">
-                                        <p:cTn id="56" dur="500" fill="hold"/>
+                                        <p:cTn id="60" dur="500" fill="hold"/>
                                         <p:tgtEl>
                                           <p:spTgt spid="5">
                                             <p:txEl>
@@ -8709,11 +9255,14 @@
         </p:cTn>
       </p:par>
     </p:tnLst>
+    <p:bldLst>
+      <p:bldP spid="2" grpId="0"/>
+    </p:bldLst>
   </p:timing>
 </p:sld>
 </file>
 
-<file path=ppt/slides/slide13.xml><?xml version="1.0" encoding="utf-8"?>
+<file path=ppt/slides/slide15.xml><?xml version="1.0" encoding="utf-8"?>
 <p:sld xmlns:a="http://schemas.openxmlformats.org/drawingml/2006/main" xmlns:r="http://schemas.openxmlformats.org/officeDocument/2006/relationships" xmlns:p="http://schemas.openxmlformats.org/presentationml/2006/main">
   <p:cSld>
     <p:spTree>
@@ -9804,7 +10353,7 @@
 </p:sld>
 </file>
 
-<file path=ppt/slides/slide14.xml><?xml version="1.0" encoding="utf-8"?>
+<file path=ppt/slides/slide16.xml><?xml version="1.0" encoding="utf-8"?>
 <p:sld xmlns:a="http://schemas.openxmlformats.org/drawingml/2006/main" xmlns:r="http://schemas.openxmlformats.org/officeDocument/2006/relationships" xmlns:p="http://schemas.openxmlformats.org/presentationml/2006/main">
   <p:cSld>
     <p:spTree>
@@ -10281,11 +10830,11 @@
   <p:clrMapOvr>
     <a:masterClrMapping/>
   </p:clrMapOvr>
-  <mc:AlternateContent xmlns:mc="http://schemas.openxmlformats.org/markup-compatibility/2006">
-    <mc:Choice xmlns:p14="http://schemas.microsoft.com/office/powerpoint/2010/main" Requires="p14">
+  <mc:AlternateContent xmlns:mc="http://schemas.openxmlformats.org/markup-compatibility/2006" xmlns:p14="http://schemas.microsoft.com/office/powerpoint/2010/main">
+    <mc:Choice Requires="p14">
       <p:transition p14:dur="0"/>
     </mc:Choice>
-    <mc:Fallback>
+    <mc:Fallback xmlns="">
       <p:transition/>
     </mc:Fallback>
   </mc:AlternateContent>
@@ -10595,7 +11144,7 @@
 </p:sld>
 </file>
 
-<file path=ppt/slides/slide15.xml><?xml version="1.0" encoding="utf-8"?>
+<file path=ppt/slides/slide17.xml><?xml version="1.0" encoding="utf-8"?>
 <p:sld xmlns:a="http://schemas.openxmlformats.org/drawingml/2006/main" xmlns:r="http://schemas.openxmlformats.org/officeDocument/2006/relationships" xmlns:p="http://schemas.openxmlformats.org/presentationml/2006/main">
   <p:cSld>
     <p:bg>
@@ -11109,7 +11658,7 @@
 </p:sld>
 </file>
 
-<file path=ppt/slides/slide16.xml><?xml version="1.0" encoding="utf-8"?>
+<file path=ppt/slides/slide18.xml><?xml version="1.0" encoding="utf-8"?>
 <p:sld xmlns:a="http://schemas.openxmlformats.org/drawingml/2006/main" xmlns:r="http://schemas.openxmlformats.org/officeDocument/2006/relationships" xmlns:p="http://schemas.openxmlformats.org/presentationml/2006/main">
   <p:cSld>
     <p:spTree>
@@ -12303,7 +12852,7 @@
 </p:sld>
 </file>
 
-<file path=ppt/slides/slide17.xml><?xml version="1.0" encoding="utf-8"?>
+<file path=ppt/slides/slide19.xml><?xml version="1.0" encoding="utf-8"?>
 <p:sld xmlns:a="http://schemas.openxmlformats.org/drawingml/2006/main" xmlns:r="http://schemas.openxmlformats.org/officeDocument/2006/relationships" xmlns:p="http://schemas.openxmlformats.org/presentationml/2006/main">
   <p:cSld>
     <p:spTree>
@@ -12900,11 +13449,11 @@
   <p:clrMapOvr>
     <a:masterClrMapping/>
   </p:clrMapOvr>
-  <mc:AlternateContent xmlns:mc="http://schemas.openxmlformats.org/markup-compatibility/2006">
-    <mc:Choice xmlns:p14="http://schemas.microsoft.com/office/powerpoint/2010/main" Requires="p14">
+  <mc:AlternateContent xmlns:mc="http://schemas.openxmlformats.org/markup-compatibility/2006" xmlns:p14="http://schemas.microsoft.com/office/powerpoint/2010/main">
+    <mc:Choice Requires="p14">
       <p:transition p14:dur="10" advClick="0" advTm="0"/>
     </mc:Choice>
-    <mc:Fallback>
+    <mc:Fallback xmlns="">
       <p:transition advClick="0" advTm="0"/>
     </mc:Fallback>
   </mc:AlternateContent>
@@ -13089,7 +13638,494 @@
 </p:sld>
 </file>
 
-<file path=ppt/slides/slide18.xml><?xml version="1.0" encoding="utf-8"?>
+<file path=ppt/slides/slide2.xml><?xml version="1.0" encoding="utf-8"?>
+<p:sld xmlns:a="http://schemas.openxmlformats.org/drawingml/2006/main" xmlns:r="http://schemas.openxmlformats.org/officeDocument/2006/relationships" xmlns:p="http://schemas.openxmlformats.org/presentationml/2006/main">
+  <p:cSld>
+    <p:bg>
+      <p:bgPr>
+        <a:solidFill>
+          <a:srgbClr val="E0E0E0"/>
+        </a:solidFill>
+        <a:effectLst/>
+      </p:bgPr>
+    </p:bg>
+    <p:spTree>
+      <p:nvGrpSpPr>
+        <p:cNvPr id="1" name=""/>
+        <p:cNvGrpSpPr/>
+        <p:nvPr/>
+      </p:nvGrpSpPr>
+      <p:grpSpPr>
+        <a:xfrm>
+          <a:off x="0" y="0"/>
+          <a:ext cx="0" cy="0"/>
+          <a:chOff x="0" y="0"/>
+          <a:chExt cx="0" cy="0"/>
+        </a:xfrm>
+      </p:grpSpPr>
+      <p:sp>
+        <p:nvSpPr>
+          <p:cNvPr id="4" name="Номер слайда 3">
+            <a:extLst>
+              <a:ext uri="{FF2B5EF4-FFF2-40B4-BE49-F238E27FC236}">
+                <a16:creationId xmlns:a16="http://schemas.microsoft.com/office/drawing/2014/main" id="{ECC26040-52C3-47FD-8BBB-369163CB430E}"/>
+              </a:ext>
+            </a:extLst>
+          </p:cNvPr>
+          <p:cNvSpPr>
+            <a:spLocks noGrp="1"/>
+          </p:cNvSpPr>
+          <p:nvPr>
+            <p:ph type="sldNum" sz="quarter" idx="12"/>
+          </p:nvPr>
+        </p:nvSpPr>
+        <p:spPr/>
+        <p:txBody>
+          <a:bodyPr/>
+          <a:lstStyle/>
+          <a:p>
+            <a:fld id="{C569FDB9-978A-4295-A40F-75DB9D9B47B8}" type="slidenum">
+              <a:rPr lang="ru-RU" smtClean="0"/>
+              <a:t>2</a:t>
+            </a:fld>
+            <a:endParaRPr lang="ru-RU"/>
+          </a:p>
+        </p:txBody>
+      </p:sp>
+      <p:sp>
+        <p:nvSpPr>
+          <p:cNvPr id="8" name="TextBox 7"/>
+          <p:cNvSpPr txBox="1"/>
+          <p:nvPr/>
+        </p:nvSpPr>
+        <p:spPr>
+          <a:xfrm>
+            <a:off x="939798" y="1353404"/>
+            <a:ext cx="3776135" cy="1569660"/>
+          </a:xfrm>
+          <a:prstGeom prst="rect">
+            <a:avLst/>
+          </a:prstGeom>
+          <a:noFill/>
+        </p:spPr>
+        <p:txBody>
+          <a:bodyPr wrap="square" rtlCol="0">
+            <a:spAutoFit/>
+          </a:bodyPr>
+          <a:lstStyle/>
+          <a:p>
+            <a:r>
+              <a:rPr lang="ru-RU" sz="2400" b="1" dirty="0" smtClean="0"/>
+              <a:t>Объект исследования</a:t>
+            </a:r>
+            <a:r>
+              <a:rPr lang="ru-RU" sz="2400" dirty="0" smtClean="0"/>
+              <a:t>: отдел кадров компании ООО </a:t>
+            </a:r>
+            <a:r>
+              <a:rPr lang="en-US" sz="2400" dirty="0" smtClean="0"/>
+              <a:t>“</a:t>
+            </a:r>
+            <a:r>
+              <a:rPr lang="ru-RU" sz="2400" dirty="0" smtClean="0"/>
+              <a:t>Автоматизация </a:t>
+            </a:r>
+            <a:r>
+              <a:rPr lang="ru-RU" sz="2400" dirty="0" smtClean="0"/>
+              <a:t>розничных </a:t>
+            </a:r>
+            <a:r>
+              <a:rPr lang="ru-RU" sz="2400" dirty="0" smtClean="0"/>
+              <a:t>технологий</a:t>
+            </a:r>
+            <a:r>
+              <a:rPr lang="en-US" sz="2400" dirty="0" smtClean="0"/>
+              <a:t>”</a:t>
+            </a:r>
+            <a:r>
+              <a:rPr lang="ru-RU" sz="2400" dirty="0" smtClean="0"/>
+              <a:t> </a:t>
+            </a:r>
+            <a:endParaRPr lang="ru-RU" sz="2400" dirty="0"/>
+          </a:p>
+        </p:txBody>
+      </p:sp>
+      <p:sp>
+        <p:nvSpPr>
+          <p:cNvPr id="9" name="TextBox 8"/>
+          <p:cNvSpPr txBox="1"/>
+          <p:nvPr/>
+        </p:nvSpPr>
+        <p:spPr>
+          <a:xfrm>
+            <a:off x="939798" y="3767667"/>
+            <a:ext cx="4182535" cy="1200329"/>
+          </a:xfrm>
+          <a:prstGeom prst="rect">
+            <a:avLst/>
+          </a:prstGeom>
+          <a:noFill/>
+        </p:spPr>
+        <p:txBody>
+          <a:bodyPr wrap="square" rtlCol="0">
+            <a:spAutoFit/>
+          </a:bodyPr>
+          <a:lstStyle/>
+          <a:p>
+            <a:r>
+              <a:rPr lang="ru-RU" sz="2400" b="1" dirty="0" smtClean="0"/>
+              <a:t>Предмет исследования</a:t>
+            </a:r>
+            <a:r>
+              <a:rPr lang="ru-RU" sz="2400" dirty="0" smtClean="0"/>
+              <a:t>: процесс трудоустройства кандидата в компанию</a:t>
+            </a:r>
+            <a:endParaRPr lang="ru-RU" sz="2400" dirty="0"/>
+          </a:p>
+        </p:txBody>
+      </p:sp>
+      <p:pic>
+        <p:nvPicPr>
+          <p:cNvPr id="10" name="Рисунок 9"/>
+          <p:cNvPicPr>
+            <a:picLocks noChangeAspect="1"/>
+          </p:cNvPicPr>
+          <p:nvPr/>
+        </p:nvPicPr>
+        <p:blipFill>
+          <a:blip r:embed="rId2">
+            <a:extLst>
+              <a:ext uri="{BEBA8EAE-BF5A-486C-A8C5-ECC9F3942E4B}">
+                <a14:imgProps xmlns:a14="http://schemas.microsoft.com/office/drawing/2010/main">
+                  <a14:imgLayer r:embed="rId3">
+                    <a14:imgEffect>
+                      <a14:backgroundRemoval t="0" b="100000" l="0" r="100000">
+                        <a14:foregroundMark x1="50479" y1="49521" x2="50479" y2="49521"/>
+                        <a14:foregroundMark x1="27955" y1="47444" x2="27955" y2="47444"/>
+                      </a14:backgroundRemoval>
+                    </a14:imgEffect>
+                  </a14:imgLayer>
+                </a14:imgProps>
+              </a:ext>
+              <a:ext uri="{28A0092B-C50C-407E-A947-70E740481C1C}">
+                <a14:useLocalDpi xmlns:a14="http://schemas.microsoft.com/office/drawing/2010/main" val="0"/>
+              </a:ext>
+            </a:extLst>
+          </a:blip>
+          <a:stretch>
+            <a:fillRect/>
+          </a:stretch>
+        </p:blipFill>
+        <p:spPr>
+          <a:xfrm>
+            <a:off x="6355292" y="438097"/>
+            <a:ext cx="4969933" cy="4969933"/>
+          </a:xfrm>
+          <a:prstGeom prst="rect">
+            <a:avLst/>
+          </a:prstGeom>
+        </p:spPr>
+      </p:pic>
+    </p:spTree>
+    <p:extLst>
+      <p:ext uri="{BB962C8B-B14F-4D97-AF65-F5344CB8AC3E}">
+        <p14:creationId xmlns:p14="http://schemas.microsoft.com/office/powerpoint/2010/main" val="2218710074"/>
+      </p:ext>
+    </p:extLst>
+  </p:cSld>
+  <p:clrMapOvr>
+    <a:masterClrMapping/>
+  </p:clrMapOvr>
+  <p:transition spd="slow">
+    <p:push dir="u"/>
+  </p:transition>
+  <p:timing>
+    <p:tnLst>
+      <p:par>
+        <p:cTn id="1" dur="indefinite" restart="never" nodeType="tmRoot">
+          <p:childTnLst>
+            <p:seq concurrent="1" nextAc="seek">
+              <p:cTn id="2" dur="indefinite" nodeType="mainSeq">
+                <p:childTnLst>
+                  <p:par>
+                    <p:cTn id="3" fill="hold">
+                      <p:stCondLst>
+                        <p:cond delay="indefinite"/>
+                        <p:cond evt="onBegin" delay="0">
+                          <p:tn val="2"/>
+                        </p:cond>
+                      </p:stCondLst>
+                      <p:childTnLst>
+                        <p:par>
+                          <p:cTn id="4" fill="hold">
+                            <p:stCondLst>
+                              <p:cond delay="0"/>
+                            </p:stCondLst>
+                            <p:childTnLst>
+                              <p:par>
+                                <p:cTn id="5" presetID="2" presetClass="entr" presetSubtype="8" fill="hold" grpId="0" nodeType="withEffect">
+                                  <p:stCondLst>
+                                    <p:cond delay="0"/>
+                                  </p:stCondLst>
+                                  <p:childTnLst>
+                                    <p:set>
+                                      <p:cBhvr>
+                                        <p:cTn id="6" dur="1" fill="hold">
+                                          <p:stCondLst>
+                                            <p:cond delay="0"/>
+                                          </p:stCondLst>
+                                        </p:cTn>
+                                        <p:tgtEl>
+                                          <p:spTgt spid="8"/>
+                                        </p:tgtEl>
+                                        <p:attrNameLst>
+                                          <p:attrName>style.visibility</p:attrName>
+                                        </p:attrNameLst>
+                                      </p:cBhvr>
+                                      <p:to>
+                                        <p:strVal val="visible"/>
+                                      </p:to>
+                                    </p:set>
+                                    <p:anim calcmode="lin" valueType="num">
+                                      <p:cBhvr additive="base">
+                                        <p:cTn id="7" dur="500" fill="hold"/>
+                                        <p:tgtEl>
+                                          <p:spTgt spid="8"/>
+                                        </p:tgtEl>
+                                        <p:attrNameLst>
+                                          <p:attrName>ppt_x</p:attrName>
+                                        </p:attrNameLst>
+                                      </p:cBhvr>
+                                      <p:tavLst>
+                                        <p:tav tm="0">
+                                          <p:val>
+                                            <p:strVal val="0-#ppt_w/2"/>
+                                          </p:val>
+                                        </p:tav>
+                                        <p:tav tm="100000">
+                                          <p:val>
+                                            <p:strVal val="#ppt_x"/>
+                                          </p:val>
+                                        </p:tav>
+                                      </p:tavLst>
+                                    </p:anim>
+                                    <p:anim calcmode="lin" valueType="num">
+                                      <p:cBhvr additive="base">
+                                        <p:cTn id="8" dur="500" fill="hold"/>
+                                        <p:tgtEl>
+                                          <p:spTgt spid="8"/>
+                                        </p:tgtEl>
+                                        <p:attrNameLst>
+                                          <p:attrName>ppt_y</p:attrName>
+                                        </p:attrNameLst>
+                                      </p:cBhvr>
+                                      <p:tavLst>
+                                        <p:tav tm="0">
+                                          <p:val>
+                                            <p:strVal val="#ppt_y"/>
+                                          </p:val>
+                                        </p:tav>
+                                        <p:tav tm="100000">
+                                          <p:val>
+                                            <p:strVal val="#ppt_y"/>
+                                          </p:val>
+                                        </p:tav>
+                                      </p:tavLst>
+                                    </p:anim>
+                                  </p:childTnLst>
+                                </p:cTn>
+                              </p:par>
+                            </p:childTnLst>
+                          </p:cTn>
+                        </p:par>
+                        <p:par>
+                          <p:cTn id="9" fill="hold">
+                            <p:stCondLst>
+                              <p:cond delay="500"/>
+                            </p:stCondLst>
+                            <p:childTnLst>
+                              <p:par>
+                                <p:cTn id="10" presetID="2" presetClass="entr" presetSubtype="8" fill="hold" grpId="0" nodeType="afterEffect">
+                                  <p:stCondLst>
+                                    <p:cond delay="0"/>
+                                  </p:stCondLst>
+                                  <p:childTnLst>
+                                    <p:set>
+                                      <p:cBhvr>
+                                        <p:cTn id="11" dur="1" fill="hold">
+                                          <p:stCondLst>
+                                            <p:cond delay="0"/>
+                                          </p:stCondLst>
+                                        </p:cTn>
+                                        <p:tgtEl>
+                                          <p:spTgt spid="9"/>
+                                        </p:tgtEl>
+                                        <p:attrNameLst>
+                                          <p:attrName>style.visibility</p:attrName>
+                                        </p:attrNameLst>
+                                      </p:cBhvr>
+                                      <p:to>
+                                        <p:strVal val="visible"/>
+                                      </p:to>
+                                    </p:set>
+                                    <p:anim calcmode="lin" valueType="num">
+                                      <p:cBhvr additive="base">
+                                        <p:cTn id="12" dur="500" fill="hold"/>
+                                        <p:tgtEl>
+                                          <p:spTgt spid="9"/>
+                                        </p:tgtEl>
+                                        <p:attrNameLst>
+                                          <p:attrName>ppt_x</p:attrName>
+                                        </p:attrNameLst>
+                                      </p:cBhvr>
+                                      <p:tavLst>
+                                        <p:tav tm="0">
+                                          <p:val>
+                                            <p:strVal val="0-#ppt_w/2"/>
+                                          </p:val>
+                                        </p:tav>
+                                        <p:tav tm="100000">
+                                          <p:val>
+                                            <p:strVal val="#ppt_x"/>
+                                          </p:val>
+                                        </p:tav>
+                                      </p:tavLst>
+                                    </p:anim>
+                                    <p:anim calcmode="lin" valueType="num">
+                                      <p:cBhvr additive="base">
+                                        <p:cTn id="13" dur="500" fill="hold"/>
+                                        <p:tgtEl>
+                                          <p:spTgt spid="9"/>
+                                        </p:tgtEl>
+                                        <p:attrNameLst>
+                                          <p:attrName>ppt_y</p:attrName>
+                                        </p:attrNameLst>
+                                      </p:cBhvr>
+                                      <p:tavLst>
+                                        <p:tav tm="0">
+                                          <p:val>
+                                            <p:strVal val="#ppt_y"/>
+                                          </p:val>
+                                        </p:tav>
+                                        <p:tav tm="100000">
+                                          <p:val>
+                                            <p:strVal val="#ppt_y"/>
+                                          </p:val>
+                                        </p:tav>
+                                      </p:tavLst>
+                                    </p:anim>
+                                  </p:childTnLst>
+                                </p:cTn>
+                              </p:par>
+                              <p:par>
+                                <p:cTn id="14" presetID="2" presetClass="entr" presetSubtype="2" fill="hold" nodeType="withEffect">
+                                  <p:stCondLst>
+                                    <p:cond delay="0"/>
+                                  </p:stCondLst>
+                                  <p:childTnLst>
+                                    <p:set>
+                                      <p:cBhvr>
+                                        <p:cTn id="15" dur="1" fill="hold">
+                                          <p:stCondLst>
+                                            <p:cond delay="0"/>
+                                          </p:stCondLst>
+                                        </p:cTn>
+                                        <p:tgtEl>
+                                          <p:spTgt spid="10"/>
+                                        </p:tgtEl>
+                                        <p:attrNameLst>
+                                          <p:attrName>style.visibility</p:attrName>
+                                        </p:attrNameLst>
+                                      </p:cBhvr>
+                                      <p:to>
+                                        <p:strVal val="visible"/>
+                                      </p:to>
+                                    </p:set>
+                                    <p:anim calcmode="lin" valueType="num">
+                                      <p:cBhvr additive="base">
+                                        <p:cTn id="16" dur="500" fill="hold"/>
+                                        <p:tgtEl>
+                                          <p:spTgt spid="10"/>
+                                        </p:tgtEl>
+                                        <p:attrNameLst>
+                                          <p:attrName>ppt_x</p:attrName>
+                                        </p:attrNameLst>
+                                      </p:cBhvr>
+                                      <p:tavLst>
+                                        <p:tav tm="0">
+                                          <p:val>
+                                            <p:strVal val="1+#ppt_w/2"/>
+                                          </p:val>
+                                        </p:tav>
+                                        <p:tav tm="100000">
+                                          <p:val>
+                                            <p:strVal val="#ppt_x"/>
+                                          </p:val>
+                                        </p:tav>
+                                      </p:tavLst>
+                                    </p:anim>
+                                    <p:anim calcmode="lin" valueType="num">
+                                      <p:cBhvr additive="base">
+                                        <p:cTn id="17" dur="500" fill="hold"/>
+                                        <p:tgtEl>
+                                          <p:spTgt spid="10"/>
+                                        </p:tgtEl>
+                                        <p:attrNameLst>
+                                          <p:attrName>ppt_y</p:attrName>
+                                        </p:attrNameLst>
+                                      </p:cBhvr>
+                                      <p:tavLst>
+                                        <p:tav tm="0">
+                                          <p:val>
+                                            <p:strVal val="#ppt_y"/>
+                                          </p:val>
+                                        </p:tav>
+                                        <p:tav tm="100000">
+                                          <p:val>
+                                            <p:strVal val="#ppt_y"/>
+                                          </p:val>
+                                        </p:tav>
+                                      </p:tavLst>
+                                    </p:anim>
+                                  </p:childTnLst>
+                                </p:cTn>
+                              </p:par>
+                            </p:childTnLst>
+                          </p:cTn>
+                        </p:par>
+                      </p:childTnLst>
+                    </p:cTn>
+                  </p:par>
+                </p:childTnLst>
+              </p:cTn>
+              <p:prevCondLst>
+                <p:cond evt="onPrev" delay="0">
+                  <p:tgtEl>
+                    <p:sldTgt/>
+                  </p:tgtEl>
+                </p:cond>
+              </p:prevCondLst>
+              <p:nextCondLst>
+                <p:cond evt="onNext" delay="0">
+                  <p:tgtEl>
+                    <p:sldTgt/>
+                  </p:tgtEl>
+                </p:cond>
+              </p:nextCondLst>
+            </p:seq>
+          </p:childTnLst>
+        </p:cTn>
+      </p:par>
+    </p:tnLst>
+    <p:bldLst>
+      <p:bldP spid="8" grpId="0"/>
+      <p:bldP spid="9" grpId="0"/>
+    </p:bldLst>
+  </p:timing>
+</p:sld>
+</file>
+
+<file path=ppt/slides/slide20.xml><?xml version="1.0" encoding="utf-8"?>
 <p:sld xmlns:a="http://schemas.openxmlformats.org/drawingml/2006/main" xmlns:r="http://schemas.openxmlformats.org/officeDocument/2006/relationships" xmlns:p="http://schemas.openxmlformats.org/presentationml/2006/main">
   <p:cSld>
     <p:bg>
@@ -14322,7 +15358,7 @@
 </p:sld>
 </file>
 
-<file path=ppt/slides/slide19.xml><?xml version="1.0" encoding="utf-8"?>
+<file path=ppt/slides/slide21.xml><?xml version="1.0" encoding="utf-8"?>
 <p:sld xmlns:a="http://schemas.openxmlformats.org/drawingml/2006/main" xmlns:r="http://schemas.openxmlformats.org/officeDocument/2006/relationships" xmlns:p="http://schemas.openxmlformats.org/presentationml/2006/main">
   <p:cSld>
     <p:bg>
@@ -14838,11 +15874,11 @@
   <p:clrMapOvr>
     <a:masterClrMapping/>
   </p:clrMapOvr>
-  <mc:AlternateContent xmlns:mc="http://schemas.openxmlformats.org/markup-compatibility/2006">
-    <mc:Choice xmlns:p14="http://schemas.microsoft.com/office/powerpoint/2010/main" Requires="p14">
+  <mc:AlternateContent xmlns:mc="http://schemas.openxmlformats.org/markup-compatibility/2006" xmlns:p14="http://schemas.microsoft.com/office/powerpoint/2010/main">
+    <mc:Choice Requires="p14">
       <p:transition p14:dur="0" advClick="0" advTm="0"/>
     </mc:Choice>
-    <mc:Fallback>
+    <mc:Fallback xmlns="">
       <p:transition advClick="0" advTm="0"/>
     </mc:Fallback>
   </mc:AlternateContent>
@@ -14921,470 +15957,7 @@
 </p:sld>
 </file>
 
-<file path=ppt/slides/slide2.xml><?xml version="1.0" encoding="utf-8"?>
-<p:sld xmlns:a="http://schemas.openxmlformats.org/drawingml/2006/main" xmlns:r="http://schemas.openxmlformats.org/officeDocument/2006/relationships" xmlns:p="http://schemas.openxmlformats.org/presentationml/2006/main">
-  <p:cSld>
-    <p:bg>
-      <p:bgPr>
-        <a:solidFill>
-          <a:srgbClr val="E0E0E0"/>
-        </a:solidFill>
-        <a:effectLst/>
-      </p:bgPr>
-    </p:bg>
-    <p:spTree>
-      <p:nvGrpSpPr>
-        <p:cNvPr id="1" name=""/>
-        <p:cNvGrpSpPr/>
-        <p:nvPr/>
-      </p:nvGrpSpPr>
-      <p:grpSpPr>
-        <a:xfrm>
-          <a:off x="0" y="0"/>
-          <a:ext cx="0" cy="0"/>
-          <a:chOff x="0" y="0"/>
-          <a:chExt cx="0" cy="0"/>
-        </a:xfrm>
-      </p:grpSpPr>
-      <p:sp>
-        <p:nvSpPr>
-          <p:cNvPr id="4" name="Номер слайда 3">
-            <a:extLst>
-              <a:ext uri="{FF2B5EF4-FFF2-40B4-BE49-F238E27FC236}">
-                <a16:creationId xmlns:a16="http://schemas.microsoft.com/office/drawing/2014/main" id="{ECC26040-52C3-47FD-8BBB-369163CB430E}"/>
-              </a:ext>
-            </a:extLst>
-          </p:cNvPr>
-          <p:cNvSpPr>
-            <a:spLocks noGrp="1"/>
-          </p:cNvSpPr>
-          <p:nvPr>
-            <p:ph type="sldNum" sz="quarter" idx="12"/>
-          </p:nvPr>
-        </p:nvSpPr>
-        <p:spPr/>
-        <p:txBody>
-          <a:bodyPr/>
-          <a:lstStyle/>
-          <a:p>
-            <a:fld id="{C569FDB9-978A-4295-A40F-75DB9D9B47B8}" type="slidenum">
-              <a:rPr lang="ru-RU" smtClean="0"/>
-              <a:t>2</a:t>
-            </a:fld>
-            <a:endParaRPr lang="ru-RU"/>
-          </a:p>
-        </p:txBody>
-      </p:sp>
-      <p:sp>
-        <p:nvSpPr>
-          <p:cNvPr id="8" name="TextBox 7"/>
-          <p:cNvSpPr txBox="1"/>
-          <p:nvPr/>
-        </p:nvSpPr>
-        <p:spPr>
-          <a:xfrm>
-            <a:off x="939798" y="1353404"/>
-            <a:ext cx="3776135" cy="1569660"/>
-          </a:xfrm>
-          <a:prstGeom prst="rect">
-            <a:avLst/>
-          </a:prstGeom>
-          <a:noFill/>
-        </p:spPr>
-        <p:txBody>
-          <a:bodyPr wrap="square" rtlCol="0">
-            <a:spAutoFit/>
-          </a:bodyPr>
-          <a:lstStyle/>
-          <a:p>
-            <a:r>
-              <a:rPr lang="ru-RU" sz="2400" b="1" dirty="0" smtClean="0"/>
-              <a:t>Объект исследования</a:t>
-            </a:r>
-            <a:r>
-              <a:rPr lang="ru-RU" sz="2400" dirty="0" smtClean="0"/>
-              <a:t>: отдел кадров компании ООО «Автоматизация розничных технологий» </a:t>
-            </a:r>
-            <a:endParaRPr lang="ru-RU" sz="2400" dirty="0"/>
-          </a:p>
-        </p:txBody>
-      </p:sp>
-      <p:sp>
-        <p:nvSpPr>
-          <p:cNvPr id="9" name="TextBox 8"/>
-          <p:cNvSpPr txBox="1"/>
-          <p:nvPr/>
-        </p:nvSpPr>
-        <p:spPr>
-          <a:xfrm>
-            <a:off x="939798" y="3767667"/>
-            <a:ext cx="4182535" cy="1200329"/>
-          </a:xfrm>
-          <a:prstGeom prst="rect">
-            <a:avLst/>
-          </a:prstGeom>
-          <a:noFill/>
-        </p:spPr>
-        <p:txBody>
-          <a:bodyPr wrap="square" rtlCol="0">
-            <a:spAutoFit/>
-          </a:bodyPr>
-          <a:lstStyle/>
-          <a:p>
-            <a:r>
-              <a:rPr lang="ru-RU" sz="2400" b="1" dirty="0" smtClean="0"/>
-              <a:t>Предмет исследования</a:t>
-            </a:r>
-            <a:r>
-              <a:rPr lang="ru-RU" sz="2400" dirty="0" smtClean="0"/>
-              <a:t>: процесс трудоустройства кандидата в компанию</a:t>
-            </a:r>
-            <a:endParaRPr lang="ru-RU" sz="2400" dirty="0"/>
-          </a:p>
-        </p:txBody>
-      </p:sp>
-      <p:pic>
-        <p:nvPicPr>
-          <p:cNvPr id="10" name="Рисунок 9"/>
-          <p:cNvPicPr>
-            <a:picLocks noChangeAspect="1"/>
-          </p:cNvPicPr>
-          <p:nvPr/>
-        </p:nvPicPr>
-        <p:blipFill>
-          <a:blip r:embed="rId2">
-            <a:extLst>
-              <a:ext uri="{BEBA8EAE-BF5A-486C-A8C5-ECC9F3942E4B}">
-                <a14:imgProps xmlns:a14="http://schemas.microsoft.com/office/drawing/2010/main">
-                  <a14:imgLayer r:embed="rId3">
-                    <a14:imgEffect>
-                      <a14:backgroundRemoval t="0" b="100000" l="0" r="100000">
-                        <a14:foregroundMark x1="50479" y1="49521" x2="50479" y2="49521"/>
-                        <a14:foregroundMark x1="27955" y1="47444" x2="27955" y2="47444"/>
-                      </a14:backgroundRemoval>
-                    </a14:imgEffect>
-                  </a14:imgLayer>
-                </a14:imgProps>
-              </a:ext>
-              <a:ext uri="{28A0092B-C50C-407E-A947-70E740481C1C}">
-                <a14:useLocalDpi xmlns:a14="http://schemas.microsoft.com/office/drawing/2010/main" val="0"/>
-              </a:ext>
-            </a:extLst>
-          </a:blip>
-          <a:stretch>
-            <a:fillRect/>
-          </a:stretch>
-        </p:blipFill>
-        <p:spPr>
-          <a:xfrm>
-            <a:off x="6355292" y="438097"/>
-            <a:ext cx="4969933" cy="4969933"/>
-          </a:xfrm>
-          <a:prstGeom prst="rect">
-            <a:avLst/>
-          </a:prstGeom>
-        </p:spPr>
-      </p:pic>
-    </p:spTree>
-    <p:extLst>
-      <p:ext uri="{BB962C8B-B14F-4D97-AF65-F5344CB8AC3E}">
-        <p14:creationId xmlns:p14="http://schemas.microsoft.com/office/powerpoint/2010/main" val="2218710074"/>
-      </p:ext>
-    </p:extLst>
-  </p:cSld>
-  <p:clrMapOvr>
-    <a:masterClrMapping/>
-  </p:clrMapOvr>
-  <p:transition spd="slow">
-    <p:push dir="u"/>
-  </p:transition>
-  <p:timing>
-    <p:tnLst>
-      <p:par>
-        <p:cTn id="1" dur="indefinite" restart="never" nodeType="tmRoot">
-          <p:childTnLst>
-            <p:seq concurrent="1" nextAc="seek">
-              <p:cTn id="2" dur="indefinite" nodeType="mainSeq">
-                <p:childTnLst>
-                  <p:par>
-                    <p:cTn id="3" fill="hold">
-                      <p:stCondLst>
-                        <p:cond delay="indefinite"/>
-                        <p:cond evt="onBegin" delay="0">
-                          <p:tn val="2"/>
-                        </p:cond>
-                      </p:stCondLst>
-                      <p:childTnLst>
-                        <p:par>
-                          <p:cTn id="4" fill="hold">
-                            <p:stCondLst>
-                              <p:cond delay="0"/>
-                            </p:stCondLst>
-                            <p:childTnLst>
-                              <p:par>
-                                <p:cTn id="5" presetID="2" presetClass="entr" presetSubtype="8" fill="hold" grpId="0" nodeType="withEffect">
-                                  <p:stCondLst>
-                                    <p:cond delay="0"/>
-                                  </p:stCondLst>
-                                  <p:childTnLst>
-                                    <p:set>
-                                      <p:cBhvr>
-                                        <p:cTn id="6" dur="1" fill="hold">
-                                          <p:stCondLst>
-                                            <p:cond delay="0"/>
-                                          </p:stCondLst>
-                                        </p:cTn>
-                                        <p:tgtEl>
-                                          <p:spTgt spid="8"/>
-                                        </p:tgtEl>
-                                        <p:attrNameLst>
-                                          <p:attrName>style.visibility</p:attrName>
-                                        </p:attrNameLst>
-                                      </p:cBhvr>
-                                      <p:to>
-                                        <p:strVal val="visible"/>
-                                      </p:to>
-                                    </p:set>
-                                    <p:anim calcmode="lin" valueType="num">
-                                      <p:cBhvr additive="base">
-                                        <p:cTn id="7" dur="500" fill="hold"/>
-                                        <p:tgtEl>
-                                          <p:spTgt spid="8"/>
-                                        </p:tgtEl>
-                                        <p:attrNameLst>
-                                          <p:attrName>ppt_x</p:attrName>
-                                        </p:attrNameLst>
-                                      </p:cBhvr>
-                                      <p:tavLst>
-                                        <p:tav tm="0">
-                                          <p:val>
-                                            <p:strVal val="0-#ppt_w/2"/>
-                                          </p:val>
-                                        </p:tav>
-                                        <p:tav tm="100000">
-                                          <p:val>
-                                            <p:strVal val="#ppt_x"/>
-                                          </p:val>
-                                        </p:tav>
-                                      </p:tavLst>
-                                    </p:anim>
-                                    <p:anim calcmode="lin" valueType="num">
-                                      <p:cBhvr additive="base">
-                                        <p:cTn id="8" dur="500" fill="hold"/>
-                                        <p:tgtEl>
-                                          <p:spTgt spid="8"/>
-                                        </p:tgtEl>
-                                        <p:attrNameLst>
-                                          <p:attrName>ppt_y</p:attrName>
-                                        </p:attrNameLst>
-                                      </p:cBhvr>
-                                      <p:tavLst>
-                                        <p:tav tm="0">
-                                          <p:val>
-                                            <p:strVal val="#ppt_y"/>
-                                          </p:val>
-                                        </p:tav>
-                                        <p:tav tm="100000">
-                                          <p:val>
-                                            <p:strVal val="#ppt_y"/>
-                                          </p:val>
-                                        </p:tav>
-                                      </p:tavLst>
-                                    </p:anim>
-                                  </p:childTnLst>
-                                </p:cTn>
-                              </p:par>
-                            </p:childTnLst>
-                          </p:cTn>
-                        </p:par>
-                        <p:par>
-                          <p:cTn id="9" fill="hold">
-                            <p:stCondLst>
-                              <p:cond delay="500"/>
-                            </p:stCondLst>
-                            <p:childTnLst>
-                              <p:par>
-                                <p:cTn id="10" presetID="2" presetClass="entr" presetSubtype="8" fill="hold" grpId="0" nodeType="afterEffect">
-                                  <p:stCondLst>
-                                    <p:cond delay="0"/>
-                                  </p:stCondLst>
-                                  <p:childTnLst>
-                                    <p:set>
-                                      <p:cBhvr>
-                                        <p:cTn id="11" dur="1" fill="hold">
-                                          <p:stCondLst>
-                                            <p:cond delay="0"/>
-                                          </p:stCondLst>
-                                        </p:cTn>
-                                        <p:tgtEl>
-                                          <p:spTgt spid="9"/>
-                                        </p:tgtEl>
-                                        <p:attrNameLst>
-                                          <p:attrName>style.visibility</p:attrName>
-                                        </p:attrNameLst>
-                                      </p:cBhvr>
-                                      <p:to>
-                                        <p:strVal val="visible"/>
-                                      </p:to>
-                                    </p:set>
-                                    <p:anim calcmode="lin" valueType="num">
-                                      <p:cBhvr additive="base">
-                                        <p:cTn id="12" dur="500" fill="hold"/>
-                                        <p:tgtEl>
-                                          <p:spTgt spid="9"/>
-                                        </p:tgtEl>
-                                        <p:attrNameLst>
-                                          <p:attrName>ppt_x</p:attrName>
-                                        </p:attrNameLst>
-                                      </p:cBhvr>
-                                      <p:tavLst>
-                                        <p:tav tm="0">
-                                          <p:val>
-                                            <p:strVal val="0-#ppt_w/2"/>
-                                          </p:val>
-                                        </p:tav>
-                                        <p:tav tm="100000">
-                                          <p:val>
-                                            <p:strVal val="#ppt_x"/>
-                                          </p:val>
-                                        </p:tav>
-                                      </p:tavLst>
-                                    </p:anim>
-                                    <p:anim calcmode="lin" valueType="num">
-                                      <p:cBhvr additive="base">
-                                        <p:cTn id="13" dur="500" fill="hold"/>
-                                        <p:tgtEl>
-                                          <p:spTgt spid="9"/>
-                                        </p:tgtEl>
-                                        <p:attrNameLst>
-                                          <p:attrName>ppt_y</p:attrName>
-                                        </p:attrNameLst>
-                                      </p:cBhvr>
-                                      <p:tavLst>
-                                        <p:tav tm="0">
-                                          <p:val>
-                                            <p:strVal val="#ppt_y"/>
-                                          </p:val>
-                                        </p:tav>
-                                        <p:tav tm="100000">
-                                          <p:val>
-                                            <p:strVal val="#ppt_y"/>
-                                          </p:val>
-                                        </p:tav>
-                                      </p:tavLst>
-                                    </p:anim>
-                                  </p:childTnLst>
-                                </p:cTn>
-                              </p:par>
-                              <p:par>
-                                <p:cTn id="14" presetID="2" presetClass="entr" presetSubtype="2" fill="hold" nodeType="withEffect">
-                                  <p:stCondLst>
-                                    <p:cond delay="0"/>
-                                  </p:stCondLst>
-                                  <p:childTnLst>
-                                    <p:set>
-                                      <p:cBhvr>
-                                        <p:cTn id="15" dur="1" fill="hold">
-                                          <p:stCondLst>
-                                            <p:cond delay="0"/>
-                                          </p:stCondLst>
-                                        </p:cTn>
-                                        <p:tgtEl>
-                                          <p:spTgt spid="10"/>
-                                        </p:tgtEl>
-                                        <p:attrNameLst>
-                                          <p:attrName>style.visibility</p:attrName>
-                                        </p:attrNameLst>
-                                      </p:cBhvr>
-                                      <p:to>
-                                        <p:strVal val="visible"/>
-                                      </p:to>
-                                    </p:set>
-                                    <p:anim calcmode="lin" valueType="num">
-                                      <p:cBhvr additive="base">
-                                        <p:cTn id="16" dur="500" fill="hold"/>
-                                        <p:tgtEl>
-                                          <p:spTgt spid="10"/>
-                                        </p:tgtEl>
-                                        <p:attrNameLst>
-                                          <p:attrName>ppt_x</p:attrName>
-                                        </p:attrNameLst>
-                                      </p:cBhvr>
-                                      <p:tavLst>
-                                        <p:tav tm="0">
-                                          <p:val>
-                                            <p:strVal val="1+#ppt_w/2"/>
-                                          </p:val>
-                                        </p:tav>
-                                        <p:tav tm="100000">
-                                          <p:val>
-                                            <p:strVal val="#ppt_x"/>
-                                          </p:val>
-                                        </p:tav>
-                                      </p:tavLst>
-                                    </p:anim>
-                                    <p:anim calcmode="lin" valueType="num">
-                                      <p:cBhvr additive="base">
-                                        <p:cTn id="17" dur="500" fill="hold"/>
-                                        <p:tgtEl>
-                                          <p:spTgt spid="10"/>
-                                        </p:tgtEl>
-                                        <p:attrNameLst>
-                                          <p:attrName>ppt_y</p:attrName>
-                                        </p:attrNameLst>
-                                      </p:cBhvr>
-                                      <p:tavLst>
-                                        <p:tav tm="0">
-                                          <p:val>
-                                            <p:strVal val="#ppt_y"/>
-                                          </p:val>
-                                        </p:tav>
-                                        <p:tav tm="100000">
-                                          <p:val>
-                                            <p:strVal val="#ppt_y"/>
-                                          </p:val>
-                                        </p:tav>
-                                      </p:tavLst>
-                                    </p:anim>
-                                  </p:childTnLst>
-                                </p:cTn>
-                              </p:par>
-                            </p:childTnLst>
-                          </p:cTn>
-                        </p:par>
-                      </p:childTnLst>
-                    </p:cTn>
-                  </p:par>
-                </p:childTnLst>
-              </p:cTn>
-              <p:prevCondLst>
-                <p:cond evt="onPrev" delay="0">
-                  <p:tgtEl>
-                    <p:sldTgt/>
-                  </p:tgtEl>
-                </p:cond>
-              </p:prevCondLst>
-              <p:nextCondLst>
-                <p:cond evt="onNext" delay="0">
-                  <p:tgtEl>
-                    <p:sldTgt/>
-                  </p:tgtEl>
-                </p:cond>
-              </p:nextCondLst>
-            </p:seq>
-          </p:childTnLst>
-        </p:cTn>
-      </p:par>
-    </p:tnLst>
-    <p:bldLst>
-      <p:bldP spid="8" grpId="0"/>
-      <p:bldP spid="9" grpId="0"/>
-    </p:bldLst>
-  </p:timing>
-</p:sld>
-</file>
-
-<file path=ppt/slides/slide20.xml><?xml version="1.0" encoding="utf-8"?>
+<file path=ppt/slides/slide22.xml><?xml version="1.0" encoding="utf-8"?>
 <p:sld xmlns:a="http://schemas.openxmlformats.org/drawingml/2006/main" xmlns:r="http://schemas.openxmlformats.org/officeDocument/2006/relationships" xmlns:p="http://schemas.openxmlformats.org/presentationml/2006/main">
   <p:cSld>
     <p:bg>
@@ -17544,7 +18117,7 @@
 </p:sld>
 </file>
 
-<file path=ppt/slides/slide21.xml><?xml version="1.0" encoding="utf-8"?>
+<file path=ppt/slides/slide23.xml><?xml version="1.0" encoding="utf-8"?>
 <p:sld xmlns:a="http://schemas.openxmlformats.org/drawingml/2006/main" xmlns:r="http://schemas.openxmlformats.org/officeDocument/2006/relationships" xmlns:p="http://schemas.openxmlformats.org/presentationml/2006/main">
   <p:cSld>
     <p:bg>
@@ -19053,11 +19626,11 @@
   <p:clrMapOvr>
     <a:masterClrMapping/>
   </p:clrMapOvr>
-  <mc:AlternateContent xmlns:mc="http://schemas.openxmlformats.org/markup-compatibility/2006">
-    <mc:Choice xmlns:p14="http://schemas.microsoft.com/office/powerpoint/2010/main" Requires="p14">
+  <mc:AlternateContent xmlns:mc="http://schemas.openxmlformats.org/markup-compatibility/2006" xmlns:p14="http://schemas.microsoft.com/office/powerpoint/2010/main">
+    <mc:Choice Requires="p14">
       <p:transition p14:dur="0" advClick="0" advTm="0"/>
     </mc:Choice>
-    <mc:Fallback>
+    <mc:Fallback xmlns="">
       <p:transition advClick="0" advTm="0"/>
     </mc:Fallback>
   </mc:AlternateContent>
@@ -19136,7 +19709,7 @@
 </p:sld>
 </file>
 
-<file path=ppt/slides/slide22.xml><?xml version="1.0" encoding="utf-8"?>
+<file path=ppt/slides/slide24.xml><?xml version="1.0" encoding="utf-8"?>
 <p:sld xmlns:a="http://schemas.openxmlformats.org/drawingml/2006/main" xmlns:r="http://schemas.openxmlformats.org/officeDocument/2006/relationships" xmlns:p="http://schemas.openxmlformats.org/presentationml/2006/main">
   <p:cSld>
     <p:bg>
@@ -20084,7 +20657,7 @@
 </p:sld>
 </file>
 
-<file path=ppt/slides/slide23.xml><?xml version="1.0" encoding="utf-8"?>
+<file path=ppt/slides/slide25.xml><?xml version="1.0" encoding="utf-8"?>
 <p:sld xmlns:a="http://schemas.openxmlformats.org/drawingml/2006/main" xmlns:r="http://schemas.openxmlformats.org/officeDocument/2006/relationships" xmlns:p="http://schemas.openxmlformats.org/presentationml/2006/main">
   <p:cSld>
     <p:bg>
@@ -21775,7 +22348,7 @@
 </p:sld>
 </file>
 
-<file path=ppt/slides/slide24.xml><?xml version="1.0" encoding="utf-8"?>
+<file path=ppt/slides/slide26.xml><?xml version="1.0" encoding="utf-8"?>
 <p:sld xmlns:a="http://schemas.openxmlformats.org/drawingml/2006/main" xmlns:r="http://schemas.openxmlformats.org/officeDocument/2006/relationships" xmlns:p="http://schemas.openxmlformats.org/presentationml/2006/main">
   <p:cSld>
     <p:bg>
@@ -22443,11 +23016,11 @@
   <p:clrMapOvr>
     <a:masterClrMapping/>
   </p:clrMapOvr>
-  <mc:AlternateContent xmlns:mc="http://schemas.openxmlformats.org/markup-compatibility/2006">
-    <mc:Choice xmlns:p14="http://schemas.microsoft.com/office/powerpoint/2010/main" Requires="p14">
+  <mc:AlternateContent xmlns:mc="http://schemas.openxmlformats.org/markup-compatibility/2006" xmlns:p14="http://schemas.microsoft.com/office/powerpoint/2010/main">
+    <mc:Choice Requires="p14">
       <p:transition p14:dur="0"/>
     </mc:Choice>
-    <mc:Fallback>
+    <mc:Fallback xmlns="">
       <p:transition/>
     </mc:Fallback>
   </mc:AlternateContent>
@@ -22583,7 +23156,7 @@
 </p:sld>
 </file>
 
-<file path=ppt/slides/slide25.xml><?xml version="1.0" encoding="utf-8"?>
+<file path=ppt/slides/slide27.xml><?xml version="1.0" encoding="utf-8"?>
 <p:sld xmlns:a="http://schemas.openxmlformats.org/drawingml/2006/main" xmlns:r="http://schemas.openxmlformats.org/officeDocument/2006/relationships" xmlns:p="http://schemas.openxmlformats.org/presentationml/2006/main">
   <p:cSld>
     <p:bg>
@@ -23743,7 +24316,7 @@
 </p:sld>
 </file>
 
-<file path=ppt/slides/slide26.xml><?xml version="1.0" encoding="utf-8"?>
+<file path=ppt/slides/slide28.xml><?xml version="1.0" encoding="utf-8"?>
 <p:sld xmlns:a="http://schemas.openxmlformats.org/drawingml/2006/main" xmlns:r="http://schemas.openxmlformats.org/officeDocument/2006/relationships" xmlns:p="http://schemas.openxmlformats.org/presentationml/2006/main">
   <p:cSld>
     <p:spTree>
@@ -23770,7 +24343,7 @@
             <p:ph idx="1"/>
           </p:nvPr>
         </p:nvPicPr>
-        <p:blipFill>
+        <p:blipFill rotWithShape="1">
           <a:blip r:embed="rId2">
             <a:extLst>
               <a:ext uri="{28A0092B-C50C-407E-A947-70E740481C1C}">
@@ -23778,14 +24351,13 @@
               </a:ext>
             </a:extLst>
           </a:blip>
-          <a:stretch>
-            <a:fillRect/>
-          </a:stretch>
+          <a:srcRect r="81465"/>
+          <a:stretch/>
         </p:blipFill>
         <p:spPr>
           <a:xfrm>
             <a:off x="1115037" y="188912"/>
-            <a:ext cx="9657738" cy="6252884"/>
+            <a:ext cx="1790088" cy="6252884"/>
           </a:xfrm>
         </p:spPr>
       </p:pic>
@@ -23818,6 +24390,209 @@
           </a:p>
         </p:txBody>
       </p:sp>
+      <p:pic>
+        <p:nvPicPr>
+          <p:cNvPr id="7" name="Объект 4"/>
+          <p:cNvPicPr>
+            <a:picLocks noChangeAspect="1"/>
+          </p:cNvPicPr>
+          <p:nvPr/>
+        </p:nvPicPr>
+        <p:blipFill rotWithShape="1">
+          <a:blip r:embed="rId2">
+            <a:extLst>
+              <a:ext uri="{28A0092B-C50C-407E-A947-70E740481C1C}">
+                <a14:useLocalDpi xmlns:a14="http://schemas.microsoft.com/office/drawing/2010/main" val="0"/>
+              </a:ext>
+            </a:extLst>
+          </a:blip>
+          <a:srcRect l="18634" b="74934"/>
+          <a:stretch/>
+        </p:blipFill>
+        <p:spPr>
+          <a:xfrm>
+            <a:off x="2905124" y="188912"/>
+            <a:ext cx="7858125" cy="1567317"/>
+          </a:xfrm>
+          <a:prstGeom prst="rect">
+            <a:avLst/>
+          </a:prstGeom>
+        </p:spPr>
+      </p:pic>
+      <p:pic>
+        <p:nvPicPr>
+          <p:cNvPr id="8" name="Объект 4"/>
+          <p:cNvPicPr>
+            <a:picLocks noChangeAspect="1"/>
+          </p:cNvPicPr>
+          <p:nvPr/>
+        </p:nvPicPr>
+        <p:blipFill rotWithShape="1">
+          <a:blip r:embed="rId2">
+            <a:extLst>
+              <a:ext uri="{28A0092B-C50C-407E-A947-70E740481C1C}">
+                <a14:useLocalDpi xmlns:a14="http://schemas.microsoft.com/office/drawing/2010/main" val="0"/>
+              </a:ext>
+            </a:extLst>
+          </a:blip>
+          <a:srcRect l="18634" t="25312" b="43308"/>
+          <a:stretch/>
+        </p:blipFill>
+        <p:spPr>
+          <a:xfrm>
+            <a:off x="2905124" y="1778166"/>
+            <a:ext cx="7858125" cy="1962150"/>
+          </a:xfrm>
+          <a:prstGeom prst="rect">
+            <a:avLst/>
+          </a:prstGeom>
+        </p:spPr>
+      </p:pic>
+      <p:pic>
+        <p:nvPicPr>
+          <p:cNvPr id="9" name="Объект 4"/>
+          <p:cNvPicPr>
+            <a:picLocks noChangeAspect="1"/>
+          </p:cNvPicPr>
+          <p:nvPr/>
+        </p:nvPicPr>
+        <p:blipFill rotWithShape="1">
+          <a:blip r:embed="rId2">
+            <a:extLst>
+              <a:ext uri="{28A0092B-C50C-407E-A947-70E740481C1C}">
+                <a14:useLocalDpi xmlns:a14="http://schemas.microsoft.com/office/drawing/2010/main" val="0"/>
+              </a:ext>
+            </a:extLst>
+          </a:blip>
+          <a:srcRect l="18634" t="56692" b="34168"/>
+          <a:stretch/>
+        </p:blipFill>
+        <p:spPr>
+          <a:xfrm>
+            <a:off x="2905124" y="3733800"/>
+            <a:ext cx="7858125" cy="571500"/>
+          </a:xfrm>
+          <a:prstGeom prst="rect">
+            <a:avLst/>
+          </a:prstGeom>
+        </p:spPr>
+      </p:pic>
+      <p:pic>
+        <p:nvPicPr>
+          <p:cNvPr id="10" name="Объект 4"/>
+          <p:cNvPicPr>
+            <a:picLocks noChangeAspect="1"/>
+          </p:cNvPicPr>
+          <p:nvPr/>
+        </p:nvPicPr>
+        <p:blipFill rotWithShape="1">
+          <a:blip r:embed="rId2">
+            <a:extLst>
+              <a:ext uri="{28A0092B-C50C-407E-A947-70E740481C1C}">
+                <a14:useLocalDpi xmlns:a14="http://schemas.microsoft.com/office/drawing/2010/main" val="0"/>
+              </a:ext>
+            </a:extLst>
+          </a:blip>
+          <a:srcRect l="18634" t="65832" b="27922"/>
+          <a:stretch/>
+        </p:blipFill>
+        <p:spPr>
+          <a:xfrm>
+            <a:off x="2905124" y="4305300"/>
+            <a:ext cx="7858125" cy="390525"/>
+          </a:xfrm>
+          <a:prstGeom prst="rect">
+            <a:avLst/>
+          </a:prstGeom>
+        </p:spPr>
+      </p:pic>
+      <p:pic>
+        <p:nvPicPr>
+          <p:cNvPr id="11" name="Объект 4"/>
+          <p:cNvPicPr>
+            <a:picLocks noChangeAspect="1"/>
+          </p:cNvPicPr>
+          <p:nvPr/>
+        </p:nvPicPr>
+        <p:blipFill rotWithShape="1">
+          <a:blip r:embed="rId2">
+            <a:extLst>
+              <a:ext uri="{28A0092B-C50C-407E-A947-70E740481C1C}">
+                <a14:useLocalDpi xmlns:a14="http://schemas.microsoft.com/office/drawing/2010/main" val="0"/>
+              </a:ext>
+            </a:extLst>
+          </a:blip>
+          <a:srcRect l="18634" t="72230" b="18631"/>
+          <a:stretch/>
+        </p:blipFill>
+        <p:spPr>
+          <a:xfrm>
+            <a:off x="2905124" y="4705350"/>
+            <a:ext cx="7858125" cy="571500"/>
+          </a:xfrm>
+          <a:prstGeom prst="rect">
+            <a:avLst/>
+          </a:prstGeom>
+        </p:spPr>
+      </p:pic>
+      <p:pic>
+        <p:nvPicPr>
+          <p:cNvPr id="12" name="Объект 4"/>
+          <p:cNvPicPr>
+            <a:picLocks noChangeAspect="1"/>
+          </p:cNvPicPr>
+          <p:nvPr/>
+        </p:nvPicPr>
+        <p:blipFill rotWithShape="1">
+          <a:blip r:embed="rId2">
+            <a:extLst>
+              <a:ext uri="{28A0092B-C50C-407E-A947-70E740481C1C}">
+                <a14:useLocalDpi xmlns:a14="http://schemas.microsoft.com/office/drawing/2010/main" val="0"/>
+              </a:ext>
+            </a:extLst>
+          </a:blip>
+          <a:srcRect l="18634" t="81674" b="9186"/>
+          <a:stretch/>
+        </p:blipFill>
+        <p:spPr>
+          <a:xfrm>
+            <a:off x="2905124" y="5295900"/>
+            <a:ext cx="7858125" cy="571500"/>
+          </a:xfrm>
+          <a:prstGeom prst="rect">
+            <a:avLst/>
+          </a:prstGeom>
+        </p:spPr>
+      </p:pic>
+      <p:pic>
+        <p:nvPicPr>
+          <p:cNvPr id="13" name="Объект 4"/>
+          <p:cNvPicPr>
+            <a:picLocks noChangeAspect="1"/>
+          </p:cNvPicPr>
+          <p:nvPr/>
+        </p:nvPicPr>
+        <p:blipFill rotWithShape="1">
+          <a:blip r:embed="rId2">
+            <a:extLst>
+              <a:ext uri="{28A0092B-C50C-407E-A947-70E740481C1C}">
+                <a14:useLocalDpi xmlns:a14="http://schemas.microsoft.com/office/drawing/2010/main" val="0"/>
+              </a:ext>
+            </a:extLst>
+          </a:blip>
+          <a:srcRect l="18634" t="90814"/>
+          <a:stretch/>
+        </p:blipFill>
+        <p:spPr>
+          <a:xfrm>
+            <a:off x="2905124" y="5867400"/>
+            <a:ext cx="7858125" cy="574396"/>
+          </a:xfrm>
+          <a:prstGeom prst="rect">
+            <a:avLst/>
+          </a:prstGeom>
+        </p:spPr>
+      </p:pic>
     </p:spTree>
     <p:extLst>
       <p:ext uri="{BB962C8B-B14F-4D97-AF65-F5344CB8AC3E}">
@@ -23855,7 +24630,7 @@
                             </p:stCondLst>
                             <p:childTnLst>
                               <p:par>
-                                <p:cTn id="5" presetID="22" presetClass="entr" presetSubtype="4" fill="hold" nodeType="withEffect">
+                                <p:cTn id="5" presetID="22" presetClass="entr" presetSubtype="1" fill="hold" nodeType="withEffect">
                                   <p:stCondLst>
                                     <p:cond delay="0"/>
                                   </p:stCondLst>
@@ -23878,11 +24653,256 @@
                                         <p:strVal val="visible"/>
                                       </p:to>
                                     </p:set>
-                                    <p:animEffect transition="in" filter="wipe(down)">
-                                      <p:cBhvr>
-                                        <p:cTn id="7" dur="500"/>
+                                    <p:animEffect transition="in" filter="wipe(up)">
+                                      <p:cBhvr>
+                                        <p:cTn id="7" dur="900"/>
                                         <p:tgtEl>
                                           <p:spTgt spid="5"/>
+                                        </p:tgtEl>
+                                      </p:cBhvr>
+                                    </p:animEffect>
+                                  </p:childTnLst>
+                                </p:cTn>
+                              </p:par>
+                              <p:par>
+                                <p:cTn id="8" presetID="22" presetClass="entr" presetSubtype="8" fill="hold" nodeType="withEffect">
+                                  <p:stCondLst>
+                                    <p:cond delay="100"/>
+                                  </p:stCondLst>
+                                  <p:childTnLst>
+                                    <p:set>
+                                      <p:cBhvr>
+                                        <p:cTn id="9" dur="1" fill="hold">
+                                          <p:stCondLst>
+                                            <p:cond delay="0"/>
+                                          </p:stCondLst>
+                                        </p:cTn>
+                                        <p:tgtEl>
+                                          <p:spTgt spid="7"/>
+                                        </p:tgtEl>
+                                        <p:attrNameLst>
+                                          <p:attrName>style.visibility</p:attrName>
+                                        </p:attrNameLst>
+                                      </p:cBhvr>
+                                      <p:to>
+                                        <p:strVal val="visible"/>
+                                      </p:to>
+                                    </p:set>
+                                    <p:animEffect transition="in" filter="wipe(left)">
+                                      <p:cBhvr>
+                                        <p:cTn id="10" dur="800"/>
+                                        <p:tgtEl>
+                                          <p:spTgt spid="7"/>
+                                        </p:tgtEl>
+                                      </p:cBhvr>
+                                    </p:animEffect>
+                                  </p:childTnLst>
+                                </p:cTn>
+                              </p:par>
+                              <p:par>
+                                <p:cTn id="11" presetID="22" presetClass="entr" presetSubtype="8" fill="hold" nodeType="withEffect">
+                                  <p:stCondLst>
+                                    <p:cond delay="300"/>
+                                  </p:stCondLst>
+                                  <p:childTnLst>
+                                    <p:set>
+                                      <p:cBhvr>
+                                        <p:cTn id="12" dur="1" fill="hold">
+                                          <p:stCondLst>
+                                            <p:cond delay="0"/>
+                                          </p:stCondLst>
+                                        </p:cTn>
+                                        <p:tgtEl>
+                                          <p:spTgt spid="8"/>
+                                        </p:tgtEl>
+                                        <p:attrNameLst>
+                                          <p:attrName>style.visibility</p:attrName>
+                                        </p:attrNameLst>
+                                      </p:cBhvr>
+                                      <p:to>
+                                        <p:strVal val="visible"/>
+                                      </p:to>
+                                    </p:set>
+                                    <p:animEffect transition="in" filter="wipe(left)">
+                                      <p:cBhvr>
+                                        <p:cTn id="13" dur="800"/>
+                                        <p:tgtEl>
+                                          <p:spTgt spid="8"/>
+                                        </p:tgtEl>
+                                      </p:cBhvr>
+                                    </p:animEffect>
+                                  </p:childTnLst>
+                                </p:cTn>
+                              </p:par>
+                              <p:par>
+                                <p:cTn id="14" presetID="22" presetClass="entr" presetSubtype="8" fill="hold" nodeType="withEffect">
+                                  <p:stCondLst>
+                                    <p:cond delay="500"/>
+                                  </p:stCondLst>
+                                  <p:childTnLst>
+                                    <p:set>
+                                      <p:cBhvr>
+                                        <p:cTn id="15" dur="1" fill="hold">
+                                          <p:stCondLst>
+                                            <p:cond delay="0"/>
+                                          </p:stCondLst>
+                                        </p:cTn>
+                                        <p:tgtEl>
+                                          <p:spTgt spid="9"/>
+                                        </p:tgtEl>
+                                        <p:attrNameLst>
+                                          <p:attrName>style.visibility</p:attrName>
+                                        </p:attrNameLst>
+                                      </p:cBhvr>
+                                      <p:to>
+                                        <p:strVal val="visible"/>
+                                      </p:to>
+                                    </p:set>
+                                    <p:animEffect transition="in" filter="wipe(left)">
+                                      <p:cBhvr>
+                                        <p:cTn id="16" dur="800"/>
+                                        <p:tgtEl>
+                                          <p:spTgt spid="9"/>
+                                        </p:tgtEl>
+                                      </p:cBhvr>
+                                    </p:animEffect>
+                                  </p:childTnLst>
+                                </p:cTn>
+                              </p:par>
+                              <p:par>
+                                <p:cTn id="17" presetID="22" presetClass="entr" presetSubtype="8" fill="hold" nodeType="withEffect">
+                                  <p:stCondLst>
+                                    <p:cond delay="700"/>
+                                  </p:stCondLst>
+                                  <p:childTnLst>
+                                    <p:set>
+                                      <p:cBhvr>
+                                        <p:cTn id="18" dur="1" fill="hold">
+                                          <p:stCondLst>
+                                            <p:cond delay="0"/>
+                                          </p:stCondLst>
+                                        </p:cTn>
+                                        <p:tgtEl>
+                                          <p:spTgt spid="10"/>
+                                        </p:tgtEl>
+                                        <p:attrNameLst>
+                                          <p:attrName>style.visibility</p:attrName>
+                                        </p:attrNameLst>
+                                      </p:cBhvr>
+                                      <p:to>
+                                        <p:strVal val="visible"/>
+                                      </p:to>
+                                    </p:set>
+                                    <p:animEffect transition="in" filter="wipe(left)">
+                                      <p:cBhvr>
+                                        <p:cTn id="19" dur="800"/>
+                                        <p:tgtEl>
+                                          <p:spTgt spid="10"/>
+                                        </p:tgtEl>
+                                      </p:cBhvr>
+                                    </p:animEffect>
+                                  </p:childTnLst>
+                                </p:cTn>
+                              </p:par>
+                              <p:par>
+                                <p:cTn id="20" presetID="22" presetClass="entr" presetSubtype="8" fill="hold" nodeType="withEffect">
+                                  <p:stCondLst>
+                                    <p:cond delay="800"/>
+                                  </p:stCondLst>
+                                  <p:childTnLst>
+                                    <p:set>
+                                      <p:cBhvr>
+                                        <p:cTn id="21" dur="1" fill="hold">
+                                          <p:stCondLst>
+                                            <p:cond delay="0"/>
+                                          </p:stCondLst>
+                                        </p:cTn>
+                                        <p:tgtEl>
+                                          <p:spTgt spid="11"/>
+                                        </p:tgtEl>
+                                        <p:attrNameLst>
+                                          <p:attrName>style.visibility</p:attrName>
+                                        </p:attrNameLst>
+                                      </p:cBhvr>
+                                      <p:to>
+                                        <p:strVal val="visible"/>
+                                      </p:to>
+                                    </p:set>
+                                    <p:animEffect transition="in" filter="wipe(left)">
+                                      <p:cBhvr>
+                                        <p:cTn id="22" dur="800"/>
+                                        <p:tgtEl>
+                                          <p:spTgt spid="11"/>
+                                        </p:tgtEl>
+                                      </p:cBhvr>
+                                    </p:animEffect>
+                                  </p:childTnLst>
+                                </p:cTn>
+                              </p:par>
+                              <p:par>
+                                <p:cTn id="23" presetID="22" presetClass="entr" presetSubtype="8" fill="hold" nodeType="withEffect">
+                                  <p:stCondLst>
+                                    <p:cond delay="900"/>
+                                  </p:stCondLst>
+                                  <p:childTnLst>
+                                    <p:set>
+                                      <p:cBhvr>
+                                        <p:cTn id="24" dur="1" fill="hold">
+                                          <p:stCondLst>
+                                            <p:cond delay="0"/>
+                                          </p:stCondLst>
+                                        </p:cTn>
+                                        <p:tgtEl>
+                                          <p:spTgt spid="12"/>
+                                        </p:tgtEl>
+                                        <p:attrNameLst>
+                                          <p:attrName>style.visibility</p:attrName>
+                                        </p:attrNameLst>
+                                      </p:cBhvr>
+                                      <p:to>
+                                        <p:strVal val="visible"/>
+                                      </p:to>
+                                    </p:set>
+                                    <p:animEffect transition="in" filter="wipe(left)">
+                                      <p:cBhvr>
+                                        <p:cTn id="25" dur="800"/>
+                                        <p:tgtEl>
+                                          <p:spTgt spid="12"/>
+                                        </p:tgtEl>
+                                      </p:cBhvr>
+                                    </p:animEffect>
+                                  </p:childTnLst>
+                                </p:cTn>
+                              </p:par>
+                              <p:par>
+                                <p:cTn id="26" presetID="22" presetClass="entr" presetSubtype="8" fill="hold" nodeType="withEffect">
+                                  <p:stCondLst>
+                                    <p:cond delay="1000"/>
+                                  </p:stCondLst>
+                                  <p:childTnLst>
+                                    <p:set>
+                                      <p:cBhvr>
+                                        <p:cTn id="27" dur="1" fill="hold">
+                                          <p:stCondLst>
+                                            <p:cond delay="0"/>
+                                          </p:stCondLst>
+                                        </p:cTn>
+                                        <p:tgtEl>
+                                          <p:spTgt spid="13"/>
+                                        </p:tgtEl>
+                                        <p:attrNameLst>
+                                          <p:attrName>style.visibility</p:attrName>
+                                        </p:attrNameLst>
+                                      </p:cBhvr>
+                                      <p:to>
+                                        <p:strVal val="visible"/>
+                                      </p:to>
+                                    </p:set>
+                                    <p:animEffect transition="in" filter="wipe(left)">
+                                      <p:cBhvr>
+                                        <p:cTn id="28" dur="800"/>
+                                        <p:tgtEl>
+                                          <p:spTgt spid="13"/>
                                         </p:tgtEl>
                                       </p:cBhvr>
                                     </p:animEffect>
@@ -23920,7 +24940,7 @@
 </p:sld>
 </file>
 
-<file path=ppt/slides/slide27.xml><?xml version="1.0" encoding="utf-8"?>
+<file path=ppt/slides/slide29.xml><?xml version="1.0" encoding="utf-8"?>
 <p:sld xmlns:a="http://schemas.openxmlformats.org/drawingml/2006/main" xmlns:r="http://schemas.openxmlformats.org/officeDocument/2006/relationships" xmlns:p="http://schemas.openxmlformats.org/presentationml/2006/main">
   <p:cSld>
     <p:bg>
@@ -23948,160 +24968,40 @@
           <a:chExt cx="0" cy="0"/>
         </a:xfrm>
       </p:grpSpPr>
-      <p:sp>
-        <p:nvSpPr>
-          <p:cNvPr id="2" name="Заголовок 1">
-            <a:extLst>
-              <a:ext uri="{FF2B5EF4-FFF2-40B4-BE49-F238E27FC236}">
-                <a16:creationId xmlns:a16="http://schemas.microsoft.com/office/drawing/2014/main" id="{C4CD3C15-ABF4-4E89-B3FD-DE353DEC3513}"/>
-              </a:ext>
-            </a:extLst>
-          </p:cNvPr>
-          <p:cNvSpPr>
-            <a:spLocks noGrp="1"/>
-          </p:cNvSpPr>
-          <p:nvPr>
-            <p:ph type="title"/>
-          </p:nvPr>
-        </p:nvSpPr>
-        <p:spPr/>
-        <p:txBody>
-          <a:bodyPr>
-            <a:normAutofit/>
-          </a:bodyPr>
-          <a:lstStyle/>
-          <a:p>
-            <a:r>
-              <a:rPr lang="ru-RU" sz="4000" cap="none" dirty="0">
-                <a:latin typeface="+mn-lt"/>
-                <a:ea typeface="+mn-ea"/>
-                <a:cs typeface="+mn-cs"/>
-              </a:rPr>
-              <a:t>Заключение</a:t>
-            </a:r>
-          </a:p>
-        </p:txBody>
-      </p:sp>
-      <p:sp>
-        <p:nvSpPr>
-          <p:cNvPr id="3" name="Объект 2">
-            <a:extLst>
-              <a:ext uri="{FF2B5EF4-FFF2-40B4-BE49-F238E27FC236}">
-                <a16:creationId xmlns:a16="http://schemas.microsoft.com/office/drawing/2014/main" id="{C61DCF67-7398-4D5E-9789-2F17ED9D1D4A}"/>
-              </a:ext>
-            </a:extLst>
-          </p:cNvPr>
-          <p:cNvSpPr>
-            <a:spLocks noGrp="1"/>
-          </p:cNvSpPr>
+      <p:pic>
+        <p:nvPicPr>
+          <p:cNvPr id="5" name="Объект 4"/>
+          <p:cNvPicPr>
+            <a:picLocks noGrp="1" noChangeAspect="1"/>
+          </p:cNvPicPr>
           <p:nvPr>
             <p:ph idx="1"/>
           </p:nvPr>
-        </p:nvSpPr>
-        <p:spPr/>
-        <p:txBody>
-          <a:bodyPr>
-            <a:normAutofit fontScale="55000" lnSpcReduction="20000"/>
-          </a:bodyPr>
-          <a:lstStyle/>
-          <a:p>
-            <a:pPr marL="0" indent="0">
-              <a:lnSpc>
-                <a:spcPct val="150000"/>
-              </a:lnSpc>
-              <a:buNone/>
-            </a:pPr>
-            <a:r>
-              <a:rPr lang="ru-RU" sz="4300" cap="none" dirty="0"/>
-              <a:t>Были решены следующие задачи: </a:t>
-            </a:r>
-          </a:p>
-          <a:p>
-            <a:pPr marL="0" indent="0">
-              <a:lnSpc>
-                <a:spcPct val="150000"/>
-              </a:lnSpc>
-              <a:buNone/>
-            </a:pPr>
-            <a:r>
-              <a:rPr lang="ru-RU" sz="4300" cap="none" dirty="0"/>
-              <a:t>1. Исследована компания ООО «Автоматизация розничных технологий»</a:t>
-            </a:r>
-          </a:p>
-          <a:p>
-            <a:pPr marL="0" indent="0">
-              <a:lnSpc>
-                <a:spcPct val="150000"/>
-              </a:lnSpc>
-              <a:buNone/>
-            </a:pPr>
-            <a:r>
-              <a:rPr lang="ru-RU" sz="4300" cap="none" dirty="0"/>
-              <a:t>2. Спроектировано мобильное приложение</a:t>
-            </a:r>
-          </a:p>
-          <a:p>
-            <a:pPr marL="0" indent="0">
-              <a:lnSpc>
-                <a:spcPct val="150000"/>
-              </a:lnSpc>
-              <a:buNone/>
-            </a:pPr>
-            <a:r>
-              <a:rPr lang="ru-RU" sz="4300" cap="none" dirty="0"/>
-              <a:t>3. Выполнена разработка приложения</a:t>
-            </a:r>
-          </a:p>
-          <a:p>
-            <a:pPr marL="0" indent="0">
-              <a:lnSpc>
-                <a:spcPct val="150000"/>
-              </a:lnSpc>
-              <a:buNone/>
-            </a:pPr>
-            <a:r>
-              <a:rPr lang="ru-RU" sz="4300" cap="none" dirty="0"/>
-              <a:t>4. Проведен анализ уязвимости системы и приведены контрмеры</a:t>
-            </a:r>
-          </a:p>
-          <a:p>
-            <a:pPr marL="0" indent="0">
-              <a:lnSpc>
-                <a:spcPct val="150000"/>
-              </a:lnSpc>
-              <a:buNone/>
-            </a:pPr>
-            <a:r>
-              <a:rPr lang="ru-RU" sz="4300" cap="none" dirty="0"/>
-              <a:t>5. Путем расчета получены данные об экономической эффективности</a:t>
-            </a:r>
-          </a:p>
-          <a:p>
-            <a:pPr>
-              <a:lnSpc>
-                <a:spcPts val="6299"/>
-              </a:lnSpc>
-            </a:pPr>
-            <a:endParaRPr lang="ru-RU" sz="3200" dirty="0">
-              <a:solidFill>
-                <a:srgbClr val="191919"/>
-              </a:solidFill>
-            </a:endParaRPr>
-          </a:p>
-          <a:p>
-            <a:pPr marL="0" indent="0">
-              <a:buNone/>
-            </a:pPr>
-            <a:endParaRPr lang="ru-RU" dirty="0"/>
-          </a:p>
-        </p:txBody>
-      </p:sp>
+        </p:nvPicPr>
+        <p:blipFill rotWithShape="1">
+          <a:blip r:embed="rId2">
+            <a:extLst>
+              <a:ext uri="{28A0092B-C50C-407E-A947-70E740481C1C}">
+                <a14:useLocalDpi xmlns:a14="http://schemas.microsoft.com/office/drawing/2010/main" val="0"/>
+              </a:ext>
+            </a:extLst>
+          </a:blip>
+          <a:srcRect r="81465"/>
+          <a:stretch/>
+        </p:blipFill>
+        <p:spPr>
+          <a:xfrm>
+            <a:off x="1115037" y="188912"/>
+            <a:ext cx="1790088" cy="6252884"/>
+          </a:xfrm>
+        </p:spPr>
+      </p:pic>
       <p:sp>
         <p:nvSpPr>
           <p:cNvPr id="4" name="Номер слайда 3">
             <a:extLst>
               <a:ext uri="{FF2B5EF4-FFF2-40B4-BE49-F238E27FC236}">
-                <a16:creationId xmlns:a16="http://schemas.microsoft.com/office/drawing/2014/main" id="{5466969B-5285-473F-A38A-1F74C33C162C}"/>
+                <a16:creationId xmlns:a16="http://schemas.microsoft.com/office/drawing/2014/main" id="{CC418368-E166-42B9-80A8-0CDDEC601F83}"/>
               </a:ext>
             </a:extLst>
           </p:cNvPr>
@@ -24119,25 +25019,233 @@
           <a:p>
             <a:r>
               <a:rPr lang="en-US" dirty="0" smtClean="0"/>
-              <a:t>21</a:t>
+              <a:t>20</a:t>
             </a:r>
             <a:endParaRPr lang="ru-RU" dirty="0"/>
           </a:p>
         </p:txBody>
       </p:sp>
+      <p:pic>
+        <p:nvPicPr>
+          <p:cNvPr id="7" name="Объект 4"/>
+          <p:cNvPicPr>
+            <a:picLocks noChangeAspect="1"/>
+          </p:cNvPicPr>
+          <p:nvPr/>
+        </p:nvPicPr>
+        <p:blipFill rotWithShape="1">
+          <a:blip r:embed="rId2">
+            <a:extLst>
+              <a:ext uri="{28A0092B-C50C-407E-A947-70E740481C1C}">
+                <a14:useLocalDpi xmlns:a14="http://schemas.microsoft.com/office/drawing/2010/main" val="0"/>
+              </a:ext>
+            </a:extLst>
+          </a:blip>
+          <a:srcRect l="18634" b="74934"/>
+          <a:stretch/>
+        </p:blipFill>
+        <p:spPr>
+          <a:xfrm>
+            <a:off x="2905124" y="188912"/>
+            <a:ext cx="7858125" cy="1567317"/>
+          </a:xfrm>
+          <a:prstGeom prst="rect">
+            <a:avLst/>
+          </a:prstGeom>
+        </p:spPr>
+      </p:pic>
+      <p:pic>
+        <p:nvPicPr>
+          <p:cNvPr id="8" name="Объект 4"/>
+          <p:cNvPicPr>
+            <a:picLocks noChangeAspect="1"/>
+          </p:cNvPicPr>
+          <p:nvPr/>
+        </p:nvPicPr>
+        <p:blipFill rotWithShape="1">
+          <a:blip r:embed="rId2">
+            <a:extLst>
+              <a:ext uri="{28A0092B-C50C-407E-A947-70E740481C1C}">
+                <a14:useLocalDpi xmlns:a14="http://schemas.microsoft.com/office/drawing/2010/main" val="0"/>
+              </a:ext>
+            </a:extLst>
+          </a:blip>
+          <a:srcRect l="18634" t="25312" b="43308"/>
+          <a:stretch/>
+        </p:blipFill>
+        <p:spPr>
+          <a:xfrm>
+            <a:off x="2905124" y="1778166"/>
+            <a:ext cx="7858125" cy="1962150"/>
+          </a:xfrm>
+          <a:prstGeom prst="rect">
+            <a:avLst/>
+          </a:prstGeom>
+        </p:spPr>
+      </p:pic>
+      <p:pic>
+        <p:nvPicPr>
+          <p:cNvPr id="9" name="Объект 4"/>
+          <p:cNvPicPr>
+            <a:picLocks noChangeAspect="1"/>
+          </p:cNvPicPr>
+          <p:nvPr/>
+        </p:nvPicPr>
+        <p:blipFill rotWithShape="1">
+          <a:blip r:embed="rId2">
+            <a:extLst>
+              <a:ext uri="{28A0092B-C50C-407E-A947-70E740481C1C}">
+                <a14:useLocalDpi xmlns:a14="http://schemas.microsoft.com/office/drawing/2010/main" val="0"/>
+              </a:ext>
+            </a:extLst>
+          </a:blip>
+          <a:srcRect l="18634" t="56692" b="34168"/>
+          <a:stretch/>
+        </p:blipFill>
+        <p:spPr>
+          <a:xfrm>
+            <a:off x="2905124" y="3733800"/>
+            <a:ext cx="7858125" cy="571500"/>
+          </a:xfrm>
+          <a:prstGeom prst="rect">
+            <a:avLst/>
+          </a:prstGeom>
+        </p:spPr>
+      </p:pic>
+      <p:pic>
+        <p:nvPicPr>
+          <p:cNvPr id="10" name="Объект 4"/>
+          <p:cNvPicPr>
+            <a:picLocks noChangeAspect="1"/>
+          </p:cNvPicPr>
+          <p:nvPr/>
+        </p:nvPicPr>
+        <p:blipFill rotWithShape="1">
+          <a:blip r:embed="rId2">
+            <a:extLst>
+              <a:ext uri="{28A0092B-C50C-407E-A947-70E740481C1C}">
+                <a14:useLocalDpi xmlns:a14="http://schemas.microsoft.com/office/drawing/2010/main" val="0"/>
+              </a:ext>
+            </a:extLst>
+          </a:blip>
+          <a:srcRect l="18634" t="65832" b="27922"/>
+          <a:stretch/>
+        </p:blipFill>
+        <p:spPr>
+          <a:xfrm>
+            <a:off x="2905124" y="4305300"/>
+            <a:ext cx="7858125" cy="390525"/>
+          </a:xfrm>
+          <a:prstGeom prst="rect">
+            <a:avLst/>
+          </a:prstGeom>
+        </p:spPr>
+      </p:pic>
+      <p:pic>
+        <p:nvPicPr>
+          <p:cNvPr id="11" name="Объект 4"/>
+          <p:cNvPicPr>
+            <a:picLocks noChangeAspect="1"/>
+          </p:cNvPicPr>
+          <p:nvPr/>
+        </p:nvPicPr>
+        <p:blipFill rotWithShape="1">
+          <a:blip r:embed="rId2">
+            <a:extLst>
+              <a:ext uri="{28A0092B-C50C-407E-A947-70E740481C1C}">
+                <a14:useLocalDpi xmlns:a14="http://schemas.microsoft.com/office/drawing/2010/main" val="0"/>
+              </a:ext>
+            </a:extLst>
+          </a:blip>
+          <a:srcRect l="18634" t="72230" b="18631"/>
+          <a:stretch/>
+        </p:blipFill>
+        <p:spPr>
+          <a:xfrm>
+            <a:off x="2905124" y="4705350"/>
+            <a:ext cx="7858125" cy="571500"/>
+          </a:xfrm>
+          <a:prstGeom prst="rect">
+            <a:avLst/>
+          </a:prstGeom>
+        </p:spPr>
+      </p:pic>
+      <p:pic>
+        <p:nvPicPr>
+          <p:cNvPr id="12" name="Объект 4"/>
+          <p:cNvPicPr>
+            <a:picLocks noChangeAspect="1"/>
+          </p:cNvPicPr>
+          <p:nvPr/>
+        </p:nvPicPr>
+        <p:blipFill rotWithShape="1">
+          <a:blip r:embed="rId2">
+            <a:extLst>
+              <a:ext uri="{28A0092B-C50C-407E-A947-70E740481C1C}">
+                <a14:useLocalDpi xmlns:a14="http://schemas.microsoft.com/office/drawing/2010/main" val="0"/>
+              </a:ext>
+            </a:extLst>
+          </a:blip>
+          <a:srcRect l="18634" t="81674" b="9186"/>
+          <a:stretch/>
+        </p:blipFill>
+        <p:spPr>
+          <a:xfrm>
+            <a:off x="2905124" y="5295900"/>
+            <a:ext cx="7858125" cy="571500"/>
+          </a:xfrm>
+          <a:prstGeom prst="rect">
+            <a:avLst/>
+          </a:prstGeom>
+        </p:spPr>
+      </p:pic>
+      <p:pic>
+        <p:nvPicPr>
+          <p:cNvPr id="13" name="Объект 4"/>
+          <p:cNvPicPr>
+            <a:picLocks noChangeAspect="1"/>
+          </p:cNvPicPr>
+          <p:nvPr/>
+        </p:nvPicPr>
+        <p:blipFill rotWithShape="1">
+          <a:blip r:embed="rId2">
+            <a:extLst>
+              <a:ext uri="{28A0092B-C50C-407E-A947-70E740481C1C}">
+                <a14:useLocalDpi xmlns:a14="http://schemas.microsoft.com/office/drawing/2010/main" val="0"/>
+              </a:ext>
+            </a:extLst>
+          </a:blip>
+          <a:srcRect l="18634" t="90814"/>
+          <a:stretch/>
+        </p:blipFill>
+        <p:spPr>
+          <a:xfrm>
+            <a:off x="2905124" y="5867400"/>
+            <a:ext cx="7858125" cy="574396"/>
+          </a:xfrm>
+          <a:prstGeom prst="rect">
+            <a:avLst/>
+          </a:prstGeom>
+        </p:spPr>
+      </p:pic>
     </p:spTree>
     <p:extLst>
       <p:ext uri="{BB962C8B-B14F-4D97-AF65-F5344CB8AC3E}">
-        <p14:creationId xmlns:p14="http://schemas.microsoft.com/office/powerpoint/2010/main" val="2080299485"/>
+        <p14:creationId xmlns:p14="http://schemas.microsoft.com/office/powerpoint/2010/main" val="1918308358"/>
       </p:ext>
     </p:extLst>
   </p:cSld>
   <p:clrMapOvr>
     <a:masterClrMapping/>
   </p:clrMapOvr>
-  <p:transition spd="slow">
-    <p:push dir="u"/>
-  </p:transition>
+  <mc:AlternateContent xmlns:mc="http://schemas.openxmlformats.org/markup-compatibility/2006" xmlns:p14="http://schemas.microsoft.com/office/powerpoint/2010/main">
+    <mc:Choice Requires="p14">
+      <p:transition p14:dur="0" advClick="0" advTm="0"/>
+    </mc:Choice>
+    <mc:Fallback xmlns="">
+      <p:transition advClick="0" advTm="0"/>
+    </mc:Fallback>
+  </mc:AlternateContent>
   <p:timing>
     <p:tnLst>
       <p:par>
@@ -24162,305 +25270,282 @@
                             </p:stCondLst>
                             <p:childTnLst>
                               <p:par>
-                                <p:cTn id="5" presetID="22" presetClass="entr" presetSubtype="8" fill="hold" grpId="0" nodeType="afterEffect">
+                                <p:cTn id="5" presetID="22" presetClass="exit" presetSubtype="1" fill="hold" nodeType="withEffect">
                                   <p:stCondLst>
                                     <p:cond delay="0"/>
                                   </p:stCondLst>
                                   <p:childTnLst>
+                                    <p:animEffect transition="out" filter="wipe(up)">
+                                      <p:cBhvr>
+                                        <p:cTn id="6" dur="500"/>
+                                        <p:tgtEl>
+                                          <p:spTgt spid="5"/>
+                                        </p:tgtEl>
+                                      </p:cBhvr>
+                                    </p:animEffect>
                                     <p:set>
                                       <p:cBhvr>
-                                        <p:cTn id="6" dur="1" fill="hold">
+                                        <p:cTn id="7" dur="1" fill="hold">
                                           <p:stCondLst>
-                                            <p:cond delay="0"/>
+                                            <p:cond delay="499"/>
                                           </p:stCondLst>
                                         </p:cTn>
                                         <p:tgtEl>
-                                          <p:spTgt spid="3">
-                                            <p:txEl>
-                                              <p:pRg st="0" end="0"/>
-                                            </p:txEl>
-                                          </p:spTgt>
+                                          <p:spTgt spid="5"/>
                                         </p:tgtEl>
                                         <p:attrNameLst>
                                           <p:attrName>style.visibility</p:attrName>
                                         </p:attrNameLst>
                                       </p:cBhvr>
                                       <p:to>
-                                        <p:strVal val="visible"/>
+                                        <p:strVal val="hidden"/>
                                       </p:to>
                                     </p:set>
-                                    <p:animEffect transition="in" filter="wipe(left)">
-                                      <p:cBhvr>
-                                        <p:cTn id="7" dur="500"/>
-                                        <p:tgtEl>
-                                          <p:spTgt spid="3">
-                                            <p:txEl>
-                                              <p:pRg st="0" end="0"/>
-                                            </p:txEl>
-                                          </p:spTgt>
-                                        </p:tgtEl>
-                                      </p:cBhvr>
-                                    </p:animEffect>
                                   </p:childTnLst>
                                 </p:cTn>
                               </p:par>
-                            </p:childTnLst>
-                          </p:cTn>
-                        </p:par>
-                        <p:par>
-                          <p:cTn id="8" fill="hold">
-                            <p:stCondLst>
-                              <p:cond delay="500"/>
-                            </p:stCondLst>
-                            <p:childTnLst>
                               <p:par>
-                                <p:cTn id="9" presetID="22" presetClass="entr" presetSubtype="8" fill="hold" grpId="0" nodeType="afterEffect">
+                                <p:cTn id="8" presetID="22" presetClass="exit" presetSubtype="8" fill="hold" nodeType="withEffect">
                                   <p:stCondLst>
-                                    <p:cond delay="0"/>
+                                    <p:cond delay="100"/>
                                   </p:stCondLst>
                                   <p:childTnLst>
+                                    <p:animEffect transition="out" filter="wipe(left)">
+                                      <p:cBhvr>
+                                        <p:cTn id="9" dur="500"/>
+                                        <p:tgtEl>
+                                          <p:spTgt spid="7"/>
+                                        </p:tgtEl>
+                                      </p:cBhvr>
+                                    </p:animEffect>
                                     <p:set>
                                       <p:cBhvr>
                                         <p:cTn id="10" dur="1" fill="hold">
                                           <p:stCondLst>
-                                            <p:cond delay="0"/>
+                                            <p:cond delay="499"/>
                                           </p:stCondLst>
                                         </p:cTn>
                                         <p:tgtEl>
-                                          <p:spTgt spid="3">
-                                            <p:txEl>
-                                              <p:pRg st="1" end="1"/>
-                                            </p:txEl>
-                                          </p:spTgt>
+                                          <p:spTgt spid="7"/>
                                         </p:tgtEl>
                                         <p:attrNameLst>
                                           <p:attrName>style.visibility</p:attrName>
                                         </p:attrNameLst>
                                       </p:cBhvr>
                                       <p:to>
-                                        <p:strVal val="visible"/>
+                                        <p:strVal val="hidden"/>
                                       </p:to>
                                     </p:set>
-                                    <p:animEffect transition="in" filter="wipe(left)">
-                                      <p:cBhvr>
-                                        <p:cTn id="11" dur="750"/>
-                                        <p:tgtEl>
-                                          <p:spTgt spid="3">
-                                            <p:txEl>
-                                              <p:pRg st="1" end="1"/>
-                                            </p:txEl>
-                                          </p:spTgt>
-                                        </p:tgtEl>
-                                      </p:cBhvr>
-                                    </p:animEffect>
                                   </p:childTnLst>
                                 </p:cTn>
                               </p:par>
-                            </p:childTnLst>
-                          </p:cTn>
-                        </p:par>
-                        <p:par>
-                          <p:cTn id="12" fill="hold">
-                            <p:stCondLst>
-                              <p:cond delay="1250"/>
-                            </p:stCondLst>
-                            <p:childTnLst>
                               <p:par>
-                                <p:cTn id="13" presetID="22" presetClass="entr" presetSubtype="8" fill="hold" grpId="0" nodeType="afterEffect">
+                                <p:cTn id="11" presetID="22" presetClass="exit" presetSubtype="8" fill="hold" nodeType="withEffect">
                                   <p:stCondLst>
-                                    <p:cond delay="0"/>
+                                    <p:cond delay="300"/>
                                   </p:stCondLst>
                                   <p:childTnLst>
+                                    <p:animEffect transition="out" filter="wipe(left)">
+                                      <p:cBhvr>
+                                        <p:cTn id="12" dur="500"/>
+                                        <p:tgtEl>
+                                          <p:spTgt spid="8"/>
+                                        </p:tgtEl>
+                                      </p:cBhvr>
+                                    </p:animEffect>
                                     <p:set>
                                       <p:cBhvr>
-                                        <p:cTn id="14" dur="1" fill="hold">
+                                        <p:cTn id="13" dur="1" fill="hold">
                                           <p:stCondLst>
-                                            <p:cond delay="0"/>
+                                            <p:cond delay="499"/>
                                           </p:stCondLst>
                                         </p:cTn>
                                         <p:tgtEl>
-                                          <p:spTgt spid="3">
-                                            <p:txEl>
-                                              <p:pRg st="2" end="2"/>
-                                            </p:txEl>
-                                          </p:spTgt>
+                                          <p:spTgt spid="8"/>
                                         </p:tgtEl>
                                         <p:attrNameLst>
                                           <p:attrName>style.visibility</p:attrName>
                                         </p:attrNameLst>
                                       </p:cBhvr>
                                       <p:to>
-                                        <p:strVal val="visible"/>
+                                        <p:strVal val="hidden"/>
                                       </p:to>
                                     </p:set>
-                                    <p:animEffect transition="in" filter="wipe(left)">
-                                      <p:cBhvr>
-                                        <p:cTn id="15" dur="750"/>
-                                        <p:tgtEl>
-                                          <p:spTgt spid="3">
-                                            <p:txEl>
-                                              <p:pRg st="2" end="2"/>
-                                            </p:txEl>
-                                          </p:spTgt>
-                                        </p:tgtEl>
-                                      </p:cBhvr>
-                                    </p:animEffect>
                                   </p:childTnLst>
                                 </p:cTn>
                               </p:par>
-                            </p:childTnLst>
-                          </p:cTn>
-                        </p:par>
-                        <p:par>
-                          <p:cTn id="16" fill="hold">
-                            <p:stCondLst>
-                              <p:cond delay="2000"/>
-                            </p:stCondLst>
-                            <p:childTnLst>
                               <p:par>
-                                <p:cTn id="17" presetID="22" presetClass="entr" presetSubtype="8" fill="hold" grpId="0" nodeType="afterEffect">
+                                <p:cTn id="14" presetID="22" presetClass="exit" presetSubtype="8" fill="hold" nodeType="withEffect">
                                   <p:stCondLst>
-                                    <p:cond delay="0"/>
+                                    <p:cond delay="500"/>
                                   </p:stCondLst>
                                   <p:childTnLst>
+                                    <p:animEffect transition="out" filter="wipe(left)">
+                                      <p:cBhvr>
+                                        <p:cTn id="15" dur="500"/>
+                                        <p:tgtEl>
+                                          <p:spTgt spid="9"/>
+                                        </p:tgtEl>
+                                      </p:cBhvr>
+                                    </p:animEffect>
                                     <p:set>
                                       <p:cBhvr>
-                                        <p:cTn id="18" dur="1" fill="hold">
+                                        <p:cTn id="16" dur="1" fill="hold">
                                           <p:stCondLst>
-                                            <p:cond delay="0"/>
+                                            <p:cond delay="499"/>
                                           </p:stCondLst>
                                         </p:cTn>
                                         <p:tgtEl>
-                                          <p:spTgt spid="3">
-                                            <p:txEl>
-                                              <p:pRg st="3" end="3"/>
-                                            </p:txEl>
-                                          </p:spTgt>
+                                          <p:spTgt spid="9"/>
                                         </p:tgtEl>
                                         <p:attrNameLst>
                                           <p:attrName>style.visibility</p:attrName>
                                         </p:attrNameLst>
                                       </p:cBhvr>
                                       <p:to>
-                                        <p:strVal val="visible"/>
+                                        <p:strVal val="hidden"/>
                                       </p:to>
                                     </p:set>
-                                    <p:animEffect transition="in" filter="wipe(left)">
-                                      <p:cBhvr>
-                                        <p:cTn id="19" dur="750"/>
-                                        <p:tgtEl>
-                                          <p:spTgt spid="3">
-                                            <p:txEl>
-                                              <p:pRg st="3" end="3"/>
-                                            </p:txEl>
-                                          </p:spTgt>
-                                        </p:tgtEl>
-                                      </p:cBhvr>
-                                    </p:animEffect>
                                   </p:childTnLst>
                                 </p:cTn>
                               </p:par>
-                            </p:childTnLst>
-                          </p:cTn>
-                        </p:par>
-                        <p:par>
-                          <p:cTn id="20" fill="hold">
-                            <p:stCondLst>
-                              <p:cond delay="2750"/>
-                            </p:stCondLst>
-                            <p:childTnLst>
                               <p:par>
-                                <p:cTn id="21" presetID="22" presetClass="entr" presetSubtype="8" fill="hold" grpId="0" nodeType="afterEffect">
+                                <p:cTn id="17" presetID="22" presetClass="exit" presetSubtype="8" fill="hold" nodeType="withEffect">
                                   <p:stCondLst>
-                                    <p:cond delay="0"/>
+                                    <p:cond delay="700"/>
                                   </p:stCondLst>
                                   <p:childTnLst>
+                                    <p:animEffect transition="out" filter="wipe(left)">
+                                      <p:cBhvr>
+                                        <p:cTn id="18" dur="500"/>
+                                        <p:tgtEl>
+                                          <p:spTgt spid="10"/>
+                                        </p:tgtEl>
+                                      </p:cBhvr>
+                                    </p:animEffect>
                                     <p:set>
                                       <p:cBhvr>
-                                        <p:cTn id="22" dur="1" fill="hold">
+                                        <p:cTn id="19" dur="1" fill="hold">
                                           <p:stCondLst>
-                                            <p:cond delay="0"/>
+                                            <p:cond delay="499"/>
                                           </p:stCondLst>
                                         </p:cTn>
                                         <p:tgtEl>
-                                          <p:spTgt spid="3">
-                                            <p:txEl>
-                                              <p:pRg st="4" end="4"/>
-                                            </p:txEl>
-                                          </p:spTgt>
+                                          <p:spTgt spid="10"/>
                                         </p:tgtEl>
                                         <p:attrNameLst>
                                           <p:attrName>style.visibility</p:attrName>
                                         </p:attrNameLst>
                                       </p:cBhvr>
                                       <p:to>
-                                        <p:strVal val="visible"/>
+                                        <p:strVal val="hidden"/>
                                       </p:to>
                                     </p:set>
-                                    <p:animEffect transition="in" filter="wipe(left)">
-                                      <p:cBhvr>
-                                        <p:cTn id="23" dur="750"/>
-                                        <p:tgtEl>
-                                          <p:spTgt spid="3">
-                                            <p:txEl>
-                                              <p:pRg st="4" end="4"/>
-                                            </p:txEl>
-                                          </p:spTgt>
-                                        </p:tgtEl>
-                                      </p:cBhvr>
-                                    </p:animEffect>
                                   </p:childTnLst>
                                 </p:cTn>
                               </p:par>
-                            </p:childTnLst>
-                          </p:cTn>
-                        </p:par>
-                        <p:par>
-                          <p:cTn id="24" fill="hold">
-                            <p:stCondLst>
-                              <p:cond delay="3500"/>
-                            </p:stCondLst>
-                            <p:childTnLst>
                               <p:par>
-                                <p:cTn id="25" presetID="22" presetClass="entr" presetSubtype="8" fill="hold" grpId="0" nodeType="afterEffect">
+                                <p:cTn id="20" presetID="22" presetClass="exit" presetSubtype="8" fill="hold" nodeType="withEffect">
                                   <p:stCondLst>
-                                    <p:cond delay="0"/>
+                                    <p:cond delay="800"/>
                                   </p:stCondLst>
                                   <p:childTnLst>
+                                    <p:animEffect transition="out" filter="wipe(left)">
+                                      <p:cBhvr>
+                                        <p:cTn id="21" dur="500"/>
+                                        <p:tgtEl>
+                                          <p:spTgt spid="11"/>
+                                        </p:tgtEl>
+                                      </p:cBhvr>
+                                    </p:animEffect>
                                     <p:set>
                                       <p:cBhvr>
-                                        <p:cTn id="26" dur="1" fill="hold">
+                                        <p:cTn id="22" dur="1" fill="hold">
                                           <p:stCondLst>
-                                            <p:cond delay="0"/>
+                                            <p:cond delay="499"/>
                                           </p:stCondLst>
                                         </p:cTn>
                                         <p:tgtEl>
-                                          <p:spTgt spid="3">
-                                            <p:txEl>
-                                              <p:pRg st="5" end="5"/>
-                                            </p:txEl>
-                                          </p:spTgt>
+                                          <p:spTgt spid="11"/>
                                         </p:tgtEl>
                                         <p:attrNameLst>
                                           <p:attrName>style.visibility</p:attrName>
                                         </p:attrNameLst>
                                       </p:cBhvr>
                                       <p:to>
-                                        <p:strVal val="visible"/>
+                                        <p:strVal val="hidden"/>
                                       </p:to>
                                     </p:set>
-                                    <p:animEffect transition="in" filter="wipe(left)">
-                                      <p:cBhvr>
-                                        <p:cTn id="27" dur="750"/>
-                                        <p:tgtEl>
-                                          <p:spTgt spid="3">
-                                            <p:txEl>
-                                              <p:pRg st="5" end="5"/>
-                                            </p:txEl>
-                                          </p:spTgt>
+                                  </p:childTnLst>
+                                </p:cTn>
+                              </p:par>
+                              <p:par>
+                                <p:cTn id="23" presetID="22" presetClass="exit" presetSubtype="8" fill="hold" nodeType="withEffect">
+                                  <p:stCondLst>
+                                    <p:cond delay="900"/>
+                                  </p:stCondLst>
+                                  <p:childTnLst>
+                                    <p:animEffect transition="out" filter="wipe(left)">
+                                      <p:cBhvr>
+                                        <p:cTn id="24" dur="500"/>
+                                        <p:tgtEl>
+                                          <p:spTgt spid="12"/>
                                         </p:tgtEl>
                                       </p:cBhvr>
                                     </p:animEffect>
+                                    <p:set>
+                                      <p:cBhvr>
+                                        <p:cTn id="25" dur="1" fill="hold">
+                                          <p:stCondLst>
+                                            <p:cond delay="499"/>
+                                          </p:stCondLst>
+                                        </p:cTn>
+                                        <p:tgtEl>
+                                          <p:spTgt spid="12"/>
+                                        </p:tgtEl>
+                                        <p:attrNameLst>
+                                          <p:attrName>style.visibility</p:attrName>
+                                        </p:attrNameLst>
+                                      </p:cBhvr>
+                                      <p:to>
+                                        <p:strVal val="hidden"/>
+                                      </p:to>
+                                    </p:set>
+                                  </p:childTnLst>
+                                </p:cTn>
+                              </p:par>
+                              <p:par>
+                                <p:cTn id="26" presetID="22" presetClass="exit" presetSubtype="8" fill="hold" nodeType="withEffect">
+                                  <p:stCondLst>
+                                    <p:cond delay="1000"/>
+                                  </p:stCondLst>
+                                  <p:childTnLst>
+                                    <p:animEffect transition="out" filter="wipe(left)">
+                                      <p:cBhvr>
+                                        <p:cTn id="27" dur="500"/>
+                                        <p:tgtEl>
+                                          <p:spTgt spid="13"/>
+                                        </p:tgtEl>
+                                      </p:cBhvr>
+                                    </p:animEffect>
+                                    <p:set>
+                                      <p:cBhvr>
+                                        <p:cTn id="28" dur="1" fill="hold">
+                                          <p:stCondLst>
+                                            <p:cond delay="499"/>
+                                          </p:stCondLst>
+                                        </p:cTn>
+                                        <p:tgtEl>
+                                          <p:spTgt spid="13"/>
+                                        </p:tgtEl>
+                                        <p:attrNameLst>
+                                          <p:attrName>style.visibility</p:attrName>
+                                        </p:attrNameLst>
+                                      </p:cBhvr>
+                                      <p:to>
+                                        <p:strVal val="hidden"/>
+                                      </p:to>
+                                    </p:set>
                                   </p:childTnLst>
                                 </p:cTn>
                               </p:par>
@@ -24489,144 +25574,6 @@
             </p:seq>
           </p:childTnLst>
         </p:cTn>
-      </p:par>
-    </p:tnLst>
-    <p:bldLst>
-      <p:bldP spid="3" grpId="0" uiExpand="1" build="p"/>
-    </p:bldLst>
-  </p:timing>
-</p:sld>
-</file>
-
-<file path=ppt/slides/slide28.xml><?xml version="1.0" encoding="utf-8"?>
-<p:sld xmlns:a="http://schemas.openxmlformats.org/drawingml/2006/main" xmlns:r="http://schemas.openxmlformats.org/officeDocument/2006/relationships" xmlns:p="http://schemas.openxmlformats.org/presentationml/2006/main">
-  <p:cSld>
-    <p:bg>
-      <p:bgPr>
-        <a:solidFill>
-          <a:schemeClr val="accent1">
-            <a:lumMod val="40000"/>
-            <a:lumOff val="60000"/>
-          </a:schemeClr>
-        </a:solidFill>
-        <a:effectLst/>
-      </p:bgPr>
-    </p:bg>
-    <p:spTree>
-      <p:nvGrpSpPr>
-        <p:cNvPr id="1" name=""/>
-        <p:cNvGrpSpPr/>
-        <p:nvPr/>
-      </p:nvGrpSpPr>
-      <p:grpSpPr>
-        <a:xfrm>
-          <a:off x="0" y="0"/>
-          <a:ext cx="0" cy="0"/>
-          <a:chOff x="0" y="0"/>
-          <a:chExt cx="0" cy="0"/>
-        </a:xfrm>
-      </p:grpSpPr>
-      <p:sp>
-        <p:nvSpPr>
-          <p:cNvPr id="3" name="Объект 2">
-            <a:extLst>
-              <a:ext uri="{FF2B5EF4-FFF2-40B4-BE49-F238E27FC236}">
-                <a16:creationId xmlns:a16="http://schemas.microsoft.com/office/drawing/2014/main" id="{FDD66E0C-00D7-4757-B104-C4DA0AC303AB}"/>
-              </a:ext>
-            </a:extLst>
-          </p:cNvPr>
-          <p:cNvSpPr>
-            <a:spLocks noGrp="1"/>
-          </p:cNvSpPr>
-          <p:nvPr>
-            <p:ph idx="1"/>
-          </p:nvPr>
-        </p:nvSpPr>
-        <p:spPr>
-          <a:xfrm>
-            <a:off x="3718259" y="3028449"/>
-            <a:ext cx="4987592" cy="772026"/>
-          </a:xfrm>
-        </p:spPr>
-        <p:txBody>
-          <a:bodyPr>
-            <a:noAutofit/>
-          </a:bodyPr>
-          <a:lstStyle/>
-          <a:p>
-            <a:pPr marL="0" indent="0">
-              <a:buNone/>
-            </a:pPr>
-            <a:r>
-              <a:rPr lang="en-US" sz="4000" cap="none" dirty="0" err="1"/>
-              <a:t>Спасибо</a:t>
-            </a:r>
-            <a:r>
-              <a:rPr lang="en-US" sz="4000" cap="none" dirty="0"/>
-              <a:t> </a:t>
-            </a:r>
-            <a:r>
-              <a:rPr lang="en-US" sz="4000" cap="none" dirty="0" err="1"/>
-              <a:t>за</a:t>
-            </a:r>
-            <a:r>
-              <a:rPr lang="en-US" sz="4000" cap="none" dirty="0"/>
-              <a:t> </a:t>
-            </a:r>
-            <a:r>
-              <a:rPr lang="en-US" sz="4000" cap="none" dirty="0" err="1"/>
-              <a:t>внимание</a:t>
-            </a:r>
-            <a:endParaRPr lang="ru-RU" sz="4000" cap="none" dirty="0"/>
-          </a:p>
-        </p:txBody>
-      </p:sp>
-      <p:sp>
-        <p:nvSpPr>
-          <p:cNvPr id="4" name="Номер слайда 3">
-            <a:extLst>
-              <a:ext uri="{FF2B5EF4-FFF2-40B4-BE49-F238E27FC236}">
-                <a16:creationId xmlns:a16="http://schemas.microsoft.com/office/drawing/2014/main" id="{561AD5B8-DA2F-42D6-B8FB-E0916FA1D5D4}"/>
-              </a:ext>
-            </a:extLst>
-          </p:cNvPr>
-          <p:cNvSpPr>
-            <a:spLocks noGrp="1"/>
-          </p:cNvSpPr>
-          <p:nvPr>
-            <p:ph type="sldNum" sz="quarter" idx="12"/>
-          </p:nvPr>
-        </p:nvSpPr>
-        <p:spPr/>
-        <p:txBody>
-          <a:bodyPr/>
-          <a:lstStyle/>
-          <a:p>
-            <a:r>
-              <a:rPr lang="en-US" dirty="0" smtClean="0"/>
-              <a:t>22</a:t>
-            </a:r>
-            <a:endParaRPr lang="ru-RU" dirty="0"/>
-          </a:p>
-        </p:txBody>
-      </p:sp>
-    </p:spTree>
-    <p:extLst>
-      <p:ext uri="{BB962C8B-B14F-4D97-AF65-F5344CB8AC3E}">
-        <p14:creationId xmlns:p14="http://schemas.microsoft.com/office/powerpoint/2010/main" val="286727986"/>
-      </p:ext>
-    </p:extLst>
-  </p:cSld>
-  <p:clrMapOvr>
-    <a:masterClrMapping/>
-  </p:clrMapOvr>
-  <p:transition spd="slow">
-    <p:push dir="u"/>
-  </p:transition>
-  <p:timing>
-    <p:tnLst>
-      <p:par>
-        <p:cTn id="1" dur="indefinite" restart="never" nodeType="tmRoot"/>
       </p:par>
     </p:tnLst>
   </p:timing>
@@ -25202,6 +26149,769 @@
             </p:seq>
           </p:childTnLst>
         </p:cTn>
+      </p:par>
+    </p:tnLst>
+  </p:timing>
+</p:sld>
+</file>
+
+<file path=ppt/slides/slide30.xml><?xml version="1.0" encoding="utf-8"?>
+<p:sld xmlns:a="http://schemas.openxmlformats.org/drawingml/2006/main" xmlns:r="http://schemas.openxmlformats.org/officeDocument/2006/relationships" xmlns:p="http://schemas.openxmlformats.org/presentationml/2006/main">
+  <p:cSld>
+    <p:bg>
+      <p:bgPr>
+        <a:solidFill>
+          <a:schemeClr val="accent1">
+            <a:lumMod val="20000"/>
+            <a:lumOff val="80000"/>
+          </a:schemeClr>
+        </a:solidFill>
+        <a:effectLst/>
+      </p:bgPr>
+    </p:bg>
+    <p:spTree>
+      <p:nvGrpSpPr>
+        <p:cNvPr id="1" name=""/>
+        <p:cNvGrpSpPr/>
+        <p:nvPr/>
+      </p:nvGrpSpPr>
+      <p:grpSpPr>
+        <a:xfrm>
+          <a:off x="0" y="0"/>
+          <a:ext cx="0" cy="0"/>
+          <a:chOff x="0" y="0"/>
+          <a:chExt cx="0" cy="0"/>
+        </a:xfrm>
+      </p:grpSpPr>
+      <p:sp>
+        <p:nvSpPr>
+          <p:cNvPr id="2" name="Заголовок 1">
+            <a:extLst>
+              <a:ext uri="{FF2B5EF4-FFF2-40B4-BE49-F238E27FC236}">
+                <a16:creationId xmlns:a16="http://schemas.microsoft.com/office/drawing/2014/main" id="{C4CD3C15-ABF4-4E89-B3FD-DE353DEC3513}"/>
+              </a:ext>
+            </a:extLst>
+          </p:cNvPr>
+          <p:cNvSpPr>
+            <a:spLocks noGrp="1"/>
+          </p:cNvSpPr>
+          <p:nvPr>
+            <p:ph type="title"/>
+          </p:nvPr>
+        </p:nvSpPr>
+        <p:spPr/>
+        <p:txBody>
+          <a:bodyPr>
+            <a:normAutofit/>
+          </a:bodyPr>
+          <a:lstStyle/>
+          <a:p>
+            <a:r>
+              <a:rPr lang="ru-RU" sz="4000" cap="none" dirty="0">
+                <a:latin typeface="+mn-lt"/>
+                <a:ea typeface="+mn-ea"/>
+                <a:cs typeface="+mn-cs"/>
+              </a:rPr>
+              <a:t>Заключение</a:t>
+            </a:r>
+          </a:p>
+        </p:txBody>
+      </p:sp>
+      <p:sp>
+        <p:nvSpPr>
+          <p:cNvPr id="3" name="Объект 2">
+            <a:extLst>
+              <a:ext uri="{FF2B5EF4-FFF2-40B4-BE49-F238E27FC236}">
+                <a16:creationId xmlns:a16="http://schemas.microsoft.com/office/drawing/2014/main" id="{C61DCF67-7398-4D5E-9789-2F17ED9D1D4A}"/>
+              </a:ext>
+            </a:extLst>
+          </p:cNvPr>
+          <p:cNvSpPr>
+            <a:spLocks noGrp="1"/>
+          </p:cNvSpPr>
+          <p:nvPr>
+            <p:ph idx="1"/>
+          </p:nvPr>
+        </p:nvSpPr>
+        <p:spPr/>
+        <p:txBody>
+          <a:bodyPr>
+            <a:normAutofit fontScale="55000" lnSpcReduction="20000"/>
+          </a:bodyPr>
+          <a:lstStyle/>
+          <a:p>
+            <a:pPr marL="0" indent="0">
+              <a:lnSpc>
+                <a:spcPct val="150000"/>
+              </a:lnSpc>
+              <a:buNone/>
+            </a:pPr>
+            <a:r>
+              <a:rPr lang="ru-RU" sz="4300" cap="none" dirty="0"/>
+              <a:t>Были решены следующие задачи: </a:t>
+            </a:r>
+          </a:p>
+          <a:p>
+            <a:pPr marL="0" indent="0">
+              <a:lnSpc>
+                <a:spcPct val="150000"/>
+              </a:lnSpc>
+              <a:buNone/>
+            </a:pPr>
+            <a:r>
+              <a:rPr lang="ru-RU" sz="4300" cap="none" dirty="0"/>
+              <a:t>1. Исследована компания ООО «Автоматизация розничных технологий»</a:t>
+            </a:r>
+          </a:p>
+          <a:p>
+            <a:pPr marL="0" indent="0">
+              <a:lnSpc>
+                <a:spcPct val="150000"/>
+              </a:lnSpc>
+              <a:buNone/>
+            </a:pPr>
+            <a:r>
+              <a:rPr lang="ru-RU" sz="4300" cap="none" dirty="0"/>
+              <a:t>2. Спроектировано мобильное приложение</a:t>
+            </a:r>
+          </a:p>
+          <a:p>
+            <a:pPr marL="0" indent="0">
+              <a:lnSpc>
+                <a:spcPct val="150000"/>
+              </a:lnSpc>
+              <a:buNone/>
+            </a:pPr>
+            <a:r>
+              <a:rPr lang="ru-RU" sz="4300" cap="none" dirty="0"/>
+              <a:t>3. Выполнена разработка приложения</a:t>
+            </a:r>
+          </a:p>
+          <a:p>
+            <a:pPr marL="0" indent="0">
+              <a:lnSpc>
+                <a:spcPct val="150000"/>
+              </a:lnSpc>
+              <a:buNone/>
+            </a:pPr>
+            <a:r>
+              <a:rPr lang="ru-RU" sz="4300" cap="none" dirty="0"/>
+              <a:t>4. Проведен анализ уязвимости системы и приведены контрмеры</a:t>
+            </a:r>
+          </a:p>
+          <a:p>
+            <a:pPr marL="0" indent="0">
+              <a:lnSpc>
+                <a:spcPct val="150000"/>
+              </a:lnSpc>
+              <a:buNone/>
+            </a:pPr>
+            <a:r>
+              <a:rPr lang="ru-RU" sz="4300" cap="none" dirty="0"/>
+              <a:t>5. Путем расчета получены данные об экономической эффективности</a:t>
+            </a:r>
+          </a:p>
+          <a:p>
+            <a:pPr>
+              <a:lnSpc>
+                <a:spcPts val="6299"/>
+              </a:lnSpc>
+            </a:pPr>
+            <a:endParaRPr lang="ru-RU" sz="3200" dirty="0">
+              <a:solidFill>
+                <a:srgbClr val="191919"/>
+              </a:solidFill>
+            </a:endParaRPr>
+          </a:p>
+          <a:p>
+            <a:pPr marL="0" indent="0">
+              <a:buNone/>
+            </a:pPr>
+            <a:endParaRPr lang="ru-RU" dirty="0"/>
+          </a:p>
+        </p:txBody>
+      </p:sp>
+      <p:sp>
+        <p:nvSpPr>
+          <p:cNvPr id="4" name="Номер слайда 3">
+            <a:extLst>
+              <a:ext uri="{FF2B5EF4-FFF2-40B4-BE49-F238E27FC236}">
+                <a16:creationId xmlns:a16="http://schemas.microsoft.com/office/drawing/2014/main" id="{5466969B-5285-473F-A38A-1F74C33C162C}"/>
+              </a:ext>
+            </a:extLst>
+          </p:cNvPr>
+          <p:cNvSpPr>
+            <a:spLocks noGrp="1"/>
+          </p:cNvSpPr>
+          <p:nvPr>
+            <p:ph type="sldNum" sz="quarter" idx="12"/>
+          </p:nvPr>
+        </p:nvSpPr>
+        <p:spPr/>
+        <p:txBody>
+          <a:bodyPr/>
+          <a:lstStyle/>
+          <a:p>
+            <a:r>
+              <a:rPr lang="en-US" dirty="0" smtClean="0"/>
+              <a:t>21</a:t>
+            </a:r>
+            <a:endParaRPr lang="ru-RU" dirty="0"/>
+          </a:p>
+        </p:txBody>
+      </p:sp>
+    </p:spTree>
+    <p:extLst>
+      <p:ext uri="{BB962C8B-B14F-4D97-AF65-F5344CB8AC3E}">
+        <p14:creationId xmlns:p14="http://schemas.microsoft.com/office/powerpoint/2010/main" val="2080299485"/>
+      </p:ext>
+    </p:extLst>
+  </p:cSld>
+  <p:clrMapOvr>
+    <a:masterClrMapping/>
+  </p:clrMapOvr>
+  <mc:AlternateContent xmlns:mc="http://schemas.openxmlformats.org/markup-compatibility/2006" xmlns:p14="http://schemas.microsoft.com/office/powerpoint/2010/main">
+    <mc:Choice Requires="p14">
+      <p:transition p14:dur="0"/>
+    </mc:Choice>
+    <mc:Fallback xmlns="">
+      <p:transition/>
+    </mc:Fallback>
+  </mc:AlternateContent>
+  <p:timing>
+    <p:tnLst>
+      <p:par>
+        <p:cTn id="1" dur="indefinite" restart="never" nodeType="tmRoot">
+          <p:childTnLst>
+            <p:seq concurrent="1" nextAc="seek">
+              <p:cTn id="2" dur="indefinite" nodeType="mainSeq">
+                <p:childTnLst>
+                  <p:par>
+                    <p:cTn id="3" fill="hold">
+                      <p:stCondLst>
+                        <p:cond delay="indefinite"/>
+                        <p:cond evt="onBegin" delay="0">
+                          <p:tn val="2"/>
+                        </p:cond>
+                      </p:stCondLst>
+                      <p:childTnLst>
+                        <p:par>
+                          <p:cTn id="4" fill="hold">
+                            <p:stCondLst>
+                              <p:cond delay="0"/>
+                            </p:stCondLst>
+                            <p:childTnLst>
+                              <p:par>
+                                <p:cTn id="5" presetID="22" presetClass="entr" presetSubtype="8" fill="hold" grpId="0" nodeType="withEffect">
+                                  <p:stCondLst>
+                                    <p:cond delay="0"/>
+                                  </p:stCondLst>
+                                  <p:childTnLst>
+                                    <p:set>
+                                      <p:cBhvr>
+                                        <p:cTn id="6" dur="1" fill="hold">
+                                          <p:stCondLst>
+                                            <p:cond delay="0"/>
+                                          </p:stCondLst>
+                                        </p:cTn>
+                                        <p:tgtEl>
+                                          <p:spTgt spid="2"/>
+                                        </p:tgtEl>
+                                        <p:attrNameLst>
+                                          <p:attrName>style.visibility</p:attrName>
+                                        </p:attrNameLst>
+                                      </p:cBhvr>
+                                      <p:to>
+                                        <p:strVal val="visible"/>
+                                      </p:to>
+                                    </p:set>
+                                    <p:animEffect transition="in" filter="wipe(left)">
+                                      <p:cBhvr>
+                                        <p:cTn id="7" dur="500"/>
+                                        <p:tgtEl>
+                                          <p:spTgt spid="2"/>
+                                        </p:tgtEl>
+                                      </p:cBhvr>
+                                    </p:animEffect>
+                                  </p:childTnLst>
+                                </p:cTn>
+                              </p:par>
+                            </p:childTnLst>
+                          </p:cTn>
+                        </p:par>
+                        <p:par>
+                          <p:cTn id="8" fill="hold">
+                            <p:stCondLst>
+                              <p:cond delay="500"/>
+                            </p:stCondLst>
+                            <p:childTnLst>
+                              <p:par>
+                                <p:cTn id="9" presetID="22" presetClass="entr" presetSubtype="8" fill="hold" grpId="0" nodeType="afterEffect">
+                                  <p:stCondLst>
+                                    <p:cond delay="0"/>
+                                  </p:stCondLst>
+                                  <p:childTnLst>
+                                    <p:set>
+                                      <p:cBhvr>
+                                        <p:cTn id="10" dur="1" fill="hold">
+                                          <p:stCondLst>
+                                            <p:cond delay="0"/>
+                                          </p:stCondLst>
+                                        </p:cTn>
+                                        <p:tgtEl>
+                                          <p:spTgt spid="3">
+                                            <p:txEl>
+                                              <p:pRg st="0" end="0"/>
+                                            </p:txEl>
+                                          </p:spTgt>
+                                        </p:tgtEl>
+                                        <p:attrNameLst>
+                                          <p:attrName>style.visibility</p:attrName>
+                                        </p:attrNameLst>
+                                      </p:cBhvr>
+                                      <p:to>
+                                        <p:strVal val="visible"/>
+                                      </p:to>
+                                    </p:set>
+                                    <p:animEffect transition="in" filter="wipe(left)">
+                                      <p:cBhvr>
+                                        <p:cTn id="11" dur="500"/>
+                                        <p:tgtEl>
+                                          <p:spTgt spid="3">
+                                            <p:txEl>
+                                              <p:pRg st="0" end="0"/>
+                                            </p:txEl>
+                                          </p:spTgt>
+                                        </p:tgtEl>
+                                      </p:cBhvr>
+                                    </p:animEffect>
+                                  </p:childTnLst>
+                                </p:cTn>
+                              </p:par>
+                            </p:childTnLst>
+                          </p:cTn>
+                        </p:par>
+                        <p:par>
+                          <p:cTn id="12" fill="hold">
+                            <p:stCondLst>
+                              <p:cond delay="1000"/>
+                            </p:stCondLst>
+                            <p:childTnLst>
+                              <p:par>
+                                <p:cTn id="13" presetID="22" presetClass="entr" presetSubtype="8" fill="hold" grpId="0" nodeType="afterEffect">
+                                  <p:stCondLst>
+                                    <p:cond delay="0"/>
+                                  </p:stCondLst>
+                                  <p:childTnLst>
+                                    <p:set>
+                                      <p:cBhvr>
+                                        <p:cTn id="14" dur="1" fill="hold">
+                                          <p:stCondLst>
+                                            <p:cond delay="0"/>
+                                          </p:stCondLst>
+                                        </p:cTn>
+                                        <p:tgtEl>
+                                          <p:spTgt spid="3">
+                                            <p:txEl>
+                                              <p:pRg st="1" end="1"/>
+                                            </p:txEl>
+                                          </p:spTgt>
+                                        </p:tgtEl>
+                                        <p:attrNameLst>
+                                          <p:attrName>style.visibility</p:attrName>
+                                        </p:attrNameLst>
+                                      </p:cBhvr>
+                                      <p:to>
+                                        <p:strVal val="visible"/>
+                                      </p:to>
+                                    </p:set>
+                                    <p:animEffect transition="in" filter="wipe(left)">
+                                      <p:cBhvr>
+                                        <p:cTn id="15" dur="750"/>
+                                        <p:tgtEl>
+                                          <p:spTgt spid="3">
+                                            <p:txEl>
+                                              <p:pRg st="1" end="1"/>
+                                            </p:txEl>
+                                          </p:spTgt>
+                                        </p:tgtEl>
+                                      </p:cBhvr>
+                                    </p:animEffect>
+                                  </p:childTnLst>
+                                </p:cTn>
+                              </p:par>
+                            </p:childTnLst>
+                          </p:cTn>
+                        </p:par>
+                        <p:par>
+                          <p:cTn id="16" fill="hold">
+                            <p:stCondLst>
+                              <p:cond delay="1750"/>
+                            </p:stCondLst>
+                            <p:childTnLst>
+                              <p:par>
+                                <p:cTn id="17" presetID="22" presetClass="entr" presetSubtype="8" fill="hold" grpId="0" nodeType="afterEffect">
+                                  <p:stCondLst>
+                                    <p:cond delay="0"/>
+                                  </p:stCondLst>
+                                  <p:childTnLst>
+                                    <p:set>
+                                      <p:cBhvr>
+                                        <p:cTn id="18" dur="1" fill="hold">
+                                          <p:stCondLst>
+                                            <p:cond delay="0"/>
+                                          </p:stCondLst>
+                                        </p:cTn>
+                                        <p:tgtEl>
+                                          <p:spTgt spid="3">
+                                            <p:txEl>
+                                              <p:pRg st="2" end="2"/>
+                                            </p:txEl>
+                                          </p:spTgt>
+                                        </p:tgtEl>
+                                        <p:attrNameLst>
+                                          <p:attrName>style.visibility</p:attrName>
+                                        </p:attrNameLst>
+                                      </p:cBhvr>
+                                      <p:to>
+                                        <p:strVal val="visible"/>
+                                      </p:to>
+                                    </p:set>
+                                    <p:animEffect transition="in" filter="wipe(left)">
+                                      <p:cBhvr>
+                                        <p:cTn id="19" dur="750"/>
+                                        <p:tgtEl>
+                                          <p:spTgt spid="3">
+                                            <p:txEl>
+                                              <p:pRg st="2" end="2"/>
+                                            </p:txEl>
+                                          </p:spTgt>
+                                        </p:tgtEl>
+                                      </p:cBhvr>
+                                    </p:animEffect>
+                                  </p:childTnLst>
+                                </p:cTn>
+                              </p:par>
+                            </p:childTnLst>
+                          </p:cTn>
+                        </p:par>
+                        <p:par>
+                          <p:cTn id="20" fill="hold">
+                            <p:stCondLst>
+                              <p:cond delay="2500"/>
+                            </p:stCondLst>
+                            <p:childTnLst>
+                              <p:par>
+                                <p:cTn id="21" presetID="22" presetClass="entr" presetSubtype="8" fill="hold" grpId="0" nodeType="afterEffect">
+                                  <p:stCondLst>
+                                    <p:cond delay="0"/>
+                                  </p:stCondLst>
+                                  <p:childTnLst>
+                                    <p:set>
+                                      <p:cBhvr>
+                                        <p:cTn id="22" dur="1" fill="hold">
+                                          <p:stCondLst>
+                                            <p:cond delay="0"/>
+                                          </p:stCondLst>
+                                        </p:cTn>
+                                        <p:tgtEl>
+                                          <p:spTgt spid="3">
+                                            <p:txEl>
+                                              <p:pRg st="3" end="3"/>
+                                            </p:txEl>
+                                          </p:spTgt>
+                                        </p:tgtEl>
+                                        <p:attrNameLst>
+                                          <p:attrName>style.visibility</p:attrName>
+                                        </p:attrNameLst>
+                                      </p:cBhvr>
+                                      <p:to>
+                                        <p:strVal val="visible"/>
+                                      </p:to>
+                                    </p:set>
+                                    <p:animEffect transition="in" filter="wipe(left)">
+                                      <p:cBhvr>
+                                        <p:cTn id="23" dur="750"/>
+                                        <p:tgtEl>
+                                          <p:spTgt spid="3">
+                                            <p:txEl>
+                                              <p:pRg st="3" end="3"/>
+                                            </p:txEl>
+                                          </p:spTgt>
+                                        </p:tgtEl>
+                                      </p:cBhvr>
+                                    </p:animEffect>
+                                  </p:childTnLst>
+                                </p:cTn>
+                              </p:par>
+                            </p:childTnLst>
+                          </p:cTn>
+                        </p:par>
+                        <p:par>
+                          <p:cTn id="24" fill="hold">
+                            <p:stCondLst>
+                              <p:cond delay="3250"/>
+                            </p:stCondLst>
+                            <p:childTnLst>
+                              <p:par>
+                                <p:cTn id="25" presetID="22" presetClass="entr" presetSubtype="8" fill="hold" grpId="0" nodeType="afterEffect">
+                                  <p:stCondLst>
+                                    <p:cond delay="0"/>
+                                  </p:stCondLst>
+                                  <p:childTnLst>
+                                    <p:set>
+                                      <p:cBhvr>
+                                        <p:cTn id="26" dur="1" fill="hold">
+                                          <p:stCondLst>
+                                            <p:cond delay="0"/>
+                                          </p:stCondLst>
+                                        </p:cTn>
+                                        <p:tgtEl>
+                                          <p:spTgt spid="3">
+                                            <p:txEl>
+                                              <p:pRg st="4" end="4"/>
+                                            </p:txEl>
+                                          </p:spTgt>
+                                        </p:tgtEl>
+                                        <p:attrNameLst>
+                                          <p:attrName>style.visibility</p:attrName>
+                                        </p:attrNameLst>
+                                      </p:cBhvr>
+                                      <p:to>
+                                        <p:strVal val="visible"/>
+                                      </p:to>
+                                    </p:set>
+                                    <p:animEffect transition="in" filter="wipe(left)">
+                                      <p:cBhvr>
+                                        <p:cTn id="27" dur="750"/>
+                                        <p:tgtEl>
+                                          <p:spTgt spid="3">
+                                            <p:txEl>
+                                              <p:pRg st="4" end="4"/>
+                                            </p:txEl>
+                                          </p:spTgt>
+                                        </p:tgtEl>
+                                      </p:cBhvr>
+                                    </p:animEffect>
+                                  </p:childTnLst>
+                                </p:cTn>
+                              </p:par>
+                            </p:childTnLst>
+                          </p:cTn>
+                        </p:par>
+                        <p:par>
+                          <p:cTn id="28" fill="hold">
+                            <p:stCondLst>
+                              <p:cond delay="4000"/>
+                            </p:stCondLst>
+                            <p:childTnLst>
+                              <p:par>
+                                <p:cTn id="29" presetID="22" presetClass="entr" presetSubtype="8" fill="hold" grpId="0" nodeType="afterEffect">
+                                  <p:stCondLst>
+                                    <p:cond delay="0"/>
+                                  </p:stCondLst>
+                                  <p:childTnLst>
+                                    <p:set>
+                                      <p:cBhvr>
+                                        <p:cTn id="30" dur="1" fill="hold">
+                                          <p:stCondLst>
+                                            <p:cond delay="0"/>
+                                          </p:stCondLst>
+                                        </p:cTn>
+                                        <p:tgtEl>
+                                          <p:spTgt spid="3">
+                                            <p:txEl>
+                                              <p:pRg st="5" end="5"/>
+                                            </p:txEl>
+                                          </p:spTgt>
+                                        </p:tgtEl>
+                                        <p:attrNameLst>
+                                          <p:attrName>style.visibility</p:attrName>
+                                        </p:attrNameLst>
+                                      </p:cBhvr>
+                                      <p:to>
+                                        <p:strVal val="visible"/>
+                                      </p:to>
+                                    </p:set>
+                                    <p:animEffect transition="in" filter="wipe(left)">
+                                      <p:cBhvr>
+                                        <p:cTn id="31" dur="750"/>
+                                        <p:tgtEl>
+                                          <p:spTgt spid="3">
+                                            <p:txEl>
+                                              <p:pRg st="5" end="5"/>
+                                            </p:txEl>
+                                          </p:spTgt>
+                                        </p:tgtEl>
+                                      </p:cBhvr>
+                                    </p:animEffect>
+                                  </p:childTnLst>
+                                </p:cTn>
+                              </p:par>
+                            </p:childTnLst>
+                          </p:cTn>
+                        </p:par>
+                      </p:childTnLst>
+                    </p:cTn>
+                  </p:par>
+                </p:childTnLst>
+              </p:cTn>
+              <p:prevCondLst>
+                <p:cond evt="onPrev" delay="0">
+                  <p:tgtEl>
+                    <p:sldTgt/>
+                  </p:tgtEl>
+                </p:cond>
+              </p:prevCondLst>
+              <p:nextCondLst>
+                <p:cond evt="onNext" delay="0">
+                  <p:tgtEl>
+                    <p:sldTgt/>
+                  </p:tgtEl>
+                </p:cond>
+              </p:nextCondLst>
+            </p:seq>
+          </p:childTnLst>
+        </p:cTn>
+      </p:par>
+    </p:tnLst>
+    <p:bldLst>
+      <p:bldP spid="2" grpId="0"/>
+      <p:bldP spid="3" grpId="0" uiExpand="1" build="p"/>
+    </p:bldLst>
+  </p:timing>
+</p:sld>
+</file>
+
+<file path=ppt/slides/slide31.xml><?xml version="1.0" encoding="utf-8"?>
+<p:sld xmlns:a="http://schemas.openxmlformats.org/drawingml/2006/main" xmlns:r="http://schemas.openxmlformats.org/officeDocument/2006/relationships" xmlns:p="http://schemas.openxmlformats.org/presentationml/2006/main">
+  <p:cSld>
+    <p:bg>
+      <p:bgPr>
+        <a:solidFill>
+          <a:schemeClr val="accent1">
+            <a:lumMod val="40000"/>
+            <a:lumOff val="60000"/>
+          </a:schemeClr>
+        </a:solidFill>
+        <a:effectLst/>
+      </p:bgPr>
+    </p:bg>
+    <p:spTree>
+      <p:nvGrpSpPr>
+        <p:cNvPr id="1" name=""/>
+        <p:cNvGrpSpPr/>
+        <p:nvPr/>
+      </p:nvGrpSpPr>
+      <p:grpSpPr>
+        <a:xfrm>
+          <a:off x="0" y="0"/>
+          <a:ext cx="0" cy="0"/>
+          <a:chOff x="0" y="0"/>
+          <a:chExt cx="0" cy="0"/>
+        </a:xfrm>
+      </p:grpSpPr>
+      <p:sp>
+        <p:nvSpPr>
+          <p:cNvPr id="3" name="Объект 2">
+            <a:extLst>
+              <a:ext uri="{FF2B5EF4-FFF2-40B4-BE49-F238E27FC236}">
+                <a16:creationId xmlns:a16="http://schemas.microsoft.com/office/drawing/2014/main" id="{FDD66E0C-00D7-4757-B104-C4DA0AC303AB}"/>
+              </a:ext>
+            </a:extLst>
+          </p:cNvPr>
+          <p:cNvSpPr>
+            <a:spLocks noGrp="1"/>
+          </p:cNvSpPr>
+          <p:nvPr>
+            <p:ph idx="1"/>
+          </p:nvPr>
+        </p:nvSpPr>
+        <p:spPr>
+          <a:xfrm>
+            <a:off x="3718259" y="3028449"/>
+            <a:ext cx="4987592" cy="772026"/>
+          </a:xfrm>
+        </p:spPr>
+        <p:txBody>
+          <a:bodyPr>
+            <a:noAutofit/>
+          </a:bodyPr>
+          <a:lstStyle/>
+          <a:p>
+            <a:pPr marL="0" indent="0">
+              <a:buNone/>
+            </a:pPr>
+            <a:r>
+              <a:rPr lang="en-US" sz="4000" cap="none" dirty="0" err="1"/>
+              <a:t>Спасибо</a:t>
+            </a:r>
+            <a:r>
+              <a:rPr lang="en-US" sz="4000" cap="none" dirty="0"/>
+              <a:t> </a:t>
+            </a:r>
+            <a:r>
+              <a:rPr lang="en-US" sz="4000" cap="none" dirty="0" err="1"/>
+              <a:t>за</a:t>
+            </a:r>
+            <a:r>
+              <a:rPr lang="en-US" sz="4000" cap="none" dirty="0"/>
+              <a:t> </a:t>
+            </a:r>
+            <a:r>
+              <a:rPr lang="en-US" sz="4000" cap="none" dirty="0" err="1"/>
+              <a:t>внимание</a:t>
+            </a:r>
+            <a:endParaRPr lang="ru-RU" sz="4000" cap="none" dirty="0"/>
+          </a:p>
+        </p:txBody>
+      </p:sp>
+      <p:sp>
+        <p:nvSpPr>
+          <p:cNvPr id="4" name="Номер слайда 3">
+            <a:extLst>
+              <a:ext uri="{FF2B5EF4-FFF2-40B4-BE49-F238E27FC236}">
+                <a16:creationId xmlns:a16="http://schemas.microsoft.com/office/drawing/2014/main" id="{561AD5B8-DA2F-42D6-B8FB-E0916FA1D5D4}"/>
+              </a:ext>
+            </a:extLst>
+          </p:cNvPr>
+          <p:cNvSpPr>
+            <a:spLocks noGrp="1"/>
+          </p:cNvSpPr>
+          <p:nvPr>
+            <p:ph type="sldNum" sz="quarter" idx="12"/>
+          </p:nvPr>
+        </p:nvSpPr>
+        <p:spPr/>
+        <p:txBody>
+          <a:bodyPr/>
+          <a:lstStyle/>
+          <a:p>
+            <a:r>
+              <a:rPr lang="en-US" dirty="0" smtClean="0"/>
+              <a:t>22</a:t>
+            </a:r>
+            <a:endParaRPr lang="ru-RU" dirty="0"/>
+          </a:p>
+        </p:txBody>
+      </p:sp>
+    </p:spTree>
+    <p:extLst>
+      <p:ext uri="{BB962C8B-B14F-4D97-AF65-F5344CB8AC3E}">
+        <p14:creationId xmlns:p14="http://schemas.microsoft.com/office/powerpoint/2010/main" val="286727986"/>
+      </p:ext>
+    </p:extLst>
+  </p:cSld>
+  <p:clrMapOvr>
+    <a:masterClrMapping/>
+  </p:clrMapOvr>
+  <p:transition spd="slow">
+    <p:push dir="u"/>
+  </p:transition>
+  <p:timing>
+    <p:tnLst>
+      <p:par>
+        <p:cTn id="1" dur="indefinite" restart="never" nodeType="tmRoot"/>
       </p:par>
     </p:tnLst>
   </p:timing>
@@ -26309,15 +28019,24 @@
                                   </p:childTnLst>
                                 </p:cTn>
                               </p:par>
+                            </p:childTnLst>
+                          </p:cTn>
+                        </p:par>
+                        <p:par>
+                          <p:cTn id="18" fill="hold">
+                            <p:stCondLst>
+                              <p:cond delay="1500"/>
+                            </p:stCondLst>
+                            <p:childTnLst>
                               <p:par>
-                                <p:cTn id="18" presetID="22" presetClass="entr" presetSubtype="8" fill="hold" nodeType="withEffect">
+                                <p:cTn id="19" presetID="22" presetClass="entr" presetSubtype="8" fill="hold" nodeType="afterEffect">
                                   <p:stCondLst>
                                     <p:cond delay="0"/>
                                   </p:stCondLst>
                                   <p:childTnLst>
                                     <p:set>
                                       <p:cBhvr>
-                                        <p:cTn id="19" dur="1" fill="hold">
+                                        <p:cTn id="20" dur="1" fill="hold">
                                           <p:stCondLst>
                                             <p:cond delay="0"/>
                                           </p:stCondLst>
@@ -26335,7 +28054,7 @@
                                     </p:set>
                                     <p:animEffect transition="in" filter="wipe(left)">
                                       <p:cBhvr>
-                                        <p:cTn id="20" dur="500"/>
+                                        <p:cTn id="21" dur="500"/>
                                         <p:tgtEl>
                                           <p:spTgt spid="13"/>
                                         </p:tgtEl>
@@ -26376,6 +28095,1102 @@
 </file>
 
 <file path=ppt/slides/slide5.xml><?xml version="1.0" encoding="utf-8"?>
+<p:sld xmlns:a="http://schemas.openxmlformats.org/drawingml/2006/main" xmlns:r="http://schemas.openxmlformats.org/officeDocument/2006/relationships" xmlns:p="http://schemas.openxmlformats.org/presentationml/2006/main">
+  <p:cSld>
+    <p:bg>
+      <p:bgPr>
+        <a:solidFill>
+          <a:srgbClr val="199CFF">
+            <a:alpha val="30980"/>
+          </a:srgbClr>
+        </a:solidFill>
+        <a:effectLst/>
+      </p:bgPr>
+    </p:bg>
+    <p:spTree>
+      <p:nvGrpSpPr>
+        <p:cNvPr id="1" name=""/>
+        <p:cNvGrpSpPr/>
+        <p:nvPr/>
+      </p:nvGrpSpPr>
+      <p:grpSpPr>
+        <a:xfrm>
+          <a:off x="0" y="0"/>
+          <a:ext cx="0" cy="0"/>
+          <a:chOff x="0" y="0"/>
+          <a:chExt cx="0" cy="0"/>
+        </a:xfrm>
+      </p:grpSpPr>
+      <p:sp>
+        <p:nvSpPr>
+          <p:cNvPr id="2" name="Заголовок 1">
+            <a:extLst>
+              <a:ext uri="{FF2B5EF4-FFF2-40B4-BE49-F238E27FC236}">
+                <a16:creationId xmlns:a16="http://schemas.microsoft.com/office/drawing/2014/main" id="{85A67EE4-1490-489F-B022-DB785FFC2A71}"/>
+              </a:ext>
+            </a:extLst>
+          </p:cNvPr>
+          <p:cNvSpPr>
+            <a:spLocks noGrp="1"/>
+          </p:cNvSpPr>
+          <p:nvPr>
+            <p:ph type="title"/>
+          </p:nvPr>
+        </p:nvSpPr>
+        <p:spPr/>
+        <p:txBody>
+          <a:bodyPr>
+            <a:normAutofit/>
+          </a:bodyPr>
+          <a:lstStyle/>
+          <a:p>
+            <a:r>
+              <a:rPr lang="ru-RU" sz="4000" cap="none" dirty="0">
+                <a:latin typeface="+mn-lt"/>
+                <a:ea typeface="+mn-ea"/>
+                <a:cs typeface="+mn-cs"/>
+              </a:rPr>
+              <a:t>Аналитический обзор существующих решений</a:t>
+            </a:r>
+          </a:p>
+        </p:txBody>
+      </p:sp>
+      <p:sp>
+        <p:nvSpPr>
+          <p:cNvPr id="4" name="Номер слайда 3">
+            <a:extLst>
+              <a:ext uri="{FF2B5EF4-FFF2-40B4-BE49-F238E27FC236}">
+                <a16:creationId xmlns:a16="http://schemas.microsoft.com/office/drawing/2014/main" id="{0D15676A-FFFA-436B-8906-F39FC78919CB}"/>
+              </a:ext>
+            </a:extLst>
+          </p:cNvPr>
+          <p:cNvSpPr>
+            <a:spLocks noGrp="1"/>
+          </p:cNvSpPr>
+          <p:nvPr>
+            <p:ph type="sldNum" sz="quarter" idx="12"/>
+          </p:nvPr>
+        </p:nvSpPr>
+        <p:spPr/>
+        <p:txBody>
+          <a:bodyPr/>
+          <a:lstStyle/>
+          <a:p>
+            <a:fld id="{C569FDB9-978A-4295-A40F-75DB9D9B47B8}" type="slidenum">
+              <a:rPr lang="ru-RU" smtClean="0"/>
+              <a:t>5</a:t>
+            </a:fld>
+            <a:endParaRPr lang="ru-RU"/>
+          </a:p>
+        </p:txBody>
+      </p:sp>
+      <p:graphicFrame>
+        <p:nvGraphicFramePr>
+          <p:cNvPr id="6" name="Таблица 5"/>
+          <p:cNvGraphicFramePr>
+            <a:graphicFrameLocks noGrp="1"/>
+          </p:cNvGraphicFramePr>
+          <p:nvPr>
+            <p:extLst>
+              <p:ext uri="{D42A27DB-BD31-4B8C-83A1-F6EECF244321}">
+                <p14:modId xmlns:p14="http://schemas.microsoft.com/office/powerpoint/2010/main" val="2748082802"/>
+              </p:ext>
+            </p:extLst>
+          </p:nvPr>
+        </p:nvGraphicFramePr>
+        <p:xfrm>
+          <a:off x="838200" y="2431734"/>
+          <a:ext cx="10515600" cy="3855956"/>
+        </p:xfrm>
+        <a:graphic>
+          <a:graphicData uri="http://schemas.openxmlformats.org/drawingml/2006/table">
+            <a:tbl>
+              <a:tblPr firstRow="1" firstCol="1" bandRow="1">
+                <a:tableStyleId>{5C22544A-7EE6-4342-B048-85BDC9FD1C3A}</a:tableStyleId>
+              </a:tblPr>
+              <a:tblGrid>
+                <a:gridCol w="5256980">
+                  <a:extLst>
+                    <a:ext uri="{9D8B030D-6E8A-4147-A177-3AD203B41FA5}">
+                      <a16:colId xmlns:a16="http://schemas.microsoft.com/office/drawing/2014/main" val="897422277"/>
+                    </a:ext>
+                  </a:extLst>
+                </a:gridCol>
+                <a:gridCol w="5258620">
+                  <a:extLst>
+                    <a:ext uri="{9D8B030D-6E8A-4147-A177-3AD203B41FA5}">
+                      <a16:colId xmlns:a16="http://schemas.microsoft.com/office/drawing/2014/main" val="4111979729"/>
+                    </a:ext>
+                  </a:extLst>
+                </a:gridCol>
+              </a:tblGrid>
+              <a:tr h="621468">
+                <a:tc>
+                  <a:txBody>
+                    <a:bodyPr/>
+                    <a:lstStyle/>
+                    <a:p>
+                      <a:pPr marL="896938" lvl="0" indent="0" algn="just">
+                        <a:lnSpc>
+                          <a:spcPct val="150000"/>
+                        </a:lnSpc>
+                        <a:spcAft>
+                          <a:spcPts val="0"/>
+                        </a:spcAft>
+                        <a:buFont typeface="Symbol" panose="05050102010706020507" pitchFamily="18" charset="2"/>
+                        <a:buNone/>
+                      </a:pPr>
+                      <a:r>
+                        <a:rPr lang="ru-RU" sz="2400" b="1" dirty="0" smtClean="0">
+                          <a:solidFill>
+                            <a:schemeClr val="tx1"/>
+                          </a:solidFill>
+                          <a:effectLst/>
+                          <a:latin typeface="+mn-lt"/>
+                        </a:rPr>
+                        <a:t>Достоинства</a:t>
+                      </a:r>
+                      <a:endParaRPr lang="ru-RU" sz="2400" b="1" dirty="0">
+                        <a:solidFill>
+                          <a:schemeClr val="tx1"/>
+                        </a:solidFill>
+                        <a:effectLst/>
+                        <a:latin typeface="+mn-lt"/>
+                      </a:endParaRPr>
+                    </a:p>
+                  </a:txBody>
+                  <a:tcPr marL="62162" marR="62162" marT="0" marB="0">
+                    <a:lnL w="12700" cap="flat" cmpd="sng" algn="ctr">
+                      <a:noFill/>
+                      <a:prstDash val="solid"/>
+                      <a:round/>
+                      <a:headEnd type="none" w="med" len="med"/>
+                      <a:tailEnd type="none" w="med" len="med"/>
+                    </a:lnL>
+                    <a:lnR w="12700" cap="flat" cmpd="sng" algn="ctr">
+                      <a:noFill/>
+                      <a:prstDash val="solid"/>
+                      <a:round/>
+                      <a:headEnd type="none" w="med" len="med"/>
+                      <a:tailEnd type="none" w="med" len="med"/>
+                    </a:lnR>
+                    <a:lnT w="12700" cap="flat" cmpd="sng" algn="ctr">
+                      <a:noFill/>
+                      <a:prstDash val="solid"/>
+                      <a:round/>
+                      <a:headEnd type="none" w="med" len="med"/>
+                      <a:tailEnd type="none" w="med" len="med"/>
+                    </a:lnT>
+                    <a:lnB w="12700" cap="flat" cmpd="sng" algn="ctr">
+                      <a:noFill/>
+                      <a:prstDash val="solid"/>
+                      <a:round/>
+                      <a:headEnd type="none" w="med" len="med"/>
+                      <a:tailEnd type="none" w="med" len="med"/>
+                    </a:lnB>
+                    <a:lnTlToBr w="12700" cmpd="sng">
+                      <a:noFill/>
+                      <a:prstDash val="solid"/>
+                    </a:lnTlToBr>
+                    <a:lnBlToTr w="12700" cmpd="sng">
+                      <a:noFill/>
+                      <a:prstDash val="solid"/>
+                    </a:lnBlToTr>
+                    <a:solidFill>
+                      <a:srgbClr val="BFDEAC"/>
+                    </a:solidFill>
+                  </a:tcPr>
+                </a:tc>
+                <a:tc>
+                  <a:txBody>
+                    <a:bodyPr/>
+                    <a:lstStyle/>
+                    <a:p>
+                      <a:pPr marL="0" lvl="0" indent="896938" algn="just">
+                        <a:lnSpc>
+                          <a:spcPct val="150000"/>
+                        </a:lnSpc>
+                        <a:spcAft>
+                          <a:spcPts val="0"/>
+                        </a:spcAft>
+                        <a:buFont typeface="Symbol" panose="05050102010706020507" pitchFamily="18" charset="2"/>
+                        <a:buNone/>
+                      </a:pPr>
+                      <a:r>
+                        <a:rPr lang="ru-RU" sz="2400" b="1" dirty="0" smtClean="0">
+                          <a:solidFill>
+                            <a:schemeClr val="tx1"/>
+                          </a:solidFill>
+                          <a:effectLst/>
+                          <a:latin typeface="+mn-lt"/>
+                          <a:ea typeface="Calibri" panose="020F0502020204030204" pitchFamily="34" charset="0"/>
+                          <a:cs typeface="Times New Roman" panose="02020603050405020304" pitchFamily="18" charset="0"/>
+                        </a:rPr>
+                        <a:t>Недостатки</a:t>
+                      </a:r>
+                      <a:endParaRPr lang="ru-RU" sz="2400" b="1" dirty="0">
+                        <a:solidFill>
+                          <a:schemeClr val="tx1"/>
+                        </a:solidFill>
+                        <a:effectLst/>
+                        <a:latin typeface="+mn-lt"/>
+                        <a:ea typeface="Calibri" panose="020F0502020204030204" pitchFamily="34" charset="0"/>
+                        <a:cs typeface="Times New Roman" panose="02020603050405020304" pitchFamily="18" charset="0"/>
+                      </a:endParaRPr>
+                    </a:p>
+                  </a:txBody>
+                  <a:tcPr marL="62162" marR="62162" marT="0" marB="0">
+                    <a:lnL w="12700" cap="flat" cmpd="sng" algn="ctr">
+                      <a:noFill/>
+                      <a:prstDash val="solid"/>
+                      <a:round/>
+                      <a:headEnd type="none" w="med" len="med"/>
+                      <a:tailEnd type="none" w="med" len="med"/>
+                    </a:lnL>
+                    <a:lnR w="12700" cap="flat" cmpd="sng" algn="ctr">
+                      <a:noFill/>
+                      <a:prstDash val="solid"/>
+                      <a:round/>
+                      <a:headEnd type="none" w="med" len="med"/>
+                      <a:tailEnd type="none" w="med" len="med"/>
+                    </a:lnR>
+                    <a:lnT w="12700" cap="flat" cmpd="sng" algn="ctr">
+                      <a:noFill/>
+                      <a:prstDash val="solid"/>
+                      <a:round/>
+                      <a:headEnd type="none" w="med" len="med"/>
+                      <a:tailEnd type="none" w="med" len="med"/>
+                    </a:lnT>
+                    <a:lnB w="12700" cap="flat" cmpd="sng" algn="ctr">
+                      <a:noFill/>
+                      <a:prstDash val="solid"/>
+                      <a:round/>
+                      <a:headEnd type="none" w="med" len="med"/>
+                      <a:tailEnd type="none" w="med" len="med"/>
+                    </a:lnB>
+                    <a:lnTlToBr w="12700" cmpd="sng">
+                      <a:noFill/>
+                      <a:prstDash val="solid"/>
+                    </a:lnTlToBr>
+                    <a:lnBlToTr w="12700" cmpd="sng">
+                      <a:noFill/>
+                      <a:prstDash val="solid"/>
+                    </a:lnBlToTr>
+                    <a:solidFill>
+                      <a:srgbClr val="FF7171"/>
+                    </a:solidFill>
+                  </a:tcPr>
+                </a:tc>
+                <a:extLst>
+                  <a:ext uri="{0D108BD9-81ED-4DB2-BD59-A6C34878D82A}">
+                    <a16:rowId xmlns:a16="http://schemas.microsoft.com/office/drawing/2014/main" val="378409306"/>
+                  </a:ext>
+                </a:extLst>
+              </a:tr>
+              <a:tr h="3234488">
+                <a:tc>
+                  <a:txBody>
+                    <a:bodyPr/>
+                    <a:lstStyle/>
+                    <a:p>
+                      <a:pPr marL="896938" lvl="0" indent="-285750" algn="l">
+                        <a:lnSpc>
+                          <a:spcPct val="100000"/>
+                        </a:lnSpc>
+                        <a:spcAft>
+                          <a:spcPts val="0"/>
+                        </a:spcAft>
+                        <a:buFont typeface="Calibri" panose="020F0502020204030204" pitchFamily="34" charset="0"/>
+                        <a:buChar char="+"/>
+                      </a:pPr>
+                      <a:r>
+                        <a:rPr lang="ru-RU" sz="2400" b="0" dirty="0" smtClean="0">
+                          <a:solidFill>
+                            <a:schemeClr val="tx1"/>
+                          </a:solidFill>
+                          <a:effectLst/>
+                          <a:latin typeface="+mn-lt"/>
+                        </a:rPr>
+                        <a:t>Функционал по автоматизации учета персонала</a:t>
+                      </a:r>
+                      <a:endParaRPr lang="en-US" sz="2400" b="0" dirty="0" smtClean="0">
+                        <a:solidFill>
+                          <a:schemeClr val="tx1"/>
+                        </a:solidFill>
+                        <a:effectLst/>
+                        <a:latin typeface="+mn-lt"/>
+                      </a:endParaRPr>
+                    </a:p>
+                    <a:p>
+                      <a:pPr marL="896938" lvl="0" indent="-285750" algn="l">
+                        <a:lnSpc>
+                          <a:spcPct val="100000"/>
+                        </a:lnSpc>
+                        <a:spcAft>
+                          <a:spcPts val="0"/>
+                        </a:spcAft>
+                        <a:buFont typeface="Calibri" panose="020F0502020204030204" pitchFamily="34" charset="0"/>
+                        <a:buChar char="+"/>
+                      </a:pPr>
+                      <a:r>
+                        <a:rPr lang="ru-RU" sz="2400" b="0" dirty="0" smtClean="0">
+                          <a:solidFill>
+                            <a:schemeClr val="tx1"/>
+                          </a:solidFill>
+                          <a:effectLst/>
+                          <a:latin typeface="+mn-lt"/>
+                        </a:rPr>
+                        <a:t>Возможность</a:t>
+                      </a:r>
+                      <a:r>
+                        <a:rPr lang="ru-RU" sz="2400" b="0" baseline="0" dirty="0" smtClean="0">
+                          <a:solidFill>
+                            <a:schemeClr val="tx1"/>
+                          </a:solidFill>
+                          <a:effectLst/>
+                          <a:latin typeface="+mn-lt"/>
+                        </a:rPr>
+                        <a:t> создания экосистемы из ПО 1С</a:t>
+                      </a:r>
+                      <a:endParaRPr lang="ru-RU" sz="2400" b="0" dirty="0">
+                        <a:solidFill>
+                          <a:schemeClr val="tx1"/>
+                        </a:solidFill>
+                        <a:effectLst/>
+                        <a:latin typeface="+mn-lt"/>
+                      </a:endParaRPr>
+                    </a:p>
+                  </a:txBody>
+                  <a:tcPr marL="62162" marR="62162" marT="0" marB="0">
+                    <a:lnL w="12700" cap="flat" cmpd="sng" algn="ctr">
+                      <a:noFill/>
+                      <a:prstDash val="solid"/>
+                      <a:round/>
+                      <a:headEnd type="none" w="med" len="med"/>
+                      <a:tailEnd type="none" w="med" len="med"/>
+                    </a:lnL>
+                    <a:lnR w="12700" cap="flat" cmpd="sng" algn="ctr">
+                      <a:noFill/>
+                      <a:prstDash val="solid"/>
+                      <a:round/>
+                      <a:headEnd type="none" w="med" len="med"/>
+                      <a:tailEnd type="none" w="med" len="med"/>
+                    </a:lnR>
+                    <a:lnT w="12700" cap="flat" cmpd="sng" algn="ctr">
+                      <a:noFill/>
+                      <a:prstDash val="solid"/>
+                      <a:round/>
+                      <a:headEnd type="none" w="med" len="med"/>
+                      <a:tailEnd type="none" w="med" len="med"/>
+                    </a:lnT>
+                    <a:lnB w="12700" cap="flat" cmpd="sng" algn="ctr">
+                      <a:noFill/>
+                      <a:prstDash val="solid"/>
+                      <a:round/>
+                      <a:headEnd type="none" w="med" len="med"/>
+                      <a:tailEnd type="none" w="med" len="med"/>
+                    </a:lnB>
+                    <a:lnTlToBr w="12700" cmpd="sng">
+                      <a:noFill/>
+                      <a:prstDash val="solid"/>
+                    </a:lnTlToBr>
+                    <a:lnBlToTr w="12700" cmpd="sng">
+                      <a:noFill/>
+                      <a:prstDash val="solid"/>
+                    </a:lnBlToTr>
+                    <a:solidFill>
+                      <a:schemeClr val="accent6">
+                        <a:lumMod val="20000"/>
+                        <a:lumOff val="80000"/>
+                      </a:schemeClr>
+                    </a:solidFill>
+                  </a:tcPr>
+                </a:tc>
+                <a:tc>
+                  <a:txBody>
+                    <a:bodyPr/>
+                    <a:lstStyle/>
+                    <a:p>
+                      <a:pPr marL="896938" lvl="0" indent="-342900" algn="l">
+                        <a:lnSpc>
+                          <a:spcPct val="100000"/>
+                        </a:lnSpc>
+                        <a:spcAft>
+                          <a:spcPts val="0"/>
+                        </a:spcAft>
+                        <a:buFont typeface="Calibri" panose="020F0502020204030204" pitchFamily="34" charset="0"/>
+                        <a:buChar char="-"/>
+                      </a:pPr>
+                      <a:r>
+                        <a:rPr lang="ru-RU" sz="2400" b="0" dirty="0">
+                          <a:solidFill>
+                            <a:schemeClr val="tx1"/>
+                          </a:solidFill>
+                          <a:effectLst/>
+                          <a:latin typeface="+mn-lt"/>
+                        </a:rPr>
+                        <a:t>Ограниченная гибкость</a:t>
+                      </a:r>
+                    </a:p>
+                    <a:p>
+                      <a:pPr marL="896938" lvl="0" indent="-342900" algn="l">
+                        <a:lnSpc>
+                          <a:spcPct val="100000"/>
+                        </a:lnSpc>
+                        <a:spcAft>
+                          <a:spcPts val="0"/>
+                        </a:spcAft>
+                        <a:buFont typeface="Calibri" panose="020F0502020204030204" pitchFamily="34" charset="0"/>
+                        <a:buChar char="-"/>
+                      </a:pPr>
+                      <a:r>
+                        <a:rPr lang="ru-RU" sz="2400" b="0" dirty="0">
+                          <a:solidFill>
+                            <a:schemeClr val="tx1"/>
+                          </a:solidFill>
+                          <a:effectLst/>
+                          <a:latin typeface="+mn-lt"/>
+                        </a:rPr>
+                        <a:t>Сложность настройки, требующая определенных знаний </a:t>
+                      </a:r>
+                      <a:endParaRPr lang="ru-RU" sz="2400" b="0" dirty="0">
+                        <a:solidFill>
+                          <a:schemeClr val="tx1"/>
+                        </a:solidFill>
+                        <a:effectLst/>
+                        <a:latin typeface="+mn-lt"/>
+                        <a:ea typeface="Calibri" panose="020F0502020204030204" pitchFamily="34" charset="0"/>
+                        <a:cs typeface="Times New Roman" panose="02020603050405020304" pitchFamily="18" charset="0"/>
+                      </a:endParaRPr>
+                    </a:p>
+                  </a:txBody>
+                  <a:tcPr marL="62162" marR="62162" marT="0" marB="0">
+                    <a:lnL w="12700" cap="flat" cmpd="sng" algn="ctr">
+                      <a:noFill/>
+                      <a:prstDash val="solid"/>
+                      <a:round/>
+                      <a:headEnd type="none" w="med" len="med"/>
+                      <a:tailEnd type="none" w="med" len="med"/>
+                    </a:lnL>
+                    <a:lnR w="12700" cap="flat" cmpd="sng" algn="ctr">
+                      <a:noFill/>
+                      <a:prstDash val="solid"/>
+                      <a:round/>
+                      <a:headEnd type="none" w="med" len="med"/>
+                      <a:tailEnd type="none" w="med" len="med"/>
+                    </a:lnR>
+                    <a:lnT w="12700" cap="flat" cmpd="sng" algn="ctr">
+                      <a:noFill/>
+                      <a:prstDash val="solid"/>
+                      <a:round/>
+                      <a:headEnd type="none" w="med" len="med"/>
+                      <a:tailEnd type="none" w="med" len="med"/>
+                    </a:lnT>
+                    <a:lnB w="12700" cap="flat" cmpd="sng" algn="ctr">
+                      <a:noFill/>
+                      <a:prstDash val="solid"/>
+                      <a:round/>
+                      <a:headEnd type="none" w="med" len="med"/>
+                      <a:tailEnd type="none" w="med" len="med"/>
+                    </a:lnB>
+                    <a:lnTlToBr w="12700" cmpd="sng">
+                      <a:noFill/>
+                      <a:prstDash val="solid"/>
+                    </a:lnTlToBr>
+                    <a:lnBlToTr w="12700" cmpd="sng">
+                      <a:noFill/>
+                      <a:prstDash val="solid"/>
+                    </a:lnBlToTr>
+                    <a:solidFill>
+                      <a:srgbClr val="FFABAB"/>
+                    </a:solidFill>
+                  </a:tcPr>
+                </a:tc>
+                <a:extLst>
+                  <a:ext uri="{0D108BD9-81ED-4DB2-BD59-A6C34878D82A}">
+                    <a16:rowId xmlns:a16="http://schemas.microsoft.com/office/drawing/2014/main" val="1522331067"/>
+                  </a:ext>
+                </a:extLst>
+              </a:tr>
+            </a:tbl>
+          </a:graphicData>
+        </a:graphic>
+      </p:graphicFrame>
+      <p:graphicFrame>
+        <p:nvGraphicFramePr>
+          <p:cNvPr id="9" name="Таблица 8"/>
+          <p:cNvGraphicFramePr>
+            <a:graphicFrameLocks noGrp="1"/>
+          </p:cNvGraphicFramePr>
+          <p:nvPr>
+            <p:extLst>
+              <p:ext uri="{D42A27DB-BD31-4B8C-83A1-F6EECF244321}">
+                <p14:modId xmlns:p14="http://schemas.microsoft.com/office/powerpoint/2010/main" val="731922177"/>
+              </p:ext>
+            </p:extLst>
+          </p:nvPr>
+        </p:nvGraphicFramePr>
+        <p:xfrm>
+          <a:off x="838200" y="1690687"/>
+          <a:ext cx="10515600" cy="646009"/>
+        </p:xfrm>
+        <a:graphic>
+          <a:graphicData uri="http://schemas.openxmlformats.org/drawingml/2006/table">
+            <a:tbl>
+              <a:tblPr firstRow="1" bandRow="1">
+                <a:tableStyleId>{5C22544A-7EE6-4342-B048-85BDC9FD1C3A}</a:tableStyleId>
+              </a:tblPr>
+              <a:tblGrid>
+                <a:gridCol w="719667">
+                  <a:extLst>
+                    <a:ext uri="{9D8B030D-6E8A-4147-A177-3AD203B41FA5}">
+                      <a16:colId xmlns:a16="http://schemas.microsoft.com/office/drawing/2014/main" val="52914121"/>
+                    </a:ext>
+                  </a:extLst>
+                </a:gridCol>
+                <a:gridCol w="5782733">
+                  <a:extLst>
+                    <a:ext uri="{9D8B030D-6E8A-4147-A177-3AD203B41FA5}">
+                      <a16:colId xmlns:a16="http://schemas.microsoft.com/office/drawing/2014/main" val="107489223"/>
+                    </a:ext>
+                  </a:extLst>
+                </a:gridCol>
+                <a:gridCol w="4013200">
+                  <a:extLst>
+                    <a:ext uri="{9D8B030D-6E8A-4147-A177-3AD203B41FA5}">
+                      <a16:colId xmlns:a16="http://schemas.microsoft.com/office/drawing/2014/main" val="684838690"/>
+                    </a:ext>
+                  </a:extLst>
+                </a:gridCol>
+              </a:tblGrid>
+              <a:tr h="646009">
+                <a:tc>
+                  <a:txBody>
+                    <a:bodyPr/>
+                    <a:lstStyle/>
+                    <a:p>
+                      <a:endParaRPr lang="ru-RU" dirty="0"/>
+                    </a:p>
+                  </a:txBody>
+                  <a:tcPr>
+                    <a:lnL w="38100" cap="flat" cmpd="sng" algn="ctr">
+                      <a:solidFill>
+                        <a:srgbClr val="FFC000"/>
+                      </a:solidFill>
+                      <a:prstDash val="solid"/>
+                      <a:round/>
+                      <a:headEnd type="none" w="med" len="med"/>
+                      <a:tailEnd type="none" w="med" len="med"/>
+                    </a:lnL>
+                    <a:lnR w="12700" cmpd="sng">
+                      <a:noFill/>
+                    </a:lnR>
+                    <a:lnT w="38100" cap="flat" cmpd="sng" algn="ctr">
+                      <a:solidFill>
+                        <a:srgbClr val="FFC000"/>
+                      </a:solidFill>
+                      <a:prstDash val="solid"/>
+                      <a:round/>
+                      <a:headEnd type="none" w="med" len="med"/>
+                      <a:tailEnd type="none" w="med" len="med"/>
+                    </a:lnT>
+                    <a:lnB w="38100" cap="flat" cmpd="sng" algn="ctr">
+                      <a:solidFill>
+                        <a:srgbClr val="FFC000"/>
+                      </a:solidFill>
+                      <a:prstDash val="solid"/>
+                      <a:round/>
+                      <a:headEnd type="none" w="med" len="med"/>
+                      <a:tailEnd type="none" w="med" len="med"/>
+                    </a:lnB>
+                    <a:lnTlToBr w="12700" cmpd="sng">
+                      <a:noFill/>
+                      <a:prstDash val="solid"/>
+                    </a:lnTlToBr>
+                    <a:lnBlToTr w="12700" cmpd="sng">
+                      <a:noFill/>
+                      <a:prstDash val="solid"/>
+                    </a:lnBlToTr>
+                    <a:solidFill>
+                      <a:srgbClr val="FDE68F"/>
+                    </a:solidFill>
+                  </a:tcPr>
+                </a:tc>
+                <a:tc>
+                  <a:txBody>
+                    <a:bodyPr/>
+                    <a:lstStyle/>
+                    <a:p>
+                      <a:pPr marL="0" indent="0"/>
+                      <a:r>
+                        <a:rPr lang="ru-RU" sz="2400" b="0" dirty="0" smtClean="0">
+                          <a:ln>
+                            <a:solidFill>
+                              <a:schemeClr val="tx1"/>
+                            </a:solidFill>
+                          </a:ln>
+                          <a:solidFill>
+                            <a:schemeClr val="tx1"/>
+                          </a:solidFill>
+                          <a:latin typeface="+mn-lt"/>
+                        </a:rPr>
+                        <a:t>1С:</a:t>
+                      </a:r>
+                      <a:r>
+                        <a:rPr lang="ru-RU" sz="2400" b="0" baseline="0" dirty="0" smtClean="0">
+                          <a:ln>
+                            <a:solidFill>
+                              <a:schemeClr val="tx1"/>
+                            </a:solidFill>
+                          </a:ln>
+                          <a:solidFill>
+                            <a:schemeClr val="tx1"/>
+                          </a:solidFill>
+                          <a:latin typeface="+mn-lt"/>
+                        </a:rPr>
+                        <a:t>Зарплата и управление персоналом 8</a:t>
+                      </a:r>
+                      <a:endParaRPr lang="ru-RU" sz="2400" b="0" dirty="0">
+                        <a:ln>
+                          <a:solidFill>
+                            <a:schemeClr val="tx1"/>
+                          </a:solidFill>
+                        </a:ln>
+                        <a:solidFill>
+                          <a:schemeClr val="tx1"/>
+                        </a:solidFill>
+                        <a:latin typeface="+mn-lt"/>
+                      </a:endParaRPr>
+                    </a:p>
+                  </a:txBody>
+                  <a:tcPr anchor="ctr">
+                    <a:lnL w="12700" cmpd="sng">
+                      <a:noFill/>
+                    </a:lnL>
+                    <a:lnR w="38100" cap="flat" cmpd="sng" algn="ctr">
+                      <a:noFill/>
+                      <a:prstDash val="solid"/>
+                      <a:round/>
+                      <a:headEnd type="none" w="med" len="med"/>
+                      <a:tailEnd type="none" w="med" len="med"/>
+                    </a:lnR>
+                    <a:lnT w="38100" cap="flat" cmpd="sng" algn="ctr">
+                      <a:solidFill>
+                        <a:srgbClr val="FFC000"/>
+                      </a:solidFill>
+                      <a:prstDash val="solid"/>
+                      <a:round/>
+                      <a:headEnd type="none" w="med" len="med"/>
+                      <a:tailEnd type="none" w="med" len="med"/>
+                    </a:lnT>
+                    <a:lnB w="38100" cap="flat" cmpd="sng" algn="ctr">
+                      <a:solidFill>
+                        <a:srgbClr val="FFC000"/>
+                      </a:solidFill>
+                      <a:prstDash val="solid"/>
+                      <a:round/>
+                      <a:headEnd type="none" w="med" len="med"/>
+                      <a:tailEnd type="none" w="med" len="med"/>
+                    </a:lnB>
+                    <a:lnTlToBr w="12700" cmpd="sng">
+                      <a:noFill/>
+                      <a:prstDash val="solid"/>
+                    </a:lnTlToBr>
+                    <a:lnBlToTr w="12700" cmpd="sng">
+                      <a:noFill/>
+                      <a:prstDash val="solid"/>
+                    </a:lnBlToTr>
+                    <a:solidFill>
+                      <a:srgbClr val="FDE68F"/>
+                    </a:solidFill>
+                  </a:tcPr>
+                </a:tc>
+                <a:tc>
+                  <a:txBody>
+                    <a:bodyPr/>
+                    <a:lstStyle/>
+                    <a:p>
+                      <a:r>
+                        <a:rPr lang="ru-RU" sz="2400" b="0" dirty="0" smtClean="0">
+                          <a:ln>
+                            <a:solidFill>
+                              <a:schemeClr val="tx1"/>
+                            </a:solidFill>
+                          </a:ln>
+                          <a:solidFill>
+                            <a:schemeClr val="tx1"/>
+                          </a:solidFill>
+                          <a:latin typeface="+mn-lt"/>
+                        </a:rPr>
+                        <a:t>Платформы:</a:t>
+                      </a:r>
+                      <a:endParaRPr lang="ru-RU" sz="2400" b="0" dirty="0">
+                        <a:ln>
+                          <a:solidFill>
+                            <a:schemeClr val="tx1"/>
+                          </a:solidFill>
+                        </a:ln>
+                        <a:solidFill>
+                          <a:schemeClr val="tx1"/>
+                        </a:solidFill>
+                        <a:latin typeface="+mn-lt"/>
+                      </a:endParaRPr>
+                    </a:p>
+                  </a:txBody>
+                  <a:tcPr anchor="ctr">
+                    <a:lnL w="12700" cmpd="sng">
+                      <a:noFill/>
+                    </a:lnL>
+                    <a:lnR w="38100" cap="flat" cmpd="sng" algn="ctr">
+                      <a:solidFill>
+                        <a:srgbClr val="FFC000"/>
+                      </a:solidFill>
+                      <a:prstDash val="solid"/>
+                      <a:round/>
+                      <a:headEnd type="none" w="med" len="med"/>
+                      <a:tailEnd type="none" w="med" len="med"/>
+                    </a:lnR>
+                    <a:lnT w="38100" cap="flat" cmpd="sng" algn="ctr">
+                      <a:solidFill>
+                        <a:srgbClr val="FFC000"/>
+                      </a:solidFill>
+                      <a:prstDash val="solid"/>
+                      <a:round/>
+                      <a:headEnd type="none" w="med" len="med"/>
+                      <a:tailEnd type="none" w="med" len="med"/>
+                    </a:lnT>
+                    <a:lnB w="38100" cap="flat" cmpd="sng" algn="ctr">
+                      <a:solidFill>
+                        <a:srgbClr val="FFC000"/>
+                      </a:solidFill>
+                      <a:prstDash val="solid"/>
+                      <a:round/>
+                      <a:headEnd type="none" w="med" len="med"/>
+                      <a:tailEnd type="none" w="med" len="med"/>
+                    </a:lnB>
+                    <a:lnTlToBr w="12700" cmpd="sng">
+                      <a:noFill/>
+                      <a:prstDash val="solid"/>
+                    </a:lnTlToBr>
+                    <a:lnBlToTr w="12700" cmpd="sng">
+                      <a:noFill/>
+                      <a:prstDash val="solid"/>
+                    </a:lnBlToTr>
+                    <a:solidFill>
+                      <a:srgbClr val="FDE68F"/>
+                    </a:solidFill>
+                  </a:tcPr>
+                </a:tc>
+                <a:extLst>
+                  <a:ext uri="{0D108BD9-81ED-4DB2-BD59-A6C34878D82A}">
+                    <a16:rowId xmlns:a16="http://schemas.microsoft.com/office/drawing/2014/main" val="1226592424"/>
+                  </a:ext>
+                </a:extLst>
+              </a:tr>
+            </a:tbl>
+          </a:graphicData>
+        </a:graphic>
+      </p:graphicFrame>
+      <p:pic>
+        <p:nvPicPr>
+          <p:cNvPr id="11" name="Рисунок 10"/>
+          <p:cNvPicPr>
+            <a:picLocks noChangeAspect="1"/>
+          </p:cNvPicPr>
+          <p:nvPr/>
+        </p:nvPicPr>
+        <p:blipFill>
+          <a:blip r:embed="rId2" cstate="hqprint">
+            <a:extLst>
+              <a:ext uri="{BEBA8EAE-BF5A-486C-A8C5-ECC9F3942E4B}">
+                <a14:imgProps xmlns:a14="http://schemas.microsoft.com/office/drawing/2010/main">
+                  <a14:imgLayer r:embed="rId3">
+                    <a14:imgEffect>
+                      <a14:backgroundRemoval t="0" b="100000" l="0" r="100000"/>
+                    </a14:imgEffect>
+                  </a14:imgLayer>
+                </a14:imgProps>
+              </a:ext>
+              <a:ext uri="{28A0092B-C50C-407E-A947-70E740481C1C}">
+                <a14:useLocalDpi xmlns:a14="http://schemas.microsoft.com/office/drawing/2010/main" val="0"/>
+              </a:ext>
+            </a:extLst>
+          </a:blip>
+          <a:stretch>
+            <a:fillRect/>
+          </a:stretch>
+        </p:blipFill>
+        <p:spPr>
+          <a:xfrm>
+            <a:off x="838200" y="1711471"/>
+            <a:ext cx="651933" cy="604442"/>
+          </a:xfrm>
+          <a:prstGeom prst="rect">
+            <a:avLst/>
+          </a:prstGeom>
+        </p:spPr>
+      </p:pic>
+      <p:pic>
+        <p:nvPicPr>
+          <p:cNvPr id="13" name="Рисунок 12"/>
+          <p:cNvPicPr>
+            <a:picLocks noChangeAspect="1"/>
+          </p:cNvPicPr>
+          <p:nvPr/>
+        </p:nvPicPr>
+        <p:blipFill>
+          <a:blip r:embed="rId4" cstate="hqprint">
+            <a:extLst>
+              <a:ext uri="{28A0092B-C50C-407E-A947-70E740481C1C}">
+                <a14:useLocalDpi xmlns:a14="http://schemas.microsoft.com/office/drawing/2010/main" val="0"/>
+              </a:ext>
+            </a:extLst>
+          </a:blip>
+          <a:stretch>
+            <a:fillRect/>
+          </a:stretch>
+        </p:blipFill>
+        <p:spPr>
+          <a:xfrm>
+            <a:off x="9158800" y="1766025"/>
+            <a:ext cx="495334" cy="495334"/>
+          </a:xfrm>
+          <a:prstGeom prst="rect">
+            <a:avLst/>
+          </a:prstGeom>
+        </p:spPr>
+      </p:pic>
+    </p:spTree>
+    <p:extLst>
+      <p:ext uri="{BB962C8B-B14F-4D97-AF65-F5344CB8AC3E}">
+        <p14:creationId xmlns:p14="http://schemas.microsoft.com/office/powerpoint/2010/main" val="3586024241"/>
+      </p:ext>
+    </p:extLst>
+  </p:cSld>
+  <p:clrMapOvr>
+    <a:masterClrMapping/>
+  </p:clrMapOvr>
+  <mc:AlternateContent xmlns:mc="http://schemas.openxmlformats.org/markup-compatibility/2006" xmlns:p14="http://schemas.microsoft.com/office/powerpoint/2010/main">
+    <mc:Choice Requires="p14">
+      <p:transition p14:dur="0" advClick="0" advTm="0"/>
+    </mc:Choice>
+    <mc:Fallback xmlns="">
+      <p:transition advClick="0" advTm="0"/>
+    </mc:Fallback>
+  </mc:AlternateContent>
+  <p:timing>
+    <p:tnLst>
+      <p:par>
+        <p:cTn id="1" dur="indefinite" restart="never" nodeType="tmRoot">
+          <p:childTnLst>
+            <p:seq concurrent="1" nextAc="seek">
+              <p:cTn id="2" dur="indefinite" nodeType="mainSeq">
+                <p:childTnLst>
+                  <p:par>
+                    <p:cTn id="3" fill="hold">
+                      <p:stCondLst>
+                        <p:cond delay="indefinite"/>
+                        <p:cond evt="onBegin" delay="0">
+                          <p:tn val="2"/>
+                        </p:cond>
+                      </p:stCondLst>
+                      <p:childTnLst>
+                        <p:par>
+                          <p:cTn id="4" fill="hold">
+                            <p:stCondLst>
+                              <p:cond delay="0"/>
+                            </p:stCondLst>
+                            <p:childTnLst>
+                              <p:par>
+                                <p:cTn id="5" presetID="22" presetClass="exit" presetSubtype="2" fill="hold" nodeType="withEffect">
+                                  <p:stCondLst>
+                                    <p:cond delay="0"/>
+                                  </p:stCondLst>
+                                  <p:childTnLst>
+                                    <p:animEffect transition="out" filter="wipe(right)">
+                                      <p:cBhvr>
+                                        <p:cTn id="6" dur="250"/>
+                                        <p:tgtEl>
+                                          <p:spTgt spid="13"/>
+                                        </p:tgtEl>
+                                      </p:cBhvr>
+                                    </p:animEffect>
+                                    <p:set>
+                                      <p:cBhvr>
+                                        <p:cTn id="7" dur="1" fill="hold">
+                                          <p:stCondLst>
+                                            <p:cond delay="249"/>
+                                          </p:stCondLst>
+                                        </p:cTn>
+                                        <p:tgtEl>
+                                          <p:spTgt spid="13"/>
+                                        </p:tgtEl>
+                                        <p:attrNameLst>
+                                          <p:attrName>style.visibility</p:attrName>
+                                        </p:attrNameLst>
+                                      </p:cBhvr>
+                                      <p:to>
+                                        <p:strVal val="hidden"/>
+                                      </p:to>
+                                    </p:set>
+                                  </p:childTnLst>
+                                </p:cTn>
+                              </p:par>
+                              <p:par>
+                                <p:cTn id="8" presetID="22" presetClass="exit" presetSubtype="2" fill="hold" nodeType="withEffect">
+                                  <p:stCondLst>
+                                    <p:cond delay="0"/>
+                                  </p:stCondLst>
+                                  <p:childTnLst>
+                                    <p:animEffect transition="out" filter="wipe(right)">
+                                      <p:cBhvr>
+                                        <p:cTn id="9" dur="250"/>
+                                        <p:tgtEl>
+                                          <p:spTgt spid="11"/>
+                                        </p:tgtEl>
+                                      </p:cBhvr>
+                                    </p:animEffect>
+                                    <p:set>
+                                      <p:cBhvr>
+                                        <p:cTn id="10" dur="1" fill="hold">
+                                          <p:stCondLst>
+                                            <p:cond delay="249"/>
+                                          </p:stCondLst>
+                                        </p:cTn>
+                                        <p:tgtEl>
+                                          <p:spTgt spid="11"/>
+                                        </p:tgtEl>
+                                        <p:attrNameLst>
+                                          <p:attrName>style.visibility</p:attrName>
+                                        </p:attrNameLst>
+                                      </p:cBhvr>
+                                      <p:to>
+                                        <p:strVal val="hidden"/>
+                                      </p:to>
+                                    </p:set>
+                                  </p:childTnLst>
+                                </p:cTn>
+                              </p:par>
+                            </p:childTnLst>
+                          </p:cTn>
+                        </p:par>
+                        <p:par>
+                          <p:cTn id="11" fill="hold">
+                            <p:stCondLst>
+                              <p:cond delay="250"/>
+                            </p:stCondLst>
+                            <p:childTnLst>
+                              <p:par>
+                                <p:cTn id="12" presetID="22" presetClass="exit" presetSubtype="2" fill="hold" nodeType="afterEffect">
+                                  <p:stCondLst>
+                                    <p:cond delay="0"/>
+                                  </p:stCondLst>
+                                  <p:childTnLst>
+                                    <p:animEffect transition="out" filter="wipe(right)">
+                                      <p:cBhvr>
+                                        <p:cTn id="13" dur="500"/>
+                                        <p:tgtEl>
+                                          <p:spTgt spid="9"/>
+                                        </p:tgtEl>
+                                      </p:cBhvr>
+                                    </p:animEffect>
+                                    <p:set>
+                                      <p:cBhvr>
+                                        <p:cTn id="14" dur="1" fill="hold">
+                                          <p:stCondLst>
+                                            <p:cond delay="499"/>
+                                          </p:stCondLst>
+                                        </p:cTn>
+                                        <p:tgtEl>
+                                          <p:spTgt spid="9"/>
+                                        </p:tgtEl>
+                                        <p:attrNameLst>
+                                          <p:attrName>style.visibility</p:attrName>
+                                        </p:attrNameLst>
+                                      </p:cBhvr>
+                                      <p:to>
+                                        <p:strVal val="hidden"/>
+                                      </p:to>
+                                    </p:set>
+                                  </p:childTnLst>
+                                </p:cTn>
+                              </p:par>
+                            </p:childTnLst>
+                          </p:cTn>
+                        </p:par>
+                        <p:par>
+                          <p:cTn id="15" fill="hold">
+                            <p:stCondLst>
+                              <p:cond delay="750"/>
+                            </p:stCondLst>
+                            <p:childTnLst>
+                              <p:par>
+                                <p:cTn id="16" presetID="22" presetClass="exit" presetSubtype="2" fill="hold" nodeType="afterEffect">
+                                  <p:stCondLst>
+                                    <p:cond delay="0"/>
+                                  </p:stCondLst>
+                                  <p:childTnLst>
+                                    <p:animEffect transition="out" filter="wipe(right)">
+                                      <p:cBhvr>
+                                        <p:cTn id="17" dur="500"/>
+                                        <p:tgtEl>
+                                          <p:spTgt spid="6"/>
+                                        </p:tgtEl>
+                                      </p:cBhvr>
+                                    </p:animEffect>
+                                    <p:set>
+                                      <p:cBhvr>
+                                        <p:cTn id="18" dur="1" fill="hold">
+                                          <p:stCondLst>
+                                            <p:cond delay="499"/>
+                                          </p:stCondLst>
+                                        </p:cTn>
+                                        <p:tgtEl>
+                                          <p:spTgt spid="6"/>
+                                        </p:tgtEl>
+                                        <p:attrNameLst>
+                                          <p:attrName>style.visibility</p:attrName>
+                                        </p:attrNameLst>
+                                      </p:cBhvr>
+                                      <p:to>
+                                        <p:strVal val="hidden"/>
+                                      </p:to>
+                                    </p:set>
+                                  </p:childTnLst>
+                                </p:cTn>
+                              </p:par>
+                            </p:childTnLst>
+                          </p:cTn>
+                        </p:par>
+                      </p:childTnLst>
+                    </p:cTn>
+                  </p:par>
+                </p:childTnLst>
+              </p:cTn>
+              <p:prevCondLst>
+                <p:cond evt="onPrev" delay="0">
+                  <p:tgtEl>
+                    <p:sldTgt/>
+                  </p:tgtEl>
+                </p:cond>
+              </p:prevCondLst>
+              <p:nextCondLst>
+                <p:cond evt="onNext" delay="0">
+                  <p:tgtEl>
+                    <p:sldTgt/>
+                  </p:tgtEl>
+                </p:cond>
+              </p:nextCondLst>
+            </p:seq>
+          </p:childTnLst>
+        </p:cTn>
+      </p:par>
+    </p:tnLst>
+  </p:timing>
+</p:sld>
+</file>
+
+<file path=ppt/slides/slide6.xml><?xml version="1.0" encoding="utf-8"?>
 <p:sld xmlns:a="http://schemas.openxmlformats.org/drawingml/2006/main" xmlns:r="http://schemas.openxmlformats.org/officeDocument/2006/relationships" xmlns:p="http://schemas.openxmlformats.org/presentationml/2006/main">
   <p:cSld>
     <p:bg>
@@ -26457,11 +29272,10 @@
           <a:bodyPr/>
           <a:lstStyle/>
           <a:p>
-            <a:fld id="{C569FDB9-978A-4295-A40F-75DB9D9B47B8}" type="slidenum">
-              <a:rPr lang="ru-RU" smtClean="0"/>
+            <a:r>
+              <a:rPr lang="ru-RU" dirty="0"/>
               <a:t>5</a:t>
-            </a:fld>
-            <a:endParaRPr lang="ru-RU"/>
+            </a:r>
           </a:p>
         </p:txBody>
       </p:sp>
@@ -27344,9 +30158,14 @@
   <p:clrMapOvr>
     <a:masterClrMapping/>
   </p:clrMapOvr>
-  <p:transition spd="slow">
-    <p:push dir="u"/>
-  </p:transition>
+  <mc:AlternateContent xmlns:mc="http://schemas.openxmlformats.org/markup-compatibility/2006" xmlns:p14="http://schemas.microsoft.com/office/powerpoint/2010/main">
+    <mc:Choice Requires="p14">
+      <p:transition p14:dur="0"/>
+    </mc:Choice>
+    <mc:Fallback xmlns="">
+      <p:transition/>
+    </mc:Fallback>
+  </mc:AlternateContent>
   <p:timing>
     <p:tnLst>
       <p:par>
@@ -27371,7 +30190,7 @@
                             </p:stCondLst>
                             <p:childTnLst>
                               <p:par>
-                                <p:cTn id="5" presetID="2" presetClass="entr" presetSubtype="8" fill="hold" nodeType="withEffect">
+                                <p:cTn id="5" presetID="22" presetClass="entr" presetSubtype="8" fill="hold" nodeType="withEffect">
                                   <p:stCondLst>
                                     <p:cond delay="0"/>
                                   </p:stCondLst>
@@ -27394,210 +30213,11 @@
                                         <p:strVal val="visible"/>
                                       </p:to>
                                     </p:set>
-                                    <p:anim calcmode="lin" valueType="num">
-                                      <p:cBhvr additive="base">
-                                        <p:cTn id="7" dur="500" fill="hold"/>
+                                    <p:animEffect transition="in" filter="wipe(left)">
+                                      <p:cBhvr>
+                                        <p:cTn id="7" dur="500"/>
                                         <p:tgtEl>
                                           <p:spTgt spid="9"/>
-                                        </p:tgtEl>
-                                        <p:attrNameLst>
-                                          <p:attrName>ppt_x</p:attrName>
-                                        </p:attrNameLst>
-                                      </p:cBhvr>
-                                      <p:tavLst>
-                                        <p:tav tm="0">
-                                          <p:val>
-                                            <p:strVal val="0-#ppt_w/2"/>
-                                          </p:val>
-                                        </p:tav>
-                                        <p:tav tm="100000">
-                                          <p:val>
-                                            <p:strVal val="#ppt_x"/>
-                                          </p:val>
-                                        </p:tav>
-                                      </p:tavLst>
-                                    </p:anim>
-                                    <p:anim calcmode="lin" valueType="num">
-                                      <p:cBhvr additive="base">
-                                        <p:cTn id="8" dur="500" fill="hold"/>
-                                        <p:tgtEl>
-                                          <p:spTgt spid="9"/>
-                                        </p:tgtEl>
-                                        <p:attrNameLst>
-                                          <p:attrName>ppt_y</p:attrName>
-                                        </p:attrNameLst>
-                                      </p:cBhvr>
-                                      <p:tavLst>
-                                        <p:tav tm="0">
-                                          <p:val>
-                                            <p:strVal val="#ppt_y"/>
-                                          </p:val>
-                                        </p:tav>
-                                        <p:tav tm="100000">
-                                          <p:val>
-                                            <p:strVal val="#ppt_y"/>
-                                          </p:val>
-                                        </p:tav>
-                                      </p:tavLst>
-                                    </p:anim>
-                                  </p:childTnLst>
-                                </p:cTn>
-                              </p:par>
-                            </p:childTnLst>
-                          </p:cTn>
-                        </p:par>
-                        <p:par>
-                          <p:cTn id="9" fill="hold">
-                            <p:stCondLst>
-                              <p:cond delay="500"/>
-                            </p:stCondLst>
-                            <p:childTnLst>
-                              <p:par>
-                                <p:cTn id="10" presetID="2" presetClass="entr" presetSubtype="8" fill="hold" nodeType="afterEffect">
-                                  <p:stCondLst>
-                                    <p:cond delay="0"/>
-                                  </p:stCondLst>
-                                  <p:childTnLst>
-                                    <p:set>
-                                      <p:cBhvr>
-                                        <p:cTn id="11" dur="1" fill="hold">
-                                          <p:stCondLst>
-                                            <p:cond delay="0"/>
-                                          </p:stCondLst>
-                                        </p:cTn>
-                                        <p:tgtEl>
-                                          <p:spTgt spid="6"/>
-                                        </p:tgtEl>
-                                        <p:attrNameLst>
-                                          <p:attrName>style.visibility</p:attrName>
-                                        </p:attrNameLst>
-                                      </p:cBhvr>
-                                      <p:to>
-                                        <p:strVal val="visible"/>
-                                      </p:to>
-                                    </p:set>
-                                    <p:anim calcmode="lin" valueType="num">
-                                      <p:cBhvr additive="base">
-                                        <p:cTn id="12" dur="500" fill="hold"/>
-                                        <p:tgtEl>
-                                          <p:spTgt spid="6"/>
-                                        </p:tgtEl>
-                                        <p:attrNameLst>
-                                          <p:attrName>ppt_x</p:attrName>
-                                        </p:attrNameLst>
-                                      </p:cBhvr>
-                                      <p:tavLst>
-                                        <p:tav tm="0">
-                                          <p:val>
-                                            <p:strVal val="0-#ppt_w/2"/>
-                                          </p:val>
-                                        </p:tav>
-                                        <p:tav tm="100000">
-                                          <p:val>
-                                            <p:strVal val="#ppt_x"/>
-                                          </p:val>
-                                        </p:tav>
-                                      </p:tavLst>
-                                    </p:anim>
-                                    <p:anim calcmode="lin" valueType="num">
-                                      <p:cBhvr additive="base">
-                                        <p:cTn id="13" dur="500" fill="hold"/>
-                                        <p:tgtEl>
-                                          <p:spTgt spid="6"/>
-                                        </p:tgtEl>
-                                        <p:attrNameLst>
-                                          <p:attrName>ppt_y</p:attrName>
-                                        </p:attrNameLst>
-                                      </p:cBhvr>
-                                      <p:tavLst>
-                                        <p:tav tm="0">
-                                          <p:val>
-                                            <p:strVal val="#ppt_y"/>
-                                          </p:val>
-                                        </p:tav>
-                                        <p:tav tm="100000">
-                                          <p:val>
-                                            <p:strVal val="#ppt_y"/>
-                                          </p:val>
-                                        </p:tav>
-                                      </p:tavLst>
-                                    </p:anim>
-                                  </p:childTnLst>
-                                </p:cTn>
-                              </p:par>
-                            </p:childTnLst>
-                          </p:cTn>
-                        </p:par>
-                        <p:par>
-                          <p:cTn id="14" fill="hold">
-                            <p:stCondLst>
-                              <p:cond delay="1000"/>
-                            </p:stCondLst>
-                            <p:childTnLst>
-                              <p:par>
-                                <p:cTn id="15" presetID="22" presetClass="entr" presetSubtype="8" fill="hold" nodeType="afterEffect">
-                                  <p:stCondLst>
-                                    <p:cond delay="0"/>
-                                  </p:stCondLst>
-                                  <p:childTnLst>
-                                    <p:set>
-                                      <p:cBhvr>
-                                        <p:cTn id="16" dur="1" fill="hold">
-                                          <p:stCondLst>
-                                            <p:cond delay="0"/>
-                                          </p:stCondLst>
-                                        </p:cTn>
-                                        <p:tgtEl>
-                                          <p:spTgt spid="10"/>
-                                        </p:tgtEl>
-                                        <p:attrNameLst>
-                                          <p:attrName>style.visibility</p:attrName>
-                                        </p:attrNameLst>
-                                      </p:cBhvr>
-                                      <p:to>
-                                        <p:strVal val="visible"/>
-                                      </p:to>
-                                    </p:set>
-                                    <p:animEffect transition="in" filter="wipe(left)">
-                                      <p:cBhvr>
-                                        <p:cTn id="17" dur="500"/>
-                                        <p:tgtEl>
-                                          <p:spTgt spid="10"/>
-                                        </p:tgtEl>
-                                      </p:cBhvr>
-                                    </p:animEffect>
-                                  </p:childTnLst>
-                                </p:cTn>
-                              </p:par>
-                              <p:par>
-                                <p:cTn id="18" presetID="22" presetClass="entr" presetSubtype="8" fill="hold" nodeType="withEffect">
-                                  <p:stCondLst>
-                                    <p:cond delay="0"/>
-                                  </p:stCondLst>
-                                  <p:childTnLst>
-                                    <p:set>
-                                      <p:cBhvr>
-                                        <p:cTn id="19" dur="1" fill="hold">
-                                          <p:stCondLst>
-                                            <p:cond delay="0"/>
-                                          </p:stCondLst>
-                                        </p:cTn>
-                                        <p:tgtEl>
-                                          <p:spTgt spid="13"/>
-                                        </p:tgtEl>
-                                        <p:attrNameLst>
-                                          <p:attrName>style.visibility</p:attrName>
-                                        </p:attrNameLst>
-                                      </p:cBhvr>
-                                      <p:to>
-                                        <p:strVal val="visible"/>
-                                      </p:to>
-                                    </p:set>
-                                    <p:animEffect transition="in" filter="wipe(left)">
-                                      <p:cBhvr>
-                                        <p:cTn id="20" dur="500"/>
-                                        <p:tgtEl>
-                                          <p:spTgt spid="13"/>
                                         </p:tgtEl>
                                       </p:cBhvr>
                                     </p:animEffect>
@@ -27608,26 +30228,114 @@
                           </p:cTn>
                         </p:par>
                         <p:par>
-                          <p:cTn id="21" fill="hold">
+                          <p:cTn id="8" fill="hold">
+                            <p:stCondLst>
+                              <p:cond delay="500"/>
+                            </p:stCondLst>
+                            <p:childTnLst>
+                              <p:par>
+                                <p:cTn id="9" presetID="22" presetClass="entr" presetSubtype="8" fill="hold" nodeType="afterEffect">
+                                  <p:stCondLst>
+                                    <p:cond delay="0"/>
+                                  </p:stCondLst>
+                                  <p:childTnLst>
+                                    <p:set>
+                                      <p:cBhvr>
+                                        <p:cTn id="10" dur="1" fill="hold">
+                                          <p:stCondLst>
+                                            <p:cond delay="0"/>
+                                          </p:stCondLst>
+                                        </p:cTn>
+                                        <p:tgtEl>
+                                          <p:spTgt spid="6"/>
+                                        </p:tgtEl>
+                                        <p:attrNameLst>
+                                          <p:attrName>style.visibility</p:attrName>
+                                        </p:attrNameLst>
+                                      </p:cBhvr>
+                                      <p:to>
+                                        <p:strVal val="visible"/>
+                                      </p:to>
+                                    </p:set>
+                                    <p:animEffect transition="in" filter="wipe(left)">
+                                      <p:cBhvr>
+                                        <p:cTn id="11" dur="500"/>
+                                        <p:tgtEl>
+                                          <p:spTgt spid="6"/>
+                                        </p:tgtEl>
+                                      </p:cBhvr>
+                                    </p:animEffect>
+                                  </p:childTnLst>
+                                </p:cTn>
+                              </p:par>
+                            </p:childTnLst>
+                          </p:cTn>
+                        </p:par>
+                        <p:par>
+                          <p:cTn id="12" fill="hold">
+                            <p:stCondLst>
+                              <p:cond delay="1000"/>
+                            </p:stCondLst>
+                            <p:childTnLst>
+                              <p:par>
+                                <p:cTn id="13" presetID="22" presetClass="entr" presetSubtype="8" fill="hold" nodeType="afterEffect">
+                                  <p:stCondLst>
+                                    <p:cond delay="0"/>
+                                  </p:stCondLst>
+                                  <p:childTnLst>
+                                    <p:set>
+                                      <p:cBhvr>
+                                        <p:cTn id="14" dur="1" fill="hold">
+                                          <p:stCondLst>
+                                            <p:cond delay="0"/>
+                                          </p:stCondLst>
+                                        </p:cTn>
+                                        <p:tgtEl>
+                                          <p:spTgt spid="10"/>
+                                        </p:tgtEl>
+                                        <p:attrNameLst>
+                                          <p:attrName>style.visibility</p:attrName>
+                                        </p:attrNameLst>
+                                      </p:cBhvr>
+                                      <p:to>
+                                        <p:strVal val="visible"/>
+                                      </p:to>
+                                    </p:set>
+                                    <p:animEffect transition="in" filter="wipe(left)">
+                                      <p:cBhvr>
+                                        <p:cTn id="15" dur="500"/>
+                                        <p:tgtEl>
+                                          <p:spTgt spid="10"/>
+                                        </p:tgtEl>
+                                      </p:cBhvr>
+                                    </p:animEffect>
+                                  </p:childTnLst>
+                                </p:cTn>
+                              </p:par>
+                            </p:childTnLst>
+                          </p:cTn>
+                        </p:par>
+                        <p:par>
+                          <p:cTn id="16" fill="hold">
                             <p:stCondLst>
                               <p:cond delay="1500"/>
                             </p:stCondLst>
                             <p:childTnLst>
                               <p:par>
-                                <p:cTn id="22" presetID="22" presetClass="entr" presetSubtype="8" fill="hold" nodeType="afterEffect">
+                                <p:cTn id="17" presetID="22" presetClass="entr" presetSubtype="8" fill="hold" nodeType="afterEffect">
                                   <p:stCondLst>
                                     <p:cond delay="0"/>
                                   </p:stCondLst>
                                   <p:childTnLst>
                                     <p:set>
                                       <p:cBhvr>
-                                        <p:cTn id="23" dur="1" fill="hold">
+                                        <p:cTn id="18" dur="1" fill="hold">
                                           <p:stCondLst>
                                             <p:cond delay="0"/>
                                           </p:stCondLst>
                                         </p:cTn>
                                         <p:tgtEl>
-                                          <p:spTgt spid="3"/>
+                                          <p:spTgt spid="13"/>
                                         </p:tgtEl>
                                         <p:attrNameLst>
                                           <p:attrName>style.visibility</p:attrName>
@@ -27639,7 +30347,51 @@
                                     </p:set>
                                     <p:animEffect transition="in" filter="wipe(left)">
                                       <p:cBhvr>
-                                        <p:cTn id="24" dur="500"/>
+                                        <p:cTn id="19" dur="500"/>
+                                        <p:tgtEl>
+                                          <p:spTgt spid="13"/>
+                                        </p:tgtEl>
+                                      </p:cBhvr>
+                                    </p:animEffect>
+                                  </p:childTnLst>
+                                </p:cTn>
+                              </p:par>
+                            </p:childTnLst>
+                          </p:cTn>
+                        </p:par>
+                        <p:par>
+                          <p:cTn id="20" fill="hold">
+                            <p:stCondLst>
+                              <p:cond delay="2000"/>
+                            </p:stCondLst>
+                            <p:childTnLst>
+                              <p:par>
+                                <p:cTn id="21" presetID="22" presetClass="entr" presetSubtype="8" fill="hold" nodeType="afterEffect">
+                                  <p:stCondLst>
+                                    <p:cond delay="0"/>
+                                  </p:stCondLst>
+                                  <p:childTnLst>
+                                    <p:set>
+                                      <p:cBhvr>
+                                        <p:cTn id="22" dur="1" fill="hold">
+                                          <p:stCondLst>
+                                            <p:cond delay="0"/>
+                                          </p:stCondLst>
+                                        </p:cTn>
+                                        <p:tgtEl>
+                                          <p:spTgt spid="3"/>
+                                        </p:tgtEl>
+                                        <p:attrNameLst>
+                                          <p:attrName>style.visibility</p:attrName>
+                                        </p:attrNameLst>
+                                      </p:cBhvr>
+                                      <p:to>
+                                        <p:strVal val="visible"/>
+                                      </p:to>
+                                    </p:set>
+                                    <p:animEffect transition="in" filter="wipe(left)">
+                                      <p:cBhvr>
+                                        <p:cTn id="23" dur="500"/>
                                         <p:tgtEl>
                                           <p:spTgt spid="3"/>
                                         </p:tgtEl>
@@ -27679,7 +30431,1236 @@
 </p:sld>
 </file>
 
-<file path=ppt/slides/slide6.xml><?xml version="1.0" encoding="utf-8"?>
+<file path=ppt/slides/slide7.xml><?xml version="1.0" encoding="utf-8"?>
+<p:sld xmlns:a="http://schemas.openxmlformats.org/drawingml/2006/main" xmlns:r="http://schemas.openxmlformats.org/officeDocument/2006/relationships" xmlns:p="http://schemas.openxmlformats.org/presentationml/2006/main">
+  <p:cSld>
+    <p:bg>
+      <p:bgPr>
+        <a:solidFill>
+          <a:srgbClr val="E8F2FF">
+            <a:alpha val="94118"/>
+          </a:srgbClr>
+        </a:solidFill>
+        <a:effectLst/>
+      </p:bgPr>
+    </p:bg>
+    <p:spTree>
+      <p:nvGrpSpPr>
+        <p:cNvPr id="1" name=""/>
+        <p:cNvGrpSpPr/>
+        <p:nvPr/>
+      </p:nvGrpSpPr>
+      <p:grpSpPr>
+        <a:xfrm>
+          <a:off x="0" y="0"/>
+          <a:ext cx="0" cy="0"/>
+          <a:chOff x="0" y="0"/>
+          <a:chExt cx="0" cy="0"/>
+        </a:xfrm>
+      </p:grpSpPr>
+      <p:sp>
+        <p:nvSpPr>
+          <p:cNvPr id="2" name="Заголовок 1">
+            <a:extLst>
+              <a:ext uri="{FF2B5EF4-FFF2-40B4-BE49-F238E27FC236}">
+                <a16:creationId xmlns:a16="http://schemas.microsoft.com/office/drawing/2014/main" id="{85A67EE4-1490-489F-B022-DB785FFC2A71}"/>
+              </a:ext>
+            </a:extLst>
+          </p:cNvPr>
+          <p:cNvSpPr>
+            <a:spLocks noGrp="1"/>
+          </p:cNvSpPr>
+          <p:nvPr>
+            <p:ph type="title"/>
+          </p:nvPr>
+        </p:nvSpPr>
+        <p:spPr/>
+        <p:txBody>
+          <a:bodyPr>
+            <a:normAutofit/>
+          </a:bodyPr>
+          <a:lstStyle/>
+          <a:p>
+            <a:r>
+              <a:rPr lang="ru-RU" sz="4000" cap="none" dirty="0">
+                <a:latin typeface="+mn-lt"/>
+                <a:ea typeface="+mn-ea"/>
+                <a:cs typeface="+mn-cs"/>
+              </a:rPr>
+              <a:t>Аналитический обзор существующих решений</a:t>
+            </a:r>
+          </a:p>
+        </p:txBody>
+      </p:sp>
+      <p:sp>
+        <p:nvSpPr>
+          <p:cNvPr id="4" name="Номер слайда 3">
+            <a:extLst>
+              <a:ext uri="{FF2B5EF4-FFF2-40B4-BE49-F238E27FC236}">
+                <a16:creationId xmlns:a16="http://schemas.microsoft.com/office/drawing/2014/main" id="{0D15676A-FFFA-436B-8906-F39FC78919CB}"/>
+              </a:ext>
+            </a:extLst>
+          </p:cNvPr>
+          <p:cNvSpPr>
+            <a:spLocks noGrp="1"/>
+          </p:cNvSpPr>
+          <p:nvPr>
+            <p:ph type="sldNum" sz="quarter" idx="12"/>
+          </p:nvPr>
+        </p:nvSpPr>
+        <p:spPr>
+          <a:xfrm>
+            <a:off x="8610600" y="6356350"/>
+            <a:ext cx="2743200" cy="365125"/>
+          </a:xfrm>
+        </p:spPr>
+        <p:txBody>
+          <a:bodyPr/>
+          <a:lstStyle/>
+          <a:p>
+            <a:r>
+              <a:rPr lang="ru-RU" dirty="0" smtClean="0"/>
+              <a:t>6</a:t>
+            </a:r>
+            <a:endParaRPr lang="ru-RU" dirty="0"/>
+          </a:p>
+        </p:txBody>
+      </p:sp>
+      <p:graphicFrame>
+        <p:nvGraphicFramePr>
+          <p:cNvPr id="6" name="Таблица 5"/>
+          <p:cNvGraphicFramePr>
+            <a:graphicFrameLocks noGrp="1"/>
+          </p:cNvGraphicFramePr>
+          <p:nvPr>
+            <p:extLst>
+              <p:ext uri="{D42A27DB-BD31-4B8C-83A1-F6EECF244321}">
+                <p14:modId xmlns:p14="http://schemas.microsoft.com/office/powerpoint/2010/main" val="2557587422"/>
+              </p:ext>
+            </p:extLst>
+          </p:nvPr>
+        </p:nvGraphicFramePr>
+        <p:xfrm>
+          <a:off x="838200" y="2431734"/>
+          <a:ext cx="10515600" cy="3855956"/>
+        </p:xfrm>
+        <a:graphic>
+          <a:graphicData uri="http://schemas.openxmlformats.org/drawingml/2006/table">
+            <a:tbl>
+              <a:tblPr firstRow="1" firstCol="1" bandRow="1">
+                <a:tableStyleId>{5C22544A-7EE6-4342-B048-85BDC9FD1C3A}</a:tableStyleId>
+              </a:tblPr>
+              <a:tblGrid>
+                <a:gridCol w="5256980">
+                  <a:extLst>
+                    <a:ext uri="{9D8B030D-6E8A-4147-A177-3AD203B41FA5}">
+                      <a16:colId xmlns:a16="http://schemas.microsoft.com/office/drawing/2014/main" val="897422277"/>
+                    </a:ext>
+                  </a:extLst>
+                </a:gridCol>
+                <a:gridCol w="5258620">
+                  <a:extLst>
+                    <a:ext uri="{9D8B030D-6E8A-4147-A177-3AD203B41FA5}">
+                      <a16:colId xmlns:a16="http://schemas.microsoft.com/office/drawing/2014/main" val="4111979729"/>
+                    </a:ext>
+                  </a:extLst>
+                </a:gridCol>
+              </a:tblGrid>
+              <a:tr h="621468">
+                <a:tc>
+                  <a:txBody>
+                    <a:bodyPr/>
+                    <a:lstStyle/>
+                    <a:p>
+                      <a:pPr marL="896938" lvl="0" indent="0" algn="just">
+                        <a:lnSpc>
+                          <a:spcPct val="150000"/>
+                        </a:lnSpc>
+                        <a:spcAft>
+                          <a:spcPts val="0"/>
+                        </a:spcAft>
+                        <a:buFont typeface="Symbol" panose="05050102010706020507" pitchFamily="18" charset="2"/>
+                        <a:buNone/>
+                      </a:pPr>
+                      <a:r>
+                        <a:rPr lang="ru-RU" sz="2400" b="1" dirty="0" smtClean="0">
+                          <a:solidFill>
+                            <a:schemeClr val="tx1"/>
+                          </a:solidFill>
+                          <a:effectLst/>
+                          <a:latin typeface="+mn-lt"/>
+                        </a:rPr>
+                        <a:t>Достоинства</a:t>
+                      </a:r>
+                      <a:endParaRPr lang="ru-RU" sz="2400" b="1" dirty="0">
+                        <a:solidFill>
+                          <a:schemeClr val="tx1"/>
+                        </a:solidFill>
+                        <a:effectLst/>
+                        <a:latin typeface="+mn-lt"/>
+                      </a:endParaRPr>
+                    </a:p>
+                  </a:txBody>
+                  <a:tcPr marL="62162" marR="62162" marT="0" marB="0">
+                    <a:lnL w="12700" cap="flat" cmpd="sng" algn="ctr">
+                      <a:noFill/>
+                      <a:prstDash val="solid"/>
+                      <a:round/>
+                      <a:headEnd type="none" w="med" len="med"/>
+                      <a:tailEnd type="none" w="med" len="med"/>
+                    </a:lnL>
+                    <a:lnR w="12700" cap="flat" cmpd="sng" algn="ctr">
+                      <a:noFill/>
+                      <a:prstDash val="solid"/>
+                      <a:round/>
+                      <a:headEnd type="none" w="med" len="med"/>
+                      <a:tailEnd type="none" w="med" len="med"/>
+                    </a:lnR>
+                    <a:lnT w="12700" cap="flat" cmpd="sng" algn="ctr">
+                      <a:noFill/>
+                      <a:prstDash val="solid"/>
+                      <a:round/>
+                      <a:headEnd type="none" w="med" len="med"/>
+                      <a:tailEnd type="none" w="med" len="med"/>
+                    </a:lnT>
+                    <a:lnB w="12700" cap="flat" cmpd="sng" algn="ctr">
+                      <a:noFill/>
+                      <a:prstDash val="solid"/>
+                      <a:round/>
+                      <a:headEnd type="none" w="med" len="med"/>
+                      <a:tailEnd type="none" w="med" len="med"/>
+                    </a:lnB>
+                    <a:lnTlToBr w="12700" cmpd="sng">
+                      <a:noFill/>
+                      <a:prstDash val="solid"/>
+                    </a:lnTlToBr>
+                    <a:lnBlToTr w="12700" cmpd="sng">
+                      <a:noFill/>
+                      <a:prstDash val="solid"/>
+                    </a:lnBlToTr>
+                    <a:solidFill>
+                      <a:srgbClr val="BFDEAC"/>
+                    </a:solidFill>
+                  </a:tcPr>
+                </a:tc>
+                <a:tc>
+                  <a:txBody>
+                    <a:bodyPr/>
+                    <a:lstStyle/>
+                    <a:p>
+                      <a:pPr marL="0" lvl="0" indent="896938" algn="just">
+                        <a:lnSpc>
+                          <a:spcPct val="150000"/>
+                        </a:lnSpc>
+                        <a:spcAft>
+                          <a:spcPts val="0"/>
+                        </a:spcAft>
+                        <a:buFont typeface="Symbol" panose="05050102010706020507" pitchFamily="18" charset="2"/>
+                        <a:buNone/>
+                      </a:pPr>
+                      <a:r>
+                        <a:rPr lang="ru-RU" sz="2400" b="1" dirty="0" smtClean="0">
+                          <a:solidFill>
+                            <a:schemeClr val="tx1"/>
+                          </a:solidFill>
+                          <a:effectLst/>
+                          <a:latin typeface="+mn-lt"/>
+                          <a:ea typeface="Calibri" panose="020F0502020204030204" pitchFamily="34" charset="0"/>
+                          <a:cs typeface="Times New Roman" panose="02020603050405020304" pitchFamily="18" charset="0"/>
+                        </a:rPr>
+                        <a:t>Недостатки</a:t>
+                      </a:r>
+                      <a:endParaRPr lang="ru-RU" sz="2400" b="1" dirty="0">
+                        <a:solidFill>
+                          <a:schemeClr val="tx1"/>
+                        </a:solidFill>
+                        <a:effectLst/>
+                        <a:latin typeface="+mn-lt"/>
+                        <a:ea typeface="Calibri" panose="020F0502020204030204" pitchFamily="34" charset="0"/>
+                        <a:cs typeface="Times New Roman" panose="02020603050405020304" pitchFamily="18" charset="0"/>
+                      </a:endParaRPr>
+                    </a:p>
+                  </a:txBody>
+                  <a:tcPr marL="62162" marR="62162" marT="0" marB="0">
+                    <a:lnL w="12700" cap="flat" cmpd="sng" algn="ctr">
+                      <a:noFill/>
+                      <a:prstDash val="solid"/>
+                      <a:round/>
+                      <a:headEnd type="none" w="med" len="med"/>
+                      <a:tailEnd type="none" w="med" len="med"/>
+                    </a:lnL>
+                    <a:lnR w="12700" cap="flat" cmpd="sng" algn="ctr">
+                      <a:noFill/>
+                      <a:prstDash val="solid"/>
+                      <a:round/>
+                      <a:headEnd type="none" w="med" len="med"/>
+                      <a:tailEnd type="none" w="med" len="med"/>
+                    </a:lnR>
+                    <a:lnT w="12700" cap="flat" cmpd="sng" algn="ctr">
+                      <a:noFill/>
+                      <a:prstDash val="solid"/>
+                      <a:round/>
+                      <a:headEnd type="none" w="med" len="med"/>
+                      <a:tailEnd type="none" w="med" len="med"/>
+                    </a:lnT>
+                    <a:lnB w="12700" cap="flat" cmpd="sng" algn="ctr">
+                      <a:noFill/>
+                      <a:prstDash val="solid"/>
+                      <a:round/>
+                      <a:headEnd type="none" w="med" len="med"/>
+                      <a:tailEnd type="none" w="med" len="med"/>
+                    </a:lnB>
+                    <a:lnTlToBr w="12700" cmpd="sng">
+                      <a:noFill/>
+                      <a:prstDash val="solid"/>
+                    </a:lnTlToBr>
+                    <a:lnBlToTr w="12700" cmpd="sng">
+                      <a:noFill/>
+                      <a:prstDash val="solid"/>
+                    </a:lnBlToTr>
+                    <a:solidFill>
+                      <a:srgbClr val="FF7171"/>
+                    </a:solidFill>
+                  </a:tcPr>
+                </a:tc>
+                <a:extLst>
+                  <a:ext uri="{0D108BD9-81ED-4DB2-BD59-A6C34878D82A}">
+                    <a16:rowId xmlns:a16="http://schemas.microsoft.com/office/drawing/2014/main" val="378409306"/>
+                  </a:ext>
+                </a:extLst>
+              </a:tr>
+              <a:tr h="3234488">
+                <a:tc>
+                  <a:txBody>
+                    <a:bodyPr/>
+                    <a:lstStyle/>
+                    <a:p>
+                      <a:pPr marL="896938" lvl="0" indent="-285750" algn="l">
+                        <a:lnSpc>
+                          <a:spcPct val="100000"/>
+                        </a:lnSpc>
+                        <a:spcAft>
+                          <a:spcPts val="0"/>
+                        </a:spcAft>
+                        <a:buFont typeface="Calibri" panose="020F0502020204030204" pitchFamily="34" charset="0"/>
+                        <a:buChar char="+"/>
+                      </a:pPr>
+                      <a:r>
+                        <a:rPr lang="ru-RU" sz="2400" b="0" dirty="0" smtClean="0">
+                          <a:solidFill>
+                            <a:schemeClr val="tx1"/>
+                          </a:solidFill>
+                          <a:effectLst/>
+                          <a:latin typeface="+mn-lt"/>
+                        </a:rPr>
+                        <a:t>Удобный интерфейс</a:t>
+                      </a:r>
+                      <a:endParaRPr lang="en-US" sz="2400" b="0" dirty="0" smtClean="0">
+                        <a:solidFill>
+                          <a:schemeClr val="tx1"/>
+                        </a:solidFill>
+                        <a:effectLst/>
+                        <a:latin typeface="+mn-lt"/>
+                      </a:endParaRPr>
+                    </a:p>
+                    <a:p>
+                      <a:pPr marL="896938" lvl="0" indent="-285750" algn="l">
+                        <a:lnSpc>
+                          <a:spcPct val="100000"/>
+                        </a:lnSpc>
+                        <a:spcAft>
+                          <a:spcPts val="0"/>
+                        </a:spcAft>
+                        <a:buFont typeface="Calibri" panose="020F0502020204030204" pitchFamily="34" charset="0"/>
+                        <a:buChar char="+"/>
+                      </a:pPr>
+                      <a:r>
+                        <a:rPr lang="ru-RU" sz="2400" b="0" dirty="0" smtClean="0">
+                          <a:solidFill>
+                            <a:schemeClr val="tx1"/>
+                          </a:solidFill>
+                          <a:effectLst/>
+                          <a:latin typeface="+mn-lt"/>
+                        </a:rPr>
+                        <a:t>Интеграция</a:t>
+                      </a:r>
+                      <a:r>
+                        <a:rPr lang="ru-RU" sz="2400" b="0" baseline="0" dirty="0" smtClean="0">
+                          <a:solidFill>
+                            <a:schemeClr val="tx1"/>
+                          </a:solidFill>
+                          <a:effectLst/>
+                          <a:latin typeface="+mn-lt"/>
+                        </a:rPr>
+                        <a:t> со сторонними сервисами</a:t>
+                      </a:r>
+                      <a:endParaRPr lang="ru-RU" sz="2400" b="0" dirty="0">
+                        <a:solidFill>
+                          <a:schemeClr val="tx1"/>
+                        </a:solidFill>
+                        <a:effectLst/>
+                        <a:latin typeface="+mn-lt"/>
+                      </a:endParaRPr>
+                    </a:p>
+                  </a:txBody>
+                  <a:tcPr marL="62162" marR="62162" marT="0" marB="0">
+                    <a:lnL w="12700" cap="flat" cmpd="sng" algn="ctr">
+                      <a:noFill/>
+                      <a:prstDash val="solid"/>
+                      <a:round/>
+                      <a:headEnd type="none" w="med" len="med"/>
+                      <a:tailEnd type="none" w="med" len="med"/>
+                    </a:lnL>
+                    <a:lnR w="12700" cap="flat" cmpd="sng" algn="ctr">
+                      <a:noFill/>
+                      <a:prstDash val="solid"/>
+                      <a:round/>
+                      <a:headEnd type="none" w="med" len="med"/>
+                      <a:tailEnd type="none" w="med" len="med"/>
+                    </a:lnR>
+                    <a:lnT w="12700" cap="flat" cmpd="sng" algn="ctr">
+                      <a:noFill/>
+                      <a:prstDash val="solid"/>
+                      <a:round/>
+                      <a:headEnd type="none" w="med" len="med"/>
+                      <a:tailEnd type="none" w="med" len="med"/>
+                    </a:lnT>
+                    <a:lnB w="12700" cap="flat" cmpd="sng" algn="ctr">
+                      <a:noFill/>
+                      <a:prstDash val="solid"/>
+                      <a:round/>
+                      <a:headEnd type="none" w="med" len="med"/>
+                      <a:tailEnd type="none" w="med" len="med"/>
+                    </a:lnB>
+                    <a:lnTlToBr w="12700" cmpd="sng">
+                      <a:noFill/>
+                      <a:prstDash val="solid"/>
+                    </a:lnTlToBr>
+                    <a:lnBlToTr w="12700" cmpd="sng">
+                      <a:noFill/>
+                      <a:prstDash val="solid"/>
+                    </a:lnBlToTr>
+                    <a:solidFill>
+                      <a:schemeClr val="accent6">
+                        <a:lumMod val="20000"/>
+                        <a:lumOff val="80000"/>
+                      </a:schemeClr>
+                    </a:solidFill>
+                  </a:tcPr>
+                </a:tc>
+                <a:tc>
+                  <a:txBody>
+                    <a:bodyPr/>
+                    <a:lstStyle/>
+                    <a:p>
+                      <a:pPr marL="896938" lvl="0" indent="-342900" algn="l">
+                        <a:lnSpc>
+                          <a:spcPct val="100000"/>
+                        </a:lnSpc>
+                        <a:spcAft>
+                          <a:spcPts val="0"/>
+                        </a:spcAft>
+                        <a:buFont typeface="Calibri" panose="020F0502020204030204" pitchFamily="34" charset="0"/>
+                        <a:buChar char="-"/>
+                      </a:pPr>
+                      <a:r>
+                        <a:rPr lang="ru-RU" sz="2400" b="0" dirty="0" smtClean="0">
+                          <a:solidFill>
+                            <a:schemeClr val="tx1"/>
+                          </a:solidFill>
+                          <a:effectLst/>
+                          <a:latin typeface="+mn-lt"/>
+                        </a:rPr>
+                        <a:t>Высокие требования</a:t>
+                      </a:r>
+                      <a:r>
+                        <a:rPr lang="ru-RU" sz="2400" b="0" baseline="0" dirty="0" smtClean="0">
+                          <a:solidFill>
+                            <a:schemeClr val="tx1"/>
+                          </a:solidFill>
+                          <a:effectLst/>
+                          <a:latin typeface="+mn-lt"/>
+                        </a:rPr>
+                        <a:t> к аппаратному обеспечению</a:t>
+                      </a:r>
+                    </a:p>
+                    <a:p>
+                      <a:pPr marL="896938" lvl="0" indent="-342900" algn="l">
+                        <a:lnSpc>
+                          <a:spcPct val="100000"/>
+                        </a:lnSpc>
+                        <a:spcAft>
+                          <a:spcPts val="0"/>
+                        </a:spcAft>
+                        <a:buFont typeface="Calibri" panose="020F0502020204030204" pitchFamily="34" charset="0"/>
+                        <a:buChar char="-"/>
+                      </a:pPr>
+                      <a:r>
+                        <a:rPr lang="ru-RU" sz="2400" b="0" baseline="0" dirty="0" smtClean="0">
+                          <a:solidFill>
+                            <a:schemeClr val="tx1"/>
+                          </a:solidFill>
+                          <a:effectLst/>
+                          <a:latin typeface="+mn-lt"/>
+                          <a:ea typeface="Calibri" panose="020F0502020204030204" pitchFamily="34" charset="0"/>
+                          <a:cs typeface="Times New Roman" panose="02020603050405020304" pitchFamily="18" charset="0"/>
+                        </a:rPr>
+                        <a:t>Высокая стоимость</a:t>
+                      </a:r>
+                      <a:endParaRPr lang="ru-RU" sz="2400" b="0" dirty="0">
+                        <a:solidFill>
+                          <a:schemeClr val="tx1"/>
+                        </a:solidFill>
+                        <a:effectLst/>
+                        <a:latin typeface="+mn-lt"/>
+                        <a:ea typeface="Calibri" panose="020F0502020204030204" pitchFamily="34" charset="0"/>
+                        <a:cs typeface="Times New Roman" panose="02020603050405020304" pitchFamily="18" charset="0"/>
+                      </a:endParaRPr>
+                    </a:p>
+                  </a:txBody>
+                  <a:tcPr marL="62162" marR="62162" marT="0" marB="0">
+                    <a:lnL w="12700" cap="flat" cmpd="sng" algn="ctr">
+                      <a:noFill/>
+                      <a:prstDash val="solid"/>
+                      <a:round/>
+                      <a:headEnd type="none" w="med" len="med"/>
+                      <a:tailEnd type="none" w="med" len="med"/>
+                    </a:lnL>
+                    <a:lnR w="12700" cap="flat" cmpd="sng" algn="ctr">
+                      <a:noFill/>
+                      <a:prstDash val="solid"/>
+                      <a:round/>
+                      <a:headEnd type="none" w="med" len="med"/>
+                      <a:tailEnd type="none" w="med" len="med"/>
+                    </a:lnR>
+                    <a:lnT w="12700" cap="flat" cmpd="sng" algn="ctr">
+                      <a:noFill/>
+                      <a:prstDash val="solid"/>
+                      <a:round/>
+                      <a:headEnd type="none" w="med" len="med"/>
+                      <a:tailEnd type="none" w="med" len="med"/>
+                    </a:lnT>
+                    <a:lnB w="12700" cap="flat" cmpd="sng" algn="ctr">
+                      <a:noFill/>
+                      <a:prstDash val="solid"/>
+                      <a:round/>
+                      <a:headEnd type="none" w="med" len="med"/>
+                      <a:tailEnd type="none" w="med" len="med"/>
+                    </a:lnB>
+                    <a:lnTlToBr w="12700" cmpd="sng">
+                      <a:noFill/>
+                      <a:prstDash val="solid"/>
+                    </a:lnTlToBr>
+                    <a:lnBlToTr w="12700" cmpd="sng">
+                      <a:noFill/>
+                      <a:prstDash val="solid"/>
+                    </a:lnBlToTr>
+                    <a:solidFill>
+                      <a:srgbClr val="FFABAB"/>
+                    </a:solidFill>
+                  </a:tcPr>
+                </a:tc>
+                <a:extLst>
+                  <a:ext uri="{0D108BD9-81ED-4DB2-BD59-A6C34878D82A}">
+                    <a16:rowId xmlns:a16="http://schemas.microsoft.com/office/drawing/2014/main" val="1522331067"/>
+                  </a:ext>
+                </a:extLst>
+              </a:tr>
+            </a:tbl>
+          </a:graphicData>
+        </a:graphic>
+      </p:graphicFrame>
+      <p:graphicFrame>
+        <p:nvGraphicFramePr>
+          <p:cNvPr id="9" name="Таблица 8"/>
+          <p:cNvGraphicFramePr>
+            <a:graphicFrameLocks noGrp="1"/>
+          </p:cNvGraphicFramePr>
+          <p:nvPr>
+            <p:extLst>
+              <p:ext uri="{D42A27DB-BD31-4B8C-83A1-F6EECF244321}">
+                <p14:modId xmlns:p14="http://schemas.microsoft.com/office/powerpoint/2010/main" val="3931355984"/>
+              </p:ext>
+            </p:extLst>
+          </p:nvPr>
+        </p:nvGraphicFramePr>
+        <p:xfrm>
+          <a:off x="838200" y="1690687"/>
+          <a:ext cx="10515600" cy="646009"/>
+        </p:xfrm>
+        <a:graphic>
+          <a:graphicData uri="http://schemas.openxmlformats.org/drawingml/2006/table">
+            <a:tbl>
+              <a:tblPr firstRow="1" bandRow="1">
+                <a:tableStyleId>{5C22544A-7EE6-4342-B048-85BDC9FD1C3A}</a:tableStyleId>
+              </a:tblPr>
+              <a:tblGrid>
+                <a:gridCol w="694267">
+                  <a:extLst>
+                    <a:ext uri="{9D8B030D-6E8A-4147-A177-3AD203B41FA5}">
+                      <a16:colId xmlns:a16="http://schemas.microsoft.com/office/drawing/2014/main" val="52914121"/>
+                    </a:ext>
+                  </a:extLst>
+                </a:gridCol>
+                <a:gridCol w="5808133">
+                  <a:extLst>
+                    <a:ext uri="{9D8B030D-6E8A-4147-A177-3AD203B41FA5}">
+                      <a16:colId xmlns:a16="http://schemas.microsoft.com/office/drawing/2014/main" val="107489223"/>
+                    </a:ext>
+                  </a:extLst>
+                </a:gridCol>
+                <a:gridCol w="4013200">
+                  <a:extLst>
+                    <a:ext uri="{9D8B030D-6E8A-4147-A177-3AD203B41FA5}">
+                      <a16:colId xmlns:a16="http://schemas.microsoft.com/office/drawing/2014/main" val="684838690"/>
+                    </a:ext>
+                  </a:extLst>
+                </a:gridCol>
+              </a:tblGrid>
+              <a:tr h="646009">
+                <a:tc>
+                  <a:txBody>
+                    <a:bodyPr/>
+                    <a:lstStyle/>
+                    <a:p>
+                      <a:endParaRPr lang="ru-RU" dirty="0"/>
+                    </a:p>
+                  </a:txBody>
+                  <a:tcPr>
+                    <a:lnL w="38100" cap="flat" cmpd="sng" algn="ctr">
+                      <a:solidFill>
+                        <a:srgbClr val="EA6C72"/>
+                      </a:solidFill>
+                      <a:prstDash val="solid"/>
+                      <a:round/>
+                      <a:headEnd type="none" w="med" len="med"/>
+                      <a:tailEnd type="none" w="med" len="med"/>
+                    </a:lnL>
+                    <a:lnR w="38100" cap="flat" cmpd="sng" algn="ctr">
+                      <a:noFill/>
+                      <a:prstDash val="solid"/>
+                      <a:round/>
+                      <a:headEnd type="none" w="med" len="med"/>
+                      <a:tailEnd type="none" w="med" len="med"/>
+                    </a:lnR>
+                    <a:lnT w="38100" cap="flat" cmpd="sng" algn="ctr">
+                      <a:solidFill>
+                        <a:srgbClr val="EA6C72"/>
+                      </a:solidFill>
+                      <a:prstDash val="solid"/>
+                      <a:round/>
+                      <a:headEnd type="none" w="med" len="med"/>
+                      <a:tailEnd type="none" w="med" len="med"/>
+                    </a:lnT>
+                    <a:lnB w="38100" cap="flat" cmpd="sng" algn="ctr">
+                      <a:solidFill>
+                        <a:srgbClr val="EA6C72"/>
+                      </a:solidFill>
+                      <a:prstDash val="solid"/>
+                      <a:round/>
+                      <a:headEnd type="none" w="med" len="med"/>
+                      <a:tailEnd type="none" w="med" len="med"/>
+                    </a:lnB>
+                    <a:lnTlToBr w="12700" cmpd="sng">
+                      <a:noFill/>
+                      <a:prstDash val="solid"/>
+                    </a:lnTlToBr>
+                    <a:lnBlToTr w="12700" cmpd="sng">
+                      <a:noFill/>
+                      <a:prstDash val="solid"/>
+                    </a:lnBlToTr>
+                    <a:solidFill>
+                      <a:srgbClr val="199CFF"/>
+                    </a:solidFill>
+                  </a:tcPr>
+                </a:tc>
+                <a:tc>
+                  <a:txBody>
+                    <a:bodyPr/>
+                    <a:lstStyle/>
+                    <a:p>
+                      <a:pPr marL="0" indent="0"/>
+                      <a:r>
+                        <a:rPr lang="ru-RU" sz="2400" b="0" spc="-70" baseline="0" dirty="0" smtClean="0">
+                          <a:ln>
+                            <a:solidFill>
+                              <a:schemeClr val="bg1"/>
+                            </a:solidFill>
+                          </a:ln>
+                          <a:solidFill>
+                            <a:schemeClr val="bg1"/>
+                          </a:solidFill>
+                          <a:latin typeface="Microsoft Sans Serif" panose="020B0604020202020204" pitchFamily="34" charset="0"/>
+                          <a:ea typeface="Microsoft Sans Serif" panose="020B0604020202020204" pitchFamily="34" charset="0"/>
+                          <a:cs typeface="Microsoft Sans Serif" panose="020B0604020202020204" pitchFamily="34" charset="0"/>
+                        </a:rPr>
+                        <a:t>БОСС - КАДРОВИК</a:t>
+                      </a:r>
+                      <a:endParaRPr lang="ru-RU" sz="2400" b="0" spc="-70" baseline="0" dirty="0">
+                        <a:ln>
+                          <a:solidFill>
+                            <a:schemeClr val="bg1"/>
+                          </a:solidFill>
+                        </a:ln>
+                        <a:solidFill>
+                          <a:schemeClr val="bg1"/>
+                        </a:solidFill>
+                        <a:latin typeface="Microsoft Sans Serif" panose="020B0604020202020204" pitchFamily="34" charset="0"/>
+                        <a:ea typeface="Microsoft Sans Serif" panose="020B0604020202020204" pitchFamily="34" charset="0"/>
+                        <a:cs typeface="Microsoft Sans Serif" panose="020B0604020202020204" pitchFamily="34" charset="0"/>
+                      </a:endParaRPr>
+                    </a:p>
+                  </a:txBody>
+                  <a:tcPr anchor="ctr">
+                    <a:lnL w="38100" cap="flat" cmpd="sng" algn="ctr">
+                      <a:noFill/>
+                      <a:prstDash val="solid"/>
+                      <a:round/>
+                      <a:headEnd type="none" w="med" len="med"/>
+                      <a:tailEnd type="none" w="med" len="med"/>
+                    </a:lnL>
+                    <a:lnR w="38100" cap="flat" cmpd="sng" algn="ctr">
+                      <a:noFill/>
+                      <a:prstDash val="solid"/>
+                      <a:round/>
+                      <a:headEnd type="none" w="med" len="med"/>
+                      <a:tailEnd type="none" w="med" len="med"/>
+                    </a:lnR>
+                    <a:lnT w="38100" cap="flat" cmpd="sng" algn="ctr">
+                      <a:solidFill>
+                        <a:srgbClr val="EA6C72"/>
+                      </a:solidFill>
+                      <a:prstDash val="solid"/>
+                      <a:round/>
+                      <a:headEnd type="none" w="med" len="med"/>
+                      <a:tailEnd type="none" w="med" len="med"/>
+                    </a:lnT>
+                    <a:lnB w="38100" cap="flat" cmpd="sng" algn="ctr">
+                      <a:solidFill>
+                        <a:srgbClr val="EA6C72"/>
+                      </a:solidFill>
+                      <a:prstDash val="solid"/>
+                      <a:round/>
+                      <a:headEnd type="none" w="med" len="med"/>
+                      <a:tailEnd type="none" w="med" len="med"/>
+                    </a:lnB>
+                    <a:lnTlToBr w="12700" cmpd="sng">
+                      <a:noFill/>
+                      <a:prstDash val="solid"/>
+                    </a:lnTlToBr>
+                    <a:lnBlToTr w="12700" cmpd="sng">
+                      <a:noFill/>
+                      <a:prstDash val="solid"/>
+                    </a:lnBlToTr>
+                    <a:solidFill>
+                      <a:srgbClr val="199CFF"/>
+                    </a:solidFill>
+                  </a:tcPr>
+                </a:tc>
+                <a:tc>
+                  <a:txBody>
+                    <a:bodyPr/>
+                    <a:lstStyle/>
+                    <a:p>
+                      <a:r>
+                        <a:rPr lang="ru-RU" sz="2400" b="0" dirty="0" smtClean="0">
+                          <a:ln>
+                            <a:solidFill>
+                              <a:schemeClr val="bg1"/>
+                            </a:solidFill>
+                          </a:ln>
+                          <a:solidFill>
+                            <a:schemeClr val="bg1"/>
+                          </a:solidFill>
+                          <a:latin typeface="+mn-lt"/>
+                        </a:rPr>
+                        <a:t>Платформы:</a:t>
+                      </a:r>
+                      <a:endParaRPr lang="ru-RU" sz="2400" b="0" dirty="0">
+                        <a:ln>
+                          <a:solidFill>
+                            <a:schemeClr val="bg1"/>
+                          </a:solidFill>
+                        </a:ln>
+                        <a:solidFill>
+                          <a:schemeClr val="bg1"/>
+                        </a:solidFill>
+                        <a:latin typeface="+mn-lt"/>
+                      </a:endParaRPr>
+                    </a:p>
+                  </a:txBody>
+                  <a:tcPr anchor="ctr">
+                    <a:lnL w="38100" cap="flat" cmpd="sng" algn="ctr">
+                      <a:noFill/>
+                      <a:prstDash val="solid"/>
+                      <a:round/>
+                      <a:headEnd type="none" w="med" len="med"/>
+                      <a:tailEnd type="none" w="med" len="med"/>
+                    </a:lnL>
+                    <a:lnR w="38100" cap="flat" cmpd="sng" algn="ctr">
+                      <a:solidFill>
+                        <a:srgbClr val="EA6C72"/>
+                      </a:solidFill>
+                      <a:prstDash val="solid"/>
+                      <a:round/>
+                      <a:headEnd type="none" w="med" len="med"/>
+                      <a:tailEnd type="none" w="med" len="med"/>
+                    </a:lnR>
+                    <a:lnT w="38100" cap="flat" cmpd="sng" algn="ctr">
+                      <a:solidFill>
+                        <a:srgbClr val="EA6C72"/>
+                      </a:solidFill>
+                      <a:prstDash val="solid"/>
+                      <a:round/>
+                      <a:headEnd type="none" w="med" len="med"/>
+                      <a:tailEnd type="none" w="med" len="med"/>
+                    </a:lnT>
+                    <a:lnB w="38100" cap="flat" cmpd="sng" algn="ctr">
+                      <a:solidFill>
+                        <a:srgbClr val="EA6C72"/>
+                      </a:solidFill>
+                      <a:prstDash val="solid"/>
+                      <a:round/>
+                      <a:headEnd type="none" w="med" len="med"/>
+                      <a:tailEnd type="none" w="med" len="med"/>
+                    </a:lnB>
+                    <a:lnTlToBr w="12700" cmpd="sng">
+                      <a:noFill/>
+                      <a:prstDash val="solid"/>
+                    </a:lnTlToBr>
+                    <a:lnBlToTr w="12700" cmpd="sng">
+                      <a:noFill/>
+                      <a:prstDash val="solid"/>
+                    </a:lnBlToTr>
+                    <a:solidFill>
+                      <a:srgbClr val="199CFF"/>
+                    </a:solidFill>
+                  </a:tcPr>
+                </a:tc>
+                <a:extLst>
+                  <a:ext uri="{0D108BD9-81ED-4DB2-BD59-A6C34878D82A}">
+                    <a16:rowId xmlns:a16="http://schemas.microsoft.com/office/drawing/2014/main" val="1226592424"/>
+                  </a:ext>
+                </a:extLst>
+              </a:tr>
+            </a:tbl>
+          </a:graphicData>
+        </a:graphic>
+      </p:graphicFrame>
+      <p:pic>
+        <p:nvPicPr>
+          <p:cNvPr id="13" name="Рисунок 12"/>
+          <p:cNvPicPr>
+            <a:picLocks noChangeAspect="1"/>
+          </p:cNvPicPr>
+          <p:nvPr/>
+        </p:nvPicPr>
+        <p:blipFill>
+          <a:blip r:embed="rId2" cstate="hqprint">
+            <a:extLst>
+              <a:ext uri="{28A0092B-C50C-407E-A947-70E740481C1C}">
+                <a14:useLocalDpi xmlns:a14="http://schemas.microsoft.com/office/drawing/2010/main" val="0"/>
+              </a:ext>
+            </a:extLst>
+          </a:blip>
+          <a:stretch>
+            <a:fillRect/>
+          </a:stretch>
+        </p:blipFill>
+        <p:spPr>
+          <a:xfrm>
+            <a:off x="9158800" y="1766025"/>
+            <a:ext cx="495334" cy="495334"/>
+          </a:xfrm>
+          <a:prstGeom prst="rect">
+            <a:avLst/>
+          </a:prstGeom>
+        </p:spPr>
+      </p:pic>
+      <p:pic>
+        <p:nvPicPr>
+          <p:cNvPr id="3" name="Рисунок 2"/>
+          <p:cNvPicPr>
+            <a:picLocks noChangeAspect="1"/>
+          </p:cNvPicPr>
+          <p:nvPr/>
+        </p:nvPicPr>
+        <p:blipFill>
+          <a:blip r:embed="rId3" cstate="hqprint">
+            <a:extLst>
+              <a:ext uri="{28A0092B-C50C-407E-A947-70E740481C1C}">
+                <a14:useLocalDpi xmlns:a14="http://schemas.microsoft.com/office/drawing/2010/main" val="0"/>
+              </a:ext>
+            </a:extLst>
+          </a:blip>
+          <a:stretch>
+            <a:fillRect/>
+          </a:stretch>
+        </p:blipFill>
+        <p:spPr>
+          <a:xfrm>
+            <a:off x="9759417" y="1766025"/>
+            <a:ext cx="495334" cy="495334"/>
+          </a:xfrm>
+          <a:prstGeom prst="rect">
+            <a:avLst/>
+          </a:prstGeom>
+        </p:spPr>
+      </p:pic>
+      <p:graphicFrame>
+        <p:nvGraphicFramePr>
+          <p:cNvPr id="5" name="Таблица 4"/>
+          <p:cNvGraphicFramePr>
+            <a:graphicFrameLocks noGrp="1"/>
+          </p:cNvGraphicFramePr>
+          <p:nvPr/>
+        </p:nvGraphicFramePr>
+        <p:xfrm>
+          <a:off x="4783667" y="1354667"/>
+          <a:ext cx="321733" cy="365760"/>
+        </p:xfrm>
+        <a:graphic>
+          <a:graphicData uri="http://schemas.openxmlformats.org/drawingml/2006/table">
+            <a:tbl>
+              <a:tblPr/>
+              <a:tblGrid>
+                <a:gridCol w="321733">
+                  <a:extLst>
+                    <a:ext uri="{9D8B030D-6E8A-4147-A177-3AD203B41FA5}">
+                      <a16:colId xmlns:a16="http://schemas.microsoft.com/office/drawing/2014/main" val="1782158263"/>
+                    </a:ext>
+                  </a:extLst>
+                </a:gridCol>
+              </a:tblGrid>
+              <a:tr h="118533">
+                <a:tc>
+                  <a:txBody>
+                    <a:bodyPr/>
+                    <a:lstStyle/>
+                    <a:p>
+                      <a:endParaRPr lang="ru-RU" dirty="0"/>
+                    </a:p>
+                  </a:txBody>
+                  <a:tcPr>
+                    <a:lnL>
+                      <a:noFill/>
+                    </a:lnL>
+                    <a:lnR>
+                      <a:noFill/>
+                    </a:lnR>
+                    <a:lnT>
+                      <a:noFill/>
+                    </a:lnT>
+                    <a:lnB>
+                      <a:noFill/>
+                    </a:lnB>
+                  </a:tcPr>
+                </a:tc>
+                <a:extLst>
+                  <a:ext uri="{0D108BD9-81ED-4DB2-BD59-A6C34878D82A}">
+                    <a16:rowId xmlns:a16="http://schemas.microsoft.com/office/drawing/2014/main" val="2047025765"/>
+                  </a:ext>
+                </a:extLst>
+              </a:tr>
+            </a:tbl>
+          </a:graphicData>
+        </a:graphic>
+      </p:graphicFrame>
+      <p:pic>
+        <p:nvPicPr>
+          <p:cNvPr id="10" name="Рисунок 9"/>
+          <p:cNvPicPr>
+            <a:picLocks noChangeAspect="1"/>
+          </p:cNvPicPr>
+          <p:nvPr/>
+        </p:nvPicPr>
+        <p:blipFill rotWithShape="1">
+          <a:blip r:embed="rId4">
+            <a:extLst>
+              <a:ext uri="{28A0092B-C50C-407E-A947-70E740481C1C}">
+                <a14:useLocalDpi xmlns:a14="http://schemas.microsoft.com/office/drawing/2010/main" val="0"/>
+              </a:ext>
+            </a:extLst>
+          </a:blip>
+          <a:srcRect l="1" t="-1" r="74539" b="-19710"/>
+          <a:stretch/>
+        </p:blipFill>
+        <p:spPr>
+          <a:xfrm>
+            <a:off x="838200" y="1690686"/>
+            <a:ext cx="575804" cy="773535"/>
+          </a:xfrm>
+          <a:prstGeom prst="rect">
+            <a:avLst/>
+          </a:prstGeom>
+        </p:spPr>
+      </p:pic>
+    </p:spTree>
+    <p:extLst>
+      <p:ext uri="{BB962C8B-B14F-4D97-AF65-F5344CB8AC3E}">
+        <p14:creationId xmlns:p14="http://schemas.microsoft.com/office/powerpoint/2010/main" val="3315481385"/>
+      </p:ext>
+    </p:extLst>
+  </p:cSld>
+  <p:clrMapOvr>
+    <a:masterClrMapping/>
+  </p:clrMapOvr>
+  <mc:AlternateContent xmlns:mc="http://schemas.openxmlformats.org/markup-compatibility/2006" xmlns:p14="http://schemas.microsoft.com/office/powerpoint/2010/main">
+    <mc:Choice Requires="p14">
+      <p:transition p14:dur="10" advClick="0" advTm="0"/>
+    </mc:Choice>
+    <mc:Fallback xmlns="">
+      <p:transition advClick="0" advTm="0"/>
+    </mc:Fallback>
+  </mc:AlternateContent>
+  <p:timing>
+    <p:tnLst>
+      <p:par>
+        <p:cTn id="1" dur="indefinite" restart="never" nodeType="tmRoot">
+          <p:childTnLst>
+            <p:seq concurrent="1" nextAc="seek">
+              <p:cTn id="2" dur="indefinite" nodeType="mainSeq">
+                <p:childTnLst>
+                  <p:par>
+                    <p:cTn id="3" fill="hold">
+                      <p:stCondLst>
+                        <p:cond delay="indefinite"/>
+                        <p:cond evt="onBegin" delay="0">
+                          <p:tn val="2"/>
+                        </p:cond>
+                      </p:stCondLst>
+                      <p:childTnLst>
+                        <p:par>
+                          <p:cTn id="4" fill="hold">
+                            <p:stCondLst>
+                              <p:cond delay="0"/>
+                            </p:stCondLst>
+                            <p:childTnLst>
+                              <p:par>
+                                <p:cTn id="5" presetID="22" presetClass="exit" presetSubtype="2" fill="hold" nodeType="withEffect">
+                                  <p:stCondLst>
+                                    <p:cond delay="0"/>
+                                  </p:stCondLst>
+                                  <p:childTnLst>
+                                    <p:animEffect transition="out" filter="wipe(right)">
+                                      <p:cBhvr>
+                                        <p:cTn id="6" dur="250"/>
+                                        <p:tgtEl>
+                                          <p:spTgt spid="10"/>
+                                        </p:tgtEl>
+                                      </p:cBhvr>
+                                    </p:animEffect>
+                                    <p:set>
+                                      <p:cBhvr>
+                                        <p:cTn id="7" dur="1" fill="hold">
+                                          <p:stCondLst>
+                                            <p:cond delay="249"/>
+                                          </p:stCondLst>
+                                        </p:cTn>
+                                        <p:tgtEl>
+                                          <p:spTgt spid="10"/>
+                                        </p:tgtEl>
+                                        <p:attrNameLst>
+                                          <p:attrName>style.visibility</p:attrName>
+                                        </p:attrNameLst>
+                                      </p:cBhvr>
+                                      <p:to>
+                                        <p:strVal val="hidden"/>
+                                      </p:to>
+                                    </p:set>
+                                  </p:childTnLst>
+                                </p:cTn>
+                              </p:par>
+                              <p:par>
+                                <p:cTn id="8" presetID="22" presetClass="exit" presetSubtype="2" fill="hold" nodeType="withEffect">
+                                  <p:stCondLst>
+                                    <p:cond delay="0"/>
+                                  </p:stCondLst>
+                                  <p:childTnLst>
+                                    <p:animEffect transition="out" filter="wipe(right)">
+                                      <p:cBhvr>
+                                        <p:cTn id="9" dur="250"/>
+                                        <p:tgtEl>
+                                          <p:spTgt spid="13"/>
+                                        </p:tgtEl>
+                                      </p:cBhvr>
+                                    </p:animEffect>
+                                    <p:set>
+                                      <p:cBhvr>
+                                        <p:cTn id="10" dur="1" fill="hold">
+                                          <p:stCondLst>
+                                            <p:cond delay="249"/>
+                                          </p:stCondLst>
+                                        </p:cTn>
+                                        <p:tgtEl>
+                                          <p:spTgt spid="13"/>
+                                        </p:tgtEl>
+                                        <p:attrNameLst>
+                                          <p:attrName>style.visibility</p:attrName>
+                                        </p:attrNameLst>
+                                      </p:cBhvr>
+                                      <p:to>
+                                        <p:strVal val="hidden"/>
+                                      </p:to>
+                                    </p:set>
+                                  </p:childTnLst>
+                                </p:cTn>
+                              </p:par>
+                              <p:par>
+                                <p:cTn id="11" presetID="22" presetClass="exit" presetSubtype="2" fill="hold" nodeType="withEffect">
+                                  <p:stCondLst>
+                                    <p:cond delay="0"/>
+                                  </p:stCondLst>
+                                  <p:childTnLst>
+                                    <p:animEffect transition="out" filter="wipe(right)">
+                                      <p:cBhvr>
+                                        <p:cTn id="12" dur="250"/>
+                                        <p:tgtEl>
+                                          <p:spTgt spid="3"/>
+                                        </p:tgtEl>
+                                      </p:cBhvr>
+                                    </p:animEffect>
+                                    <p:set>
+                                      <p:cBhvr>
+                                        <p:cTn id="13" dur="1" fill="hold">
+                                          <p:stCondLst>
+                                            <p:cond delay="249"/>
+                                          </p:stCondLst>
+                                        </p:cTn>
+                                        <p:tgtEl>
+                                          <p:spTgt spid="3"/>
+                                        </p:tgtEl>
+                                        <p:attrNameLst>
+                                          <p:attrName>style.visibility</p:attrName>
+                                        </p:attrNameLst>
+                                      </p:cBhvr>
+                                      <p:to>
+                                        <p:strVal val="hidden"/>
+                                      </p:to>
+                                    </p:set>
+                                  </p:childTnLst>
+                                </p:cTn>
+                              </p:par>
+                            </p:childTnLst>
+                          </p:cTn>
+                        </p:par>
+                        <p:par>
+                          <p:cTn id="14" fill="hold">
+                            <p:stCondLst>
+                              <p:cond delay="250"/>
+                            </p:stCondLst>
+                            <p:childTnLst>
+                              <p:par>
+                                <p:cTn id="15" presetID="22" presetClass="exit" presetSubtype="2" fill="hold" nodeType="afterEffect">
+                                  <p:stCondLst>
+                                    <p:cond delay="0"/>
+                                  </p:stCondLst>
+                                  <p:childTnLst>
+                                    <p:animEffect transition="out" filter="wipe(right)">
+                                      <p:cBhvr>
+                                        <p:cTn id="16" dur="500"/>
+                                        <p:tgtEl>
+                                          <p:spTgt spid="9"/>
+                                        </p:tgtEl>
+                                      </p:cBhvr>
+                                    </p:animEffect>
+                                    <p:set>
+                                      <p:cBhvr>
+                                        <p:cTn id="17" dur="1" fill="hold">
+                                          <p:stCondLst>
+                                            <p:cond delay="499"/>
+                                          </p:stCondLst>
+                                        </p:cTn>
+                                        <p:tgtEl>
+                                          <p:spTgt spid="9"/>
+                                        </p:tgtEl>
+                                        <p:attrNameLst>
+                                          <p:attrName>style.visibility</p:attrName>
+                                        </p:attrNameLst>
+                                      </p:cBhvr>
+                                      <p:to>
+                                        <p:strVal val="hidden"/>
+                                      </p:to>
+                                    </p:set>
+                                  </p:childTnLst>
+                                </p:cTn>
+                              </p:par>
+                            </p:childTnLst>
+                          </p:cTn>
+                        </p:par>
+                        <p:par>
+                          <p:cTn id="18" fill="hold">
+                            <p:stCondLst>
+                              <p:cond delay="750"/>
+                            </p:stCondLst>
+                            <p:childTnLst>
+                              <p:par>
+                                <p:cTn id="19" presetID="22" presetClass="exit" presetSubtype="2" fill="hold" nodeType="afterEffect">
+                                  <p:stCondLst>
+                                    <p:cond delay="0"/>
+                                  </p:stCondLst>
+                                  <p:childTnLst>
+                                    <p:animEffect transition="out" filter="wipe(right)">
+                                      <p:cBhvr>
+                                        <p:cTn id="20" dur="500"/>
+                                        <p:tgtEl>
+                                          <p:spTgt spid="6"/>
+                                        </p:tgtEl>
+                                      </p:cBhvr>
+                                    </p:animEffect>
+                                    <p:set>
+                                      <p:cBhvr>
+                                        <p:cTn id="21" dur="1" fill="hold">
+                                          <p:stCondLst>
+                                            <p:cond delay="499"/>
+                                          </p:stCondLst>
+                                        </p:cTn>
+                                        <p:tgtEl>
+                                          <p:spTgt spid="6"/>
+                                        </p:tgtEl>
+                                        <p:attrNameLst>
+                                          <p:attrName>style.visibility</p:attrName>
+                                        </p:attrNameLst>
+                                      </p:cBhvr>
+                                      <p:to>
+                                        <p:strVal val="hidden"/>
+                                      </p:to>
+                                    </p:set>
+                                  </p:childTnLst>
+                                </p:cTn>
+                              </p:par>
+                            </p:childTnLst>
+                          </p:cTn>
+                        </p:par>
+                      </p:childTnLst>
+                    </p:cTn>
+                  </p:par>
+                </p:childTnLst>
+              </p:cTn>
+              <p:prevCondLst>
+                <p:cond evt="onPrev" delay="0">
+                  <p:tgtEl>
+                    <p:sldTgt/>
+                  </p:tgtEl>
+                </p:cond>
+              </p:prevCondLst>
+              <p:nextCondLst>
+                <p:cond evt="onNext" delay="0">
+                  <p:tgtEl>
+                    <p:sldTgt/>
+                  </p:tgtEl>
+                </p:cond>
+              </p:nextCondLst>
+            </p:seq>
+          </p:childTnLst>
+        </p:cTn>
+      </p:par>
+    </p:tnLst>
+  </p:timing>
+</p:sld>
+</file>
+
+<file path=ppt/slides/slide8.xml><?xml version="1.0" encoding="utf-8"?>
 <p:sld xmlns:a="http://schemas.openxmlformats.org/drawingml/2006/main" xmlns:r="http://schemas.openxmlformats.org/officeDocument/2006/relationships" xmlns:p="http://schemas.openxmlformats.org/presentationml/2006/main">
   <p:cSld>
     <p:bg>
@@ -27761,11 +31742,10 @@
           <a:bodyPr/>
           <a:lstStyle/>
           <a:p>
-            <a:fld id="{C569FDB9-978A-4295-A40F-75DB9D9B47B8}" type="slidenum">
-              <a:rPr lang="ru-RU" smtClean="0"/>
+            <a:r>
+              <a:rPr lang="ru-RU" dirty="0"/>
               <a:t>6</a:t>
-            </a:fld>
-            <a:endParaRPr lang="ru-RU"/>
+            </a:r>
           </a:p>
         </p:txBody>
       </p:sp>
@@ -28620,9 +32600,14 @@
   <p:clrMapOvr>
     <a:masterClrMapping/>
   </p:clrMapOvr>
-  <p:transition spd="slow">
-    <p:push dir="u"/>
-  </p:transition>
+  <mc:AlternateContent xmlns:mc="http://schemas.openxmlformats.org/markup-compatibility/2006" xmlns:p14="http://schemas.microsoft.com/office/powerpoint/2010/main">
+    <mc:Choice Requires="p14">
+      <p:transition p14:dur="0"/>
+    </mc:Choice>
+    <mc:Fallback xmlns="">
+      <p:transition/>
+    </mc:Fallback>
+  </mc:AlternateContent>
   <p:timing>
     <p:tnLst>
       <p:par>
@@ -28647,7 +32632,7 @@
                             </p:stCondLst>
                             <p:childTnLst>
                               <p:par>
-                                <p:cTn id="5" presetID="2" presetClass="entr" presetSubtype="8" fill="hold" nodeType="withEffect">
+                                <p:cTn id="5" presetID="22" presetClass="entr" presetSubtype="8" fill="hold" nodeType="withEffect">
                                   <p:stCondLst>
                                     <p:cond delay="0"/>
                                   </p:stCondLst>
@@ -28670,210 +32655,11 @@
                                         <p:strVal val="visible"/>
                                       </p:to>
                                     </p:set>
-                                    <p:anim calcmode="lin" valueType="num">
-                                      <p:cBhvr additive="base">
-                                        <p:cTn id="7" dur="500" fill="hold"/>
+                                    <p:animEffect transition="in" filter="wipe(left)">
+                                      <p:cBhvr>
+                                        <p:cTn id="7" dur="500"/>
                                         <p:tgtEl>
                                           <p:spTgt spid="9"/>
-                                        </p:tgtEl>
-                                        <p:attrNameLst>
-                                          <p:attrName>ppt_x</p:attrName>
-                                        </p:attrNameLst>
-                                      </p:cBhvr>
-                                      <p:tavLst>
-                                        <p:tav tm="0">
-                                          <p:val>
-                                            <p:strVal val="0-#ppt_w/2"/>
-                                          </p:val>
-                                        </p:tav>
-                                        <p:tav tm="100000">
-                                          <p:val>
-                                            <p:strVal val="#ppt_x"/>
-                                          </p:val>
-                                        </p:tav>
-                                      </p:tavLst>
-                                    </p:anim>
-                                    <p:anim calcmode="lin" valueType="num">
-                                      <p:cBhvr additive="base">
-                                        <p:cTn id="8" dur="500" fill="hold"/>
-                                        <p:tgtEl>
-                                          <p:spTgt spid="9"/>
-                                        </p:tgtEl>
-                                        <p:attrNameLst>
-                                          <p:attrName>ppt_y</p:attrName>
-                                        </p:attrNameLst>
-                                      </p:cBhvr>
-                                      <p:tavLst>
-                                        <p:tav tm="0">
-                                          <p:val>
-                                            <p:strVal val="#ppt_y"/>
-                                          </p:val>
-                                        </p:tav>
-                                        <p:tav tm="100000">
-                                          <p:val>
-                                            <p:strVal val="#ppt_y"/>
-                                          </p:val>
-                                        </p:tav>
-                                      </p:tavLst>
-                                    </p:anim>
-                                  </p:childTnLst>
-                                </p:cTn>
-                              </p:par>
-                            </p:childTnLst>
-                          </p:cTn>
-                        </p:par>
-                        <p:par>
-                          <p:cTn id="9" fill="hold">
-                            <p:stCondLst>
-                              <p:cond delay="500"/>
-                            </p:stCondLst>
-                            <p:childTnLst>
-                              <p:par>
-                                <p:cTn id="10" presetID="2" presetClass="entr" presetSubtype="8" fill="hold" nodeType="afterEffect">
-                                  <p:stCondLst>
-                                    <p:cond delay="0"/>
-                                  </p:stCondLst>
-                                  <p:childTnLst>
-                                    <p:set>
-                                      <p:cBhvr>
-                                        <p:cTn id="11" dur="1" fill="hold">
-                                          <p:stCondLst>
-                                            <p:cond delay="0"/>
-                                          </p:stCondLst>
-                                        </p:cTn>
-                                        <p:tgtEl>
-                                          <p:spTgt spid="6"/>
-                                        </p:tgtEl>
-                                        <p:attrNameLst>
-                                          <p:attrName>style.visibility</p:attrName>
-                                        </p:attrNameLst>
-                                      </p:cBhvr>
-                                      <p:to>
-                                        <p:strVal val="visible"/>
-                                      </p:to>
-                                    </p:set>
-                                    <p:anim calcmode="lin" valueType="num">
-                                      <p:cBhvr additive="base">
-                                        <p:cTn id="12" dur="500" fill="hold"/>
-                                        <p:tgtEl>
-                                          <p:spTgt spid="6"/>
-                                        </p:tgtEl>
-                                        <p:attrNameLst>
-                                          <p:attrName>ppt_x</p:attrName>
-                                        </p:attrNameLst>
-                                      </p:cBhvr>
-                                      <p:tavLst>
-                                        <p:tav tm="0">
-                                          <p:val>
-                                            <p:strVal val="0-#ppt_w/2"/>
-                                          </p:val>
-                                        </p:tav>
-                                        <p:tav tm="100000">
-                                          <p:val>
-                                            <p:strVal val="#ppt_x"/>
-                                          </p:val>
-                                        </p:tav>
-                                      </p:tavLst>
-                                    </p:anim>
-                                    <p:anim calcmode="lin" valueType="num">
-                                      <p:cBhvr additive="base">
-                                        <p:cTn id="13" dur="500" fill="hold"/>
-                                        <p:tgtEl>
-                                          <p:spTgt spid="6"/>
-                                        </p:tgtEl>
-                                        <p:attrNameLst>
-                                          <p:attrName>ppt_y</p:attrName>
-                                        </p:attrNameLst>
-                                      </p:cBhvr>
-                                      <p:tavLst>
-                                        <p:tav tm="0">
-                                          <p:val>
-                                            <p:strVal val="#ppt_y"/>
-                                          </p:val>
-                                        </p:tav>
-                                        <p:tav tm="100000">
-                                          <p:val>
-                                            <p:strVal val="#ppt_y"/>
-                                          </p:val>
-                                        </p:tav>
-                                      </p:tavLst>
-                                    </p:anim>
-                                  </p:childTnLst>
-                                </p:cTn>
-                              </p:par>
-                            </p:childTnLst>
-                          </p:cTn>
-                        </p:par>
-                        <p:par>
-                          <p:cTn id="14" fill="hold">
-                            <p:stCondLst>
-                              <p:cond delay="1000"/>
-                            </p:stCondLst>
-                            <p:childTnLst>
-                              <p:par>
-                                <p:cTn id="15" presetID="22" presetClass="entr" presetSubtype="8" fill="hold" nodeType="afterEffect">
-                                  <p:stCondLst>
-                                    <p:cond delay="0"/>
-                                  </p:stCondLst>
-                                  <p:childTnLst>
-                                    <p:set>
-                                      <p:cBhvr>
-                                        <p:cTn id="16" dur="1" fill="hold">
-                                          <p:stCondLst>
-                                            <p:cond delay="0"/>
-                                          </p:stCondLst>
-                                        </p:cTn>
-                                        <p:tgtEl>
-                                          <p:spTgt spid="8"/>
-                                        </p:tgtEl>
-                                        <p:attrNameLst>
-                                          <p:attrName>style.visibility</p:attrName>
-                                        </p:attrNameLst>
-                                      </p:cBhvr>
-                                      <p:to>
-                                        <p:strVal val="visible"/>
-                                      </p:to>
-                                    </p:set>
-                                    <p:animEffect transition="in" filter="wipe(left)">
-                                      <p:cBhvr>
-                                        <p:cTn id="17" dur="500"/>
-                                        <p:tgtEl>
-                                          <p:spTgt spid="8"/>
-                                        </p:tgtEl>
-                                      </p:cBhvr>
-                                    </p:animEffect>
-                                  </p:childTnLst>
-                                </p:cTn>
-                              </p:par>
-                              <p:par>
-                                <p:cTn id="18" presetID="22" presetClass="entr" presetSubtype="8" fill="hold" nodeType="withEffect">
-                                  <p:stCondLst>
-                                    <p:cond delay="0"/>
-                                  </p:stCondLst>
-                                  <p:childTnLst>
-                                    <p:set>
-                                      <p:cBhvr>
-                                        <p:cTn id="19" dur="1" fill="hold">
-                                          <p:stCondLst>
-                                            <p:cond delay="0"/>
-                                          </p:stCondLst>
-                                        </p:cTn>
-                                        <p:tgtEl>
-                                          <p:spTgt spid="13"/>
-                                        </p:tgtEl>
-                                        <p:attrNameLst>
-                                          <p:attrName>style.visibility</p:attrName>
-                                        </p:attrNameLst>
-                                      </p:cBhvr>
-                                      <p:to>
-                                        <p:strVal val="visible"/>
-                                      </p:to>
-                                    </p:set>
-                                    <p:animEffect transition="in" filter="wipe(left)">
-                                      <p:cBhvr>
-                                        <p:cTn id="20" dur="500"/>
-                                        <p:tgtEl>
-                                          <p:spTgt spid="13"/>
                                         </p:tgtEl>
                                       </p:cBhvr>
                                     </p:animEffect>
@@ -28884,26 +32670,114 @@
                           </p:cTn>
                         </p:par>
                         <p:par>
-                          <p:cTn id="21" fill="hold">
+                          <p:cTn id="8" fill="hold">
+                            <p:stCondLst>
+                              <p:cond delay="500"/>
+                            </p:stCondLst>
+                            <p:childTnLst>
+                              <p:par>
+                                <p:cTn id="9" presetID="22" presetClass="entr" presetSubtype="8" fill="hold" nodeType="afterEffect">
+                                  <p:stCondLst>
+                                    <p:cond delay="0"/>
+                                  </p:stCondLst>
+                                  <p:childTnLst>
+                                    <p:set>
+                                      <p:cBhvr>
+                                        <p:cTn id="10" dur="1" fill="hold">
+                                          <p:stCondLst>
+                                            <p:cond delay="0"/>
+                                          </p:stCondLst>
+                                        </p:cTn>
+                                        <p:tgtEl>
+                                          <p:spTgt spid="6"/>
+                                        </p:tgtEl>
+                                        <p:attrNameLst>
+                                          <p:attrName>style.visibility</p:attrName>
+                                        </p:attrNameLst>
+                                      </p:cBhvr>
+                                      <p:to>
+                                        <p:strVal val="visible"/>
+                                      </p:to>
+                                    </p:set>
+                                    <p:animEffect transition="in" filter="wipe(left)">
+                                      <p:cBhvr>
+                                        <p:cTn id="11" dur="500"/>
+                                        <p:tgtEl>
+                                          <p:spTgt spid="6"/>
+                                        </p:tgtEl>
+                                      </p:cBhvr>
+                                    </p:animEffect>
+                                  </p:childTnLst>
+                                </p:cTn>
+                              </p:par>
+                            </p:childTnLst>
+                          </p:cTn>
+                        </p:par>
+                        <p:par>
+                          <p:cTn id="12" fill="hold">
+                            <p:stCondLst>
+                              <p:cond delay="1000"/>
+                            </p:stCondLst>
+                            <p:childTnLst>
+                              <p:par>
+                                <p:cTn id="13" presetID="22" presetClass="entr" presetSubtype="8" fill="hold" nodeType="afterEffect">
+                                  <p:stCondLst>
+                                    <p:cond delay="0"/>
+                                  </p:stCondLst>
+                                  <p:childTnLst>
+                                    <p:set>
+                                      <p:cBhvr>
+                                        <p:cTn id="14" dur="1" fill="hold">
+                                          <p:stCondLst>
+                                            <p:cond delay="0"/>
+                                          </p:stCondLst>
+                                        </p:cTn>
+                                        <p:tgtEl>
+                                          <p:spTgt spid="8"/>
+                                        </p:tgtEl>
+                                        <p:attrNameLst>
+                                          <p:attrName>style.visibility</p:attrName>
+                                        </p:attrNameLst>
+                                      </p:cBhvr>
+                                      <p:to>
+                                        <p:strVal val="visible"/>
+                                      </p:to>
+                                    </p:set>
+                                    <p:animEffect transition="in" filter="wipe(left)">
+                                      <p:cBhvr>
+                                        <p:cTn id="15" dur="500"/>
+                                        <p:tgtEl>
+                                          <p:spTgt spid="8"/>
+                                        </p:tgtEl>
+                                      </p:cBhvr>
+                                    </p:animEffect>
+                                  </p:childTnLst>
+                                </p:cTn>
+                              </p:par>
+                            </p:childTnLst>
+                          </p:cTn>
+                        </p:par>
+                        <p:par>
+                          <p:cTn id="16" fill="hold">
                             <p:stCondLst>
                               <p:cond delay="1500"/>
                             </p:stCondLst>
                             <p:childTnLst>
                               <p:par>
-                                <p:cTn id="22" presetID="22" presetClass="entr" presetSubtype="8" fill="hold" nodeType="afterEffect">
+                                <p:cTn id="17" presetID="22" presetClass="entr" presetSubtype="8" fill="hold" nodeType="afterEffect">
                                   <p:stCondLst>
                                     <p:cond delay="0"/>
                                   </p:stCondLst>
                                   <p:childTnLst>
                                     <p:set>
                                       <p:cBhvr>
-                                        <p:cTn id="23" dur="1" fill="hold">
+                                        <p:cTn id="18" dur="1" fill="hold">
                                           <p:stCondLst>
                                             <p:cond delay="0"/>
                                           </p:stCondLst>
                                         </p:cTn>
                                         <p:tgtEl>
-                                          <p:spTgt spid="3"/>
+                                          <p:spTgt spid="13"/>
                                         </p:tgtEl>
                                         <p:attrNameLst>
                                           <p:attrName>style.visibility</p:attrName>
@@ -28915,7 +32789,51 @@
                                     </p:set>
                                     <p:animEffect transition="in" filter="wipe(left)">
                                       <p:cBhvr>
-                                        <p:cTn id="24" dur="500"/>
+                                        <p:cTn id="19" dur="500"/>
+                                        <p:tgtEl>
+                                          <p:spTgt spid="13"/>
+                                        </p:tgtEl>
+                                      </p:cBhvr>
+                                    </p:animEffect>
+                                  </p:childTnLst>
+                                </p:cTn>
+                              </p:par>
+                            </p:childTnLst>
+                          </p:cTn>
+                        </p:par>
+                        <p:par>
+                          <p:cTn id="20" fill="hold">
+                            <p:stCondLst>
+                              <p:cond delay="2000"/>
+                            </p:stCondLst>
+                            <p:childTnLst>
+                              <p:par>
+                                <p:cTn id="21" presetID="22" presetClass="entr" presetSubtype="8" fill="hold" nodeType="afterEffect">
+                                  <p:stCondLst>
+                                    <p:cond delay="0"/>
+                                  </p:stCondLst>
+                                  <p:childTnLst>
+                                    <p:set>
+                                      <p:cBhvr>
+                                        <p:cTn id="22" dur="1" fill="hold">
+                                          <p:stCondLst>
+                                            <p:cond delay="0"/>
+                                          </p:stCondLst>
+                                        </p:cTn>
+                                        <p:tgtEl>
+                                          <p:spTgt spid="3"/>
+                                        </p:tgtEl>
+                                        <p:attrNameLst>
+                                          <p:attrName>style.visibility</p:attrName>
+                                        </p:attrNameLst>
+                                      </p:cBhvr>
+                                      <p:to>
+                                        <p:strVal val="visible"/>
+                                      </p:to>
+                                    </p:set>
+                                    <p:animEffect transition="in" filter="wipe(left)">
+                                      <p:cBhvr>
+                                        <p:cTn id="23" dur="500"/>
                                         <p:tgtEl>
                                           <p:spTgt spid="3"/>
                                         </p:tgtEl>
@@ -28955,7 +32873,7 @@
 </p:sld>
 </file>
 
-<file path=ppt/slides/slide7.xml><?xml version="1.0" encoding="utf-8"?>
+<file path=ppt/slides/slide9.xml><?xml version="1.0" encoding="utf-8"?>
 <p:sld xmlns:a="http://schemas.openxmlformats.org/drawingml/2006/main" xmlns:r="http://schemas.openxmlformats.org/officeDocument/2006/relationships" xmlns:p="http://schemas.openxmlformats.org/presentationml/2006/main">
   <p:cSld>
     <p:bg>
@@ -29027,16 +32945,20 @@
             <p:ph type="sldNum" sz="quarter" idx="12"/>
           </p:nvPr>
         </p:nvSpPr>
-        <p:spPr/>
+        <p:spPr>
+          <a:xfrm>
+            <a:off x="8610600" y="6372392"/>
+            <a:ext cx="2743200" cy="365125"/>
+          </a:xfrm>
+        </p:spPr>
         <p:txBody>
           <a:bodyPr/>
           <a:lstStyle/>
           <a:p>
-            <a:fld id="{C569FDB9-978A-4295-A40F-75DB9D9B47B8}" type="slidenum">
-              <a:rPr lang="ru-RU" smtClean="0"/>
+            <a:r>
+              <a:rPr lang="ru-RU" dirty="0"/>
               <a:t>7</a:t>
-            </a:fld>
-            <a:endParaRPr lang="ru-RU"/>
+            </a:r>
           </a:p>
         </p:txBody>
       </p:sp>
@@ -29044,442 +32966,6 @@
     <p:extLst>
       <p:ext uri="{BB962C8B-B14F-4D97-AF65-F5344CB8AC3E}">
         <p14:creationId xmlns:p14="http://schemas.microsoft.com/office/powerpoint/2010/main" val="1786450537"/>
-      </p:ext>
-    </p:extLst>
-  </p:cSld>
-  <p:clrMapOvr>
-    <a:masterClrMapping/>
-  </p:clrMapOvr>
-  <p:transition spd="slow">
-    <p:push dir="u"/>
-  </p:transition>
-  <p:timing>
-    <p:tnLst>
-      <p:par>
-        <p:cTn id="1" dur="indefinite" restart="never" nodeType="tmRoot">
-          <p:childTnLst>
-            <p:seq concurrent="1" nextAc="seek">
-              <p:cTn id="2" dur="indefinite" nodeType="mainSeq">
-                <p:childTnLst>
-                  <p:par>
-                    <p:cTn id="3" fill="hold">
-                      <p:stCondLst>
-                        <p:cond delay="indefinite"/>
-                        <p:cond evt="onBegin" delay="0">
-                          <p:tn val="2"/>
-                        </p:cond>
-                      </p:stCondLst>
-                      <p:childTnLst>
-                        <p:par>
-                          <p:cTn id="4" fill="hold">
-                            <p:stCondLst>
-                              <p:cond delay="0"/>
-                            </p:stCondLst>
-                            <p:childTnLst>
-                              <p:par>
-                                <p:cTn id="5" presetID="22" presetClass="entr" presetSubtype="4" fill="hold" nodeType="withEffect">
-                                  <p:stCondLst>
-                                    <p:cond delay="0"/>
-                                  </p:stCondLst>
-                                  <p:childTnLst>
-                                    <p:set>
-                                      <p:cBhvr>
-                                        <p:cTn id="6" dur="1" fill="hold">
-                                          <p:stCondLst>
-                                            <p:cond delay="0"/>
-                                          </p:stCondLst>
-                                        </p:cTn>
-                                        <p:tgtEl>
-                                          <p:spTgt spid="5"/>
-                                        </p:tgtEl>
-                                        <p:attrNameLst>
-                                          <p:attrName>style.visibility</p:attrName>
-                                        </p:attrNameLst>
-                                      </p:cBhvr>
-                                      <p:to>
-                                        <p:strVal val="visible"/>
-                                      </p:to>
-                                    </p:set>
-                                    <p:animEffect transition="in" filter="wipe(down)">
-                                      <p:cBhvr>
-                                        <p:cTn id="7" dur="1000"/>
-                                        <p:tgtEl>
-                                          <p:spTgt spid="5"/>
-                                        </p:tgtEl>
-                                      </p:cBhvr>
-                                    </p:animEffect>
-                                  </p:childTnLst>
-                                </p:cTn>
-                              </p:par>
-                            </p:childTnLst>
-                          </p:cTn>
-                        </p:par>
-                      </p:childTnLst>
-                    </p:cTn>
-                  </p:par>
-                </p:childTnLst>
-              </p:cTn>
-              <p:prevCondLst>
-                <p:cond evt="onPrev" delay="0">
-                  <p:tgtEl>
-                    <p:sldTgt/>
-                  </p:tgtEl>
-                </p:cond>
-              </p:prevCondLst>
-              <p:nextCondLst>
-                <p:cond evt="onNext" delay="0">
-                  <p:tgtEl>
-                    <p:sldTgt/>
-                  </p:tgtEl>
-                </p:cond>
-              </p:nextCondLst>
-            </p:seq>
-          </p:childTnLst>
-        </p:cTn>
-      </p:par>
-    </p:tnLst>
-  </p:timing>
-</p:sld>
-</file>
-
-<file path=ppt/slides/slide8.xml><?xml version="1.0" encoding="utf-8"?>
-<p:sld xmlns:a="http://schemas.openxmlformats.org/drawingml/2006/main" xmlns:r="http://schemas.openxmlformats.org/officeDocument/2006/relationships" xmlns:p="http://schemas.openxmlformats.org/presentationml/2006/main">
-  <p:cSld>
-    <p:bg>
-      <p:bgPr>
-        <a:solidFill>
-          <a:srgbClr val="FFFBF0"/>
-        </a:solidFill>
-        <a:effectLst/>
-      </p:bgPr>
-    </p:bg>
-    <p:spTree>
-      <p:nvGrpSpPr>
-        <p:cNvPr id="1" name=""/>
-        <p:cNvGrpSpPr/>
-        <p:nvPr/>
-      </p:nvGrpSpPr>
-      <p:grpSpPr>
-        <a:xfrm>
-          <a:off x="0" y="0"/>
-          <a:ext cx="0" cy="0"/>
-          <a:chOff x="0" y="0"/>
-          <a:chExt cx="0" cy="0"/>
-        </a:xfrm>
-      </p:grpSpPr>
-      <p:pic>
-        <p:nvPicPr>
-          <p:cNvPr id="5" name="Объект 4"/>
-          <p:cNvPicPr>
-            <a:picLocks noGrp="1" noChangeAspect="1"/>
-          </p:cNvPicPr>
-          <p:nvPr>
-            <p:ph idx="1"/>
-          </p:nvPr>
-        </p:nvPicPr>
-        <p:blipFill rotWithShape="1">
-          <a:blip r:embed="rId2">
-            <a:extLst>
-              <a:ext uri="{28A0092B-C50C-407E-A947-70E740481C1C}">
-                <a14:useLocalDpi xmlns:a14="http://schemas.microsoft.com/office/drawing/2010/main" val="0"/>
-              </a:ext>
-            </a:extLst>
-          </a:blip>
-          <a:srcRect l="835" t="13333" r="628" b="11138"/>
-          <a:stretch/>
-        </p:blipFill>
-        <p:spPr>
-          <a:xfrm>
-            <a:off x="839168" y="342900"/>
-            <a:ext cx="10874515" cy="5781675"/>
-          </a:xfrm>
-          <a:ln w="3175">
-            <a:noFill/>
-          </a:ln>
-        </p:spPr>
-      </p:pic>
-      <p:sp>
-        <p:nvSpPr>
-          <p:cNvPr id="4" name="Номер слайда 3">
-            <a:extLst>
-              <a:ext uri="{FF2B5EF4-FFF2-40B4-BE49-F238E27FC236}">
-                <a16:creationId xmlns:a16="http://schemas.microsoft.com/office/drawing/2014/main" id="{A06562D4-7F1A-4B6E-8880-20D748DAE808}"/>
-              </a:ext>
-            </a:extLst>
-          </p:cNvPr>
-          <p:cNvSpPr>
-            <a:spLocks noGrp="1"/>
-          </p:cNvSpPr>
-          <p:nvPr>
-            <p:ph type="sldNum" sz="quarter" idx="12"/>
-          </p:nvPr>
-        </p:nvSpPr>
-        <p:spPr/>
-        <p:txBody>
-          <a:bodyPr/>
-          <a:lstStyle/>
-          <a:p>
-            <a:fld id="{C569FDB9-978A-4295-A40F-75DB9D9B47B8}" type="slidenum">
-              <a:rPr lang="ru-RU" smtClean="0"/>
-              <a:t>8</a:t>
-            </a:fld>
-            <a:endParaRPr lang="ru-RU"/>
-          </a:p>
-        </p:txBody>
-      </p:sp>
-    </p:spTree>
-    <p:extLst>
-      <p:ext uri="{BB962C8B-B14F-4D97-AF65-F5344CB8AC3E}">
-        <p14:creationId xmlns:p14="http://schemas.microsoft.com/office/powerpoint/2010/main" val="2148461868"/>
-      </p:ext>
-    </p:extLst>
-  </p:cSld>
-  <p:clrMapOvr>
-    <a:masterClrMapping/>
-  </p:clrMapOvr>
-  <p:transition spd="slow">
-    <p:push dir="u"/>
-  </p:transition>
-  <p:timing>
-    <p:tnLst>
-      <p:par>
-        <p:cTn id="1" dur="indefinite" restart="never" nodeType="tmRoot">
-          <p:childTnLst>
-            <p:seq concurrent="1" nextAc="seek">
-              <p:cTn id="2" dur="indefinite" nodeType="mainSeq">
-                <p:childTnLst>
-                  <p:par>
-                    <p:cTn id="3" fill="hold">
-                      <p:stCondLst>
-                        <p:cond delay="indefinite"/>
-                        <p:cond evt="onBegin" delay="0">
-                          <p:tn val="2"/>
-                        </p:cond>
-                      </p:stCondLst>
-                      <p:childTnLst>
-                        <p:par>
-                          <p:cTn id="4" fill="hold">
-                            <p:stCondLst>
-                              <p:cond delay="0"/>
-                            </p:stCondLst>
-                            <p:childTnLst>
-                              <p:par>
-                                <p:cTn id="5" presetID="22" presetClass="entr" presetSubtype="4" fill="hold" nodeType="withEffect">
-                                  <p:stCondLst>
-                                    <p:cond delay="0"/>
-                                  </p:stCondLst>
-                                  <p:childTnLst>
-                                    <p:set>
-                                      <p:cBhvr>
-                                        <p:cTn id="6" dur="1" fill="hold">
-                                          <p:stCondLst>
-                                            <p:cond delay="0"/>
-                                          </p:stCondLst>
-                                        </p:cTn>
-                                        <p:tgtEl>
-                                          <p:spTgt spid="5"/>
-                                        </p:tgtEl>
-                                        <p:attrNameLst>
-                                          <p:attrName>style.visibility</p:attrName>
-                                        </p:attrNameLst>
-                                      </p:cBhvr>
-                                      <p:to>
-                                        <p:strVal val="visible"/>
-                                      </p:to>
-                                    </p:set>
-                                    <p:animEffect transition="in" filter="wipe(down)">
-                                      <p:cBhvr>
-                                        <p:cTn id="7" dur="1000"/>
-                                        <p:tgtEl>
-                                          <p:spTgt spid="5"/>
-                                        </p:tgtEl>
-                                      </p:cBhvr>
-                                    </p:animEffect>
-                                  </p:childTnLst>
-                                </p:cTn>
-                              </p:par>
-                            </p:childTnLst>
-                          </p:cTn>
-                        </p:par>
-                      </p:childTnLst>
-                    </p:cTn>
-                  </p:par>
-                </p:childTnLst>
-              </p:cTn>
-              <p:prevCondLst>
-                <p:cond evt="onPrev" delay="0">
-                  <p:tgtEl>
-                    <p:sldTgt/>
-                  </p:tgtEl>
-                </p:cond>
-              </p:prevCondLst>
-              <p:nextCondLst>
-                <p:cond evt="onNext" delay="0">
-                  <p:tgtEl>
-                    <p:sldTgt/>
-                  </p:tgtEl>
-                </p:cond>
-              </p:nextCondLst>
-            </p:seq>
-          </p:childTnLst>
-        </p:cTn>
-      </p:par>
-    </p:tnLst>
-  </p:timing>
-</p:sld>
-</file>
-
-<file path=ppt/slides/slide9.xml><?xml version="1.0" encoding="utf-8"?>
-<p:sld xmlns:a="http://schemas.openxmlformats.org/drawingml/2006/main" xmlns:r="http://schemas.openxmlformats.org/officeDocument/2006/relationships" xmlns:p="http://schemas.openxmlformats.org/presentationml/2006/main">
-  <p:cSld>
-    <p:bg>
-      <p:bgPr>
-        <a:solidFill>
-          <a:schemeClr val="bg1"/>
-        </a:solidFill>
-        <a:effectLst/>
-      </p:bgPr>
-    </p:bg>
-    <p:spTree>
-      <p:nvGrpSpPr>
-        <p:cNvPr id="1" name=""/>
-        <p:cNvGrpSpPr/>
-        <p:nvPr/>
-      </p:nvGrpSpPr>
-      <p:grpSpPr>
-        <a:xfrm>
-          <a:off x="0" y="0"/>
-          <a:ext cx="0" cy="0"/>
-          <a:chOff x="0" y="0"/>
-          <a:chExt cx="0" cy="0"/>
-        </a:xfrm>
-      </p:grpSpPr>
-      <p:sp>
-        <p:nvSpPr>
-          <p:cNvPr id="2" name="Заголовок 1">
-            <a:extLst>
-              <a:ext uri="{FF2B5EF4-FFF2-40B4-BE49-F238E27FC236}">
-                <a16:creationId xmlns:a16="http://schemas.microsoft.com/office/drawing/2014/main" id="{C9B20D62-CB8C-4D78-A1D3-43439C437D0C}"/>
-              </a:ext>
-            </a:extLst>
-          </p:cNvPr>
-          <p:cNvSpPr>
-            <a:spLocks noGrp="1"/>
-          </p:cNvSpPr>
-          <p:nvPr>
-            <p:ph type="title"/>
-          </p:nvPr>
-        </p:nvSpPr>
-        <p:spPr>
-          <a:xfrm>
-            <a:off x="787401" y="365125"/>
-            <a:ext cx="10566400" cy="1325563"/>
-          </a:xfrm>
-        </p:spPr>
-        <p:txBody>
-          <a:bodyPr>
-            <a:normAutofit/>
-          </a:bodyPr>
-          <a:lstStyle/>
-          <a:p>
-            <a:r>
-              <a:rPr lang="ru-RU" sz="4000" cap="none" dirty="0">
-                <a:ln w="3175">
-                  <a:noFill/>
-                </a:ln>
-                <a:latin typeface="+mn-lt"/>
-                <a:ea typeface="+mn-ea"/>
-                <a:cs typeface="+mn-cs"/>
-              </a:rPr>
-              <a:t>Концептуальная модель </a:t>
-            </a:r>
-            <a:r>
-              <a:rPr lang="ru-RU" sz="4000" cap="none" dirty="0" smtClean="0">
-                <a:ln w="3175">
-                  <a:noFill/>
-                </a:ln>
-                <a:latin typeface="+mn-lt"/>
-                <a:ea typeface="+mn-ea"/>
-                <a:cs typeface="+mn-cs"/>
-              </a:rPr>
-              <a:t>задачи «Трудоустройство </a:t>
-            </a:r>
-            <a:r>
-              <a:rPr lang="ru-RU" sz="4000" cap="none" dirty="0">
-                <a:ln w="3175">
-                  <a:noFill/>
-                </a:ln>
-                <a:latin typeface="+mn-lt"/>
-                <a:ea typeface="+mn-ea"/>
-                <a:cs typeface="+mn-cs"/>
-              </a:rPr>
-              <a:t>гражданина»</a:t>
-            </a:r>
-          </a:p>
-        </p:txBody>
-      </p:sp>
-      <p:pic>
-        <p:nvPicPr>
-          <p:cNvPr id="5" name="Объект 4"/>
-          <p:cNvPicPr>
-            <a:picLocks noGrp="1" noChangeAspect="1"/>
-          </p:cNvPicPr>
-          <p:nvPr>
-            <p:ph idx="1"/>
-          </p:nvPr>
-        </p:nvPicPr>
-        <p:blipFill>
-          <a:blip r:embed="rId2">
-            <a:extLst>
-              <a:ext uri="{28A0092B-C50C-407E-A947-70E740481C1C}">
-                <a14:useLocalDpi xmlns:a14="http://schemas.microsoft.com/office/drawing/2010/main" val="0"/>
-              </a:ext>
-            </a:extLst>
-          </a:blip>
-          <a:stretch>
-            <a:fillRect/>
-          </a:stretch>
-        </p:blipFill>
-        <p:spPr>
-          <a:xfrm>
-            <a:off x="854729" y="2103003"/>
-            <a:ext cx="10431744" cy="3514005"/>
-          </a:xfrm>
-        </p:spPr>
-      </p:pic>
-      <p:sp>
-        <p:nvSpPr>
-          <p:cNvPr id="4" name="Номер слайда 3">
-            <a:extLst>
-              <a:ext uri="{FF2B5EF4-FFF2-40B4-BE49-F238E27FC236}">
-                <a16:creationId xmlns:a16="http://schemas.microsoft.com/office/drawing/2014/main" id="{EB3D97AA-43EB-4435-B9A0-974A69772156}"/>
-              </a:ext>
-            </a:extLst>
-          </p:cNvPr>
-          <p:cNvSpPr>
-            <a:spLocks noGrp="1"/>
-          </p:cNvSpPr>
-          <p:nvPr>
-            <p:ph type="sldNum" sz="quarter" idx="12"/>
-          </p:nvPr>
-        </p:nvSpPr>
-        <p:spPr/>
-        <p:txBody>
-          <a:bodyPr/>
-          <a:lstStyle/>
-          <a:p>
-            <a:fld id="{C569FDB9-978A-4295-A40F-75DB9D9B47B8}" type="slidenum">
-              <a:rPr lang="ru-RU" smtClean="0"/>
-              <a:t>9</a:t>
-            </a:fld>
-            <a:endParaRPr lang="ru-RU"/>
-          </a:p>
-        </p:txBody>
-      </p:sp>
-    </p:spTree>
-    <p:extLst>
-      <p:ext uri="{BB962C8B-B14F-4D97-AF65-F5344CB8AC3E}">
-        <p14:creationId xmlns:p14="http://schemas.microsoft.com/office/powerpoint/2010/main" val="2268965377"/>
       </p:ext>
     </p:extLst>
   </p:cSld>

--- a/product/vkr_pres.pptx
+++ b/product/vkr_pres.pptx
@@ -1154,7 +1154,7 @@
           <a:p>
             <a:fld id="{2B4BF175-70FA-4AEE-AB33-23E4CA15633A}" type="datetimeFigureOut">
               <a:rPr lang="ru-RU" smtClean="0"/>
-              <a:t>14.06.2024</a:t>
+              <a:t>15.06.2024</a:t>
             </a:fld>
             <a:endParaRPr lang="ru-RU"/>
           </a:p>
@@ -1568,7 +1568,7 @@
           <a:p>
             <a:fld id="{98A72AB2-A966-4E52-98F1-ECA2B1AE7594}" type="datetime1">
               <a:rPr lang="ru-RU" smtClean="0"/>
-              <a:t>14.06.2024</a:t>
+              <a:t>15.06.2024</a:t>
             </a:fld>
             <a:endParaRPr lang="ru-RU"/>
           </a:p>
@@ -1766,7 +1766,7 @@
           <a:p>
             <a:fld id="{A63EFB04-33DA-4104-B439-4944D8923386}" type="datetime1">
               <a:rPr lang="ru-RU" smtClean="0"/>
-              <a:t>14.06.2024</a:t>
+              <a:t>15.06.2024</a:t>
             </a:fld>
             <a:endParaRPr lang="ru-RU"/>
           </a:p>
@@ -1974,7 +1974,7 @@
           <a:p>
             <a:fld id="{91854D42-6309-4358-91BA-A1E5A62203E9}" type="datetime1">
               <a:rPr lang="ru-RU" smtClean="0"/>
-              <a:t>14.06.2024</a:t>
+              <a:t>15.06.2024</a:t>
             </a:fld>
             <a:endParaRPr lang="ru-RU"/>
           </a:p>
@@ -2172,7 +2172,7 @@
           <a:p>
             <a:fld id="{C73682AE-DD03-48DA-8EDD-251D3EBB38B0}" type="datetime1">
               <a:rPr lang="ru-RU" smtClean="0"/>
-              <a:t>14.06.2024</a:t>
+              <a:t>15.06.2024</a:t>
             </a:fld>
             <a:endParaRPr lang="ru-RU"/>
           </a:p>
@@ -2447,7 +2447,7 @@
           <a:p>
             <a:fld id="{E7C9925F-EF06-4510-9A4A-0F599697C0C7}" type="datetime1">
               <a:rPr lang="ru-RU" smtClean="0"/>
-              <a:t>14.06.2024</a:t>
+              <a:t>15.06.2024</a:t>
             </a:fld>
             <a:endParaRPr lang="ru-RU"/>
           </a:p>
@@ -2712,7 +2712,7 @@
           <a:p>
             <a:fld id="{6D9D33FF-554F-4B07-9D85-3429FF64560F}" type="datetime1">
               <a:rPr lang="ru-RU" smtClean="0"/>
-              <a:t>14.06.2024</a:t>
+              <a:t>15.06.2024</a:t>
             </a:fld>
             <a:endParaRPr lang="ru-RU"/>
           </a:p>
@@ -3124,7 +3124,7 @@
           <a:p>
             <a:fld id="{010A0FBA-D2D6-406E-B902-20707CDA8560}" type="datetime1">
               <a:rPr lang="ru-RU" smtClean="0"/>
-              <a:t>14.06.2024</a:t>
+              <a:t>15.06.2024</a:t>
             </a:fld>
             <a:endParaRPr lang="ru-RU"/>
           </a:p>
@@ -3265,7 +3265,7 @@
           <a:p>
             <a:fld id="{42809068-0602-4EB2-8C99-3D5AD5F368EE}" type="datetime1">
               <a:rPr lang="ru-RU" smtClean="0"/>
-              <a:t>14.06.2024</a:t>
+              <a:t>15.06.2024</a:t>
             </a:fld>
             <a:endParaRPr lang="ru-RU"/>
           </a:p>
@@ -3378,7 +3378,7 @@
           <a:p>
             <a:fld id="{144A6F42-6AC4-4BBE-8270-69B461CB4ECB}" type="datetime1">
               <a:rPr lang="ru-RU" smtClean="0"/>
-              <a:t>14.06.2024</a:t>
+              <a:t>15.06.2024</a:t>
             </a:fld>
             <a:endParaRPr lang="ru-RU"/>
           </a:p>
@@ -3689,7 +3689,7 @@
           <a:p>
             <a:fld id="{4D9DE369-B54F-4785-81AA-73E9A4718453}" type="datetime1">
               <a:rPr lang="ru-RU" smtClean="0"/>
-              <a:t>14.06.2024</a:t>
+              <a:t>15.06.2024</a:t>
             </a:fld>
             <a:endParaRPr lang="ru-RU"/>
           </a:p>
@@ -3977,7 +3977,7 @@
           <a:p>
             <a:fld id="{5AF97715-465D-424E-8A31-06230936E6BB}" type="datetime1">
               <a:rPr lang="ru-RU" smtClean="0"/>
-              <a:t>14.06.2024</a:t>
+              <a:t>15.06.2024</a:t>
             </a:fld>
             <a:endParaRPr lang="ru-RU"/>
           </a:p>
@@ -4218,7 +4218,7 @@
           <a:p>
             <a:fld id="{01D6F181-79AA-46A5-A336-F3B94E3AA79F}" type="datetime1">
               <a:rPr lang="ru-RU" smtClean="0"/>
-              <a:t>14.06.2024</a:t>
+              <a:t>15.06.2024</a:t>
             </a:fld>
             <a:endParaRPr lang="ru-RU"/>
           </a:p>
@@ -17756,13 +17756,13 @@
       </p:sp>
       <p:pic>
         <p:nvPicPr>
-          <p:cNvPr id="8" name="Рисунок 7"/>
+          <p:cNvPr id="11" name="Рисунок 10"/>
           <p:cNvPicPr>
             <a:picLocks noChangeAspect="1"/>
           </p:cNvPicPr>
           <p:nvPr/>
         </p:nvPicPr>
-        <p:blipFill rotWithShape="1">
+        <p:blipFill>
           <a:blip r:embed="rId2">
             <a:extLst>
               <a:ext uri="{28A0092B-C50C-407E-A947-70E740481C1C}">
@@ -17770,13 +17770,14 @@
               </a:ext>
             </a:extLst>
           </a:blip>
-          <a:srcRect r="52178"/>
-          <a:stretch/>
+          <a:stretch>
+            <a:fillRect/>
+          </a:stretch>
         </p:blipFill>
         <p:spPr>
           <a:xfrm>
-            <a:off x="1404557" y="1326087"/>
-            <a:ext cx="2934361" cy="5212825"/>
+            <a:off x="4596854" y="1359868"/>
+            <a:ext cx="2909770" cy="5159994"/>
           </a:xfrm>
           <a:prstGeom prst="rect">
             <a:avLst/>
@@ -17785,7 +17786,7 @@
       </p:pic>
       <p:pic>
         <p:nvPicPr>
-          <p:cNvPr id="9" name="Рисунок 8"/>
+          <p:cNvPr id="13" name="Рисунок 12"/>
           <p:cNvPicPr>
             <a:picLocks noChangeAspect="1"/>
           </p:cNvPicPr>
@@ -17805,8 +17806,8 @@
         </p:blipFill>
         <p:spPr>
           <a:xfrm>
-            <a:off x="7843532" y="1325738"/>
-            <a:ext cx="2943910" cy="5213174"/>
+            <a:off x="7835114" y="1340818"/>
+            <a:ext cx="2970524" cy="5179044"/>
           </a:xfrm>
           <a:prstGeom prst="rect">
             <a:avLst/>
@@ -17815,27 +17816,28 @@
       </p:pic>
       <p:pic>
         <p:nvPicPr>
-          <p:cNvPr id="12" name="Рисунок 11"/>
+          <p:cNvPr id="14" name="Рисунок 13"/>
           <p:cNvPicPr>
             <a:picLocks noChangeAspect="1"/>
           </p:cNvPicPr>
           <p:nvPr/>
         </p:nvPicPr>
-        <p:blipFill rotWithShape="1">
-          <a:blip r:embed="rId2">
+        <p:blipFill>
+          <a:blip r:embed="rId4">
             <a:extLst>
               <a:ext uri="{28A0092B-C50C-407E-A947-70E740481C1C}">
                 <a14:useLocalDpi xmlns:a14="http://schemas.microsoft.com/office/drawing/2010/main" val="0"/>
               </a:ext>
             </a:extLst>
           </a:blip>
-          <a:srcRect l="52790"/>
-          <a:stretch/>
+          <a:stretch>
+            <a:fillRect/>
+          </a:stretch>
         </p:blipFill>
         <p:spPr>
           <a:xfrm>
-            <a:off x="4643718" y="1326087"/>
-            <a:ext cx="2896832" cy="5212825"/>
+            <a:off x="1438571" y="1359869"/>
+            <a:ext cx="2829794" cy="5183668"/>
           </a:xfrm>
           <a:prstGeom prst="rect">
             <a:avLst/>
@@ -17879,9 +17881,9 @@
                             </p:stCondLst>
                             <p:childTnLst>
                               <p:par>
-                                <p:cTn id="5" presetID="2" presetClass="entr" presetSubtype="4" fill="hold" nodeType="afterEffect">
+                                <p:cTn id="5" presetID="2" presetClass="entr" presetSubtype="4" fill="hold" nodeType="withEffect">
                                   <p:stCondLst>
-                                    <p:cond delay="0"/>
+                                    <p:cond delay="200"/>
                                   </p:stCondLst>
                                   <p:childTnLst>
                                     <p:set>
@@ -17892,7 +17894,7 @@
                                           </p:stCondLst>
                                         </p:cTn>
                                         <p:tgtEl>
-                                          <p:spTgt spid="8"/>
+                                          <p:spTgt spid="14"/>
                                         </p:tgtEl>
                                         <p:attrNameLst>
                                           <p:attrName>style.visibility</p:attrName>
@@ -17906,7 +17908,7 @@
                                       <p:cBhvr additive="base">
                                         <p:cTn id="7" dur="500" fill="hold"/>
                                         <p:tgtEl>
-                                          <p:spTgt spid="8"/>
+                                          <p:spTgt spid="14"/>
                                         </p:tgtEl>
                                         <p:attrNameLst>
                                           <p:attrName>ppt_x</p:attrName>
@@ -17929,7 +17931,7 @@
                                       <p:cBhvr additive="base">
                                         <p:cTn id="8" dur="500" fill="hold"/>
                                         <p:tgtEl>
-                                          <p:spTgt spid="8"/>
+                                          <p:spTgt spid="14"/>
                                         </p:tgtEl>
                                         <p:attrNameLst>
                                           <p:attrName>ppt_y</p:attrName>
@@ -17951,30 +17953,21 @@
                                   </p:childTnLst>
                                 </p:cTn>
                               </p:par>
-                            </p:childTnLst>
-                          </p:cTn>
-                        </p:par>
-                        <p:par>
-                          <p:cTn id="9" fill="hold">
-                            <p:stCondLst>
-                              <p:cond delay="500"/>
-                            </p:stCondLst>
-                            <p:childTnLst>
                               <p:par>
-                                <p:cTn id="10" presetID="2" presetClass="entr" presetSubtype="4" fill="hold" nodeType="afterEffect">
+                                <p:cTn id="9" presetID="2" presetClass="entr" presetSubtype="4" fill="hold" nodeType="withEffect">
                                   <p:stCondLst>
-                                    <p:cond delay="0"/>
+                                    <p:cond delay="400"/>
                                   </p:stCondLst>
                                   <p:childTnLst>
                                     <p:set>
                                       <p:cBhvr>
-                                        <p:cTn id="11" dur="1" fill="hold">
+                                        <p:cTn id="10" dur="1" fill="hold">
                                           <p:stCondLst>
                                             <p:cond delay="0"/>
                                           </p:stCondLst>
                                         </p:cTn>
                                         <p:tgtEl>
-                                          <p:spTgt spid="12"/>
+                                          <p:spTgt spid="11"/>
                                         </p:tgtEl>
                                         <p:attrNameLst>
                                           <p:attrName>style.visibility</p:attrName>
@@ -17986,9 +17979,9 @@
                                     </p:set>
                                     <p:anim calcmode="lin" valueType="num">
                                       <p:cBhvr additive="base">
-                                        <p:cTn id="12" dur="500" fill="hold"/>
-                                        <p:tgtEl>
-                                          <p:spTgt spid="12"/>
+                                        <p:cTn id="11" dur="500" fill="hold"/>
+                                        <p:tgtEl>
+                                          <p:spTgt spid="11"/>
                                         </p:tgtEl>
                                         <p:attrNameLst>
                                           <p:attrName>ppt_x</p:attrName>
@@ -18009,9 +18002,9 @@
                                     </p:anim>
                                     <p:anim calcmode="lin" valueType="num">
                                       <p:cBhvr additive="base">
-                                        <p:cTn id="13" dur="500" fill="hold"/>
-                                        <p:tgtEl>
-                                          <p:spTgt spid="12"/>
+                                        <p:cTn id="12" dur="500" fill="hold"/>
+                                        <p:tgtEl>
+                                          <p:spTgt spid="11"/>
                                         </p:tgtEl>
                                         <p:attrNameLst>
                                           <p:attrName>ppt_y</p:attrName>
@@ -18033,30 +18026,21 @@
                                   </p:childTnLst>
                                 </p:cTn>
                               </p:par>
-                            </p:childTnLst>
-                          </p:cTn>
-                        </p:par>
-                        <p:par>
-                          <p:cTn id="14" fill="hold">
-                            <p:stCondLst>
-                              <p:cond delay="1000"/>
-                            </p:stCondLst>
-                            <p:childTnLst>
                               <p:par>
-                                <p:cTn id="15" presetID="2" presetClass="entr" presetSubtype="4" fill="hold" nodeType="afterEffect">
+                                <p:cTn id="13" presetID="2" presetClass="entr" presetSubtype="4" fill="hold" nodeType="withEffect">
                                   <p:stCondLst>
-                                    <p:cond delay="0"/>
+                                    <p:cond delay="500"/>
                                   </p:stCondLst>
                                   <p:childTnLst>
                                     <p:set>
                                       <p:cBhvr>
-                                        <p:cTn id="16" dur="1" fill="hold">
+                                        <p:cTn id="14" dur="1" fill="hold">
                                           <p:stCondLst>
                                             <p:cond delay="0"/>
                                           </p:stCondLst>
                                         </p:cTn>
                                         <p:tgtEl>
-                                          <p:spTgt spid="9"/>
+                                          <p:spTgt spid="13"/>
                                         </p:tgtEl>
                                         <p:attrNameLst>
                                           <p:attrName>style.visibility</p:attrName>
@@ -18068,9 +18052,9 @@
                                     </p:set>
                                     <p:anim calcmode="lin" valueType="num">
                                       <p:cBhvr additive="base">
-                                        <p:cTn id="17" dur="500" fill="hold"/>
-                                        <p:tgtEl>
-                                          <p:spTgt spid="9"/>
+                                        <p:cTn id="15" dur="500" fill="hold"/>
+                                        <p:tgtEl>
+                                          <p:spTgt spid="13"/>
                                         </p:tgtEl>
                                         <p:attrNameLst>
                                           <p:attrName>ppt_x</p:attrName>
@@ -18091,9 +18075,9 @@
                                     </p:anim>
                                     <p:anim calcmode="lin" valueType="num">
                                       <p:cBhvr additive="base">
-                                        <p:cTn id="18" dur="500" fill="hold"/>
-                                        <p:tgtEl>
-                                          <p:spTgt spid="9"/>
+                                        <p:cTn id="16" dur="500" fill="hold"/>
+                                        <p:tgtEl>
+                                          <p:spTgt spid="13"/>
                                         </p:tgtEl>
                                         <p:attrNameLst>
                                           <p:attrName>ppt_y</p:attrName>
@@ -18252,7 +18236,7 @@
         </p:blipFill>
         <p:spPr>
           <a:xfrm>
-            <a:off x="4656108" y="1359869"/>
+            <a:off x="4596854" y="1359869"/>
             <a:ext cx="2909770" cy="5159994"/>
           </a:xfrm>
           <a:prstGeom prst="rect">
@@ -30181,11 +30165,11 @@
   <p:clrMapOvr>
     <a:masterClrMapping/>
   </p:clrMapOvr>
-  <mc:AlternateContent xmlns:mc="http://schemas.openxmlformats.org/markup-compatibility/2006" xmlns:p14="http://schemas.microsoft.com/office/powerpoint/2010/main">
-    <mc:Choice Requires="p14">
-      <p:transition p14:dur="0"/>
+  <mc:AlternateContent xmlns:mc="http://schemas.openxmlformats.org/markup-compatibility/2006">
+    <mc:Choice xmlns:p14="http://schemas.microsoft.com/office/powerpoint/2010/main" Requires="p14">
+      <p:transition p14:dur="10"/>
     </mc:Choice>
-    <mc:Fallback xmlns="">
+    <mc:Fallback>
       <p:transition/>
     </mc:Fallback>
   </mc:AlternateContent>
@@ -32063,10 +32047,10 @@
       <p:bgPr>
         <a:gradFill>
           <a:gsLst>
-            <a:gs pos="26000">
-              <a:srgbClr val="8DD7AE"/>
+            <a:gs pos="78000">
+              <a:srgbClr val="4CC080"/>
             </a:gs>
-            <a:gs pos="75000">
+            <a:gs pos="37000">
               <a:schemeClr val="accent6">
                 <a:lumMod val="60000"/>
                 <a:lumOff val="40000"/>
@@ -32207,6 +32191,18 @@
   <p:clrMapOvr>
     <a:masterClrMapping/>
   </p:clrMapOvr>
+  <mc:AlternateContent xmlns:mc="http://schemas.openxmlformats.org/markup-compatibility/2006">
+    <mc:Choice xmlns:p14="http://schemas.microsoft.com/office/powerpoint/2010/main" Requires="p14">
+      <p:transition spd="slow" p14:dur="1500">
+        <p:pull/>
+      </p:transition>
+    </mc:Choice>
+    <mc:Fallback>
+      <p:transition spd="slow">
+        <p:pull/>
+      </p:transition>
+    </mc:Fallback>
+  </mc:AlternateContent>
   <p:timing>
     <p:tnLst>
       <p:par>
@@ -33573,7 +33569,7 @@
                               <p:par>
                                 <p:cTn id="17" presetID="22" presetClass="exit" presetSubtype="8" fill="hold" nodeType="withEffect">
                                   <p:stCondLst>
-                                    <p:cond delay="500"/>
+                                    <p:cond delay="400"/>
                                   </p:stCondLst>
                                   <p:childTnLst>
                                     <p:animEffect transition="out" filter="wipe(left)">
@@ -33608,7 +33604,7 @@
                               <p:par>
                                 <p:cTn id="20" presetID="22" presetClass="exit" presetSubtype="8" fill="hold" nodeType="withEffect">
                                   <p:stCondLst>
-                                    <p:cond delay="700"/>
+                                    <p:cond delay="500"/>
                                   </p:stCondLst>
                                   <p:childTnLst>
                                     <p:animEffect transition="out" filter="wipe(left)">
@@ -33643,7 +33639,7 @@
                               <p:par>
                                 <p:cTn id="23" presetID="22" presetClass="exit" presetSubtype="8" fill="hold" nodeType="withEffect">
                                   <p:stCondLst>
-                                    <p:cond delay="800"/>
+                                    <p:cond delay="600"/>
                                   </p:stCondLst>
                                   <p:childTnLst>
                                     <p:animEffect transition="out" filter="wipe(left)">
@@ -33678,7 +33674,7 @@
                               <p:par>
                                 <p:cTn id="26" presetID="22" presetClass="exit" presetSubtype="8" fill="hold" nodeType="withEffect">
                                   <p:stCondLst>
-                                    <p:cond delay="900"/>
+                                    <p:cond delay="700"/>
                                   </p:stCondLst>
                                   <p:childTnLst>
                                     <p:animEffect transition="out" filter="wipe(left)">
@@ -33713,7 +33709,7 @@
                               <p:par>
                                 <p:cTn id="29" presetID="22" presetClass="exit" presetSubtype="8" fill="hold" nodeType="withEffect">
                                   <p:stCondLst>
-                                    <p:cond delay="1000"/>
+                                    <p:cond delay="800"/>
                                   </p:stCondLst>
                                   <p:childTnLst>
                                     <p:animEffect transition="out" filter="wipe(left)">
